--- a/img/parEBEN_graphics.pptx
+++ b/img/parEBEN_graphics.pptx
@@ -261,7 +261,7 @@
           <a:p>
             <a:fld id="{53F1C5C1-91BB-4D0D-95FD-19F0E5A4700D}" type="datetimeFigureOut">
               <a:rPr lang="en-US" smtClean="0"/>
-              <a:t>4/30/2018</a:t>
+              <a:t>2/6/2020</a:t>
             </a:fld>
             <a:endParaRPr lang="en-US"/>
           </a:p>
@@ -459,7 +459,7 @@
           <a:p>
             <a:fld id="{53F1C5C1-91BB-4D0D-95FD-19F0E5A4700D}" type="datetimeFigureOut">
               <a:rPr lang="en-US" smtClean="0"/>
-              <a:t>4/30/2018</a:t>
+              <a:t>2/6/2020</a:t>
             </a:fld>
             <a:endParaRPr lang="en-US"/>
           </a:p>
@@ -667,7 +667,7 @@
           <a:p>
             <a:fld id="{53F1C5C1-91BB-4D0D-95FD-19F0E5A4700D}" type="datetimeFigureOut">
               <a:rPr lang="en-US" smtClean="0"/>
-              <a:t>4/30/2018</a:t>
+              <a:t>2/6/2020</a:t>
             </a:fld>
             <a:endParaRPr lang="en-US"/>
           </a:p>
@@ -865,7 +865,7 @@
           <a:p>
             <a:fld id="{53F1C5C1-91BB-4D0D-95FD-19F0E5A4700D}" type="datetimeFigureOut">
               <a:rPr lang="en-US" smtClean="0"/>
-              <a:t>4/30/2018</a:t>
+              <a:t>2/6/2020</a:t>
             </a:fld>
             <a:endParaRPr lang="en-US"/>
           </a:p>
@@ -1140,7 +1140,7 @@
           <a:p>
             <a:fld id="{53F1C5C1-91BB-4D0D-95FD-19F0E5A4700D}" type="datetimeFigureOut">
               <a:rPr lang="en-US" smtClean="0"/>
-              <a:t>4/30/2018</a:t>
+              <a:t>2/6/2020</a:t>
             </a:fld>
             <a:endParaRPr lang="en-US"/>
           </a:p>
@@ -1405,7 +1405,7 @@
           <a:p>
             <a:fld id="{53F1C5C1-91BB-4D0D-95FD-19F0E5A4700D}" type="datetimeFigureOut">
               <a:rPr lang="en-US" smtClean="0"/>
-              <a:t>4/30/2018</a:t>
+              <a:t>2/6/2020</a:t>
             </a:fld>
             <a:endParaRPr lang="en-US"/>
           </a:p>
@@ -1817,7 +1817,7 @@
           <a:p>
             <a:fld id="{53F1C5C1-91BB-4D0D-95FD-19F0E5A4700D}" type="datetimeFigureOut">
               <a:rPr lang="en-US" smtClean="0"/>
-              <a:t>4/30/2018</a:t>
+              <a:t>2/6/2020</a:t>
             </a:fld>
             <a:endParaRPr lang="en-US"/>
           </a:p>
@@ -1958,7 +1958,7 @@
           <a:p>
             <a:fld id="{53F1C5C1-91BB-4D0D-95FD-19F0E5A4700D}" type="datetimeFigureOut">
               <a:rPr lang="en-US" smtClean="0"/>
-              <a:t>4/30/2018</a:t>
+              <a:t>2/6/2020</a:t>
             </a:fld>
             <a:endParaRPr lang="en-US"/>
           </a:p>
@@ -2071,7 +2071,7 @@
           <a:p>
             <a:fld id="{53F1C5C1-91BB-4D0D-95FD-19F0E5A4700D}" type="datetimeFigureOut">
               <a:rPr lang="en-US" smtClean="0"/>
-              <a:t>4/30/2018</a:t>
+              <a:t>2/6/2020</a:t>
             </a:fld>
             <a:endParaRPr lang="en-US"/>
           </a:p>
@@ -2382,7 +2382,7 @@
           <a:p>
             <a:fld id="{53F1C5C1-91BB-4D0D-95FD-19F0E5A4700D}" type="datetimeFigureOut">
               <a:rPr lang="en-US" smtClean="0"/>
-              <a:t>4/30/2018</a:t>
+              <a:t>2/6/2020</a:t>
             </a:fld>
             <a:endParaRPr lang="en-US"/>
           </a:p>
@@ -2670,7 +2670,7 @@
           <a:p>
             <a:fld id="{53F1C5C1-91BB-4D0D-95FD-19F0E5A4700D}" type="datetimeFigureOut">
               <a:rPr lang="en-US" smtClean="0"/>
-              <a:t>4/30/2018</a:t>
+              <a:t>2/6/2020</a:t>
             </a:fld>
             <a:endParaRPr lang="en-US"/>
           </a:p>
@@ -2911,7 +2911,7 @@
           <a:p>
             <a:fld id="{53F1C5C1-91BB-4D0D-95FD-19F0E5A4700D}" type="datetimeFigureOut">
               <a:rPr lang="en-US" smtClean="0"/>
-              <a:t>4/30/2018</a:t>
+              <a:t>2/6/2020</a:t>
             </a:fld>
             <a:endParaRPr lang="en-US"/>
           </a:p>
@@ -4099,21 +4099,21 @@
           <p:nvPr>
             <p:extLst>
               <p:ext uri="{D42A27DB-BD31-4B8C-83A1-F6EECF244321}">
-                <p14:modId xmlns:p14="http://schemas.microsoft.com/office/powerpoint/2010/main" val="1820721706"/>
+                <p14:modId xmlns:p14="http://schemas.microsoft.com/office/powerpoint/2010/main" val="3575645209"/>
               </p:ext>
             </p:extLst>
           </p:nvPr>
         </p:nvGraphicFramePr>
         <p:xfrm>
-          <a:off x="1351075" y="2547213"/>
-          <a:ext cx="3176270" cy="2225040"/>
+          <a:off x="1303939" y="2543970"/>
+          <a:ext cx="3447732" cy="2225040"/>
         </p:xfrm>
         <a:graphic>
           <a:graphicData uri="http://schemas.openxmlformats.org/drawingml/2006/table">
             <a:tbl>
               <a:tblPr firstRow="1" firstCol="1" bandRow="1"/>
               <a:tblGrid>
-                <a:gridCol w="703580">
+                <a:gridCol w="975042">
                   <a:extLst>
                     <a:ext uri="{9D8B030D-6E8A-4147-A177-3AD203B41FA5}">
                       <a16:colId xmlns:a16="http://schemas.microsoft.com/office/drawing/2014/main" val="692215564"/>
@@ -4341,12 +4341,12 @@
                     <a:p>
                       <a:pPr algn="ctr"/>
                       <a:r>
+                        <a:rPr lang="en-US" dirty="0"/>
+                        <a:t>(0)</a:t>
+                      </a:r>
+                      <a:r>
                         <a:rPr lang="el-GR" dirty="0"/>
                         <a:t>λ</a:t>
-                      </a:r>
-                      <a:r>
-                        <a:rPr lang="en-US" sz="1800" baseline="-25000" dirty="0"/>
-                        <a:t>MAX</a:t>
                       </a:r>
                       <a:endParaRPr lang="en-US" baseline="-25000" dirty="0"/>
                     </a:p>
@@ -4589,17 +4589,13 @@
                       <a:pPr algn="ctr"/>
                       <a:r>
                         <a:rPr lang="en-US" dirty="0"/>
-                        <a:t>0.001</a:t>
+                        <a:t>(1)</a:t>
                       </a:r>
                       <a:r>
                         <a:rPr lang="el-GR" dirty="0"/>
                         <a:t>λ</a:t>
                       </a:r>
-                      <a:r>
-                        <a:rPr lang="en-US" sz="1800" baseline="-25000" dirty="0"/>
-                        <a:t>MAX</a:t>
-                      </a:r>
-                      <a:endParaRPr lang="en-US" dirty="0"/>
+                      <a:endParaRPr lang="en-US" baseline="-25000" dirty="0"/>
                     </a:p>
                   </a:txBody>
                   <a:tcPr>
@@ -4723,11 +4719,16 @@
                       </a:lvl9pPr>
                     </a:lstStyle>
                     <a:p>
-                      <a:pPr algn="ctr"/>
+                      <a:pPr algn="l"/>
                       <a:r>
                         <a:rPr lang="en-US" dirty="0"/>
-                        <a:t>1.00</a:t>
+                        <a:t>(1)</a:t>
                       </a:r>
+                      <a:r>
+                        <a:rPr lang="el-GR" dirty="0"/>
+                        <a:t>λ</a:t>
+                      </a:r>
+                      <a:endParaRPr lang="en-US" baseline="-25000" dirty="0"/>
                     </a:p>
                   </a:txBody>
                   <a:tcPr>
@@ -5208,11 +5209,32 @@
                       </a:lvl9pPr>
                     </a:lstStyle>
                     <a:p>
-                      <a:pPr algn="ctr"/>
+                      <a:pPr marL="0" marR="0" lvl="0" indent="0" algn="l" defTabSz="914400" rtl="0" eaLnBrk="1" fontAlgn="auto" latinLnBrk="0" hangingPunct="1">
+                        <a:lnSpc>
+                          <a:spcPct val="100000"/>
+                        </a:lnSpc>
+                        <a:spcBef>
+                          <a:spcPts val="0"/>
+                        </a:spcBef>
+                        <a:spcAft>
+                          <a:spcPts val="0"/>
+                        </a:spcAft>
+                        <a:buClrTx/>
+                        <a:buSzTx/>
+                        <a:buFontTx/>
+                        <a:buNone/>
+                        <a:tabLst/>
+                        <a:defRPr/>
+                      </a:pPr>
                       <a:r>
                         <a:rPr lang="en-US" dirty="0"/>
-                        <a:t>0.95</a:t>
+                        <a:t>(0.95)</a:t>
                       </a:r>
+                      <a:r>
+                        <a:rPr lang="el-GR" dirty="0"/>
+                        <a:t>λ</a:t>
+                      </a:r>
+                      <a:endParaRPr lang="en-US" baseline="-25000" dirty="0"/>
                     </a:p>
                   </a:txBody>
                   <a:tcPr>
@@ -5693,7 +5715,7 @@
                       </a:lvl9pPr>
                     </a:lstStyle>
                     <a:p>
-                      <a:pPr algn="ctr"/>
+                      <a:pPr algn="l"/>
                       <a:r>
                         <a:rPr lang="en-US" dirty="0"/>
                         <a:t>…</a:t>
@@ -6178,11 +6200,32 @@
                       </a:lvl9pPr>
                     </a:lstStyle>
                     <a:p>
-                      <a:pPr algn="ctr"/>
+                      <a:pPr marL="0" marR="0" lvl="0" indent="0" algn="l" defTabSz="914400" rtl="0" eaLnBrk="1" fontAlgn="auto" latinLnBrk="0" hangingPunct="1">
+                        <a:lnSpc>
+                          <a:spcPct val="100000"/>
+                        </a:lnSpc>
+                        <a:spcBef>
+                          <a:spcPts val="0"/>
+                        </a:spcBef>
+                        <a:spcAft>
+                          <a:spcPts val="0"/>
+                        </a:spcAft>
+                        <a:buClrTx/>
+                        <a:buSzTx/>
+                        <a:buFontTx/>
+                        <a:buNone/>
+                        <a:tabLst/>
+                        <a:defRPr/>
+                      </a:pPr>
                       <a:r>
                         <a:rPr lang="en-US" dirty="0"/>
-                        <a:t>0.05</a:t>
+                        <a:t>(0.05)</a:t>
                       </a:r>
+                      <a:r>
+                        <a:rPr lang="el-GR" dirty="0"/>
+                        <a:t>λ</a:t>
+                      </a:r>
+                      <a:endParaRPr lang="en-US" baseline="-25000" dirty="0"/>
                     </a:p>
                   </a:txBody>
                   <a:tcPr>
@@ -6663,11 +6706,16 @@
                       </a:lvl9pPr>
                     </a:lstStyle>
                     <a:p>
-                      <a:pPr algn="ctr"/>
+                      <a:pPr algn="l"/>
                       <a:r>
                         <a:rPr lang="en-US" dirty="0"/>
-                        <a:t>0.00</a:t>
+                        <a:t>(0)</a:t>
                       </a:r>
+                      <a:r>
+                        <a:rPr lang="el-GR" dirty="0"/>
+                        <a:t>λ</a:t>
+                      </a:r>
+                      <a:endParaRPr lang="en-US" baseline="-25000" dirty="0"/>
                     </a:p>
                   </a:txBody>
                   <a:tcPr>
@@ -7087,7 +7135,7 @@
         </p:nvSpPr>
         <p:spPr>
           <a:xfrm>
-            <a:off x="2045689" y="3087525"/>
+            <a:off x="2298699" y="3104303"/>
             <a:ext cx="2499017" cy="1323439"/>
           </a:xfrm>
           <a:prstGeom prst="rect">
@@ -7147,7 +7195,7 @@
         <p:spPr>
           <a:xfrm>
             <a:off x="2173391" y="1711358"/>
-            <a:ext cx="1566454" cy="369332"/>
+            <a:ext cx="1741182" cy="369332"/>
           </a:xfrm>
           <a:prstGeom prst="rect">
             <a:avLst/>
@@ -7177,6 +7225,15 @@
                 <a:latin typeface="Raleway"/>
               </a:rPr>
               <a:t>λ</a:t>
+            </a:r>
+            <a:r>
+              <a:rPr lang="en-US" i="1" baseline="-25000" dirty="0">
+                <a:solidFill>
+                  <a:prstClr val="black"/>
+                </a:solidFill>
+                <a:latin typeface="Raleway"/>
+              </a:rPr>
+              <a:t>2</a:t>
             </a:r>
             <a:r>
               <a:rPr lang="en-US" dirty="0">
@@ -7270,8 +7327,8 @@
         </p:nvSpPr>
         <p:spPr>
           <a:xfrm rot="16200000">
-            <a:off x="-146641" y="3462884"/>
-            <a:ext cx="1588897" cy="369332"/>
+            <a:off x="-211563" y="3462884"/>
+            <a:ext cx="1718740" cy="369332"/>
           </a:xfrm>
           <a:prstGeom prst="rect">
             <a:avLst/>
@@ -7291,17 +7348,25 @@
                 </a:solidFill>
                 <a:latin typeface="Raleway"/>
               </a:rPr>
-              <a:t>20 steps of </a:t>
+              <a:t>20 steps of</a:t>
             </a:r>
             <a:r>
               <a:rPr lang="el-GR" i="1" dirty="0">
                 <a:solidFill>
                   <a:prstClr val="black"/>
                 </a:solidFill>
-                <a:latin typeface="Segoe UI" panose="020B0502040204020203" pitchFamily="34" charset="0"/>
-                <a:cs typeface="Segoe UI" panose="020B0502040204020203" pitchFamily="34" charset="0"/>
+                <a:latin typeface="Raleway"/>
               </a:rPr>
-              <a:t>α</a:t>
+              <a:t> λ</a:t>
+            </a:r>
+            <a:r>
+              <a:rPr lang="en-US" i="1" baseline="-25000" dirty="0">
+                <a:solidFill>
+                  <a:prstClr val="black"/>
+                </a:solidFill>
+                <a:latin typeface="Raleway"/>
+              </a:rPr>
+              <a:t>1</a:t>
             </a:r>
             <a:r>
               <a:rPr lang="en-US" i="1" dirty="0">
@@ -7412,7 +7477,7 @@
         </p:blipFill>
         <p:spPr>
           <a:xfrm rot="10800000">
-            <a:off x="4650590" y="3202533"/>
+            <a:off x="4732512" y="3205467"/>
             <a:ext cx="914400" cy="914400"/>
           </a:xfrm>
           <a:prstGeom prst="rect">
@@ -7668,3303 +7733,6 @@
           <a:chExt cx="0" cy="0"/>
         </a:xfrm>
       </p:grpSpPr>
-      <p:graphicFrame>
-        <p:nvGraphicFramePr>
-          <p:cNvPr id="4" name="Table 3">
-            <a:extLst>
-              <a:ext uri="{FF2B5EF4-FFF2-40B4-BE49-F238E27FC236}">
-                <a16:creationId xmlns:a16="http://schemas.microsoft.com/office/drawing/2014/main" id="{06F50FDF-5A48-4580-8B4E-70EAC9D69E55}"/>
-              </a:ext>
-            </a:extLst>
-          </p:cNvPr>
-          <p:cNvGraphicFramePr>
-            <a:graphicFrameLocks noGrp="1"/>
-          </p:cNvGraphicFramePr>
-          <p:nvPr>
-            <p:extLst>
-              <p:ext uri="{D42A27DB-BD31-4B8C-83A1-F6EECF244321}">
-                <p14:modId xmlns:p14="http://schemas.microsoft.com/office/powerpoint/2010/main" val="665373365"/>
-              </p:ext>
-            </p:extLst>
-          </p:nvPr>
-        </p:nvGraphicFramePr>
-        <p:xfrm>
-          <a:off x="-622868" y="2273556"/>
-          <a:ext cx="3176270" cy="2225040"/>
-        </p:xfrm>
-        <a:graphic>
-          <a:graphicData uri="http://schemas.openxmlformats.org/drawingml/2006/table">
-            <a:tbl>
-              <a:tblPr firstRow="1" firstCol="1" bandRow="1"/>
-              <a:tblGrid>
-                <a:gridCol w="703580">
-                  <a:extLst>
-                    <a:ext uri="{9D8B030D-6E8A-4147-A177-3AD203B41FA5}">
-                      <a16:colId xmlns:a16="http://schemas.microsoft.com/office/drawing/2014/main" val="692215564"/>
-                    </a:ext>
-                  </a:extLst>
-                </a:gridCol>
-                <a:gridCol w="703580">
-                  <a:extLst>
-                    <a:ext uri="{9D8B030D-6E8A-4147-A177-3AD203B41FA5}">
-                      <a16:colId xmlns:a16="http://schemas.microsoft.com/office/drawing/2014/main" val="2745094234"/>
-                    </a:ext>
-                  </a:extLst>
-                </a:gridCol>
-                <a:gridCol w="454343">
-                  <a:extLst>
-                    <a:ext uri="{9D8B030D-6E8A-4147-A177-3AD203B41FA5}">
-                      <a16:colId xmlns:a16="http://schemas.microsoft.com/office/drawing/2014/main" val="2925381175"/>
-                    </a:ext>
-                  </a:extLst>
-                </a:gridCol>
-                <a:gridCol w="1314767">
-                  <a:extLst>
-                    <a:ext uri="{9D8B030D-6E8A-4147-A177-3AD203B41FA5}">
-                      <a16:colId xmlns:a16="http://schemas.microsoft.com/office/drawing/2014/main" val="3764812946"/>
-                    </a:ext>
-                  </a:extLst>
-                </a:gridCol>
-              </a:tblGrid>
-              <a:tr h="370840">
-                <a:tc>
-                  <a:txBody>
-                    <a:bodyPr/>
-                    <a:lstStyle>
-                      <a:lvl1pPr marL="0" algn="l" defTabSz="914400" rtl="0" eaLnBrk="1" latinLnBrk="0" hangingPunct="1">
-                        <a:defRPr sz="1800" b="1" kern="1200">
-                          <a:solidFill>
-                            <a:schemeClr val="lt1"/>
-                          </a:solidFill>
-                          <a:latin typeface="Segoe UI"/>
-                        </a:defRPr>
-                      </a:lvl1pPr>
-                      <a:lvl2pPr marL="457200" algn="l" defTabSz="914400" rtl="0" eaLnBrk="1" latinLnBrk="0" hangingPunct="1">
-                        <a:defRPr sz="1800" b="1" kern="1200">
-                          <a:solidFill>
-                            <a:schemeClr val="lt1"/>
-                          </a:solidFill>
-                          <a:latin typeface="Segoe UI"/>
-                        </a:defRPr>
-                      </a:lvl2pPr>
-                      <a:lvl3pPr marL="914400" algn="l" defTabSz="914400" rtl="0" eaLnBrk="1" latinLnBrk="0" hangingPunct="1">
-                        <a:defRPr sz="1800" b="1" kern="1200">
-                          <a:solidFill>
-                            <a:schemeClr val="lt1"/>
-                          </a:solidFill>
-                          <a:latin typeface="Segoe UI"/>
-                        </a:defRPr>
-                      </a:lvl3pPr>
-                      <a:lvl4pPr marL="1371600" algn="l" defTabSz="914400" rtl="0" eaLnBrk="1" latinLnBrk="0" hangingPunct="1">
-                        <a:defRPr sz="1800" b="1" kern="1200">
-                          <a:solidFill>
-                            <a:schemeClr val="lt1"/>
-                          </a:solidFill>
-                          <a:latin typeface="Segoe UI"/>
-                        </a:defRPr>
-                      </a:lvl4pPr>
-                      <a:lvl5pPr marL="1828800" algn="l" defTabSz="914400" rtl="0" eaLnBrk="1" latinLnBrk="0" hangingPunct="1">
-                        <a:defRPr sz="1800" b="1" kern="1200">
-                          <a:solidFill>
-                            <a:schemeClr val="lt1"/>
-                          </a:solidFill>
-                          <a:latin typeface="Segoe UI"/>
-                        </a:defRPr>
-                      </a:lvl5pPr>
-                      <a:lvl6pPr marL="2286000" algn="l" defTabSz="914400" rtl="0" eaLnBrk="1" latinLnBrk="0" hangingPunct="1">
-                        <a:defRPr sz="1800" b="1" kern="1200">
-                          <a:solidFill>
-                            <a:schemeClr val="lt1"/>
-                          </a:solidFill>
-                          <a:latin typeface="Segoe UI"/>
-                        </a:defRPr>
-                      </a:lvl6pPr>
-                      <a:lvl7pPr marL="2743200" algn="l" defTabSz="914400" rtl="0" eaLnBrk="1" latinLnBrk="0" hangingPunct="1">
-                        <a:defRPr sz="1800" b="1" kern="1200">
-                          <a:solidFill>
-                            <a:schemeClr val="lt1"/>
-                          </a:solidFill>
-                          <a:latin typeface="Segoe UI"/>
-                        </a:defRPr>
-                      </a:lvl7pPr>
-                      <a:lvl8pPr marL="3200400" algn="l" defTabSz="914400" rtl="0" eaLnBrk="1" latinLnBrk="0" hangingPunct="1">
-                        <a:defRPr sz="1800" b="1" kern="1200">
-                          <a:solidFill>
-                            <a:schemeClr val="lt1"/>
-                          </a:solidFill>
-                          <a:latin typeface="Segoe UI"/>
-                        </a:defRPr>
-                      </a:lvl8pPr>
-                      <a:lvl9pPr marL="3657600" algn="l" defTabSz="914400" rtl="0" eaLnBrk="1" latinLnBrk="0" hangingPunct="1">
-                        <a:defRPr sz="1800" b="1" kern="1200">
-                          <a:solidFill>
-                            <a:schemeClr val="lt1"/>
-                          </a:solidFill>
-                          <a:latin typeface="Segoe UI"/>
-                        </a:defRPr>
-                      </a:lvl9pPr>
-                    </a:lstStyle>
-                    <a:p>
-                      <a:pPr algn="ctr"/>
-                      <a:endParaRPr lang="en-US" dirty="0"/>
-                    </a:p>
-                  </a:txBody>
-                  <a:tcPr>
-                    <a:lnL w="12700" cmpd="sng">
-                      <a:solidFill>
-                        <a:sysClr val="window" lastClr="FFFFFF"/>
-                      </a:solidFill>
-                    </a:lnL>
-                    <a:lnR w="12700" cmpd="sng">
-                      <a:solidFill>
-                        <a:sysClr val="window" lastClr="FFFFFF"/>
-                      </a:solidFill>
-                    </a:lnR>
-                    <a:lnT w="12700" cmpd="sng">
-                      <a:solidFill>
-                        <a:sysClr val="window" lastClr="FFFFFF"/>
-                      </a:solidFill>
-                    </a:lnT>
-                    <a:lnB w="38100" cmpd="sng">
-                      <a:solidFill>
-                        <a:sysClr val="window" lastClr="FFFFFF"/>
-                      </a:solidFill>
-                    </a:lnB>
-                    <a:lnTlToBr w="12700" cmpd="sng">
-                      <a:noFill/>
-                      <a:prstDash val="solid"/>
-                    </a:lnTlToBr>
-                    <a:lnBlToTr w="12700" cmpd="sng">
-                      <a:noFill/>
-                      <a:prstDash val="solid"/>
-                    </a:lnBlToTr>
-                    <a:solidFill>
-                      <a:schemeClr val="accent1">
-                        <a:lumMod val="50000"/>
-                      </a:schemeClr>
-                    </a:solidFill>
-                  </a:tcPr>
-                </a:tc>
-                <a:tc>
-                  <a:txBody>
-                    <a:bodyPr/>
-                    <a:lstStyle>
-                      <a:lvl1pPr marL="0" algn="l" defTabSz="914400" rtl="0" eaLnBrk="1" latinLnBrk="0" hangingPunct="1">
-                        <a:defRPr sz="1800" b="1" kern="1200">
-                          <a:solidFill>
-                            <a:schemeClr val="lt1"/>
-                          </a:solidFill>
-                          <a:latin typeface="Segoe UI"/>
-                        </a:defRPr>
-                      </a:lvl1pPr>
-                      <a:lvl2pPr marL="457200" algn="l" defTabSz="914400" rtl="0" eaLnBrk="1" latinLnBrk="0" hangingPunct="1">
-                        <a:defRPr sz="1800" b="1" kern="1200">
-                          <a:solidFill>
-                            <a:schemeClr val="lt1"/>
-                          </a:solidFill>
-                          <a:latin typeface="Segoe UI"/>
-                        </a:defRPr>
-                      </a:lvl2pPr>
-                      <a:lvl3pPr marL="914400" algn="l" defTabSz="914400" rtl="0" eaLnBrk="1" latinLnBrk="0" hangingPunct="1">
-                        <a:defRPr sz="1800" b="1" kern="1200">
-                          <a:solidFill>
-                            <a:schemeClr val="lt1"/>
-                          </a:solidFill>
-                          <a:latin typeface="Segoe UI"/>
-                        </a:defRPr>
-                      </a:lvl3pPr>
-                      <a:lvl4pPr marL="1371600" algn="l" defTabSz="914400" rtl="0" eaLnBrk="1" latinLnBrk="0" hangingPunct="1">
-                        <a:defRPr sz="1800" b="1" kern="1200">
-                          <a:solidFill>
-                            <a:schemeClr val="lt1"/>
-                          </a:solidFill>
-                          <a:latin typeface="Segoe UI"/>
-                        </a:defRPr>
-                      </a:lvl4pPr>
-                      <a:lvl5pPr marL="1828800" algn="l" defTabSz="914400" rtl="0" eaLnBrk="1" latinLnBrk="0" hangingPunct="1">
-                        <a:defRPr sz="1800" b="1" kern="1200">
-                          <a:solidFill>
-                            <a:schemeClr val="lt1"/>
-                          </a:solidFill>
-                          <a:latin typeface="Segoe UI"/>
-                        </a:defRPr>
-                      </a:lvl5pPr>
-                      <a:lvl6pPr marL="2286000" algn="l" defTabSz="914400" rtl="0" eaLnBrk="1" latinLnBrk="0" hangingPunct="1">
-                        <a:defRPr sz="1800" b="1" kern="1200">
-                          <a:solidFill>
-                            <a:schemeClr val="lt1"/>
-                          </a:solidFill>
-                          <a:latin typeface="Segoe UI"/>
-                        </a:defRPr>
-                      </a:lvl6pPr>
-                      <a:lvl7pPr marL="2743200" algn="l" defTabSz="914400" rtl="0" eaLnBrk="1" latinLnBrk="0" hangingPunct="1">
-                        <a:defRPr sz="1800" b="1" kern="1200">
-                          <a:solidFill>
-                            <a:schemeClr val="lt1"/>
-                          </a:solidFill>
-                          <a:latin typeface="Segoe UI"/>
-                        </a:defRPr>
-                      </a:lvl7pPr>
-                      <a:lvl8pPr marL="3200400" algn="l" defTabSz="914400" rtl="0" eaLnBrk="1" latinLnBrk="0" hangingPunct="1">
-                        <a:defRPr sz="1800" b="1" kern="1200">
-                          <a:solidFill>
-                            <a:schemeClr val="lt1"/>
-                          </a:solidFill>
-                          <a:latin typeface="Segoe UI"/>
-                        </a:defRPr>
-                      </a:lvl8pPr>
-                      <a:lvl9pPr marL="3657600" algn="l" defTabSz="914400" rtl="0" eaLnBrk="1" latinLnBrk="0" hangingPunct="1">
-                        <a:defRPr sz="1800" b="1" kern="1200">
-                          <a:solidFill>
-                            <a:schemeClr val="lt1"/>
-                          </a:solidFill>
-                          <a:latin typeface="Segoe UI"/>
-                        </a:defRPr>
-                      </a:lvl9pPr>
-                    </a:lstStyle>
-                    <a:p>
-                      <a:pPr algn="ctr"/>
-                      <a:r>
-                        <a:rPr lang="el-GR" dirty="0"/>
-                        <a:t>λ</a:t>
-                      </a:r>
-                      <a:r>
-                        <a:rPr lang="en-US" sz="1800" baseline="-25000" dirty="0"/>
-                        <a:t>MAX</a:t>
-                      </a:r>
-                      <a:endParaRPr lang="en-US" baseline="-25000" dirty="0"/>
-                    </a:p>
-                  </a:txBody>
-                  <a:tcPr>
-                    <a:lnL w="12700" cmpd="sng">
-                      <a:solidFill>
-                        <a:sysClr val="window" lastClr="FFFFFF"/>
-                      </a:solidFill>
-                    </a:lnL>
-                    <a:lnR w="12700" cmpd="sng">
-                      <a:solidFill>
-                        <a:sysClr val="window" lastClr="FFFFFF"/>
-                      </a:solidFill>
-                    </a:lnR>
-                    <a:lnT w="12700" cmpd="sng">
-                      <a:solidFill>
-                        <a:sysClr val="window" lastClr="FFFFFF"/>
-                      </a:solidFill>
-                    </a:lnT>
-                    <a:lnB w="38100" cmpd="sng">
-                      <a:solidFill>
-                        <a:sysClr val="window" lastClr="FFFFFF"/>
-                      </a:solidFill>
-                    </a:lnB>
-                    <a:lnTlToBr w="12700" cmpd="sng">
-                      <a:noFill/>
-                      <a:prstDash val="solid"/>
-                    </a:lnTlToBr>
-                    <a:lnBlToTr w="12700" cmpd="sng">
-                      <a:noFill/>
-                      <a:prstDash val="solid"/>
-                    </a:lnBlToTr>
-                    <a:solidFill>
-                      <a:schemeClr val="accent1">
-                        <a:lumMod val="50000"/>
-                      </a:schemeClr>
-                    </a:solidFill>
-                  </a:tcPr>
-                </a:tc>
-                <a:tc>
-                  <a:txBody>
-                    <a:bodyPr/>
-                    <a:lstStyle>
-                      <a:lvl1pPr marL="0" algn="l" defTabSz="914400" rtl="0" eaLnBrk="1" latinLnBrk="0" hangingPunct="1">
-                        <a:defRPr sz="1800" b="1" kern="1200">
-                          <a:solidFill>
-                            <a:schemeClr val="lt1"/>
-                          </a:solidFill>
-                          <a:latin typeface="Segoe UI"/>
-                        </a:defRPr>
-                      </a:lvl1pPr>
-                      <a:lvl2pPr marL="457200" algn="l" defTabSz="914400" rtl="0" eaLnBrk="1" latinLnBrk="0" hangingPunct="1">
-                        <a:defRPr sz="1800" b="1" kern="1200">
-                          <a:solidFill>
-                            <a:schemeClr val="lt1"/>
-                          </a:solidFill>
-                          <a:latin typeface="Segoe UI"/>
-                        </a:defRPr>
-                      </a:lvl2pPr>
-                      <a:lvl3pPr marL="914400" algn="l" defTabSz="914400" rtl="0" eaLnBrk="1" latinLnBrk="0" hangingPunct="1">
-                        <a:defRPr sz="1800" b="1" kern="1200">
-                          <a:solidFill>
-                            <a:schemeClr val="lt1"/>
-                          </a:solidFill>
-                          <a:latin typeface="Segoe UI"/>
-                        </a:defRPr>
-                      </a:lvl3pPr>
-                      <a:lvl4pPr marL="1371600" algn="l" defTabSz="914400" rtl="0" eaLnBrk="1" latinLnBrk="0" hangingPunct="1">
-                        <a:defRPr sz="1800" b="1" kern="1200">
-                          <a:solidFill>
-                            <a:schemeClr val="lt1"/>
-                          </a:solidFill>
-                          <a:latin typeface="Segoe UI"/>
-                        </a:defRPr>
-                      </a:lvl4pPr>
-                      <a:lvl5pPr marL="1828800" algn="l" defTabSz="914400" rtl="0" eaLnBrk="1" latinLnBrk="0" hangingPunct="1">
-                        <a:defRPr sz="1800" b="1" kern="1200">
-                          <a:solidFill>
-                            <a:schemeClr val="lt1"/>
-                          </a:solidFill>
-                          <a:latin typeface="Segoe UI"/>
-                        </a:defRPr>
-                      </a:lvl5pPr>
-                      <a:lvl6pPr marL="2286000" algn="l" defTabSz="914400" rtl="0" eaLnBrk="1" latinLnBrk="0" hangingPunct="1">
-                        <a:defRPr sz="1800" b="1" kern="1200">
-                          <a:solidFill>
-                            <a:schemeClr val="lt1"/>
-                          </a:solidFill>
-                          <a:latin typeface="Segoe UI"/>
-                        </a:defRPr>
-                      </a:lvl6pPr>
-                      <a:lvl7pPr marL="2743200" algn="l" defTabSz="914400" rtl="0" eaLnBrk="1" latinLnBrk="0" hangingPunct="1">
-                        <a:defRPr sz="1800" b="1" kern="1200">
-                          <a:solidFill>
-                            <a:schemeClr val="lt1"/>
-                          </a:solidFill>
-                          <a:latin typeface="Segoe UI"/>
-                        </a:defRPr>
-                      </a:lvl7pPr>
-                      <a:lvl8pPr marL="3200400" algn="l" defTabSz="914400" rtl="0" eaLnBrk="1" latinLnBrk="0" hangingPunct="1">
-                        <a:defRPr sz="1800" b="1" kern="1200">
-                          <a:solidFill>
-                            <a:schemeClr val="lt1"/>
-                          </a:solidFill>
-                          <a:latin typeface="Segoe UI"/>
-                        </a:defRPr>
-                      </a:lvl8pPr>
-                      <a:lvl9pPr marL="3657600" algn="l" defTabSz="914400" rtl="0" eaLnBrk="1" latinLnBrk="0" hangingPunct="1">
-                        <a:defRPr sz="1800" b="1" kern="1200">
-                          <a:solidFill>
-                            <a:schemeClr val="lt1"/>
-                          </a:solidFill>
-                          <a:latin typeface="Segoe UI"/>
-                        </a:defRPr>
-                      </a:lvl9pPr>
-                    </a:lstStyle>
-                    <a:p>
-                      <a:pPr algn="ctr"/>
-                      <a:r>
-                        <a:rPr lang="en-US" dirty="0"/>
-                        <a:t>…</a:t>
-                      </a:r>
-                    </a:p>
-                  </a:txBody>
-                  <a:tcPr>
-                    <a:lnL w="12700" cmpd="sng">
-                      <a:solidFill>
-                        <a:sysClr val="window" lastClr="FFFFFF"/>
-                      </a:solidFill>
-                    </a:lnL>
-                    <a:lnR w="12700" cmpd="sng">
-                      <a:solidFill>
-                        <a:sysClr val="window" lastClr="FFFFFF"/>
-                      </a:solidFill>
-                    </a:lnR>
-                    <a:lnT w="12700" cmpd="sng">
-                      <a:solidFill>
-                        <a:sysClr val="window" lastClr="FFFFFF"/>
-                      </a:solidFill>
-                    </a:lnT>
-                    <a:lnB w="38100" cmpd="sng">
-                      <a:solidFill>
-                        <a:sysClr val="window" lastClr="FFFFFF"/>
-                      </a:solidFill>
-                    </a:lnB>
-                    <a:lnTlToBr w="12700" cmpd="sng">
-                      <a:noFill/>
-                      <a:prstDash val="solid"/>
-                    </a:lnTlToBr>
-                    <a:lnBlToTr w="12700" cmpd="sng">
-                      <a:noFill/>
-                      <a:prstDash val="solid"/>
-                    </a:lnBlToTr>
-                    <a:solidFill>
-                      <a:schemeClr val="accent1">
-                        <a:lumMod val="50000"/>
-                      </a:schemeClr>
-                    </a:solidFill>
-                  </a:tcPr>
-                </a:tc>
-                <a:tc>
-                  <a:txBody>
-                    <a:bodyPr/>
-                    <a:lstStyle>
-                      <a:lvl1pPr marL="0" algn="l" defTabSz="914400" rtl="0" eaLnBrk="1" latinLnBrk="0" hangingPunct="1">
-                        <a:defRPr sz="1800" b="1" kern="1200">
-                          <a:solidFill>
-                            <a:schemeClr val="lt1"/>
-                          </a:solidFill>
-                          <a:latin typeface="Segoe UI"/>
-                        </a:defRPr>
-                      </a:lvl1pPr>
-                      <a:lvl2pPr marL="457200" algn="l" defTabSz="914400" rtl="0" eaLnBrk="1" latinLnBrk="0" hangingPunct="1">
-                        <a:defRPr sz="1800" b="1" kern="1200">
-                          <a:solidFill>
-                            <a:schemeClr val="lt1"/>
-                          </a:solidFill>
-                          <a:latin typeface="Segoe UI"/>
-                        </a:defRPr>
-                      </a:lvl2pPr>
-                      <a:lvl3pPr marL="914400" algn="l" defTabSz="914400" rtl="0" eaLnBrk="1" latinLnBrk="0" hangingPunct="1">
-                        <a:defRPr sz="1800" b="1" kern="1200">
-                          <a:solidFill>
-                            <a:schemeClr val="lt1"/>
-                          </a:solidFill>
-                          <a:latin typeface="Segoe UI"/>
-                        </a:defRPr>
-                      </a:lvl3pPr>
-                      <a:lvl4pPr marL="1371600" algn="l" defTabSz="914400" rtl="0" eaLnBrk="1" latinLnBrk="0" hangingPunct="1">
-                        <a:defRPr sz="1800" b="1" kern="1200">
-                          <a:solidFill>
-                            <a:schemeClr val="lt1"/>
-                          </a:solidFill>
-                          <a:latin typeface="Segoe UI"/>
-                        </a:defRPr>
-                      </a:lvl4pPr>
-                      <a:lvl5pPr marL="1828800" algn="l" defTabSz="914400" rtl="0" eaLnBrk="1" latinLnBrk="0" hangingPunct="1">
-                        <a:defRPr sz="1800" b="1" kern="1200">
-                          <a:solidFill>
-                            <a:schemeClr val="lt1"/>
-                          </a:solidFill>
-                          <a:latin typeface="Segoe UI"/>
-                        </a:defRPr>
-                      </a:lvl5pPr>
-                      <a:lvl6pPr marL="2286000" algn="l" defTabSz="914400" rtl="0" eaLnBrk="1" latinLnBrk="0" hangingPunct="1">
-                        <a:defRPr sz="1800" b="1" kern="1200">
-                          <a:solidFill>
-                            <a:schemeClr val="lt1"/>
-                          </a:solidFill>
-                          <a:latin typeface="Segoe UI"/>
-                        </a:defRPr>
-                      </a:lvl6pPr>
-                      <a:lvl7pPr marL="2743200" algn="l" defTabSz="914400" rtl="0" eaLnBrk="1" latinLnBrk="0" hangingPunct="1">
-                        <a:defRPr sz="1800" b="1" kern="1200">
-                          <a:solidFill>
-                            <a:schemeClr val="lt1"/>
-                          </a:solidFill>
-                          <a:latin typeface="Segoe UI"/>
-                        </a:defRPr>
-                      </a:lvl7pPr>
-                      <a:lvl8pPr marL="3200400" algn="l" defTabSz="914400" rtl="0" eaLnBrk="1" latinLnBrk="0" hangingPunct="1">
-                        <a:defRPr sz="1800" b="1" kern="1200">
-                          <a:solidFill>
-                            <a:schemeClr val="lt1"/>
-                          </a:solidFill>
-                          <a:latin typeface="Segoe UI"/>
-                        </a:defRPr>
-                      </a:lvl8pPr>
-                      <a:lvl9pPr marL="3657600" algn="l" defTabSz="914400" rtl="0" eaLnBrk="1" latinLnBrk="0" hangingPunct="1">
-                        <a:defRPr sz="1800" b="1" kern="1200">
-                          <a:solidFill>
-                            <a:schemeClr val="lt1"/>
-                          </a:solidFill>
-                          <a:latin typeface="Segoe UI"/>
-                        </a:defRPr>
-                      </a:lvl9pPr>
-                    </a:lstStyle>
-                    <a:p>
-                      <a:pPr algn="ctr"/>
-                      <a:r>
-                        <a:rPr lang="en-US" dirty="0"/>
-                        <a:t>0.001</a:t>
-                      </a:r>
-                      <a:r>
-                        <a:rPr lang="el-GR" dirty="0"/>
-                        <a:t>λ</a:t>
-                      </a:r>
-                      <a:r>
-                        <a:rPr lang="en-US" sz="1800" baseline="-25000" dirty="0"/>
-                        <a:t>MAX</a:t>
-                      </a:r>
-                      <a:endParaRPr lang="en-US" dirty="0"/>
-                    </a:p>
-                  </a:txBody>
-                  <a:tcPr>
-                    <a:lnL w="12700" cmpd="sng">
-                      <a:solidFill>
-                        <a:sysClr val="window" lastClr="FFFFFF"/>
-                      </a:solidFill>
-                    </a:lnL>
-                    <a:lnR w="12700" cmpd="sng">
-                      <a:solidFill>
-                        <a:sysClr val="window" lastClr="FFFFFF"/>
-                      </a:solidFill>
-                    </a:lnR>
-                    <a:lnT w="12700" cmpd="sng">
-                      <a:solidFill>
-                        <a:sysClr val="window" lastClr="FFFFFF"/>
-                      </a:solidFill>
-                    </a:lnT>
-                    <a:lnB w="38100" cmpd="sng">
-                      <a:solidFill>
-                        <a:sysClr val="window" lastClr="FFFFFF"/>
-                      </a:solidFill>
-                    </a:lnB>
-                    <a:lnTlToBr w="12700" cmpd="sng">
-                      <a:noFill/>
-                      <a:prstDash val="solid"/>
-                    </a:lnTlToBr>
-                    <a:lnBlToTr w="12700" cmpd="sng">
-                      <a:noFill/>
-                      <a:prstDash val="solid"/>
-                    </a:lnBlToTr>
-                    <a:solidFill>
-                      <a:schemeClr val="accent1">
-                        <a:lumMod val="50000"/>
-                      </a:schemeClr>
-                    </a:solidFill>
-                  </a:tcPr>
-                </a:tc>
-                <a:extLst>
-                  <a:ext uri="{0D108BD9-81ED-4DB2-BD59-A6C34878D82A}">
-                    <a16:rowId xmlns:a16="http://schemas.microsoft.com/office/drawing/2014/main" val="842397295"/>
-                  </a:ext>
-                </a:extLst>
-              </a:tr>
-              <a:tr h="370840">
-                <a:tc>
-                  <a:txBody>
-                    <a:bodyPr/>
-                    <a:lstStyle>
-                      <a:lvl1pPr marL="0" algn="l" defTabSz="914400" rtl="0" eaLnBrk="1" latinLnBrk="0" hangingPunct="1">
-                        <a:defRPr sz="1800" b="1" kern="1200">
-                          <a:solidFill>
-                            <a:schemeClr val="lt1"/>
-                          </a:solidFill>
-                          <a:latin typeface="Segoe UI"/>
-                        </a:defRPr>
-                      </a:lvl1pPr>
-                      <a:lvl2pPr marL="457200" algn="l" defTabSz="914400" rtl="0" eaLnBrk="1" latinLnBrk="0" hangingPunct="1">
-                        <a:defRPr sz="1800" b="1" kern="1200">
-                          <a:solidFill>
-                            <a:schemeClr val="lt1"/>
-                          </a:solidFill>
-                          <a:latin typeface="Segoe UI"/>
-                        </a:defRPr>
-                      </a:lvl2pPr>
-                      <a:lvl3pPr marL="914400" algn="l" defTabSz="914400" rtl="0" eaLnBrk="1" latinLnBrk="0" hangingPunct="1">
-                        <a:defRPr sz="1800" b="1" kern="1200">
-                          <a:solidFill>
-                            <a:schemeClr val="lt1"/>
-                          </a:solidFill>
-                          <a:latin typeface="Segoe UI"/>
-                        </a:defRPr>
-                      </a:lvl3pPr>
-                      <a:lvl4pPr marL="1371600" algn="l" defTabSz="914400" rtl="0" eaLnBrk="1" latinLnBrk="0" hangingPunct="1">
-                        <a:defRPr sz="1800" b="1" kern="1200">
-                          <a:solidFill>
-                            <a:schemeClr val="lt1"/>
-                          </a:solidFill>
-                          <a:latin typeface="Segoe UI"/>
-                        </a:defRPr>
-                      </a:lvl4pPr>
-                      <a:lvl5pPr marL="1828800" algn="l" defTabSz="914400" rtl="0" eaLnBrk="1" latinLnBrk="0" hangingPunct="1">
-                        <a:defRPr sz="1800" b="1" kern="1200">
-                          <a:solidFill>
-                            <a:schemeClr val="lt1"/>
-                          </a:solidFill>
-                          <a:latin typeface="Segoe UI"/>
-                        </a:defRPr>
-                      </a:lvl5pPr>
-                      <a:lvl6pPr marL="2286000" algn="l" defTabSz="914400" rtl="0" eaLnBrk="1" latinLnBrk="0" hangingPunct="1">
-                        <a:defRPr sz="1800" b="1" kern="1200">
-                          <a:solidFill>
-                            <a:schemeClr val="lt1"/>
-                          </a:solidFill>
-                          <a:latin typeface="Segoe UI"/>
-                        </a:defRPr>
-                      </a:lvl6pPr>
-                      <a:lvl7pPr marL="2743200" algn="l" defTabSz="914400" rtl="0" eaLnBrk="1" latinLnBrk="0" hangingPunct="1">
-                        <a:defRPr sz="1800" b="1" kern="1200">
-                          <a:solidFill>
-                            <a:schemeClr val="lt1"/>
-                          </a:solidFill>
-                          <a:latin typeface="Segoe UI"/>
-                        </a:defRPr>
-                      </a:lvl7pPr>
-                      <a:lvl8pPr marL="3200400" algn="l" defTabSz="914400" rtl="0" eaLnBrk="1" latinLnBrk="0" hangingPunct="1">
-                        <a:defRPr sz="1800" b="1" kern="1200">
-                          <a:solidFill>
-                            <a:schemeClr val="lt1"/>
-                          </a:solidFill>
-                          <a:latin typeface="Segoe UI"/>
-                        </a:defRPr>
-                      </a:lvl8pPr>
-                      <a:lvl9pPr marL="3657600" algn="l" defTabSz="914400" rtl="0" eaLnBrk="1" latinLnBrk="0" hangingPunct="1">
-                        <a:defRPr sz="1800" b="1" kern="1200">
-                          <a:solidFill>
-                            <a:schemeClr val="lt1"/>
-                          </a:solidFill>
-                          <a:latin typeface="Segoe UI"/>
-                        </a:defRPr>
-                      </a:lvl9pPr>
-                    </a:lstStyle>
-                    <a:p>
-                      <a:pPr algn="ctr"/>
-                      <a:r>
-                        <a:rPr lang="en-US" dirty="0"/>
-                        <a:t>1.00</a:t>
-                      </a:r>
-                    </a:p>
-                  </a:txBody>
-                  <a:tcPr>
-                    <a:lnL w="12700" cmpd="sng">
-                      <a:solidFill>
-                        <a:sysClr val="window" lastClr="FFFFFF"/>
-                      </a:solidFill>
-                    </a:lnL>
-                    <a:lnR w="12700" cmpd="sng">
-                      <a:solidFill>
-                        <a:sysClr val="window" lastClr="FFFFFF"/>
-                      </a:solidFill>
-                    </a:lnR>
-                    <a:lnT w="38100" cmpd="sng">
-                      <a:solidFill>
-                        <a:sysClr val="window" lastClr="FFFFFF"/>
-                      </a:solidFill>
-                    </a:lnT>
-                    <a:lnB w="12700" cmpd="sng">
-                      <a:solidFill>
-                        <a:sysClr val="window" lastClr="FFFFFF"/>
-                      </a:solidFill>
-                    </a:lnB>
-                    <a:lnTlToBr w="12700" cmpd="sng">
-                      <a:noFill/>
-                      <a:prstDash val="solid"/>
-                    </a:lnTlToBr>
-                    <a:lnBlToTr w="12700" cmpd="sng">
-                      <a:noFill/>
-                      <a:prstDash val="solid"/>
-                    </a:lnBlToTr>
-                    <a:solidFill>
-                      <a:schemeClr val="accent1">
-                        <a:lumMod val="50000"/>
-                      </a:schemeClr>
-                    </a:solidFill>
-                  </a:tcPr>
-                </a:tc>
-                <a:tc>
-                  <a:txBody>
-                    <a:bodyPr/>
-                    <a:lstStyle>
-                      <a:lvl1pPr marL="0" algn="l" defTabSz="914400" rtl="0" eaLnBrk="1" latinLnBrk="0" hangingPunct="1">
-                        <a:defRPr sz="1800" kern="1200">
-                          <a:solidFill>
-                            <a:schemeClr val="dk1"/>
-                          </a:solidFill>
-                          <a:latin typeface="Segoe UI"/>
-                        </a:defRPr>
-                      </a:lvl1pPr>
-                      <a:lvl2pPr marL="457200" algn="l" defTabSz="914400" rtl="0" eaLnBrk="1" latinLnBrk="0" hangingPunct="1">
-                        <a:defRPr sz="1800" kern="1200">
-                          <a:solidFill>
-                            <a:schemeClr val="dk1"/>
-                          </a:solidFill>
-                          <a:latin typeface="Segoe UI"/>
-                        </a:defRPr>
-                      </a:lvl2pPr>
-                      <a:lvl3pPr marL="914400" algn="l" defTabSz="914400" rtl="0" eaLnBrk="1" latinLnBrk="0" hangingPunct="1">
-                        <a:defRPr sz="1800" kern="1200">
-                          <a:solidFill>
-                            <a:schemeClr val="dk1"/>
-                          </a:solidFill>
-                          <a:latin typeface="Segoe UI"/>
-                        </a:defRPr>
-                      </a:lvl3pPr>
-                      <a:lvl4pPr marL="1371600" algn="l" defTabSz="914400" rtl="0" eaLnBrk="1" latinLnBrk="0" hangingPunct="1">
-                        <a:defRPr sz="1800" kern="1200">
-                          <a:solidFill>
-                            <a:schemeClr val="dk1"/>
-                          </a:solidFill>
-                          <a:latin typeface="Segoe UI"/>
-                        </a:defRPr>
-                      </a:lvl4pPr>
-                      <a:lvl5pPr marL="1828800" algn="l" defTabSz="914400" rtl="0" eaLnBrk="1" latinLnBrk="0" hangingPunct="1">
-                        <a:defRPr sz="1800" kern="1200">
-                          <a:solidFill>
-                            <a:schemeClr val="dk1"/>
-                          </a:solidFill>
-                          <a:latin typeface="Segoe UI"/>
-                        </a:defRPr>
-                      </a:lvl5pPr>
-                      <a:lvl6pPr marL="2286000" algn="l" defTabSz="914400" rtl="0" eaLnBrk="1" latinLnBrk="0" hangingPunct="1">
-                        <a:defRPr sz="1800" kern="1200">
-                          <a:solidFill>
-                            <a:schemeClr val="dk1"/>
-                          </a:solidFill>
-                          <a:latin typeface="Segoe UI"/>
-                        </a:defRPr>
-                      </a:lvl6pPr>
-                      <a:lvl7pPr marL="2743200" algn="l" defTabSz="914400" rtl="0" eaLnBrk="1" latinLnBrk="0" hangingPunct="1">
-                        <a:defRPr sz="1800" kern="1200">
-                          <a:solidFill>
-                            <a:schemeClr val="dk1"/>
-                          </a:solidFill>
-                          <a:latin typeface="Segoe UI"/>
-                        </a:defRPr>
-                      </a:lvl7pPr>
-                      <a:lvl8pPr marL="3200400" algn="l" defTabSz="914400" rtl="0" eaLnBrk="1" latinLnBrk="0" hangingPunct="1">
-                        <a:defRPr sz="1800" kern="1200">
-                          <a:solidFill>
-                            <a:schemeClr val="dk1"/>
-                          </a:solidFill>
-                          <a:latin typeface="Segoe UI"/>
-                        </a:defRPr>
-                      </a:lvl8pPr>
-                      <a:lvl9pPr marL="3657600" algn="l" defTabSz="914400" rtl="0" eaLnBrk="1" latinLnBrk="0" hangingPunct="1">
-                        <a:defRPr sz="1800" kern="1200">
-                          <a:solidFill>
-                            <a:schemeClr val="dk1"/>
-                          </a:solidFill>
-                          <a:latin typeface="Segoe UI"/>
-                        </a:defRPr>
-                      </a:lvl9pPr>
-                    </a:lstStyle>
-                    <a:p>
-                      <a:pPr algn="ctr"/>
-                      <a:endParaRPr lang="en-US"/>
-                    </a:p>
-                  </a:txBody>
-                  <a:tcPr>
-                    <a:lnL w="12700" cmpd="sng">
-                      <a:solidFill>
-                        <a:sysClr val="window" lastClr="FFFFFF"/>
-                      </a:solidFill>
-                    </a:lnL>
-                    <a:lnR w="12700" cmpd="sng">
-                      <a:solidFill>
-                        <a:sysClr val="window" lastClr="FFFFFF"/>
-                      </a:solidFill>
-                    </a:lnR>
-                    <a:lnT w="38100" cmpd="sng">
-                      <a:solidFill>
-                        <a:sysClr val="window" lastClr="FFFFFF"/>
-                      </a:solidFill>
-                    </a:lnT>
-                    <a:lnB w="12700" cmpd="sng">
-                      <a:solidFill>
-                        <a:sysClr val="window" lastClr="FFFFFF"/>
-                      </a:solidFill>
-                    </a:lnB>
-                    <a:lnTlToBr w="12700" cmpd="sng">
-                      <a:noFill/>
-                      <a:prstDash val="solid"/>
-                    </a:lnTlToBr>
-                    <a:lnBlToTr w="12700" cmpd="sng">
-                      <a:noFill/>
-                      <a:prstDash val="solid"/>
-                    </a:lnBlToTr>
-                    <a:solidFill>
-                      <a:schemeClr val="accent1">
-                        <a:lumMod val="40000"/>
-                        <a:lumOff val="60000"/>
-                      </a:schemeClr>
-                    </a:solidFill>
-                  </a:tcPr>
-                </a:tc>
-                <a:tc>
-                  <a:txBody>
-                    <a:bodyPr/>
-                    <a:lstStyle>
-                      <a:lvl1pPr marL="0" algn="l" defTabSz="914400" rtl="0" eaLnBrk="1" latinLnBrk="0" hangingPunct="1">
-                        <a:defRPr sz="1800" kern="1200">
-                          <a:solidFill>
-                            <a:schemeClr val="dk1"/>
-                          </a:solidFill>
-                          <a:latin typeface="Segoe UI"/>
-                        </a:defRPr>
-                      </a:lvl1pPr>
-                      <a:lvl2pPr marL="457200" algn="l" defTabSz="914400" rtl="0" eaLnBrk="1" latinLnBrk="0" hangingPunct="1">
-                        <a:defRPr sz="1800" kern="1200">
-                          <a:solidFill>
-                            <a:schemeClr val="dk1"/>
-                          </a:solidFill>
-                          <a:latin typeface="Segoe UI"/>
-                        </a:defRPr>
-                      </a:lvl2pPr>
-                      <a:lvl3pPr marL="914400" algn="l" defTabSz="914400" rtl="0" eaLnBrk="1" latinLnBrk="0" hangingPunct="1">
-                        <a:defRPr sz="1800" kern="1200">
-                          <a:solidFill>
-                            <a:schemeClr val="dk1"/>
-                          </a:solidFill>
-                          <a:latin typeface="Segoe UI"/>
-                        </a:defRPr>
-                      </a:lvl3pPr>
-                      <a:lvl4pPr marL="1371600" algn="l" defTabSz="914400" rtl="0" eaLnBrk="1" latinLnBrk="0" hangingPunct="1">
-                        <a:defRPr sz="1800" kern="1200">
-                          <a:solidFill>
-                            <a:schemeClr val="dk1"/>
-                          </a:solidFill>
-                          <a:latin typeface="Segoe UI"/>
-                        </a:defRPr>
-                      </a:lvl4pPr>
-                      <a:lvl5pPr marL="1828800" algn="l" defTabSz="914400" rtl="0" eaLnBrk="1" latinLnBrk="0" hangingPunct="1">
-                        <a:defRPr sz="1800" kern="1200">
-                          <a:solidFill>
-                            <a:schemeClr val="dk1"/>
-                          </a:solidFill>
-                          <a:latin typeface="Segoe UI"/>
-                        </a:defRPr>
-                      </a:lvl5pPr>
-                      <a:lvl6pPr marL="2286000" algn="l" defTabSz="914400" rtl="0" eaLnBrk="1" latinLnBrk="0" hangingPunct="1">
-                        <a:defRPr sz="1800" kern="1200">
-                          <a:solidFill>
-                            <a:schemeClr val="dk1"/>
-                          </a:solidFill>
-                          <a:latin typeface="Segoe UI"/>
-                        </a:defRPr>
-                      </a:lvl6pPr>
-                      <a:lvl7pPr marL="2743200" algn="l" defTabSz="914400" rtl="0" eaLnBrk="1" latinLnBrk="0" hangingPunct="1">
-                        <a:defRPr sz="1800" kern="1200">
-                          <a:solidFill>
-                            <a:schemeClr val="dk1"/>
-                          </a:solidFill>
-                          <a:latin typeface="Segoe UI"/>
-                        </a:defRPr>
-                      </a:lvl7pPr>
-                      <a:lvl8pPr marL="3200400" algn="l" defTabSz="914400" rtl="0" eaLnBrk="1" latinLnBrk="0" hangingPunct="1">
-                        <a:defRPr sz="1800" kern="1200">
-                          <a:solidFill>
-                            <a:schemeClr val="dk1"/>
-                          </a:solidFill>
-                          <a:latin typeface="Segoe UI"/>
-                        </a:defRPr>
-                      </a:lvl8pPr>
-                      <a:lvl9pPr marL="3657600" algn="l" defTabSz="914400" rtl="0" eaLnBrk="1" latinLnBrk="0" hangingPunct="1">
-                        <a:defRPr sz="1800" kern="1200">
-                          <a:solidFill>
-                            <a:schemeClr val="dk1"/>
-                          </a:solidFill>
-                          <a:latin typeface="Segoe UI"/>
-                        </a:defRPr>
-                      </a:lvl9pPr>
-                    </a:lstStyle>
-                    <a:p>
-                      <a:pPr algn="ctr"/>
-                      <a:endParaRPr lang="en-US" dirty="0"/>
-                    </a:p>
-                  </a:txBody>
-                  <a:tcPr>
-                    <a:lnL w="12700" cmpd="sng">
-                      <a:solidFill>
-                        <a:sysClr val="window" lastClr="FFFFFF"/>
-                      </a:solidFill>
-                    </a:lnL>
-                    <a:lnR w="12700" cmpd="sng">
-                      <a:solidFill>
-                        <a:sysClr val="window" lastClr="FFFFFF"/>
-                      </a:solidFill>
-                    </a:lnR>
-                    <a:lnT w="38100" cmpd="sng">
-                      <a:solidFill>
-                        <a:sysClr val="window" lastClr="FFFFFF"/>
-                      </a:solidFill>
-                    </a:lnT>
-                    <a:lnB w="12700" cmpd="sng">
-                      <a:solidFill>
-                        <a:sysClr val="window" lastClr="FFFFFF"/>
-                      </a:solidFill>
-                    </a:lnB>
-                    <a:lnTlToBr w="12700" cmpd="sng">
-                      <a:noFill/>
-                      <a:prstDash val="solid"/>
-                    </a:lnTlToBr>
-                    <a:lnBlToTr w="12700" cmpd="sng">
-                      <a:noFill/>
-                      <a:prstDash val="solid"/>
-                    </a:lnBlToTr>
-                    <a:solidFill>
-                      <a:schemeClr val="accent1">
-                        <a:lumMod val="40000"/>
-                        <a:lumOff val="60000"/>
-                      </a:schemeClr>
-                    </a:solidFill>
-                  </a:tcPr>
-                </a:tc>
-                <a:tc>
-                  <a:txBody>
-                    <a:bodyPr/>
-                    <a:lstStyle>
-                      <a:lvl1pPr marL="0" algn="l" defTabSz="914400" rtl="0" eaLnBrk="1" latinLnBrk="0" hangingPunct="1">
-                        <a:defRPr sz="1800" kern="1200">
-                          <a:solidFill>
-                            <a:schemeClr val="dk1"/>
-                          </a:solidFill>
-                          <a:latin typeface="Segoe UI"/>
-                        </a:defRPr>
-                      </a:lvl1pPr>
-                      <a:lvl2pPr marL="457200" algn="l" defTabSz="914400" rtl="0" eaLnBrk="1" latinLnBrk="0" hangingPunct="1">
-                        <a:defRPr sz="1800" kern="1200">
-                          <a:solidFill>
-                            <a:schemeClr val="dk1"/>
-                          </a:solidFill>
-                          <a:latin typeface="Segoe UI"/>
-                        </a:defRPr>
-                      </a:lvl2pPr>
-                      <a:lvl3pPr marL="914400" algn="l" defTabSz="914400" rtl="0" eaLnBrk="1" latinLnBrk="0" hangingPunct="1">
-                        <a:defRPr sz="1800" kern="1200">
-                          <a:solidFill>
-                            <a:schemeClr val="dk1"/>
-                          </a:solidFill>
-                          <a:latin typeface="Segoe UI"/>
-                        </a:defRPr>
-                      </a:lvl3pPr>
-                      <a:lvl4pPr marL="1371600" algn="l" defTabSz="914400" rtl="0" eaLnBrk="1" latinLnBrk="0" hangingPunct="1">
-                        <a:defRPr sz="1800" kern="1200">
-                          <a:solidFill>
-                            <a:schemeClr val="dk1"/>
-                          </a:solidFill>
-                          <a:latin typeface="Segoe UI"/>
-                        </a:defRPr>
-                      </a:lvl4pPr>
-                      <a:lvl5pPr marL="1828800" algn="l" defTabSz="914400" rtl="0" eaLnBrk="1" latinLnBrk="0" hangingPunct="1">
-                        <a:defRPr sz="1800" kern="1200">
-                          <a:solidFill>
-                            <a:schemeClr val="dk1"/>
-                          </a:solidFill>
-                          <a:latin typeface="Segoe UI"/>
-                        </a:defRPr>
-                      </a:lvl5pPr>
-                      <a:lvl6pPr marL="2286000" algn="l" defTabSz="914400" rtl="0" eaLnBrk="1" latinLnBrk="0" hangingPunct="1">
-                        <a:defRPr sz="1800" kern="1200">
-                          <a:solidFill>
-                            <a:schemeClr val="dk1"/>
-                          </a:solidFill>
-                          <a:latin typeface="Segoe UI"/>
-                        </a:defRPr>
-                      </a:lvl6pPr>
-                      <a:lvl7pPr marL="2743200" algn="l" defTabSz="914400" rtl="0" eaLnBrk="1" latinLnBrk="0" hangingPunct="1">
-                        <a:defRPr sz="1800" kern="1200">
-                          <a:solidFill>
-                            <a:schemeClr val="dk1"/>
-                          </a:solidFill>
-                          <a:latin typeface="Segoe UI"/>
-                        </a:defRPr>
-                      </a:lvl7pPr>
-                      <a:lvl8pPr marL="3200400" algn="l" defTabSz="914400" rtl="0" eaLnBrk="1" latinLnBrk="0" hangingPunct="1">
-                        <a:defRPr sz="1800" kern="1200">
-                          <a:solidFill>
-                            <a:schemeClr val="dk1"/>
-                          </a:solidFill>
-                          <a:latin typeface="Segoe UI"/>
-                        </a:defRPr>
-                      </a:lvl8pPr>
-                      <a:lvl9pPr marL="3657600" algn="l" defTabSz="914400" rtl="0" eaLnBrk="1" latinLnBrk="0" hangingPunct="1">
-                        <a:defRPr sz="1800" kern="1200">
-                          <a:solidFill>
-                            <a:schemeClr val="dk1"/>
-                          </a:solidFill>
-                          <a:latin typeface="Segoe UI"/>
-                        </a:defRPr>
-                      </a:lvl9pPr>
-                    </a:lstStyle>
-                    <a:p>
-                      <a:pPr algn="ctr"/>
-                      <a:endParaRPr lang="en-US" dirty="0"/>
-                    </a:p>
-                  </a:txBody>
-                  <a:tcPr>
-                    <a:lnL w="12700" cmpd="sng">
-                      <a:solidFill>
-                        <a:sysClr val="window" lastClr="FFFFFF"/>
-                      </a:solidFill>
-                    </a:lnL>
-                    <a:lnR w="12700" cmpd="sng">
-                      <a:solidFill>
-                        <a:sysClr val="window" lastClr="FFFFFF"/>
-                      </a:solidFill>
-                    </a:lnR>
-                    <a:lnT w="38100" cmpd="sng">
-                      <a:solidFill>
-                        <a:sysClr val="window" lastClr="FFFFFF"/>
-                      </a:solidFill>
-                    </a:lnT>
-                    <a:lnB w="12700" cmpd="sng">
-                      <a:solidFill>
-                        <a:sysClr val="window" lastClr="FFFFFF"/>
-                      </a:solidFill>
-                    </a:lnB>
-                    <a:lnTlToBr w="12700" cmpd="sng">
-                      <a:noFill/>
-                      <a:prstDash val="solid"/>
-                    </a:lnTlToBr>
-                    <a:lnBlToTr w="12700" cmpd="sng">
-                      <a:noFill/>
-                      <a:prstDash val="solid"/>
-                    </a:lnBlToTr>
-                    <a:solidFill>
-                      <a:schemeClr val="accent1">
-                        <a:lumMod val="40000"/>
-                        <a:lumOff val="60000"/>
-                      </a:schemeClr>
-                    </a:solidFill>
-                  </a:tcPr>
-                </a:tc>
-                <a:extLst>
-                  <a:ext uri="{0D108BD9-81ED-4DB2-BD59-A6C34878D82A}">
-                    <a16:rowId xmlns:a16="http://schemas.microsoft.com/office/drawing/2014/main" val="361819280"/>
-                  </a:ext>
-                </a:extLst>
-              </a:tr>
-              <a:tr h="370840">
-                <a:tc>
-                  <a:txBody>
-                    <a:bodyPr/>
-                    <a:lstStyle>
-                      <a:lvl1pPr marL="0" algn="l" defTabSz="914400" rtl="0" eaLnBrk="1" latinLnBrk="0" hangingPunct="1">
-                        <a:defRPr sz="1800" b="1" kern="1200">
-                          <a:solidFill>
-                            <a:schemeClr val="lt1"/>
-                          </a:solidFill>
-                          <a:latin typeface="Segoe UI"/>
-                        </a:defRPr>
-                      </a:lvl1pPr>
-                      <a:lvl2pPr marL="457200" algn="l" defTabSz="914400" rtl="0" eaLnBrk="1" latinLnBrk="0" hangingPunct="1">
-                        <a:defRPr sz="1800" b="1" kern="1200">
-                          <a:solidFill>
-                            <a:schemeClr val="lt1"/>
-                          </a:solidFill>
-                          <a:latin typeface="Segoe UI"/>
-                        </a:defRPr>
-                      </a:lvl2pPr>
-                      <a:lvl3pPr marL="914400" algn="l" defTabSz="914400" rtl="0" eaLnBrk="1" latinLnBrk="0" hangingPunct="1">
-                        <a:defRPr sz="1800" b="1" kern="1200">
-                          <a:solidFill>
-                            <a:schemeClr val="lt1"/>
-                          </a:solidFill>
-                          <a:latin typeface="Segoe UI"/>
-                        </a:defRPr>
-                      </a:lvl3pPr>
-                      <a:lvl4pPr marL="1371600" algn="l" defTabSz="914400" rtl="0" eaLnBrk="1" latinLnBrk="0" hangingPunct="1">
-                        <a:defRPr sz="1800" b="1" kern="1200">
-                          <a:solidFill>
-                            <a:schemeClr val="lt1"/>
-                          </a:solidFill>
-                          <a:latin typeface="Segoe UI"/>
-                        </a:defRPr>
-                      </a:lvl4pPr>
-                      <a:lvl5pPr marL="1828800" algn="l" defTabSz="914400" rtl="0" eaLnBrk="1" latinLnBrk="0" hangingPunct="1">
-                        <a:defRPr sz="1800" b="1" kern="1200">
-                          <a:solidFill>
-                            <a:schemeClr val="lt1"/>
-                          </a:solidFill>
-                          <a:latin typeface="Segoe UI"/>
-                        </a:defRPr>
-                      </a:lvl5pPr>
-                      <a:lvl6pPr marL="2286000" algn="l" defTabSz="914400" rtl="0" eaLnBrk="1" latinLnBrk="0" hangingPunct="1">
-                        <a:defRPr sz="1800" b="1" kern="1200">
-                          <a:solidFill>
-                            <a:schemeClr val="lt1"/>
-                          </a:solidFill>
-                          <a:latin typeface="Segoe UI"/>
-                        </a:defRPr>
-                      </a:lvl6pPr>
-                      <a:lvl7pPr marL="2743200" algn="l" defTabSz="914400" rtl="0" eaLnBrk="1" latinLnBrk="0" hangingPunct="1">
-                        <a:defRPr sz="1800" b="1" kern="1200">
-                          <a:solidFill>
-                            <a:schemeClr val="lt1"/>
-                          </a:solidFill>
-                          <a:latin typeface="Segoe UI"/>
-                        </a:defRPr>
-                      </a:lvl7pPr>
-                      <a:lvl8pPr marL="3200400" algn="l" defTabSz="914400" rtl="0" eaLnBrk="1" latinLnBrk="0" hangingPunct="1">
-                        <a:defRPr sz="1800" b="1" kern="1200">
-                          <a:solidFill>
-                            <a:schemeClr val="lt1"/>
-                          </a:solidFill>
-                          <a:latin typeface="Segoe UI"/>
-                        </a:defRPr>
-                      </a:lvl8pPr>
-                      <a:lvl9pPr marL="3657600" algn="l" defTabSz="914400" rtl="0" eaLnBrk="1" latinLnBrk="0" hangingPunct="1">
-                        <a:defRPr sz="1800" b="1" kern="1200">
-                          <a:solidFill>
-                            <a:schemeClr val="lt1"/>
-                          </a:solidFill>
-                          <a:latin typeface="Segoe UI"/>
-                        </a:defRPr>
-                      </a:lvl9pPr>
-                    </a:lstStyle>
-                    <a:p>
-                      <a:pPr algn="ctr"/>
-                      <a:r>
-                        <a:rPr lang="en-US" dirty="0"/>
-                        <a:t>0.95</a:t>
-                      </a:r>
-                    </a:p>
-                  </a:txBody>
-                  <a:tcPr>
-                    <a:lnL w="12700" cmpd="sng">
-                      <a:solidFill>
-                        <a:sysClr val="window" lastClr="FFFFFF"/>
-                      </a:solidFill>
-                    </a:lnL>
-                    <a:lnR w="12700" cmpd="sng">
-                      <a:solidFill>
-                        <a:sysClr val="window" lastClr="FFFFFF"/>
-                      </a:solidFill>
-                    </a:lnR>
-                    <a:lnT w="12700" cmpd="sng">
-                      <a:solidFill>
-                        <a:sysClr val="window" lastClr="FFFFFF"/>
-                      </a:solidFill>
-                    </a:lnT>
-                    <a:lnB w="12700" cmpd="sng">
-                      <a:solidFill>
-                        <a:sysClr val="window" lastClr="FFFFFF"/>
-                      </a:solidFill>
-                    </a:lnB>
-                    <a:lnTlToBr w="12700" cmpd="sng">
-                      <a:noFill/>
-                      <a:prstDash val="solid"/>
-                    </a:lnTlToBr>
-                    <a:lnBlToTr w="12700" cmpd="sng">
-                      <a:noFill/>
-                      <a:prstDash val="solid"/>
-                    </a:lnBlToTr>
-                    <a:solidFill>
-                      <a:schemeClr val="accent1">
-                        <a:lumMod val="50000"/>
-                      </a:schemeClr>
-                    </a:solidFill>
-                  </a:tcPr>
-                </a:tc>
-                <a:tc>
-                  <a:txBody>
-                    <a:bodyPr/>
-                    <a:lstStyle>
-                      <a:lvl1pPr marL="0" algn="l" defTabSz="914400" rtl="0" eaLnBrk="1" latinLnBrk="0" hangingPunct="1">
-                        <a:defRPr sz="1800" kern="1200">
-                          <a:solidFill>
-                            <a:schemeClr val="dk1"/>
-                          </a:solidFill>
-                          <a:latin typeface="Segoe UI"/>
-                        </a:defRPr>
-                      </a:lvl1pPr>
-                      <a:lvl2pPr marL="457200" algn="l" defTabSz="914400" rtl="0" eaLnBrk="1" latinLnBrk="0" hangingPunct="1">
-                        <a:defRPr sz="1800" kern="1200">
-                          <a:solidFill>
-                            <a:schemeClr val="dk1"/>
-                          </a:solidFill>
-                          <a:latin typeface="Segoe UI"/>
-                        </a:defRPr>
-                      </a:lvl2pPr>
-                      <a:lvl3pPr marL="914400" algn="l" defTabSz="914400" rtl="0" eaLnBrk="1" latinLnBrk="0" hangingPunct="1">
-                        <a:defRPr sz="1800" kern="1200">
-                          <a:solidFill>
-                            <a:schemeClr val="dk1"/>
-                          </a:solidFill>
-                          <a:latin typeface="Segoe UI"/>
-                        </a:defRPr>
-                      </a:lvl3pPr>
-                      <a:lvl4pPr marL="1371600" algn="l" defTabSz="914400" rtl="0" eaLnBrk="1" latinLnBrk="0" hangingPunct="1">
-                        <a:defRPr sz="1800" kern="1200">
-                          <a:solidFill>
-                            <a:schemeClr val="dk1"/>
-                          </a:solidFill>
-                          <a:latin typeface="Segoe UI"/>
-                        </a:defRPr>
-                      </a:lvl4pPr>
-                      <a:lvl5pPr marL="1828800" algn="l" defTabSz="914400" rtl="0" eaLnBrk="1" latinLnBrk="0" hangingPunct="1">
-                        <a:defRPr sz="1800" kern="1200">
-                          <a:solidFill>
-                            <a:schemeClr val="dk1"/>
-                          </a:solidFill>
-                          <a:latin typeface="Segoe UI"/>
-                        </a:defRPr>
-                      </a:lvl5pPr>
-                      <a:lvl6pPr marL="2286000" algn="l" defTabSz="914400" rtl="0" eaLnBrk="1" latinLnBrk="0" hangingPunct="1">
-                        <a:defRPr sz="1800" kern="1200">
-                          <a:solidFill>
-                            <a:schemeClr val="dk1"/>
-                          </a:solidFill>
-                          <a:latin typeface="Segoe UI"/>
-                        </a:defRPr>
-                      </a:lvl6pPr>
-                      <a:lvl7pPr marL="2743200" algn="l" defTabSz="914400" rtl="0" eaLnBrk="1" latinLnBrk="0" hangingPunct="1">
-                        <a:defRPr sz="1800" kern="1200">
-                          <a:solidFill>
-                            <a:schemeClr val="dk1"/>
-                          </a:solidFill>
-                          <a:latin typeface="Segoe UI"/>
-                        </a:defRPr>
-                      </a:lvl7pPr>
-                      <a:lvl8pPr marL="3200400" algn="l" defTabSz="914400" rtl="0" eaLnBrk="1" latinLnBrk="0" hangingPunct="1">
-                        <a:defRPr sz="1800" kern="1200">
-                          <a:solidFill>
-                            <a:schemeClr val="dk1"/>
-                          </a:solidFill>
-                          <a:latin typeface="Segoe UI"/>
-                        </a:defRPr>
-                      </a:lvl8pPr>
-                      <a:lvl9pPr marL="3657600" algn="l" defTabSz="914400" rtl="0" eaLnBrk="1" latinLnBrk="0" hangingPunct="1">
-                        <a:defRPr sz="1800" kern="1200">
-                          <a:solidFill>
-                            <a:schemeClr val="dk1"/>
-                          </a:solidFill>
-                          <a:latin typeface="Segoe UI"/>
-                        </a:defRPr>
-                      </a:lvl9pPr>
-                    </a:lstStyle>
-                    <a:p>
-                      <a:pPr algn="ctr"/>
-                      <a:endParaRPr lang="en-US" dirty="0"/>
-                    </a:p>
-                  </a:txBody>
-                  <a:tcPr>
-                    <a:lnL w="12700" cmpd="sng">
-                      <a:solidFill>
-                        <a:sysClr val="window" lastClr="FFFFFF"/>
-                      </a:solidFill>
-                    </a:lnL>
-                    <a:lnR w="12700" cmpd="sng">
-                      <a:solidFill>
-                        <a:sysClr val="window" lastClr="FFFFFF"/>
-                      </a:solidFill>
-                    </a:lnR>
-                    <a:lnT w="12700" cmpd="sng">
-                      <a:solidFill>
-                        <a:sysClr val="window" lastClr="FFFFFF"/>
-                      </a:solidFill>
-                    </a:lnT>
-                    <a:lnB w="12700" cmpd="sng">
-                      <a:solidFill>
-                        <a:sysClr val="window" lastClr="FFFFFF"/>
-                      </a:solidFill>
-                    </a:lnB>
-                    <a:lnTlToBr w="12700" cmpd="sng">
-                      <a:noFill/>
-                      <a:prstDash val="solid"/>
-                    </a:lnTlToBr>
-                    <a:lnBlToTr w="12700" cmpd="sng">
-                      <a:noFill/>
-                      <a:prstDash val="solid"/>
-                    </a:lnBlToTr>
-                    <a:solidFill>
-                      <a:schemeClr val="accent1">
-                        <a:lumMod val="20000"/>
-                        <a:lumOff val="80000"/>
-                      </a:schemeClr>
-                    </a:solidFill>
-                  </a:tcPr>
-                </a:tc>
-                <a:tc>
-                  <a:txBody>
-                    <a:bodyPr/>
-                    <a:lstStyle>
-                      <a:lvl1pPr marL="0" algn="l" defTabSz="914400" rtl="0" eaLnBrk="1" latinLnBrk="0" hangingPunct="1">
-                        <a:defRPr sz="1800" kern="1200">
-                          <a:solidFill>
-                            <a:schemeClr val="dk1"/>
-                          </a:solidFill>
-                          <a:latin typeface="Segoe UI"/>
-                        </a:defRPr>
-                      </a:lvl1pPr>
-                      <a:lvl2pPr marL="457200" algn="l" defTabSz="914400" rtl="0" eaLnBrk="1" latinLnBrk="0" hangingPunct="1">
-                        <a:defRPr sz="1800" kern="1200">
-                          <a:solidFill>
-                            <a:schemeClr val="dk1"/>
-                          </a:solidFill>
-                          <a:latin typeface="Segoe UI"/>
-                        </a:defRPr>
-                      </a:lvl2pPr>
-                      <a:lvl3pPr marL="914400" algn="l" defTabSz="914400" rtl="0" eaLnBrk="1" latinLnBrk="0" hangingPunct="1">
-                        <a:defRPr sz="1800" kern="1200">
-                          <a:solidFill>
-                            <a:schemeClr val="dk1"/>
-                          </a:solidFill>
-                          <a:latin typeface="Segoe UI"/>
-                        </a:defRPr>
-                      </a:lvl3pPr>
-                      <a:lvl4pPr marL="1371600" algn="l" defTabSz="914400" rtl="0" eaLnBrk="1" latinLnBrk="0" hangingPunct="1">
-                        <a:defRPr sz="1800" kern="1200">
-                          <a:solidFill>
-                            <a:schemeClr val="dk1"/>
-                          </a:solidFill>
-                          <a:latin typeface="Segoe UI"/>
-                        </a:defRPr>
-                      </a:lvl4pPr>
-                      <a:lvl5pPr marL="1828800" algn="l" defTabSz="914400" rtl="0" eaLnBrk="1" latinLnBrk="0" hangingPunct="1">
-                        <a:defRPr sz="1800" kern="1200">
-                          <a:solidFill>
-                            <a:schemeClr val="dk1"/>
-                          </a:solidFill>
-                          <a:latin typeface="Segoe UI"/>
-                        </a:defRPr>
-                      </a:lvl5pPr>
-                      <a:lvl6pPr marL="2286000" algn="l" defTabSz="914400" rtl="0" eaLnBrk="1" latinLnBrk="0" hangingPunct="1">
-                        <a:defRPr sz="1800" kern="1200">
-                          <a:solidFill>
-                            <a:schemeClr val="dk1"/>
-                          </a:solidFill>
-                          <a:latin typeface="Segoe UI"/>
-                        </a:defRPr>
-                      </a:lvl6pPr>
-                      <a:lvl7pPr marL="2743200" algn="l" defTabSz="914400" rtl="0" eaLnBrk="1" latinLnBrk="0" hangingPunct="1">
-                        <a:defRPr sz="1800" kern="1200">
-                          <a:solidFill>
-                            <a:schemeClr val="dk1"/>
-                          </a:solidFill>
-                          <a:latin typeface="Segoe UI"/>
-                        </a:defRPr>
-                      </a:lvl7pPr>
-                      <a:lvl8pPr marL="3200400" algn="l" defTabSz="914400" rtl="0" eaLnBrk="1" latinLnBrk="0" hangingPunct="1">
-                        <a:defRPr sz="1800" kern="1200">
-                          <a:solidFill>
-                            <a:schemeClr val="dk1"/>
-                          </a:solidFill>
-                          <a:latin typeface="Segoe UI"/>
-                        </a:defRPr>
-                      </a:lvl8pPr>
-                      <a:lvl9pPr marL="3657600" algn="l" defTabSz="914400" rtl="0" eaLnBrk="1" latinLnBrk="0" hangingPunct="1">
-                        <a:defRPr sz="1800" kern="1200">
-                          <a:solidFill>
-                            <a:schemeClr val="dk1"/>
-                          </a:solidFill>
-                          <a:latin typeface="Segoe UI"/>
-                        </a:defRPr>
-                      </a:lvl9pPr>
-                    </a:lstStyle>
-                    <a:p>
-                      <a:pPr algn="ctr"/>
-                      <a:endParaRPr lang="en-US" dirty="0"/>
-                    </a:p>
-                  </a:txBody>
-                  <a:tcPr>
-                    <a:lnL w="12700" cmpd="sng">
-                      <a:solidFill>
-                        <a:sysClr val="window" lastClr="FFFFFF"/>
-                      </a:solidFill>
-                    </a:lnL>
-                    <a:lnR w="12700" cmpd="sng">
-                      <a:solidFill>
-                        <a:sysClr val="window" lastClr="FFFFFF"/>
-                      </a:solidFill>
-                    </a:lnR>
-                    <a:lnT w="12700" cmpd="sng">
-                      <a:solidFill>
-                        <a:sysClr val="window" lastClr="FFFFFF"/>
-                      </a:solidFill>
-                    </a:lnT>
-                    <a:lnB w="12700" cmpd="sng">
-                      <a:solidFill>
-                        <a:sysClr val="window" lastClr="FFFFFF"/>
-                      </a:solidFill>
-                    </a:lnB>
-                    <a:lnTlToBr w="12700" cmpd="sng">
-                      <a:noFill/>
-                      <a:prstDash val="solid"/>
-                    </a:lnTlToBr>
-                    <a:lnBlToTr w="12700" cmpd="sng">
-                      <a:noFill/>
-                      <a:prstDash val="solid"/>
-                    </a:lnBlToTr>
-                    <a:solidFill>
-                      <a:schemeClr val="accent1">
-                        <a:lumMod val="20000"/>
-                        <a:lumOff val="80000"/>
-                      </a:schemeClr>
-                    </a:solidFill>
-                  </a:tcPr>
-                </a:tc>
-                <a:tc>
-                  <a:txBody>
-                    <a:bodyPr/>
-                    <a:lstStyle>
-                      <a:lvl1pPr marL="0" algn="l" defTabSz="914400" rtl="0" eaLnBrk="1" latinLnBrk="0" hangingPunct="1">
-                        <a:defRPr sz="1800" kern="1200">
-                          <a:solidFill>
-                            <a:schemeClr val="dk1"/>
-                          </a:solidFill>
-                          <a:latin typeface="Segoe UI"/>
-                        </a:defRPr>
-                      </a:lvl1pPr>
-                      <a:lvl2pPr marL="457200" algn="l" defTabSz="914400" rtl="0" eaLnBrk="1" latinLnBrk="0" hangingPunct="1">
-                        <a:defRPr sz="1800" kern="1200">
-                          <a:solidFill>
-                            <a:schemeClr val="dk1"/>
-                          </a:solidFill>
-                          <a:latin typeface="Segoe UI"/>
-                        </a:defRPr>
-                      </a:lvl2pPr>
-                      <a:lvl3pPr marL="914400" algn="l" defTabSz="914400" rtl="0" eaLnBrk="1" latinLnBrk="0" hangingPunct="1">
-                        <a:defRPr sz="1800" kern="1200">
-                          <a:solidFill>
-                            <a:schemeClr val="dk1"/>
-                          </a:solidFill>
-                          <a:latin typeface="Segoe UI"/>
-                        </a:defRPr>
-                      </a:lvl3pPr>
-                      <a:lvl4pPr marL="1371600" algn="l" defTabSz="914400" rtl="0" eaLnBrk="1" latinLnBrk="0" hangingPunct="1">
-                        <a:defRPr sz="1800" kern="1200">
-                          <a:solidFill>
-                            <a:schemeClr val="dk1"/>
-                          </a:solidFill>
-                          <a:latin typeface="Segoe UI"/>
-                        </a:defRPr>
-                      </a:lvl4pPr>
-                      <a:lvl5pPr marL="1828800" algn="l" defTabSz="914400" rtl="0" eaLnBrk="1" latinLnBrk="0" hangingPunct="1">
-                        <a:defRPr sz="1800" kern="1200">
-                          <a:solidFill>
-                            <a:schemeClr val="dk1"/>
-                          </a:solidFill>
-                          <a:latin typeface="Segoe UI"/>
-                        </a:defRPr>
-                      </a:lvl5pPr>
-                      <a:lvl6pPr marL="2286000" algn="l" defTabSz="914400" rtl="0" eaLnBrk="1" latinLnBrk="0" hangingPunct="1">
-                        <a:defRPr sz="1800" kern="1200">
-                          <a:solidFill>
-                            <a:schemeClr val="dk1"/>
-                          </a:solidFill>
-                          <a:latin typeface="Segoe UI"/>
-                        </a:defRPr>
-                      </a:lvl6pPr>
-                      <a:lvl7pPr marL="2743200" algn="l" defTabSz="914400" rtl="0" eaLnBrk="1" latinLnBrk="0" hangingPunct="1">
-                        <a:defRPr sz="1800" kern="1200">
-                          <a:solidFill>
-                            <a:schemeClr val="dk1"/>
-                          </a:solidFill>
-                          <a:latin typeface="Segoe UI"/>
-                        </a:defRPr>
-                      </a:lvl7pPr>
-                      <a:lvl8pPr marL="3200400" algn="l" defTabSz="914400" rtl="0" eaLnBrk="1" latinLnBrk="0" hangingPunct="1">
-                        <a:defRPr sz="1800" kern="1200">
-                          <a:solidFill>
-                            <a:schemeClr val="dk1"/>
-                          </a:solidFill>
-                          <a:latin typeface="Segoe UI"/>
-                        </a:defRPr>
-                      </a:lvl8pPr>
-                      <a:lvl9pPr marL="3657600" algn="l" defTabSz="914400" rtl="0" eaLnBrk="1" latinLnBrk="0" hangingPunct="1">
-                        <a:defRPr sz="1800" kern="1200">
-                          <a:solidFill>
-                            <a:schemeClr val="dk1"/>
-                          </a:solidFill>
-                          <a:latin typeface="Segoe UI"/>
-                        </a:defRPr>
-                      </a:lvl9pPr>
-                    </a:lstStyle>
-                    <a:p>
-                      <a:pPr algn="ctr"/>
-                      <a:endParaRPr lang="en-US" dirty="0"/>
-                    </a:p>
-                  </a:txBody>
-                  <a:tcPr>
-                    <a:lnL w="12700" cmpd="sng">
-                      <a:solidFill>
-                        <a:sysClr val="window" lastClr="FFFFFF"/>
-                      </a:solidFill>
-                    </a:lnL>
-                    <a:lnR w="12700" cmpd="sng">
-                      <a:solidFill>
-                        <a:sysClr val="window" lastClr="FFFFFF"/>
-                      </a:solidFill>
-                    </a:lnR>
-                    <a:lnT w="12700" cmpd="sng">
-                      <a:solidFill>
-                        <a:sysClr val="window" lastClr="FFFFFF"/>
-                      </a:solidFill>
-                    </a:lnT>
-                    <a:lnB w="12700" cmpd="sng">
-                      <a:solidFill>
-                        <a:sysClr val="window" lastClr="FFFFFF"/>
-                      </a:solidFill>
-                    </a:lnB>
-                    <a:lnTlToBr w="12700" cmpd="sng">
-                      <a:noFill/>
-                      <a:prstDash val="solid"/>
-                    </a:lnTlToBr>
-                    <a:lnBlToTr w="12700" cmpd="sng">
-                      <a:noFill/>
-                      <a:prstDash val="solid"/>
-                    </a:lnBlToTr>
-                    <a:solidFill>
-                      <a:schemeClr val="accent1">
-                        <a:lumMod val="20000"/>
-                        <a:lumOff val="80000"/>
-                      </a:schemeClr>
-                    </a:solidFill>
-                  </a:tcPr>
-                </a:tc>
-                <a:extLst>
-                  <a:ext uri="{0D108BD9-81ED-4DB2-BD59-A6C34878D82A}">
-                    <a16:rowId xmlns:a16="http://schemas.microsoft.com/office/drawing/2014/main" val="2500643595"/>
-                  </a:ext>
-                </a:extLst>
-              </a:tr>
-              <a:tr h="370840">
-                <a:tc>
-                  <a:txBody>
-                    <a:bodyPr/>
-                    <a:lstStyle>
-                      <a:lvl1pPr marL="0" algn="l" defTabSz="914400" rtl="0" eaLnBrk="1" latinLnBrk="0" hangingPunct="1">
-                        <a:defRPr sz="1800" b="1" kern="1200">
-                          <a:solidFill>
-                            <a:schemeClr val="lt1"/>
-                          </a:solidFill>
-                          <a:latin typeface="Segoe UI"/>
-                        </a:defRPr>
-                      </a:lvl1pPr>
-                      <a:lvl2pPr marL="457200" algn="l" defTabSz="914400" rtl="0" eaLnBrk="1" latinLnBrk="0" hangingPunct="1">
-                        <a:defRPr sz="1800" b="1" kern="1200">
-                          <a:solidFill>
-                            <a:schemeClr val="lt1"/>
-                          </a:solidFill>
-                          <a:latin typeface="Segoe UI"/>
-                        </a:defRPr>
-                      </a:lvl2pPr>
-                      <a:lvl3pPr marL="914400" algn="l" defTabSz="914400" rtl="0" eaLnBrk="1" latinLnBrk="0" hangingPunct="1">
-                        <a:defRPr sz="1800" b="1" kern="1200">
-                          <a:solidFill>
-                            <a:schemeClr val="lt1"/>
-                          </a:solidFill>
-                          <a:latin typeface="Segoe UI"/>
-                        </a:defRPr>
-                      </a:lvl3pPr>
-                      <a:lvl4pPr marL="1371600" algn="l" defTabSz="914400" rtl="0" eaLnBrk="1" latinLnBrk="0" hangingPunct="1">
-                        <a:defRPr sz="1800" b="1" kern="1200">
-                          <a:solidFill>
-                            <a:schemeClr val="lt1"/>
-                          </a:solidFill>
-                          <a:latin typeface="Segoe UI"/>
-                        </a:defRPr>
-                      </a:lvl4pPr>
-                      <a:lvl5pPr marL="1828800" algn="l" defTabSz="914400" rtl="0" eaLnBrk="1" latinLnBrk="0" hangingPunct="1">
-                        <a:defRPr sz="1800" b="1" kern="1200">
-                          <a:solidFill>
-                            <a:schemeClr val="lt1"/>
-                          </a:solidFill>
-                          <a:latin typeface="Segoe UI"/>
-                        </a:defRPr>
-                      </a:lvl5pPr>
-                      <a:lvl6pPr marL="2286000" algn="l" defTabSz="914400" rtl="0" eaLnBrk="1" latinLnBrk="0" hangingPunct="1">
-                        <a:defRPr sz="1800" b="1" kern="1200">
-                          <a:solidFill>
-                            <a:schemeClr val="lt1"/>
-                          </a:solidFill>
-                          <a:latin typeface="Segoe UI"/>
-                        </a:defRPr>
-                      </a:lvl6pPr>
-                      <a:lvl7pPr marL="2743200" algn="l" defTabSz="914400" rtl="0" eaLnBrk="1" latinLnBrk="0" hangingPunct="1">
-                        <a:defRPr sz="1800" b="1" kern="1200">
-                          <a:solidFill>
-                            <a:schemeClr val="lt1"/>
-                          </a:solidFill>
-                          <a:latin typeface="Segoe UI"/>
-                        </a:defRPr>
-                      </a:lvl7pPr>
-                      <a:lvl8pPr marL="3200400" algn="l" defTabSz="914400" rtl="0" eaLnBrk="1" latinLnBrk="0" hangingPunct="1">
-                        <a:defRPr sz="1800" b="1" kern="1200">
-                          <a:solidFill>
-                            <a:schemeClr val="lt1"/>
-                          </a:solidFill>
-                          <a:latin typeface="Segoe UI"/>
-                        </a:defRPr>
-                      </a:lvl8pPr>
-                      <a:lvl9pPr marL="3657600" algn="l" defTabSz="914400" rtl="0" eaLnBrk="1" latinLnBrk="0" hangingPunct="1">
-                        <a:defRPr sz="1800" b="1" kern="1200">
-                          <a:solidFill>
-                            <a:schemeClr val="lt1"/>
-                          </a:solidFill>
-                          <a:latin typeface="Segoe UI"/>
-                        </a:defRPr>
-                      </a:lvl9pPr>
-                    </a:lstStyle>
-                    <a:p>
-                      <a:pPr algn="ctr"/>
-                      <a:r>
-                        <a:rPr lang="en-US" dirty="0"/>
-                        <a:t>…</a:t>
-                      </a:r>
-                    </a:p>
-                  </a:txBody>
-                  <a:tcPr>
-                    <a:lnL w="12700" cmpd="sng">
-                      <a:solidFill>
-                        <a:sysClr val="window" lastClr="FFFFFF"/>
-                      </a:solidFill>
-                    </a:lnL>
-                    <a:lnR w="12700" cmpd="sng">
-                      <a:solidFill>
-                        <a:sysClr val="window" lastClr="FFFFFF"/>
-                      </a:solidFill>
-                    </a:lnR>
-                    <a:lnT w="12700" cmpd="sng">
-                      <a:solidFill>
-                        <a:sysClr val="window" lastClr="FFFFFF"/>
-                      </a:solidFill>
-                    </a:lnT>
-                    <a:lnB w="12700" cmpd="sng">
-                      <a:solidFill>
-                        <a:sysClr val="window" lastClr="FFFFFF"/>
-                      </a:solidFill>
-                    </a:lnB>
-                    <a:lnTlToBr w="12700" cmpd="sng">
-                      <a:noFill/>
-                      <a:prstDash val="solid"/>
-                    </a:lnTlToBr>
-                    <a:lnBlToTr w="12700" cmpd="sng">
-                      <a:noFill/>
-                      <a:prstDash val="solid"/>
-                    </a:lnBlToTr>
-                    <a:solidFill>
-                      <a:schemeClr val="accent1">
-                        <a:lumMod val="50000"/>
-                      </a:schemeClr>
-                    </a:solidFill>
-                  </a:tcPr>
-                </a:tc>
-                <a:tc>
-                  <a:txBody>
-                    <a:bodyPr/>
-                    <a:lstStyle>
-                      <a:lvl1pPr marL="0" algn="l" defTabSz="914400" rtl="0" eaLnBrk="1" latinLnBrk="0" hangingPunct="1">
-                        <a:defRPr sz="1800" kern="1200">
-                          <a:solidFill>
-                            <a:schemeClr val="dk1"/>
-                          </a:solidFill>
-                          <a:latin typeface="Segoe UI"/>
-                        </a:defRPr>
-                      </a:lvl1pPr>
-                      <a:lvl2pPr marL="457200" algn="l" defTabSz="914400" rtl="0" eaLnBrk="1" latinLnBrk="0" hangingPunct="1">
-                        <a:defRPr sz="1800" kern="1200">
-                          <a:solidFill>
-                            <a:schemeClr val="dk1"/>
-                          </a:solidFill>
-                          <a:latin typeface="Segoe UI"/>
-                        </a:defRPr>
-                      </a:lvl2pPr>
-                      <a:lvl3pPr marL="914400" algn="l" defTabSz="914400" rtl="0" eaLnBrk="1" latinLnBrk="0" hangingPunct="1">
-                        <a:defRPr sz="1800" kern="1200">
-                          <a:solidFill>
-                            <a:schemeClr val="dk1"/>
-                          </a:solidFill>
-                          <a:latin typeface="Segoe UI"/>
-                        </a:defRPr>
-                      </a:lvl3pPr>
-                      <a:lvl4pPr marL="1371600" algn="l" defTabSz="914400" rtl="0" eaLnBrk="1" latinLnBrk="0" hangingPunct="1">
-                        <a:defRPr sz="1800" kern="1200">
-                          <a:solidFill>
-                            <a:schemeClr val="dk1"/>
-                          </a:solidFill>
-                          <a:latin typeface="Segoe UI"/>
-                        </a:defRPr>
-                      </a:lvl4pPr>
-                      <a:lvl5pPr marL="1828800" algn="l" defTabSz="914400" rtl="0" eaLnBrk="1" latinLnBrk="0" hangingPunct="1">
-                        <a:defRPr sz="1800" kern="1200">
-                          <a:solidFill>
-                            <a:schemeClr val="dk1"/>
-                          </a:solidFill>
-                          <a:latin typeface="Segoe UI"/>
-                        </a:defRPr>
-                      </a:lvl5pPr>
-                      <a:lvl6pPr marL="2286000" algn="l" defTabSz="914400" rtl="0" eaLnBrk="1" latinLnBrk="0" hangingPunct="1">
-                        <a:defRPr sz="1800" kern="1200">
-                          <a:solidFill>
-                            <a:schemeClr val="dk1"/>
-                          </a:solidFill>
-                          <a:latin typeface="Segoe UI"/>
-                        </a:defRPr>
-                      </a:lvl6pPr>
-                      <a:lvl7pPr marL="2743200" algn="l" defTabSz="914400" rtl="0" eaLnBrk="1" latinLnBrk="0" hangingPunct="1">
-                        <a:defRPr sz="1800" kern="1200">
-                          <a:solidFill>
-                            <a:schemeClr val="dk1"/>
-                          </a:solidFill>
-                          <a:latin typeface="Segoe UI"/>
-                        </a:defRPr>
-                      </a:lvl7pPr>
-                      <a:lvl8pPr marL="3200400" algn="l" defTabSz="914400" rtl="0" eaLnBrk="1" latinLnBrk="0" hangingPunct="1">
-                        <a:defRPr sz="1800" kern="1200">
-                          <a:solidFill>
-                            <a:schemeClr val="dk1"/>
-                          </a:solidFill>
-                          <a:latin typeface="Segoe UI"/>
-                        </a:defRPr>
-                      </a:lvl8pPr>
-                      <a:lvl9pPr marL="3657600" algn="l" defTabSz="914400" rtl="0" eaLnBrk="1" latinLnBrk="0" hangingPunct="1">
-                        <a:defRPr sz="1800" kern="1200">
-                          <a:solidFill>
-                            <a:schemeClr val="dk1"/>
-                          </a:solidFill>
-                          <a:latin typeface="Segoe UI"/>
-                        </a:defRPr>
-                      </a:lvl9pPr>
-                    </a:lstStyle>
-                    <a:p>
-                      <a:pPr algn="ctr"/>
-                      <a:endParaRPr lang="en-US" dirty="0"/>
-                    </a:p>
-                  </a:txBody>
-                  <a:tcPr>
-                    <a:lnL w="12700" cmpd="sng">
-                      <a:solidFill>
-                        <a:sysClr val="window" lastClr="FFFFFF"/>
-                      </a:solidFill>
-                    </a:lnL>
-                    <a:lnR w="12700" cmpd="sng">
-                      <a:solidFill>
-                        <a:sysClr val="window" lastClr="FFFFFF"/>
-                      </a:solidFill>
-                    </a:lnR>
-                    <a:lnT w="12700" cmpd="sng">
-                      <a:solidFill>
-                        <a:sysClr val="window" lastClr="FFFFFF"/>
-                      </a:solidFill>
-                    </a:lnT>
-                    <a:lnB w="12700" cmpd="sng">
-                      <a:solidFill>
-                        <a:sysClr val="window" lastClr="FFFFFF"/>
-                      </a:solidFill>
-                    </a:lnB>
-                    <a:lnTlToBr w="12700" cmpd="sng">
-                      <a:noFill/>
-                      <a:prstDash val="solid"/>
-                    </a:lnTlToBr>
-                    <a:lnBlToTr w="12700" cmpd="sng">
-                      <a:noFill/>
-                      <a:prstDash val="solid"/>
-                    </a:lnBlToTr>
-                    <a:solidFill>
-                      <a:schemeClr val="accent1">
-                        <a:lumMod val="40000"/>
-                        <a:lumOff val="60000"/>
-                      </a:schemeClr>
-                    </a:solidFill>
-                  </a:tcPr>
-                </a:tc>
-                <a:tc>
-                  <a:txBody>
-                    <a:bodyPr/>
-                    <a:lstStyle>
-                      <a:lvl1pPr marL="0" algn="l" defTabSz="914400" rtl="0" eaLnBrk="1" latinLnBrk="0" hangingPunct="1">
-                        <a:defRPr sz="1800" kern="1200">
-                          <a:solidFill>
-                            <a:schemeClr val="dk1"/>
-                          </a:solidFill>
-                          <a:latin typeface="Segoe UI"/>
-                        </a:defRPr>
-                      </a:lvl1pPr>
-                      <a:lvl2pPr marL="457200" algn="l" defTabSz="914400" rtl="0" eaLnBrk="1" latinLnBrk="0" hangingPunct="1">
-                        <a:defRPr sz="1800" kern="1200">
-                          <a:solidFill>
-                            <a:schemeClr val="dk1"/>
-                          </a:solidFill>
-                          <a:latin typeface="Segoe UI"/>
-                        </a:defRPr>
-                      </a:lvl2pPr>
-                      <a:lvl3pPr marL="914400" algn="l" defTabSz="914400" rtl="0" eaLnBrk="1" latinLnBrk="0" hangingPunct="1">
-                        <a:defRPr sz="1800" kern="1200">
-                          <a:solidFill>
-                            <a:schemeClr val="dk1"/>
-                          </a:solidFill>
-                          <a:latin typeface="Segoe UI"/>
-                        </a:defRPr>
-                      </a:lvl3pPr>
-                      <a:lvl4pPr marL="1371600" algn="l" defTabSz="914400" rtl="0" eaLnBrk="1" latinLnBrk="0" hangingPunct="1">
-                        <a:defRPr sz="1800" kern="1200">
-                          <a:solidFill>
-                            <a:schemeClr val="dk1"/>
-                          </a:solidFill>
-                          <a:latin typeface="Segoe UI"/>
-                        </a:defRPr>
-                      </a:lvl4pPr>
-                      <a:lvl5pPr marL="1828800" algn="l" defTabSz="914400" rtl="0" eaLnBrk="1" latinLnBrk="0" hangingPunct="1">
-                        <a:defRPr sz="1800" kern="1200">
-                          <a:solidFill>
-                            <a:schemeClr val="dk1"/>
-                          </a:solidFill>
-                          <a:latin typeface="Segoe UI"/>
-                        </a:defRPr>
-                      </a:lvl5pPr>
-                      <a:lvl6pPr marL="2286000" algn="l" defTabSz="914400" rtl="0" eaLnBrk="1" latinLnBrk="0" hangingPunct="1">
-                        <a:defRPr sz="1800" kern="1200">
-                          <a:solidFill>
-                            <a:schemeClr val="dk1"/>
-                          </a:solidFill>
-                          <a:latin typeface="Segoe UI"/>
-                        </a:defRPr>
-                      </a:lvl6pPr>
-                      <a:lvl7pPr marL="2743200" algn="l" defTabSz="914400" rtl="0" eaLnBrk="1" latinLnBrk="0" hangingPunct="1">
-                        <a:defRPr sz="1800" kern="1200">
-                          <a:solidFill>
-                            <a:schemeClr val="dk1"/>
-                          </a:solidFill>
-                          <a:latin typeface="Segoe UI"/>
-                        </a:defRPr>
-                      </a:lvl7pPr>
-                      <a:lvl8pPr marL="3200400" algn="l" defTabSz="914400" rtl="0" eaLnBrk="1" latinLnBrk="0" hangingPunct="1">
-                        <a:defRPr sz="1800" kern="1200">
-                          <a:solidFill>
-                            <a:schemeClr val="dk1"/>
-                          </a:solidFill>
-                          <a:latin typeface="Segoe UI"/>
-                        </a:defRPr>
-                      </a:lvl8pPr>
-                      <a:lvl9pPr marL="3657600" algn="l" defTabSz="914400" rtl="0" eaLnBrk="1" latinLnBrk="0" hangingPunct="1">
-                        <a:defRPr sz="1800" kern="1200">
-                          <a:solidFill>
-                            <a:schemeClr val="dk1"/>
-                          </a:solidFill>
-                          <a:latin typeface="Segoe UI"/>
-                        </a:defRPr>
-                      </a:lvl9pPr>
-                    </a:lstStyle>
-                    <a:p>
-                      <a:pPr algn="ctr"/>
-                      <a:endParaRPr lang="en-US" dirty="0"/>
-                    </a:p>
-                  </a:txBody>
-                  <a:tcPr>
-                    <a:lnL w="12700" cmpd="sng">
-                      <a:solidFill>
-                        <a:sysClr val="window" lastClr="FFFFFF"/>
-                      </a:solidFill>
-                    </a:lnL>
-                    <a:lnR w="12700" cmpd="sng">
-                      <a:solidFill>
-                        <a:sysClr val="window" lastClr="FFFFFF"/>
-                      </a:solidFill>
-                    </a:lnR>
-                    <a:lnT w="12700" cmpd="sng">
-                      <a:solidFill>
-                        <a:sysClr val="window" lastClr="FFFFFF"/>
-                      </a:solidFill>
-                    </a:lnT>
-                    <a:lnB w="12700" cmpd="sng">
-                      <a:solidFill>
-                        <a:sysClr val="window" lastClr="FFFFFF"/>
-                      </a:solidFill>
-                    </a:lnB>
-                    <a:lnTlToBr w="12700" cmpd="sng">
-                      <a:noFill/>
-                      <a:prstDash val="solid"/>
-                    </a:lnTlToBr>
-                    <a:lnBlToTr w="12700" cmpd="sng">
-                      <a:noFill/>
-                      <a:prstDash val="solid"/>
-                    </a:lnBlToTr>
-                    <a:solidFill>
-                      <a:schemeClr val="accent1">
-                        <a:lumMod val="40000"/>
-                        <a:lumOff val="60000"/>
-                      </a:schemeClr>
-                    </a:solidFill>
-                  </a:tcPr>
-                </a:tc>
-                <a:tc>
-                  <a:txBody>
-                    <a:bodyPr/>
-                    <a:lstStyle>
-                      <a:lvl1pPr marL="0" algn="l" defTabSz="914400" rtl="0" eaLnBrk="1" latinLnBrk="0" hangingPunct="1">
-                        <a:defRPr sz="1800" kern="1200">
-                          <a:solidFill>
-                            <a:schemeClr val="dk1"/>
-                          </a:solidFill>
-                          <a:latin typeface="Segoe UI"/>
-                        </a:defRPr>
-                      </a:lvl1pPr>
-                      <a:lvl2pPr marL="457200" algn="l" defTabSz="914400" rtl="0" eaLnBrk="1" latinLnBrk="0" hangingPunct="1">
-                        <a:defRPr sz="1800" kern="1200">
-                          <a:solidFill>
-                            <a:schemeClr val="dk1"/>
-                          </a:solidFill>
-                          <a:latin typeface="Segoe UI"/>
-                        </a:defRPr>
-                      </a:lvl2pPr>
-                      <a:lvl3pPr marL="914400" algn="l" defTabSz="914400" rtl="0" eaLnBrk="1" latinLnBrk="0" hangingPunct="1">
-                        <a:defRPr sz="1800" kern="1200">
-                          <a:solidFill>
-                            <a:schemeClr val="dk1"/>
-                          </a:solidFill>
-                          <a:latin typeface="Segoe UI"/>
-                        </a:defRPr>
-                      </a:lvl3pPr>
-                      <a:lvl4pPr marL="1371600" algn="l" defTabSz="914400" rtl="0" eaLnBrk="1" latinLnBrk="0" hangingPunct="1">
-                        <a:defRPr sz="1800" kern="1200">
-                          <a:solidFill>
-                            <a:schemeClr val="dk1"/>
-                          </a:solidFill>
-                          <a:latin typeface="Segoe UI"/>
-                        </a:defRPr>
-                      </a:lvl4pPr>
-                      <a:lvl5pPr marL="1828800" algn="l" defTabSz="914400" rtl="0" eaLnBrk="1" latinLnBrk="0" hangingPunct="1">
-                        <a:defRPr sz="1800" kern="1200">
-                          <a:solidFill>
-                            <a:schemeClr val="dk1"/>
-                          </a:solidFill>
-                          <a:latin typeface="Segoe UI"/>
-                        </a:defRPr>
-                      </a:lvl5pPr>
-                      <a:lvl6pPr marL="2286000" algn="l" defTabSz="914400" rtl="0" eaLnBrk="1" latinLnBrk="0" hangingPunct="1">
-                        <a:defRPr sz="1800" kern="1200">
-                          <a:solidFill>
-                            <a:schemeClr val="dk1"/>
-                          </a:solidFill>
-                          <a:latin typeface="Segoe UI"/>
-                        </a:defRPr>
-                      </a:lvl6pPr>
-                      <a:lvl7pPr marL="2743200" algn="l" defTabSz="914400" rtl="0" eaLnBrk="1" latinLnBrk="0" hangingPunct="1">
-                        <a:defRPr sz="1800" kern="1200">
-                          <a:solidFill>
-                            <a:schemeClr val="dk1"/>
-                          </a:solidFill>
-                          <a:latin typeface="Segoe UI"/>
-                        </a:defRPr>
-                      </a:lvl7pPr>
-                      <a:lvl8pPr marL="3200400" algn="l" defTabSz="914400" rtl="0" eaLnBrk="1" latinLnBrk="0" hangingPunct="1">
-                        <a:defRPr sz="1800" kern="1200">
-                          <a:solidFill>
-                            <a:schemeClr val="dk1"/>
-                          </a:solidFill>
-                          <a:latin typeface="Segoe UI"/>
-                        </a:defRPr>
-                      </a:lvl8pPr>
-                      <a:lvl9pPr marL="3657600" algn="l" defTabSz="914400" rtl="0" eaLnBrk="1" latinLnBrk="0" hangingPunct="1">
-                        <a:defRPr sz="1800" kern="1200">
-                          <a:solidFill>
-                            <a:schemeClr val="dk1"/>
-                          </a:solidFill>
-                          <a:latin typeface="Segoe UI"/>
-                        </a:defRPr>
-                      </a:lvl9pPr>
-                    </a:lstStyle>
-                    <a:p>
-                      <a:pPr algn="ctr"/>
-                      <a:endParaRPr lang="en-US" dirty="0"/>
-                    </a:p>
-                  </a:txBody>
-                  <a:tcPr>
-                    <a:lnL w="12700" cmpd="sng">
-                      <a:solidFill>
-                        <a:sysClr val="window" lastClr="FFFFFF"/>
-                      </a:solidFill>
-                    </a:lnL>
-                    <a:lnR w="12700" cmpd="sng">
-                      <a:solidFill>
-                        <a:sysClr val="window" lastClr="FFFFFF"/>
-                      </a:solidFill>
-                    </a:lnR>
-                    <a:lnT w="12700" cmpd="sng">
-                      <a:solidFill>
-                        <a:sysClr val="window" lastClr="FFFFFF"/>
-                      </a:solidFill>
-                    </a:lnT>
-                    <a:lnB w="12700" cmpd="sng">
-                      <a:solidFill>
-                        <a:sysClr val="window" lastClr="FFFFFF"/>
-                      </a:solidFill>
-                    </a:lnB>
-                    <a:lnTlToBr w="12700" cmpd="sng">
-                      <a:noFill/>
-                      <a:prstDash val="solid"/>
-                    </a:lnTlToBr>
-                    <a:lnBlToTr w="12700" cmpd="sng">
-                      <a:noFill/>
-                      <a:prstDash val="solid"/>
-                    </a:lnBlToTr>
-                    <a:solidFill>
-                      <a:schemeClr val="accent1">
-                        <a:lumMod val="40000"/>
-                        <a:lumOff val="60000"/>
-                      </a:schemeClr>
-                    </a:solidFill>
-                  </a:tcPr>
-                </a:tc>
-                <a:extLst>
-                  <a:ext uri="{0D108BD9-81ED-4DB2-BD59-A6C34878D82A}">
-                    <a16:rowId xmlns:a16="http://schemas.microsoft.com/office/drawing/2014/main" val="3534683378"/>
-                  </a:ext>
-                </a:extLst>
-              </a:tr>
-              <a:tr h="370840">
-                <a:tc>
-                  <a:txBody>
-                    <a:bodyPr/>
-                    <a:lstStyle>
-                      <a:lvl1pPr marL="0" algn="l" defTabSz="914400" rtl="0" eaLnBrk="1" latinLnBrk="0" hangingPunct="1">
-                        <a:defRPr sz="1800" b="1" kern="1200">
-                          <a:solidFill>
-                            <a:schemeClr val="lt1"/>
-                          </a:solidFill>
-                          <a:latin typeface="Segoe UI"/>
-                        </a:defRPr>
-                      </a:lvl1pPr>
-                      <a:lvl2pPr marL="457200" algn="l" defTabSz="914400" rtl="0" eaLnBrk="1" latinLnBrk="0" hangingPunct="1">
-                        <a:defRPr sz="1800" b="1" kern="1200">
-                          <a:solidFill>
-                            <a:schemeClr val="lt1"/>
-                          </a:solidFill>
-                          <a:latin typeface="Segoe UI"/>
-                        </a:defRPr>
-                      </a:lvl2pPr>
-                      <a:lvl3pPr marL="914400" algn="l" defTabSz="914400" rtl="0" eaLnBrk="1" latinLnBrk="0" hangingPunct="1">
-                        <a:defRPr sz="1800" b="1" kern="1200">
-                          <a:solidFill>
-                            <a:schemeClr val="lt1"/>
-                          </a:solidFill>
-                          <a:latin typeface="Segoe UI"/>
-                        </a:defRPr>
-                      </a:lvl3pPr>
-                      <a:lvl4pPr marL="1371600" algn="l" defTabSz="914400" rtl="0" eaLnBrk="1" latinLnBrk="0" hangingPunct="1">
-                        <a:defRPr sz="1800" b="1" kern="1200">
-                          <a:solidFill>
-                            <a:schemeClr val="lt1"/>
-                          </a:solidFill>
-                          <a:latin typeface="Segoe UI"/>
-                        </a:defRPr>
-                      </a:lvl4pPr>
-                      <a:lvl5pPr marL="1828800" algn="l" defTabSz="914400" rtl="0" eaLnBrk="1" latinLnBrk="0" hangingPunct="1">
-                        <a:defRPr sz="1800" b="1" kern="1200">
-                          <a:solidFill>
-                            <a:schemeClr val="lt1"/>
-                          </a:solidFill>
-                          <a:latin typeface="Segoe UI"/>
-                        </a:defRPr>
-                      </a:lvl5pPr>
-                      <a:lvl6pPr marL="2286000" algn="l" defTabSz="914400" rtl="0" eaLnBrk="1" latinLnBrk="0" hangingPunct="1">
-                        <a:defRPr sz="1800" b="1" kern="1200">
-                          <a:solidFill>
-                            <a:schemeClr val="lt1"/>
-                          </a:solidFill>
-                          <a:latin typeface="Segoe UI"/>
-                        </a:defRPr>
-                      </a:lvl6pPr>
-                      <a:lvl7pPr marL="2743200" algn="l" defTabSz="914400" rtl="0" eaLnBrk="1" latinLnBrk="0" hangingPunct="1">
-                        <a:defRPr sz="1800" b="1" kern="1200">
-                          <a:solidFill>
-                            <a:schemeClr val="lt1"/>
-                          </a:solidFill>
-                          <a:latin typeface="Segoe UI"/>
-                        </a:defRPr>
-                      </a:lvl7pPr>
-                      <a:lvl8pPr marL="3200400" algn="l" defTabSz="914400" rtl="0" eaLnBrk="1" latinLnBrk="0" hangingPunct="1">
-                        <a:defRPr sz="1800" b="1" kern="1200">
-                          <a:solidFill>
-                            <a:schemeClr val="lt1"/>
-                          </a:solidFill>
-                          <a:latin typeface="Segoe UI"/>
-                        </a:defRPr>
-                      </a:lvl8pPr>
-                      <a:lvl9pPr marL="3657600" algn="l" defTabSz="914400" rtl="0" eaLnBrk="1" latinLnBrk="0" hangingPunct="1">
-                        <a:defRPr sz="1800" b="1" kern="1200">
-                          <a:solidFill>
-                            <a:schemeClr val="lt1"/>
-                          </a:solidFill>
-                          <a:latin typeface="Segoe UI"/>
-                        </a:defRPr>
-                      </a:lvl9pPr>
-                    </a:lstStyle>
-                    <a:p>
-                      <a:pPr algn="ctr"/>
-                      <a:r>
-                        <a:rPr lang="en-US" dirty="0"/>
-                        <a:t>0.05</a:t>
-                      </a:r>
-                    </a:p>
-                  </a:txBody>
-                  <a:tcPr>
-                    <a:lnL w="12700" cmpd="sng">
-                      <a:solidFill>
-                        <a:sysClr val="window" lastClr="FFFFFF"/>
-                      </a:solidFill>
-                    </a:lnL>
-                    <a:lnR w="12700" cmpd="sng">
-                      <a:solidFill>
-                        <a:sysClr val="window" lastClr="FFFFFF"/>
-                      </a:solidFill>
-                    </a:lnR>
-                    <a:lnT w="12700" cmpd="sng">
-                      <a:solidFill>
-                        <a:sysClr val="window" lastClr="FFFFFF"/>
-                      </a:solidFill>
-                    </a:lnT>
-                    <a:lnB w="12700" cmpd="sng">
-                      <a:solidFill>
-                        <a:sysClr val="window" lastClr="FFFFFF"/>
-                      </a:solidFill>
-                    </a:lnB>
-                    <a:lnTlToBr w="12700" cmpd="sng">
-                      <a:noFill/>
-                      <a:prstDash val="solid"/>
-                    </a:lnTlToBr>
-                    <a:lnBlToTr w="12700" cmpd="sng">
-                      <a:noFill/>
-                      <a:prstDash val="solid"/>
-                    </a:lnBlToTr>
-                    <a:solidFill>
-                      <a:schemeClr val="accent1">
-                        <a:lumMod val="50000"/>
-                      </a:schemeClr>
-                    </a:solidFill>
-                  </a:tcPr>
-                </a:tc>
-                <a:tc>
-                  <a:txBody>
-                    <a:bodyPr/>
-                    <a:lstStyle>
-                      <a:lvl1pPr marL="0" algn="l" defTabSz="914400" rtl="0" eaLnBrk="1" latinLnBrk="0" hangingPunct="1">
-                        <a:defRPr sz="1800" kern="1200">
-                          <a:solidFill>
-                            <a:schemeClr val="dk1"/>
-                          </a:solidFill>
-                          <a:latin typeface="Segoe UI"/>
-                        </a:defRPr>
-                      </a:lvl1pPr>
-                      <a:lvl2pPr marL="457200" algn="l" defTabSz="914400" rtl="0" eaLnBrk="1" latinLnBrk="0" hangingPunct="1">
-                        <a:defRPr sz="1800" kern="1200">
-                          <a:solidFill>
-                            <a:schemeClr val="dk1"/>
-                          </a:solidFill>
-                          <a:latin typeface="Segoe UI"/>
-                        </a:defRPr>
-                      </a:lvl2pPr>
-                      <a:lvl3pPr marL="914400" algn="l" defTabSz="914400" rtl="0" eaLnBrk="1" latinLnBrk="0" hangingPunct="1">
-                        <a:defRPr sz="1800" kern="1200">
-                          <a:solidFill>
-                            <a:schemeClr val="dk1"/>
-                          </a:solidFill>
-                          <a:latin typeface="Segoe UI"/>
-                        </a:defRPr>
-                      </a:lvl3pPr>
-                      <a:lvl4pPr marL="1371600" algn="l" defTabSz="914400" rtl="0" eaLnBrk="1" latinLnBrk="0" hangingPunct="1">
-                        <a:defRPr sz="1800" kern="1200">
-                          <a:solidFill>
-                            <a:schemeClr val="dk1"/>
-                          </a:solidFill>
-                          <a:latin typeface="Segoe UI"/>
-                        </a:defRPr>
-                      </a:lvl4pPr>
-                      <a:lvl5pPr marL="1828800" algn="l" defTabSz="914400" rtl="0" eaLnBrk="1" latinLnBrk="0" hangingPunct="1">
-                        <a:defRPr sz="1800" kern="1200">
-                          <a:solidFill>
-                            <a:schemeClr val="dk1"/>
-                          </a:solidFill>
-                          <a:latin typeface="Segoe UI"/>
-                        </a:defRPr>
-                      </a:lvl5pPr>
-                      <a:lvl6pPr marL="2286000" algn="l" defTabSz="914400" rtl="0" eaLnBrk="1" latinLnBrk="0" hangingPunct="1">
-                        <a:defRPr sz="1800" kern="1200">
-                          <a:solidFill>
-                            <a:schemeClr val="dk1"/>
-                          </a:solidFill>
-                          <a:latin typeface="Segoe UI"/>
-                        </a:defRPr>
-                      </a:lvl6pPr>
-                      <a:lvl7pPr marL="2743200" algn="l" defTabSz="914400" rtl="0" eaLnBrk="1" latinLnBrk="0" hangingPunct="1">
-                        <a:defRPr sz="1800" kern="1200">
-                          <a:solidFill>
-                            <a:schemeClr val="dk1"/>
-                          </a:solidFill>
-                          <a:latin typeface="Segoe UI"/>
-                        </a:defRPr>
-                      </a:lvl7pPr>
-                      <a:lvl8pPr marL="3200400" algn="l" defTabSz="914400" rtl="0" eaLnBrk="1" latinLnBrk="0" hangingPunct="1">
-                        <a:defRPr sz="1800" kern="1200">
-                          <a:solidFill>
-                            <a:schemeClr val="dk1"/>
-                          </a:solidFill>
-                          <a:latin typeface="Segoe UI"/>
-                        </a:defRPr>
-                      </a:lvl8pPr>
-                      <a:lvl9pPr marL="3657600" algn="l" defTabSz="914400" rtl="0" eaLnBrk="1" latinLnBrk="0" hangingPunct="1">
-                        <a:defRPr sz="1800" kern="1200">
-                          <a:solidFill>
-                            <a:schemeClr val="dk1"/>
-                          </a:solidFill>
-                          <a:latin typeface="Segoe UI"/>
-                        </a:defRPr>
-                      </a:lvl9pPr>
-                    </a:lstStyle>
-                    <a:p>
-                      <a:pPr algn="ctr"/>
-                      <a:endParaRPr lang="en-US" dirty="0"/>
-                    </a:p>
-                  </a:txBody>
-                  <a:tcPr>
-                    <a:lnL w="12700" cmpd="sng">
-                      <a:solidFill>
-                        <a:sysClr val="window" lastClr="FFFFFF"/>
-                      </a:solidFill>
-                    </a:lnL>
-                    <a:lnR w="12700" cmpd="sng">
-                      <a:solidFill>
-                        <a:sysClr val="window" lastClr="FFFFFF"/>
-                      </a:solidFill>
-                    </a:lnR>
-                    <a:lnT w="12700" cmpd="sng">
-                      <a:solidFill>
-                        <a:sysClr val="window" lastClr="FFFFFF"/>
-                      </a:solidFill>
-                    </a:lnT>
-                    <a:lnB w="12700" cmpd="sng">
-                      <a:solidFill>
-                        <a:sysClr val="window" lastClr="FFFFFF"/>
-                      </a:solidFill>
-                    </a:lnB>
-                    <a:lnTlToBr w="12700" cmpd="sng">
-                      <a:noFill/>
-                      <a:prstDash val="solid"/>
-                    </a:lnTlToBr>
-                    <a:lnBlToTr w="12700" cmpd="sng">
-                      <a:noFill/>
-                      <a:prstDash val="solid"/>
-                    </a:lnBlToTr>
-                    <a:solidFill>
-                      <a:schemeClr val="accent1">
-                        <a:lumMod val="20000"/>
-                        <a:lumOff val="80000"/>
-                      </a:schemeClr>
-                    </a:solidFill>
-                  </a:tcPr>
-                </a:tc>
-                <a:tc>
-                  <a:txBody>
-                    <a:bodyPr/>
-                    <a:lstStyle>
-                      <a:lvl1pPr marL="0" algn="l" defTabSz="914400" rtl="0" eaLnBrk="1" latinLnBrk="0" hangingPunct="1">
-                        <a:defRPr sz="1800" kern="1200">
-                          <a:solidFill>
-                            <a:schemeClr val="dk1"/>
-                          </a:solidFill>
-                          <a:latin typeface="Segoe UI"/>
-                        </a:defRPr>
-                      </a:lvl1pPr>
-                      <a:lvl2pPr marL="457200" algn="l" defTabSz="914400" rtl="0" eaLnBrk="1" latinLnBrk="0" hangingPunct="1">
-                        <a:defRPr sz="1800" kern="1200">
-                          <a:solidFill>
-                            <a:schemeClr val="dk1"/>
-                          </a:solidFill>
-                          <a:latin typeface="Segoe UI"/>
-                        </a:defRPr>
-                      </a:lvl2pPr>
-                      <a:lvl3pPr marL="914400" algn="l" defTabSz="914400" rtl="0" eaLnBrk="1" latinLnBrk="0" hangingPunct="1">
-                        <a:defRPr sz="1800" kern="1200">
-                          <a:solidFill>
-                            <a:schemeClr val="dk1"/>
-                          </a:solidFill>
-                          <a:latin typeface="Segoe UI"/>
-                        </a:defRPr>
-                      </a:lvl3pPr>
-                      <a:lvl4pPr marL="1371600" algn="l" defTabSz="914400" rtl="0" eaLnBrk="1" latinLnBrk="0" hangingPunct="1">
-                        <a:defRPr sz="1800" kern="1200">
-                          <a:solidFill>
-                            <a:schemeClr val="dk1"/>
-                          </a:solidFill>
-                          <a:latin typeface="Segoe UI"/>
-                        </a:defRPr>
-                      </a:lvl4pPr>
-                      <a:lvl5pPr marL="1828800" algn="l" defTabSz="914400" rtl="0" eaLnBrk="1" latinLnBrk="0" hangingPunct="1">
-                        <a:defRPr sz="1800" kern="1200">
-                          <a:solidFill>
-                            <a:schemeClr val="dk1"/>
-                          </a:solidFill>
-                          <a:latin typeface="Segoe UI"/>
-                        </a:defRPr>
-                      </a:lvl5pPr>
-                      <a:lvl6pPr marL="2286000" algn="l" defTabSz="914400" rtl="0" eaLnBrk="1" latinLnBrk="0" hangingPunct="1">
-                        <a:defRPr sz="1800" kern="1200">
-                          <a:solidFill>
-                            <a:schemeClr val="dk1"/>
-                          </a:solidFill>
-                          <a:latin typeface="Segoe UI"/>
-                        </a:defRPr>
-                      </a:lvl6pPr>
-                      <a:lvl7pPr marL="2743200" algn="l" defTabSz="914400" rtl="0" eaLnBrk="1" latinLnBrk="0" hangingPunct="1">
-                        <a:defRPr sz="1800" kern="1200">
-                          <a:solidFill>
-                            <a:schemeClr val="dk1"/>
-                          </a:solidFill>
-                          <a:latin typeface="Segoe UI"/>
-                        </a:defRPr>
-                      </a:lvl7pPr>
-                      <a:lvl8pPr marL="3200400" algn="l" defTabSz="914400" rtl="0" eaLnBrk="1" latinLnBrk="0" hangingPunct="1">
-                        <a:defRPr sz="1800" kern="1200">
-                          <a:solidFill>
-                            <a:schemeClr val="dk1"/>
-                          </a:solidFill>
-                          <a:latin typeface="Segoe UI"/>
-                        </a:defRPr>
-                      </a:lvl8pPr>
-                      <a:lvl9pPr marL="3657600" algn="l" defTabSz="914400" rtl="0" eaLnBrk="1" latinLnBrk="0" hangingPunct="1">
-                        <a:defRPr sz="1800" kern="1200">
-                          <a:solidFill>
-                            <a:schemeClr val="dk1"/>
-                          </a:solidFill>
-                          <a:latin typeface="Segoe UI"/>
-                        </a:defRPr>
-                      </a:lvl9pPr>
-                    </a:lstStyle>
-                    <a:p>
-                      <a:pPr algn="ctr"/>
-                      <a:endParaRPr lang="en-US" dirty="0"/>
-                    </a:p>
-                  </a:txBody>
-                  <a:tcPr>
-                    <a:lnL w="12700" cmpd="sng">
-                      <a:solidFill>
-                        <a:sysClr val="window" lastClr="FFFFFF"/>
-                      </a:solidFill>
-                    </a:lnL>
-                    <a:lnR w="12700" cmpd="sng">
-                      <a:solidFill>
-                        <a:sysClr val="window" lastClr="FFFFFF"/>
-                      </a:solidFill>
-                    </a:lnR>
-                    <a:lnT w="12700" cmpd="sng">
-                      <a:solidFill>
-                        <a:sysClr val="window" lastClr="FFFFFF"/>
-                      </a:solidFill>
-                    </a:lnT>
-                    <a:lnB w="12700" cmpd="sng">
-                      <a:solidFill>
-                        <a:sysClr val="window" lastClr="FFFFFF"/>
-                      </a:solidFill>
-                    </a:lnB>
-                    <a:lnTlToBr w="12700" cmpd="sng">
-                      <a:noFill/>
-                      <a:prstDash val="solid"/>
-                    </a:lnTlToBr>
-                    <a:lnBlToTr w="12700" cmpd="sng">
-                      <a:noFill/>
-                      <a:prstDash val="solid"/>
-                    </a:lnBlToTr>
-                    <a:solidFill>
-                      <a:schemeClr val="accent1">
-                        <a:lumMod val="20000"/>
-                        <a:lumOff val="80000"/>
-                      </a:schemeClr>
-                    </a:solidFill>
-                  </a:tcPr>
-                </a:tc>
-                <a:tc>
-                  <a:txBody>
-                    <a:bodyPr/>
-                    <a:lstStyle>
-                      <a:lvl1pPr marL="0" algn="l" defTabSz="914400" rtl="0" eaLnBrk="1" latinLnBrk="0" hangingPunct="1">
-                        <a:defRPr sz="1800" kern="1200">
-                          <a:solidFill>
-                            <a:schemeClr val="dk1"/>
-                          </a:solidFill>
-                          <a:latin typeface="Segoe UI"/>
-                        </a:defRPr>
-                      </a:lvl1pPr>
-                      <a:lvl2pPr marL="457200" algn="l" defTabSz="914400" rtl="0" eaLnBrk="1" latinLnBrk="0" hangingPunct="1">
-                        <a:defRPr sz="1800" kern="1200">
-                          <a:solidFill>
-                            <a:schemeClr val="dk1"/>
-                          </a:solidFill>
-                          <a:latin typeface="Segoe UI"/>
-                        </a:defRPr>
-                      </a:lvl2pPr>
-                      <a:lvl3pPr marL="914400" algn="l" defTabSz="914400" rtl="0" eaLnBrk="1" latinLnBrk="0" hangingPunct="1">
-                        <a:defRPr sz="1800" kern="1200">
-                          <a:solidFill>
-                            <a:schemeClr val="dk1"/>
-                          </a:solidFill>
-                          <a:latin typeface="Segoe UI"/>
-                        </a:defRPr>
-                      </a:lvl3pPr>
-                      <a:lvl4pPr marL="1371600" algn="l" defTabSz="914400" rtl="0" eaLnBrk="1" latinLnBrk="0" hangingPunct="1">
-                        <a:defRPr sz="1800" kern="1200">
-                          <a:solidFill>
-                            <a:schemeClr val="dk1"/>
-                          </a:solidFill>
-                          <a:latin typeface="Segoe UI"/>
-                        </a:defRPr>
-                      </a:lvl4pPr>
-                      <a:lvl5pPr marL="1828800" algn="l" defTabSz="914400" rtl="0" eaLnBrk="1" latinLnBrk="0" hangingPunct="1">
-                        <a:defRPr sz="1800" kern="1200">
-                          <a:solidFill>
-                            <a:schemeClr val="dk1"/>
-                          </a:solidFill>
-                          <a:latin typeface="Segoe UI"/>
-                        </a:defRPr>
-                      </a:lvl5pPr>
-                      <a:lvl6pPr marL="2286000" algn="l" defTabSz="914400" rtl="0" eaLnBrk="1" latinLnBrk="0" hangingPunct="1">
-                        <a:defRPr sz="1800" kern="1200">
-                          <a:solidFill>
-                            <a:schemeClr val="dk1"/>
-                          </a:solidFill>
-                          <a:latin typeface="Segoe UI"/>
-                        </a:defRPr>
-                      </a:lvl6pPr>
-                      <a:lvl7pPr marL="2743200" algn="l" defTabSz="914400" rtl="0" eaLnBrk="1" latinLnBrk="0" hangingPunct="1">
-                        <a:defRPr sz="1800" kern="1200">
-                          <a:solidFill>
-                            <a:schemeClr val="dk1"/>
-                          </a:solidFill>
-                          <a:latin typeface="Segoe UI"/>
-                        </a:defRPr>
-                      </a:lvl7pPr>
-                      <a:lvl8pPr marL="3200400" algn="l" defTabSz="914400" rtl="0" eaLnBrk="1" latinLnBrk="0" hangingPunct="1">
-                        <a:defRPr sz="1800" kern="1200">
-                          <a:solidFill>
-                            <a:schemeClr val="dk1"/>
-                          </a:solidFill>
-                          <a:latin typeface="Segoe UI"/>
-                        </a:defRPr>
-                      </a:lvl8pPr>
-                      <a:lvl9pPr marL="3657600" algn="l" defTabSz="914400" rtl="0" eaLnBrk="1" latinLnBrk="0" hangingPunct="1">
-                        <a:defRPr sz="1800" kern="1200">
-                          <a:solidFill>
-                            <a:schemeClr val="dk1"/>
-                          </a:solidFill>
-                          <a:latin typeface="Segoe UI"/>
-                        </a:defRPr>
-                      </a:lvl9pPr>
-                    </a:lstStyle>
-                    <a:p>
-                      <a:pPr algn="ctr"/>
-                      <a:endParaRPr lang="en-US" dirty="0"/>
-                    </a:p>
-                  </a:txBody>
-                  <a:tcPr>
-                    <a:lnL w="12700" cmpd="sng">
-                      <a:solidFill>
-                        <a:sysClr val="window" lastClr="FFFFFF"/>
-                      </a:solidFill>
-                    </a:lnL>
-                    <a:lnR w="12700" cmpd="sng">
-                      <a:solidFill>
-                        <a:sysClr val="window" lastClr="FFFFFF"/>
-                      </a:solidFill>
-                    </a:lnR>
-                    <a:lnT w="12700" cmpd="sng">
-                      <a:solidFill>
-                        <a:sysClr val="window" lastClr="FFFFFF"/>
-                      </a:solidFill>
-                    </a:lnT>
-                    <a:lnB w="12700" cmpd="sng">
-                      <a:solidFill>
-                        <a:sysClr val="window" lastClr="FFFFFF"/>
-                      </a:solidFill>
-                    </a:lnB>
-                    <a:lnTlToBr w="12700" cmpd="sng">
-                      <a:noFill/>
-                      <a:prstDash val="solid"/>
-                    </a:lnTlToBr>
-                    <a:lnBlToTr w="12700" cmpd="sng">
-                      <a:noFill/>
-                      <a:prstDash val="solid"/>
-                    </a:lnBlToTr>
-                    <a:solidFill>
-                      <a:schemeClr val="accent1">
-                        <a:lumMod val="20000"/>
-                        <a:lumOff val="80000"/>
-                      </a:schemeClr>
-                    </a:solidFill>
-                  </a:tcPr>
-                </a:tc>
-                <a:extLst>
-                  <a:ext uri="{0D108BD9-81ED-4DB2-BD59-A6C34878D82A}">
-                    <a16:rowId xmlns:a16="http://schemas.microsoft.com/office/drawing/2014/main" val="3600432382"/>
-                  </a:ext>
-                </a:extLst>
-              </a:tr>
-              <a:tr h="370840">
-                <a:tc>
-                  <a:txBody>
-                    <a:bodyPr/>
-                    <a:lstStyle>
-                      <a:lvl1pPr marL="0" algn="l" defTabSz="914400" rtl="0" eaLnBrk="1" latinLnBrk="0" hangingPunct="1">
-                        <a:defRPr sz="1800" b="1" kern="1200">
-                          <a:solidFill>
-                            <a:schemeClr val="lt1"/>
-                          </a:solidFill>
-                          <a:latin typeface="Segoe UI"/>
-                        </a:defRPr>
-                      </a:lvl1pPr>
-                      <a:lvl2pPr marL="457200" algn="l" defTabSz="914400" rtl="0" eaLnBrk="1" latinLnBrk="0" hangingPunct="1">
-                        <a:defRPr sz="1800" b="1" kern="1200">
-                          <a:solidFill>
-                            <a:schemeClr val="lt1"/>
-                          </a:solidFill>
-                          <a:latin typeface="Segoe UI"/>
-                        </a:defRPr>
-                      </a:lvl2pPr>
-                      <a:lvl3pPr marL="914400" algn="l" defTabSz="914400" rtl="0" eaLnBrk="1" latinLnBrk="0" hangingPunct="1">
-                        <a:defRPr sz="1800" b="1" kern="1200">
-                          <a:solidFill>
-                            <a:schemeClr val="lt1"/>
-                          </a:solidFill>
-                          <a:latin typeface="Segoe UI"/>
-                        </a:defRPr>
-                      </a:lvl3pPr>
-                      <a:lvl4pPr marL="1371600" algn="l" defTabSz="914400" rtl="0" eaLnBrk="1" latinLnBrk="0" hangingPunct="1">
-                        <a:defRPr sz="1800" b="1" kern="1200">
-                          <a:solidFill>
-                            <a:schemeClr val="lt1"/>
-                          </a:solidFill>
-                          <a:latin typeface="Segoe UI"/>
-                        </a:defRPr>
-                      </a:lvl4pPr>
-                      <a:lvl5pPr marL="1828800" algn="l" defTabSz="914400" rtl="0" eaLnBrk="1" latinLnBrk="0" hangingPunct="1">
-                        <a:defRPr sz="1800" b="1" kern="1200">
-                          <a:solidFill>
-                            <a:schemeClr val="lt1"/>
-                          </a:solidFill>
-                          <a:latin typeface="Segoe UI"/>
-                        </a:defRPr>
-                      </a:lvl5pPr>
-                      <a:lvl6pPr marL="2286000" algn="l" defTabSz="914400" rtl="0" eaLnBrk="1" latinLnBrk="0" hangingPunct="1">
-                        <a:defRPr sz="1800" b="1" kern="1200">
-                          <a:solidFill>
-                            <a:schemeClr val="lt1"/>
-                          </a:solidFill>
-                          <a:latin typeface="Segoe UI"/>
-                        </a:defRPr>
-                      </a:lvl6pPr>
-                      <a:lvl7pPr marL="2743200" algn="l" defTabSz="914400" rtl="0" eaLnBrk="1" latinLnBrk="0" hangingPunct="1">
-                        <a:defRPr sz="1800" b="1" kern="1200">
-                          <a:solidFill>
-                            <a:schemeClr val="lt1"/>
-                          </a:solidFill>
-                          <a:latin typeface="Segoe UI"/>
-                        </a:defRPr>
-                      </a:lvl7pPr>
-                      <a:lvl8pPr marL="3200400" algn="l" defTabSz="914400" rtl="0" eaLnBrk="1" latinLnBrk="0" hangingPunct="1">
-                        <a:defRPr sz="1800" b="1" kern="1200">
-                          <a:solidFill>
-                            <a:schemeClr val="lt1"/>
-                          </a:solidFill>
-                          <a:latin typeface="Segoe UI"/>
-                        </a:defRPr>
-                      </a:lvl8pPr>
-                      <a:lvl9pPr marL="3657600" algn="l" defTabSz="914400" rtl="0" eaLnBrk="1" latinLnBrk="0" hangingPunct="1">
-                        <a:defRPr sz="1800" b="1" kern="1200">
-                          <a:solidFill>
-                            <a:schemeClr val="lt1"/>
-                          </a:solidFill>
-                          <a:latin typeface="Segoe UI"/>
-                        </a:defRPr>
-                      </a:lvl9pPr>
-                    </a:lstStyle>
-                    <a:p>
-                      <a:pPr algn="ctr"/>
-                      <a:r>
-                        <a:rPr lang="en-US" dirty="0"/>
-                        <a:t>0.00</a:t>
-                      </a:r>
-                    </a:p>
-                  </a:txBody>
-                  <a:tcPr>
-                    <a:lnL w="12700" cmpd="sng">
-                      <a:solidFill>
-                        <a:sysClr val="window" lastClr="FFFFFF"/>
-                      </a:solidFill>
-                    </a:lnL>
-                    <a:lnR w="12700" cmpd="sng">
-                      <a:solidFill>
-                        <a:sysClr val="window" lastClr="FFFFFF"/>
-                      </a:solidFill>
-                    </a:lnR>
-                    <a:lnT w="12700" cmpd="sng">
-                      <a:solidFill>
-                        <a:sysClr val="window" lastClr="FFFFFF"/>
-                      </a:solidFill>
-                    </a:lnT>
-                    <a:lnB w="12700" cmpd="sng">
-                      <a:solidFill>
-                        <a:sysClr val="window" lastClr="FFFFFF"/>
-                      </a:solidFill>
-                    </a:lnB>
-                    <a:lnTlToBr w="12700" cmpd="sng">
-                      <a:noFill/>
-                      <a:prstDash val="solid"/>
-                    </a:lnTlToBr>
-                    <a:lnBlToTr w="12700" cmpd="sng">
-                      <a:noFill/>
-                      <a:prstDash val="solid"/>
-                    </a:lnBlToTr>
-                    <a:solidFill>
-                      <a:schemeClr val="accent1">
-                        <a:lumMod val="50000"/>
-                      </a:schemeClr>
-                    </a:solidFill>
-                  </a:tcPr>
-                </a:tc>
-                <a:tc>
-                  <a:txBody>
-                    <a:bodyPr/>
-                    <a:lstStyle>
-                      <a:lvl1pPr marL="0" algn="l" defTabSz="914400" rtl="0" eaLnBrk="1" latinLnBrk="0" hangingPunct="1">
-                        <a:defRPr sz="1800" kern="1200">
-                          <a:solidFill>
-                            <a:schemeClr val="dk1"/>
-                          </a:solidFill>
-                          <a:latin typeface="Segoe UI"/>
-                        </a:defRPr>
-                      </a:lvl1pPr>
-                      <a:lvl2pPr marL="457200" algn="l" defTabSz="914400" rtl="0" eaLnBrk="1" latinLnBrk="0" hangingPunct="1">
-                        <a:defRPr sz="1800" kern="1200">
-                          <a:solidFill>
-                            <a:schemeClr val="dk1"/>
-                          </a:solidFill>
-                          <a:latin typeface="Segoe UI"/>
-                        </a:defRPr>
-                      </a:lvl2pPr>
-                      <a:lvl3pPr marL="914400" algn="l" defTabSz="914400" rtl="0" eaLnBrk="1" latinLnBrk="0" hangingPunct="1">
-                        <a:defRPr sz="1800" kern="1200">
-                          <a:solidFill>
-                            <a:schemeClr val="dk1"/>
-                          </a:solidFill>
-                          <a:latin typeface="Segoe UI"/>
-                        </a:defRPr>
-                      </a:lvl3pPr>
-                      <a:lvl4pPr marL="1371600" algn="l" defTabSz="914400" rtl="0" eaLnBrk="1" latinLnBrk="0" hangingPunct="1">
-                        <a:defRPr sz="1800" kern="1200">
-                          <a:solidFill>
-                            <a:schemeClr val="dk1"/>
-                          </a:solidFill>
-                          <a:latin typeface="Segoe UI"/>
-                        </a:defRPr>
-                      </a:lvl4pPr>
-                      <a:lvl5pPr marL="1828800" algn="l" defTabSz="914400" rtl="0" eaLnBrk="1" latinLnBrk="0" hangingPunct="1">
-                        <a:defRPr sz="1800" kern="1200">
-                          <a:solidFill>
-                            <a:schemeClr val="dk1"/>
-                          </a:solidFill>
-                          <a:latin typeface="Segoe UI"/>
-                        </a:defRPr>
-                      </a:lvl5pPr>
-                      <a:lvl6pPr marL="2286000" algn="l" defTabSz="914400" rtl="0" eaLnBrk="1" latinLnBrk="0" hangingPunct="1">
-                        <a:defRPr sz="1800" kern="1200">
-                          <a:solidFill>
-                            <a:schemeClr val="dk1"/>
-                          </a:solidFill>
-                          <a:latin typeface="Segoe UI"/>
-                        </a:defRPr>
-                      </a:lvl6pPr>
-                      <a:lvl7pPr marL="2743200" algn="l" defTabSz="914400" rtl="0" eaLnBrk="1" latinLnBrk="0" hangingPunct="1">
-                        <a:defRPr sz="1800" kern="1200">
-                          <a:solidFill>
-                            <a:schemeClr val="dk1"/>
-                          </a:solidFill>
-                          <a:latin typeface="Segoe UI"/>
-                        </a:defRPr>
-                      </a:lvl7pPr>
-                      <a:lvl8pPr marL="3200400" algn="l" defTabSz="914400" rtl="0" eaLnBrk="1" latinLnBrk="0" hangingPunct="1">
-                        <a:defRPr sz="1800" kern="1200">
-                          <a:solidFill>
-                            <a:schemeClr val="dk1"/>
-                          </a:solidFill>
-                          <a:latin typeface="Segoe UI"/>
-                        </a:defRPr>
-                      </a:lvl8pPr>
-                      <a:lvl9pPr marL="3657600" algn="l" defTabSz="914400" rtl="0" eaLnBrk="1" latinLnBrk="0" hangingPunct="1">
-                        <a:defRPr sz="1800" kern="1200">
-                          <a:solidFill>
-                            <a:schemeClr val="dk1"/>
-                          </a:solidFill>
-                          <a:latin typeface="Segoe UI"/>
-                        </a:defRPr>
-                      </a:lvl9pPr>
-                    </a:lstStyle>
-                    <a:p>
-                      <a:pPr algn="ctr"/>
-                      <a:endParaRPr lang="en-US" dirty="0"/>
-                    </a:p>
-                  </a:txBody>
-                  <a:tcPr>
-                    <a:lnL w="12700" cmpd="sng">
-                      <a:solidFill>
-                        <a:sysClr val="window" lastClr="FFFFFF"/>
-                      </a:solidFill>
-                    </a:lnL>
-                    <a:lnR w="12700" cmpd="sng">
-                      <a:solidFill>
-                        <a:sysClr val="window" lastClr="FFFFFF"/>
-                      </a:solidFill>
-                    </a:lnR>
-                    <a:lnT w="12700" cmpd="sng">
-                      <a:solidFill>
-                        <a:sysClr val="window" lastClr="FFFFFF"/>
-                      </a:solidFill>
-                    </a:lnT>
-                    <a:lnB w="12700" cmpd="sng">
-                      <a:solidFill>
-                        <a:sysClr val="window" lastClr="FFFFFF"/>
-                      </a:solidFill>
-                    </a:lnB>
-                    <a:lnTlToBr w="12700" cmpd="sng">
-                      <a:noFill/>
-                      <a:prstDash val="solid"/>
-                    </a:lnTlToBr>
-                    <a:lnBlToTr w="12700" cmpd="sng">
-                      <a:noFill/>
-                      <a:prstDash val="solid"/>
-                    </a:lnBlToTr>
-                    <a:solidFill>
-                      <a:schemeClr val="accent1">
-                        <a:lumMod val="40000"/>
-                        <a:lumOff val="60000"/>
-                      </a:schemeClr>
-                    </a:solidFill>
-                  </a:tcPr>
-                </a:tc>
-                <a:tc>
-                  <a:txBody>
-                    <a:bodyPr/>
-                    <a:lstStyle>
-                      <a:lvl1pPr marL="0" algn="l" defTabSz="914400" rtl="0" eaLnBrk="1" latinLnBrk="0" hangingPunct="1">
-                        <a:defRPr sz="1800" kern="1200">
-                          <a:solidFill>
-                            <a:schemeClr val="dk1"/>
-                          </a:solidFill>
-                          <a:latin typeface="Segoe UI"/>
-                        </a:defRPr>
-                      </a:lvl1pPr>
-                      <a:lvl2pPr marL="457200" algn="l" defTabSz="914400" rtl="0" eaLnBrk="1" latinLnBrk="0" hangingPunct="1">
-                        <a:defRPr sz="1800" kern="1200">
-                          <a:solidFill>
-                            <a:schemeClr val="dk1"/>
-                          </a:solidFill>
-                          <a:latin typeface="Segoe UI"/>
-                        </a:defRPr>
-                      </a:lvl2pPr>
-                      <a:lvl3pPr marL="914400" algn="l" defTabSz="914400" rtl="0" eaLnBrk="1" latinLnBrk="0" hangingPunct="1">
-                        <a:defRPr sz="1800" kern="1200">
-                          <a:solidFill>
-                            <a:schemeClr val="dk1"/>
-                          </a:solidFill>
-                          <a:latin typeface="Segoe UI"/>
-                        </a:defRPr>
-                      </a:lvl3pPr>
-                      <a:lvl4pPr marL="1371600" algn="l" defTabSz="914400" rtl="0" eaLnBrk="1" latinLnBrk="0" hangingPunct="1">
-                        <a:defRPr sz="1800" kern="1200">
-                          <a:solidFill>
-                            <a:schemeClr val="dk1"/>
-                          </a:solidFill>
-                          <a:latin typeface="Segoe UI"/>
-                        </a:defRPr>
-                      </a:lvl4pPr>
-                      <a:lvl5pPr marL="1828800" algn="l" defTabSz="914400" rtl="0" eaLnBrk="1" latinLnBrk="0" hangingPunct="1">
-                        <a:defRPr sz="1800" kern="1200">
-                          <a:solidFill>
-                            <a:schemeClr val="dk1"/>
-                          </a:solidFill>
-                          <a:latin typeface="Segoe UI"/>
-                        </a:defRPr>
-                      </a:lvl5pPr>
-                      <a:lvl6pPr marL="2286000" algn="l" defTabSz="914400" rtl="0" eaLnBrk="1" latinLnBrk="0" hangingPunct="1">
-                        <a:defRPr sz="1800" kern="1200">
-                          <a:solidFill>
-                            <a:schemeClr val="dk1"/>
-                          </a:solidFill>
-                          <a:latin typeface="Segoe UI"/>
-                        </a:defRPr>
-                      </a:lvl6pPr>
-                      <a:lvl7pPr marL="2743200" algn="l" defTabSz="914400" rtl="0" eaLnBrk="1" latinLnBrk="0" hangingPunct="1">
-                        <a:defRPr sz="1800" kern="1200">
-                          <a:solidFill>
-                            <a:schemeClr val="dk1"/>
-                          </a:solidFill>
-                          <a:latin typeface="Segoe UI"/>
-                        </a:defRPr>
-                      </a:lvl7pPr>
-                      <a:lvl8pPr marL="3200400" algn="l" defTabSz="914400" rtl="0" eaLnBrk="1" latinLnBrk="0" hangingPunct="1">
-                        <a:defRPr sz="1800" kern="1200">
-                          <a:solidFill>
-                            <a:schemeClr val="dk1"/>
-                          </a:solidFill>
-                          <a:latin typeface="Segoe UI"/>
-                        </a:defRPr>
-                      </a:lvl8pPr>
-                      <a:lvl9pPr marL="3657600" algn="l" defTabSz="914400" rtl="0" eaLnBrk="1" latinLnBrk="0" hangingPunct="1">
-                        <a:defRPr sz="1800" kern="1200">
-                          <a:solidFill>
-                            <a:schemeClr val="dk1"/>
-                          </a:solidFill>
-                          <a:latin typeface="Segoe UI"/>
-                        </a:defRPr>
-                      </a:lvl9pPr>
-                    </a:lstStyle>
-                    <a:p>
-                      <a:pPr algn="ctr"/>
-                      <a:endParaRPr lang="en-US" dirty="0"/>
-                    </a:p>
-                  </a:txBody>
-                  <a:tcPr>
-                    <a:lnL w="12700" cmpd="sng">
-                      <a:solidFill>
-                        <a:sysClr val="window" lastClr="FFFFFF"/>
-                      </a:solidFill>
-                    </a:lnL>
-                    <a:lnR w="12700" cmpd="sng">
-                      <a:solidFill>
-                        <a:sysClr val="window" lastClr="FFFFFF"/>
-                      </a:solidFill>
-                    </a:lnR>
-                    <a:lnT w="12700" cmpd="sng">
-                      <a:solidFill>
-                        <a:sysClr val="window" lastClr="FFFFFF"/>
-                      </a:solidFill>
-                    </a:lnT>
-                    <a:lnB w="12700" cmpd="sng">
-                      <a:solidFill>
-                        <a:sysClr val="window" lastClr="FFFFFF"/>
-                      </a:solidFill>
-                    </a:lnB>
-                    <a:lnTlToBr w="12700" cmpd="sng">
-                      <a:noFill/>
-                      <a:prstDash val="solid"/>
-                    </a:lnTlToBr>
-                    <a:lnBlToTr w="12700" cmpd="sng">
-                      <a:noFill/>
-                      <a:prstDash val="solid"/>
-                    </a:lnBlToTr>
-                    <a:solidFill>
-                      <a:schemeClr val="accent1">
-                        <a:lumMod val="40000"/>
-                        <a:lumOff val="60000"/>
-                      </a:schemeClr>
-                    </a:solidFill>
-                  </a:tcPr>
-                </a:tc>
-                <a:tc>
-                  <a:txBody>
-                    <a:bodyPr/>
-                    <a:lstStyle>
-                      <a:lvl1pPr marL="0" algn="l" defTabSz="914400" rtl="0" eaLnBrk="1" latinLnBrk="0" hangingPunct="1">
-                        <a:defRPr sz="1800" kern="1200">
-                          <a:solidFill>
-                            <a:schemeClr val="dk1"/>
-                          </a:solidFill>
-                          <a:latin typeface="Segoe UI"/>
-                        </a:defRPr>
-                      </a:lvl1pPr>
-                      <a:lvl2pPr marL="457200" algn="l" defTabSz="914400" rtl="0" eaLnBrk="1" latinLnBrk="0" hangingPunct="1">
-                        <a:defRPr sz="1800" kern="1200">
-                          <a:solidFill>
-                            <a:schemeClr val="dk1"/>
-                          </a:solidFill>
-                          <a:latin typeface="Segoe UI"/>
-                        </a:defRPr>
-                      </a:lvl2pPr>
-                      <a:lvl3pPr marL="914400" algn="l" defTabSz="914400" rtl="0" eaLnBrk="1" latinLnBrk="0" hangingPunct="1">
-                        <a:defRPr sz="1800" kern="1200">
-                          <a:solidFill>
-                            <a:schemeClr val="dk1"/>
-                          </a:solidFill>
-                          <a:latin typeface="Segoe UI"/>
-                        </a:defRPr>
-                      </a:lvl3pPr>
-                      <a:lvl4pPr marL="1371600" algn="l" defTabSz="914400" rtl="0" eaLnBrk="1" latinLnBrk="0" hangingPunct="1">
-                        <a:defRPr sz="1800" kern="1200">
-                          <a:solidFill>
-                            <a:schemeClr val="dk1"/>
-                          </a:solidFill>
-                          <a:latin typeface="Segoe UI"/>
-                        </a:defRPr>
-                      </a:lvl4pPr>
-                      <a:lvl5pPr marL="1828800" algn="l" defTabSz="914400" rtl="0" eaLnBrk="1" latinLnBrk="0" hangingPunct="1">
-                        <a:defRPr sz="1800" kern="1200">
-                          <a:solidFill>
-                            <a:schemeClr val="dk1"/>
-                          </a:solidFill>
-                          <a:latin typeface="Segoe UI"/>
-                        </a:defRPr>
-                      </a:lvl5pPr>
-                      <a:lvl6pPr marL="2286000" algn="l" defTabSz="914400" rtl="0" eaLnBrk="1" latinLnBrk="0" hangingPunct="1">
-                        <a:defRPr sz="1800" kern="1200">
-                          <a:solidFill>
-                            <a:schemeClr val="dk1"/>
-                          </a:solidFill>
-                          <a:latin typeface="Segoe UI"/>
-                        </a:defRPr>
-                      </a:lvl6pPr>
-                      <a:lvl7pPr marL="2743200" algn="l" defTabSz="914400" rtl="0" eaLnBrk="1" latinLnBrk="0" hangingPunct="1">
-                        <a:defRPr sz="1800" kern="1200">
-                          <a:solidFill>
-                            <a:schemeClr val="dk1"/>
-                          </a:solidFill>
-                          <a:latin typeface="Segoe UI"/>
-                        </a:defRPr>
-                      </a:lvl7pPr>
-                      <a:lvl8pPr marL="3200400" algn="l" defTabSz="914400" rtl="0" eaLnBrk="1" latinLnBrk="0" hangingPunct="1">
-                        <a:defRPr sz="1800" kern="1200">
-                          <a:solidFill>
-                            <a:schemeClr val="dk1"/>
-                          </a:solidFill>
-                          <a:latin typeface="Segoe UI"/>
-                        </a:defRPr>
-                      </a:lvl8pPr>
-                      <a:lvl9pPr marL="3657600" algn="l" defTabSz="914400" rtl="0" eaLnBrk="1" latinLnBrk="0" hangingPunct="1">
-                        <a:defRPr sz="1800" kern="1200">
-                          <a:solidFill>
-                            <a:schemeClr val="dk1"/>
-                          </a:solidFill>
-                          <a:latin typeface="Segoe UI"/>
-                        </a:defRPr>
-                      </a:lvl9pPr>
-                    </a:lstStyle>
-                    <a:p>
-                      <a:pPr algn="ctr"/>
-                      <a:endParaRPr lang="en-US" dirty="0"/>
-                    </a:p>
-                  </a:txBody>
-                  <a:tcPr>
-                    <a:lnL w="12700" cmpd="sng">
-                      <a:solidFill>
-                        <a:sysClr val="window" lastClr="FFFFFF"/>
-                      </a:solidFill>
-                    </a:lnL>
-                    <a:lnR w="12700" cmpd="sng">
-                      <a:solidFill>
-                        <a:sysClr val="window" lastClr="FFFFFF"/>
-                      </a:solidFill>
-                    </a:lnR>
-                    <a:lnT w="12700" cmpd="sng">
-                      <a:solidFill>
-                        <a:sysClr val="window" lastClr="FFFFFF"/>
-                      </a:solidFill>
-                    </a:lnT>
-                    <a:lnB w="12700" cmpd="sng">
-                      <a:solidFill>
-                        <a:sysClr val="window" lastClr="FFFFFF"/>
-                      </a:solidFill>
-                    </a:lnB>
-                    <a:lnTlToBr w="12700" cmpd="sng">
-                      <a:noFill/>
-                      <a:prstDash val="solid"/>
-                    </a:lnTlToBr>
-                    <a:lnBlToTr w="12700" cmpd="sng">
-                      <a:noFill/>
-                      <a:prstDash val="solid"/>
-                    </a:lnBlToTr>
-                    <a:solidFill>
-                      <a:schemeClr val="accent1">
-                        <a:lumMod val="40000"/>
-                        <a:lumOff val="60000"/>
-                      </a:schemeClr>
-                    </a:solidFill>
-                  </a:tcPr>
-                </a:tc>
-                <a:extLst>
-                  <a:ext uri="{0D108BD9-81ED-4DB2-BD59-A6C34878D82A}">
-                    <a16:rowId xmlns:a16="http://schemas.microsoft.com/office/drawing/2014/main" val="68335261"/>
-                  </a:ext>
-                </a:extLst>
-              </a:tr>
-            </a:tbl>
-          </a:graphicData>
-        </a:graphic>
-      </p:graphicFrame>
-      <p:sp>
-        <p:nvSpPr>
-          <p:cNvPr id="5" name="Rectangle 4">
-            <a:extLst>
-              <a:ext uri="{FF2B5EF4-FFF2-40B4-BE49-F238E27FC236}">
-                <a16:creationId xmlns:a16="http://schemas.microsoft.com/office/drawing/2014/main" id="{ADF20542-9BE2-4F91-9451-C849E80F569D}"/>
-              </a:ext>
-            </a:extLst>
-          </p:cNvPr>
-          <p:cNvSpPr/>
-          <p:nvPr/>
-        </p:nvSpPr>
-        <p:spPr>
-          <a:xfrm>
-            <a:off x="71746" y="2813868"/>
-            <a:ext cx="2499017" cy="1323439"/>
-          </a:xfrm>
-          <a:prstGeom prst="rect">
-            <a:avLst/>
-          </a:prstGeom>
-          <a:noFill/>
-        </p:spPr>
-        <p:txBody>
-          <a:bodyPr wrap="none" lIns="91440" tIns="45720" rIns="91440" bIns="45720">
-            <a:spAutoFit/>
-          </a:bodyPr>
-          <a:lstStyle/>
-          <a:p>
-            <a:pPr algn="ctr"/>
-            <a:r>
-              <a:rPr lang="en-US" sz="4000" b="1" dirty="0">
-                <a:ln w="0"/>
-                <a:solidFill>
-                  <a:schemeClr val="accent1">
-                    <a:lumMod val="50000"/>
-                  </a:schemeClr>
-                </a:solidFill>
-                <a:latin typeface="Raleway"/>
-              </a:rPr>
-              <a:t>400</a:t>
-            </a:r>
-          </a:p>
-          <a:p>
-            <a:pPr algn="ctr"/>
-            <a:r>
-              <a:rPr lang="en-US" sz="4000" b="1" dirty="0">
-                <a:ln w="0"/>
-                <a:solidFill>
-                  <a:schemeClr val="accent1">
-                    <a:lumMod val="50000"/>
-                  </a:schemeClr>
-                </a:solidFill>
-                <a:latin typeface="Raleway"/>
-              </a:rPr>
-              <a:t>Iterations</a:t>
-            </a:r>
-          </a:p>
-        </p:txBody>
-      </p:sp>
-      <p:sp>
-        <p:nvSpPr>
-          <p:cNvPr id="6" name="TextBox 5">
-            <a:extLst>
-              <a:ext uri="{FF2B5EF4-FFF2-40B4-BE49-F238E27FC236}">
-                <a16:creationId xmlns:a16="http://schemas.microsoft.com/office/drawing/2014/main" id="{BA072C50-FD2A-4DFA-954F-C8AC6E662215}"/>
-              </a:ext>
-            </a:extLst>
-          </p:cNvPr>
-          <p:cNvSpPr txBox="1"/>
-          <p:nvPr/>
-        </p:nvSpPr>
-        <p:spPr>
-          <a:xfrm>
-            <a:off x="199448" y="1437701"/>
-            <a:ext cx="1566454" cy="369332"/>
-          </a:xfrm>
-          <a:prstGeom prst="rect">
-            <a:avLst/>
-          </a:prstGeom>
-          <a:noFill/>
-        </p:spPr>
-        <p:txBody>
-          <a:bodyPr wrap="none" rtlCol="0">
-            <a:spAutoFit/>
-          </a:bodyPr>
-          <a:lstStyle/>
-          <a:p>
-            <a:r>
-              <a:rPr lang="en-US" dirty="0">
-                <a:solidFill>
-                  <a:prstClr val="black"/>
-                </a:solidFill>
-                <a:latin typeface="Raleway"/>
-              </a:rPr>
-              <a:t>20 steps of </a:t>
-            </a:r>
-            <a:r>
-              <a:rPr lang="el-GR" i="1" dirty="0">
-                <a:solidFill>
-                  <a:prstClr val="black"/>
-                </a:solidFill>
-                <a:latin typeface="Raleway"/>
-              </a:rPr>
-              <a:t>λ</a:t>
-            </a:r>
-            <a:r>
-              <a:rPr lang="en-US" dirty="0">
-                <a:solidFill>
-                  <a:prstClr val="black"/>
-                </a:solidFill>
-                <a:latin typeface="Raleway"/>
-              </a:rPr>
-              <a:t> </a:t>
-            </a:r>
-          </a:p>
-        </p:txBody>
-      </p:sp>
-      <p:sp>
-        <p:nvSpPr>
-          <p:cNvPr id="7" name="Left Brace 6">
-            <a:extLst>
-              <a:ext uri="{FF2B5EF4-FFF2-40B4-BE49-F238E27FC236}">
-                <a16:creationId xmlns:a16="http://schemas.microsoft.com/office/drawing/2014/main" id="{F9F6410A-7446-482B-88F6-01E92E719DF7}"/>
-              </a:ext>
-            </a:extLst>
-          </p:cNvPr>
-          <p:cNvSpPr/>
-          <p:nvPr/>
-        </p:nvSpPr>
-        <p:spPr>
-          <a:xfrm rot="5400000">
-            <a:off x="828139" y="500758"/>
-            <a:ext cx="274256" cy="3176270"/>
-          </a:xfrm>
-          <a:prstGeom prst="leftBrace">
-            <a:avLst/>
-          </a:prstGeom>
-          <a:noFill/>
-          <a:ln w="38100" cap="flat" cmpd="sng" algn="ctr">
-            <a:solidFill>
-              <a:schemeClr val="accent1"/>
-            </a:solidFill>
-            <a:prstDash val="solid"/>
-            <a:miter lim="800000"/>
-          </a:ln>
-          <a:effectLst/>
-        </p:spPr>
-        <p:txBody>
-          <a:bodyPr rtlCol="0" anchor="ctr"/>
-          <a:lstStyle/>
-          <a:p>
-            <a:pPr marL="0" marR="0" lvl="0" indent="0" algn="ctr" defTabSz="914400" eaLnBrk="1" fontAlgn="auto" latinLnBrk="0" hangingPunct="1">
-              <a:lnSpc>
-                <a:spcPct val="100000"/>
-              </a:lnSpc>
-              <a:spcBef>
-                <a:spcPts val="0"/>
-              </a:spcBef>
-              <a:spcAft>
-                <a:spcPts val="0"/>
-              </a:spcAft>
-              <a:buClrTx/>
-              <a:buSzTx/>
-              <a:buFontTx/>
-              <a:buNone/>
-              <a:tabLst/>
-              <a:defRPr/>
-            </a:pPr>
-            <a:endParaRPr kumimoji="0" lang="en-US" sz="1800" b="0" i="0" u="none" strike="noStrike" kern="0" cap="none" spc="0" normalizeH="0" baseline="0" noProof="0">
-              <a:ln>
-                <a:noFill/>
-              </a:ln>
-              <a:solidFill>
-                <a:prstClr val="black"/>
-              </a:solidFill>
-              <a:effectLst/>
-              <a:uLnTx/>
-              <a:uFillTx/>
-              <a:latin typeface="Raleway"/>
-            </a:endParaRPr>
-          </a:p>
-        </p:txBody>
-      </p:sp>
-      <p:sp>
-        <p:nvSpPr>
-          <p:cNvPr id="8" name="TextBox 7">
-            <a:extLst>
-              <a:ext uri="{FF2B5EF4-FFF2-40B4-BE49-F238E27FC236}">
-                <a16:creationId xmlns:a16="http://schemas.microsoft.com/office/drawing/2014/main" id="{C51CEC18-2692-4C1D-9C17-5E7B33DC3841}"/>
-              </a:ext>
-            </a:extLst>
-          </p:cNvPr>
-          <p:cNvSpPr txBox="1"/>
-          <p:nvPr/>
-        </p:nvSpPr>
-        <p:spPr>
-          <a:xfrm rot="16200000">
-            <a:off x="-2120584" y="3189227"/>
-            <a:ext cx="1588897" cy="369332"/>
-          </a:xfrm>
-          <a:prstGeom prst="rect">
-            <a:avLst/>
-          </a:prstGeom>
-          <a:noFill/>
-        </p:spPr>
-        <p:txBody>
-          <a:bodyPr wrap="none" rtlCol="0">
-            <a:spAutoFit/>
-          </a:bodyPr>
-          <a:lstStyle/>
-          <a:p>
-            <a:r>
-              <a:rPr lang="en-US" dirty="0">
-                <a:solidFill>
-                  <a:prstClr val="black"/>
-                </a:solidFill>
-                <a:latin typeface="Raleway"/>
-              </a:rPr>
-              <a:t>20 steps of </a:t>
-            </a:r>
-            <a:r>
-              <a:rPr lang="el-GR" i="1" dirty="0">
-                <a:solidFill>
-                  <a:prstClr val="black"/>
-                </a:solidFill>
-                <a:latin typeface="Segoe UI" panose="020B0502040204020203" pitchFamily="34" charset="0"/>
-                <a:cs typeface="Segoe UI" panose="020B0502040204020203" pitchFamily="34" charset="0"/>
-              </a:rPr>
-              <a:t>α</a:t>
-            </a:r>
-            <a:r>
-              <a:rPr lang="en-US" i="1" dirty="0">
-                <a:solidFill>
-                  <a:prstClr val="black"/>
-                </a:solidFill>
-                <a:latin typeface="Raleway"/>
-              </a:rPr>
-              <a:t> </a:t>
-            </a:r>
-          </a:p>
-        </p:txBody>
-      </p:sp>
-      <p:sp>
-        <p:nvSpPr>
-          <p:cNvPr id="9" name="Left Brace 8">
-            <a:extLst>
-              <a:ext uri="{FF2B5EF4-FFF2-40B4-BE49-F238E27FC236}">
-                <a16:creationId xmlns:a16="http://schemas.microsoft.com/office/drawing/2014/main" id="{057A629C-375E-4191-8B1E-93658CF9DBE6}"/>
-              </a:ext>
-            </a:extLst>
-          </p:cNvPr>
-          <p:cNvSpPr/>
-          <p:nvPr/>
-        </p:nvSpPr>
-        <p:spPr>
-          <a:xfrm>
-            <a:off x="-967213" y="2261373"/>
-            <a:ext cx="297209" cy="2225040"/>
-          </a:xfrm>
-          <a:prstGeom prst="leftBrace">
-            <a:avLst/>
-          </a:prstGeom>
-          <a:noFill/>
-          <a:ln w="38100" cap="flat" cmpd="sng" algn="ctr">
-            <a:solidFill>
-              <a:schemeClr val="accent1"/>
-            </a:solidFill>
-            <a:prstDash val="solid"/>
-            <a:miter lim="800000"/>
-          </a:ln>
-          <a:effectLst/>
-        </p:spPr>
-        <p:txBody>
-          <a:bodyPr rtlCol="0" anchor="ctr"/>
-          <a:lstStyle/>
-          <a:p>
-            <a:pPr marL="0" marR="0" lvl="0" indent="0" algn="ctr" defTabSz="914400" eaLnBrk="1" fontAlgn="auto" latinLnBrk="0" hangingPunct="1">
-              <a:lnSpc>
-                <a:spcPct val="100000"/>
-              </a:lnSpc>
-              <a:spcBef>
-                <a:spcPts val="0"/>
-              </a:spcBef>
-              <a:spcAft>
-                <a:spcPts val="0"/>
-              </a:spcAft>
-              <a:buClrTx/>
-              <a:buSzTx/>
-              <a:buFontTx/>
-              <a:buNone/>
-              <a:tabLst/>
-              <a:defRPr/>
-            </a:pPr>
-            <a:endParaRPr kumimoji="0" lang="en-US" sz="1800" b="0" i="0" u="none" strike="noStrike" kern="0" cap="none" spc="0" normalizeH="0" baseline="0" noProof="0">
-              <a:ln>
-                <a:noFill/>
-              </a:ln>
-              <a:solidFill>
-                <a:prstClr val="black"/>
-              </a:solidFill>
-              <a:effectLst/>
-              <a:uLnTx/>
-              <a:uFillTx/>
-              <a:latin typeface="Raleway"/>
-            </a:endParaRPr>
-          </a:p>
-        </p:txBody>
-      </p:sp>
       <p:pic>
         <p:nvPicPr>
           <p:cNvPr id="10" name="Graphic 9" descr="Arrow: Straight">
@@ -11274,6 +8042,3368 @@
               </a:rPr>
               <a:t>Cross-Validation</a:t>
             </a:r>
+          </a:p>
+        </p:txBody>
+      </p:sp>
+      <p:graphicFrame>
+        <p:nvGraphicFramePr>
+          <p:cNvPr id="16" name="Table 15">
+            <a:extLst>
+              <a:ext uri="{FF2B5EF4-FFF2-40B4-BE49-F238E27FC236}">
+                <a16:creationId xmlns:a16="http://schemas.microsoft.com/office/drawing/2014/main" id="{58A9AED5-CBA9-4E8A-BAE7-E9E46469788B}"/>
+              </a:ext>
+            </a:extLst>
+          </p:cNvPr>
+          <p:cNvGraphicFramePr>
+            <a:graphicFrameLocks noGrp="1"/>
+          </p:cNvGraphicFramePr>
+          <p:nvPr>
+            <p:extLst>
+              <p:ext uri="{D42A27DB-BD31-4B8C-83A1-F6EECF244321}">
+                <p14:modId xmlns:p14="http://schemas.microsoft.com/office/powerpoint/2010/main" val="3197146111"/>
+              </p:ext>
+            </p:extLst>
+          </p:nvPr>
+        </p:nvGraphicFramePr>
+        <p:xfrm>
+          <a:off x="-812792" y="2227775"/>
+          <a:ext cx="3447732" cy="2225040"/>
+        </p:xfrm>
+        <a:graphic>
+          <a:graphicData uri="http://schemas.openxmlformats.org/drawingml/2006/table">
+            <a:tbl>
+              <a:tblPr firstRow="1" firstCol="1" bandRow="1"/>
+              <a:tblGrid>
+                <a:gridCol w="975042">
+                  <a:extLst>
+                    <a:ext uri="{9D8B030D-6E8A-4147-A177-3AD203B41FA5}">
+                      <a16:colId xmlns:a16="http://schemas.microsoft.com/office/drawing/2014/main" val="692215564"/>
+                    </a:ext>
+                  </a:extLst>
+                </a:gridCol>
+                <a:gridCol w="703580">
+                  <a:extLst>
+                    <a:ext uri="{9D8B030D-6E8A-4147-A177-3AD203B41FA5}">
+                      <a16:colId xmlns:a16="http://schemas.microsoft.com/office/drawing/2014/main" val="2745094234"/>
+                    </a:ext>
+                  </a:extLst>
+                </a:gridCol>
+                <a:gridCol w="454343">
+                  <a:extLst>
+                    <a:ext uri="{9D8B030D-6E8A-4147-A177-3AD203B41FA5}">
+                      <a16:colId xmlns:a16="http://schemas.microsoft.com/office/drawing/2014/main" val="2925381175"/>
+                    </a:ext>
+                  </a:extLst>
+                </a:gridCol>
+                <a:gridCol w="1314767">
+                  <a:extLst>
+                    <a:ext uri="{9D8B030D-6E8A-4147-A177-3AD203B41FA5}">
+                      <a16:colId xmlns:a16="http://schemas.microsoft.com/office/drawing/2014/main" val="3764812946"/>
+                    </a:ext>
+                  </a:extLst>
+                </a:gridCol>
+              </a:tblGrid>
+              <a:tr h="370840">
+                <a:tc>
+                  <a:txBody>
+                    <a:bodyPr/>
+                    <a:lstStyle>
+                      <a:lvl1pPr marL="0" algn="l" defTabSz="914400" rtl="0" eaLnBrk="1" latinLnBrk="0" hangingPunct="1">
+                        <a:defRPr sz="1800" b="1" kern="1200">
+                          <a:solidFill>
+                            <a:schemeClr val="lt1"/>
+                          </a:solidFill>
+                          <a:latin typeface="Segoe UI"/>
+                        </a:defRPr>
+                      </a:lvl1pPr>
+                      <a:lvl2pPr marL="457200" algn="l" defTabSz="914400" rtl="0" eaLnBrk="1" latinLnBrk="0" hangingPunct="1">
+                        <a:defRPr sz="1800" b="1" kern="1200">
+                          <a:solidFill>
+                            <a:schemeClr val="lt1"/>
+                          </a:solidFill>
+                          <a:latin typeface="Segoe UI"/>
+                        </a:defRPr>
+                      </a:lvl2pPr>
+                      <a:lvl3pPr marL="914400" algn="l" defTabSz="914400" rtl="0" eaLnBrk="1" latinLnBrk="0" hangingPunct="1">
+                        <a:defRPr sz="1800" b="1" kern="1200">
+                          <a:solidFill>
+                            <a:schemeClr val="lt1"/>
+                          </a:solidFill>
+                          <a:latin typeface="Segoe UI"/>
+                        </a:defRPr>
+                      </a:lvl3pPr>
+                      <a:lvl4pPr marL="1371600" algn="l" defTabSz="914400" rtl="0" eaLnBrk="1" latinLnBrk="0" hangingPunct="1">
+                        <a:defRPr sz="1800" b="1" kern="1200">
+                          <a:solidFill>
+                            <a:schemeClr val="lt1"/>
+                          </a:solidFill>
+                          <a:latin typeface="Segoe UI"/>
+                        </a:defRPr>
+                      </a:lvl4pPr>
+                      <a:lvl5pPr marL="1828800" algn="l" defTabSz="914400" rtl="0" eaLnBrk="1" latinLnBrk="0" hangingPunct="1">
+                        <a:defRPr sz="1800" b="1" kern="1200">
+                          <a:solidFill>
+                            <a:schemeClr val="lt1"/>
+                          </a:solidFill>
+                          <a:latin typeface="Segoe UI"/>
+                        </a:defRPr>
+                      </a:lvl5pPr>
+                      <a:lvl6pPr marL="2286000" algn="l" defTabSz="914400" rtl="0" eaLnBrk="1" latinLnBrk="0" hangingPunct="1">
+                        <a:defRPr sz="1800" b="1" kern="1200">
+                          <a:solidFill>
+                            <a:schemeClr val="lt1"/>
+                          </a:solidFill>
+                          <a:latin typeface="Segoe UI"/>
+                        </a:defRPr>
+                      </a:lvl6pPr>
+                      <a:lvl7pPr marL="2743200" algn="l" defTabSz="914400" rtl="0" eaLnBrk="1" latinLnBrk="0" hangingPunct="1">
+                        <a:defRPr sz="1800" b="1" kern="1200">
+                          <a:solidFill>
+                            <a:schemeClr val="lt1"/>
+                          </a:solidFill>
+                          <a:latin typeface="Segoe UI"/>
+                        </a:defRPr>
+                      </a:lvl7pPr>
+                      <a:lvl8pPr marL="3200400" algn="l" defTabSz="914400" rtl="0" eaLnBrk="1" latinLnBrk="0" hangingPunct="1">
+                        <a:defRPr sz="1800" b="1" kern="1200">
+                          <a:solidFill>
+                            <a:schemeClr val="lt1"/>
+                          </a:solidFill>
+                          <a:latin typeface="Segoe UI"/>
+                        </a:defRPr>
+                      </a:lvl8pPr>
+                      <a:lvl9pPr marL="3657600" algn="l" defTabSz="914400" rtl="0" eaLnBrk="1" latinLnBrk="0" hangingPunct="1">
+                        <a:defRPr sz="1800" b="1" kern="1200">
+                          <a:solidFill>
+                            <a:schemeClr val="lt1"/>
+                          </a:solidFill>
+                          <a:latin typeface="Segoe UI"/>
+                        </a:defRPr>
+                      </a:lvl9pPr>
+                    </a:lstStyle>
+                    <a:p>
+                      <a:pPr algn="ctr"/>
+                      <a:endParaRPr lang="en-US" dirty="0"/>
+                    </a:p>
+                  </a:txBody>
+                  <a:tcPr>
+                    <a:lnL w="12700" cmpd="sng">
+                      <a:solidFill>
+                        <a:sysClr val="window" lastClr="FFFFFF"/>
+                      </a:solidFill>
+                    </a:lnL>
+                    <a:lnR w="12700" cmpd="sng">
+                      <a:solidFill>
+                        <a:sysClr val="window" lastClr="FFFFFF"/>
+                      </a:solidFill>
+                    </a:lnR>
+                    <a:lnT w="12700" cmpd="sng">
+                      <a:solidFill>
+                        <a:sysClr val="window" lastClr="FFFFFF"/>
+                      </a:solidFill>
+                    </a:lnT>
+                    <a:lnB w="38100" cmpd="sng">
+                      <a:solidFill>
+                        <a:sysClr val="window" lastClr="FFFFFF"/>
+                      </a:solidFill>
+                    </a:lnB>
+                    <a:lnTlToBr w="12700" cmpd="sng">
+                      <a:noFill/>
+                      <a:prstDash val="solid"/>
+                    </a:lnTlToBr>
+                    <a:lnBlToTr w="12700" cmpd="sng">
+                      <a:noFill/>
+                      <a:prstDash val="solid"/>
+                    </a:lnBlToTr>
+                    <a:solidFill>
+                      <a:schemeClr val="accent1">
+                        <a:lumMod val="50000"/>
+                      </a:schemeClr>
+                    </a:solidFill>
+                  </a:tcPr>
+                </a:tc>
+                <a:tc>
+                  <a:txBody>
+                    <a:bodyPr/>
+                    <a:lstStyle>
+                      <a:lvl1pPr marL="0" algn="l" defTabSz="914400" rtl="0" eaLnBrk="1" latinLnBrk="0" hangingPunct="1">
+                        <a:defRPr sz="1800" b="1" kern="1200">
+                          <a:solidFill>
+                            <a:schemeClr val="lt1"/>
+                          </a:solidFill>
+                          <a:latin typeface="Segoe UI"/>
+                        </a:defRPr>
+                      </a:lvl1pPr>
+                      <a:lvl2pPr marL="457200" algn="l" defTabSz="914400" rtl="0" eaLnBrk="1" latinLnBrk="0" hangingPunct="1">
+                        <a:defRPr sz="1800" b="1" kern="1200">
+                          <a:solidFill>
+                            <a:schemeClr val="lt1"/>
+                          </a:solidFill>
+                          <a:latin typeface="Segoe UI"/>
+                        </a:defRPr>
+                      </a:lvl2pPr>
+                      <a:lvl3pPr marL="914400" algn="l" defTabSz="914400" rtl="0" eaLnBrk="1" latinLnBrk="0" hangingPunct="1">
+                        <a:defRPr sz="1800" b="1" kern="1200">
+                          <a:solidFill>
+                            <a:schemeClr val="lt1"/>
+                          </a:solidFill>
+                          <a:latin typeface="Segoe UI"/>
+                        </a:defRPr>
+                      </a:lvl3pPr>
+                      <a:lvl4pPr marL="1371600" algn="l" defTabSz="914400" rtl="0" eaLnBrk="1" latinLnBrk="0" hangingPunct="1">
+                        <a:defRPr sz="1800" b="1" kern="1200">
+                          <a:solidFill>
+                            <a:schemeClr val="lt1"/>
+                          </a:solidFill>
+                          <a:latin typeface="Segoe UI"/>
+                        </a:defRPr>
+                      </a:lvl4pPr>
+                      <a:lvl5pPr marL="1828800" algn="l" defTabSz="914400" rtl="0" eaLnBrk="1" latinLnBrk="0" hangingPunct="1">
+                        <a:defRPr sz="1800" b="1" kern="1200">
+                          <a:solidFill>
+                            <a:schemeClr val="lt1"/>
+                          </a:solidFill>
+                          <a:latin typeface="Segoe UI"/>
+                        </a:defRPr>
+                      </a:lvl5pPr>
+                      <a:lvl6pPr marL="2286000" algn="l" defTabSz="914400" rtl="0" eaLnBrk="1" latinLnBrk="0" hangingPunct="1">
+                        <a:defRPr sz="1800" b="1" kern="1200">
+                          <a:solidFill>
+                            <a:schemeClr val="lt1"/>
+                          </a:solidFill>
+                          <a:latin typeface="Segoe UI"/>
+                        </a:defRPr>
+                      </a:lvl6pPr>
+                      <a:lvl7pPr marL="2743200" algn="l" defTabSz="914400" rtl="0" eaLnBrk="1" latinLnBrk="0" hangingPunct="1">
+                        <a:defRPr sz="1800" b="1" kern="1200">
+                          <a:solidFill>
+                            <a:schemeClr val="lt1"/>
+                          </a:solidFill>
+                          <a:latin typeface="Segoe UI"/>
+                        </a:defRPr>
+                      </a:lvl7pPr>
+                      <a:lvl8pPr marL="3200400" algn="l" defTabSz="914400" rtl="0" eaLnBrk="1" latinLnBrk="0" hangingPunct="1">
+                        <a:defRPr sz="1800" b="1" kern="1200">
+                          <a:solidFill>
+                            <a:schemeClr val="lt1"/>
+                          </a:solidFill>
+                          <a:latin typeface="Segoe UI"/>
+                        </a:defRPr>
+                      </a:lvl8pPr>
+                      <a:lvl9pPr marL="3657600" algn="l" defTabSz="914400" rtl="0" eaLnBrk="1" latinLnBrk="0" hangingPunct="1">
+                        <a:defRPr sz="1800" b="1" kern="1200">
+                          <a:solidFill>
+                            <a:schemeClr val="lt1"/>
+                          </a:solidFill>
+                          <a:latin typeface="Segoe UI"/>
+                        </a:defRPr>
+                      </a:lvl9pPr>
+                    </a:lstStyle>
+                    <a:p>
+                      <a:pPr algn="ctr"/>
+                      <a:r>
+                        <a:rPr lang="en-US" dirty="0"/>
+                        <a:t>(0)</a:t>
+                      </a:r>
+                      <a:r>
+                        <a:rPr lang="el-GR" dirty="0"/>
+                        <a:t>λ</a:t>
+                      </a:r>
+                      <a:endParaRPr lang="en-US" baseline="-25000" dirty="0"/>
+                    </a:p>
+                  </a:txBody>
+                  <a:tcPr>
+                    <a:lnL w="12700" cmpd="sng">
+                      <a:solidFill>
+                        <a:sysClr val="window" lastClr="FFFFFF"/>
+                      </a:solidFill>
+                    </a:lnL>
+                    <a:lnR w="12700" cmpd="sng">
+                      <a:solidFill>
+                        <a:sysClr val="window" lastClr="FFFFFF"/>
+                      </a:solidFill>
+                    </a:lnR>
+                    <a:lnT w="12700" cmpd="sng">
+                      <a:solidFill>
+                        <a:sysClr val="window" lastClr="FFFFFF"/>
+                      </a:solidFill>
+                    </a:lnT>
+                    <a:lnB w="38100" cmpd="sng">
+                      <a:solidFill>
+                        <a:sysClr val="window" lastClr="FFFFFF"/>
+                      </a:solidFill>
+                    </a:lnB>
+                    <a:lnTlToBr w="12700" cmpd="sng">
+                      <a:noFill/>
+                      <a:prstDash val="solid"/>
+                    </a:lnTlToBr>
+                    <a:lnBlToTr w="12700" cmpd="sng">
+                      <a:noFill/>
+                      <a:prstDash val="solid"/>
+                    </a:lnBlToTr>
+                    <a:solidFill>
+                      <a:schemeClr val="accent1">
+                        <a:lumMod val="50000"/>
+                      </a:schemeClr>
+                    </a:solidFill>
+                  </a:tcPr>
+                </a:tc>
+                <a:tc>
+                  <a:txBody>
+                    <a:bodyPr/>
+                    <a:lstStyle>
+                      <a:lvl1pPr marL="0" algn="l" defTabSz="914400" rtl="0" eaLnBrk="1" latinLnBrk="0" hangingPunct="1">
+                        <a:defRPr sz="1800" b="1" kern="1200">
+                          <a:solidFill>
+                            <a:schemeClr val="lt1"/>
+                          </a:solidFill>
+                          <a:latin typeface="Segoe UI"/>
+                        </a:defRPr>
+                      </a:lvl1pPr>
+                      <a:lvl2pPr marL="457200" algn="l" defTabSz="914400" rtl="0" eaLnBrk="1" latinLnBrk="0" hangingPunct="1">
+                        <a:defRPr sz="1800" b="1" kern="1200">
+                          <a:solidFill>
+                            <a:schemeClr val="lt1"/>
+                          </a:solidFill>
+                          <a:latin typeface="Segoe UI"/>
+                        </a:defRPr>
+                      </a:lvl2pPr>
+                      <a:lvl3pPr marL="914400" algn="l" defTabSz="914400" rtl="0" eaLnBrk="1" latinLnBrk="0" hangingPunct="1">
+                        <a:defRPr sz="1800" b="1" kern="1200">
+                          <a:solidFill>
+                            <a:schemeClr val="lt1"/>
+                          </a:solidFill>
+                          <a:latin typeface="Segoe UI"/>
+                        </a:defRPr>
+                      </a:lvl3pPr>
+                      <a:lvl4pPr marL="1371600" algn="l" defTabSz="914400" rtl="0" eaLnBrk="1" latinLnBrk="0" hangingPunct="1">
+                        <a:defRPr sz="1800" b="1" kern="1200">
+                          <a:solidFill>
+                            <a:schemeClr val="lt1"/>
+                          </a:solidFill>
+                          <a:latin typeface="Segoe UI"/>
+                        </a:defRPr>
+                      </a:lvl4pPr>
+                      <a:lvl5pPr marL="1828800" algn="l" defTabSz="914400" rtl="0" eaLnBrk="1" latinLnBrk="0" hangingPunct="1">
+                        <a:defRPr sz="1800" b="1" kern="1200">
+                          <a:solidFill>
+                            <a:schemeClr val="lt1"/>
+                          </a:solidFill>
+                          <a:latin typeface="Segoe UI"/>
+                        </a:defRPr>
+                      </a:lvl5pPr>
+                      <a:lvl6pPr marL="2286000" algn="l" defTabSz="914400" rtl="0" eaLnBrk="1" latinLnBrk="0" hangingPunct="1">
+                        <a:defRPr sz="1800" b="1" kern="1200">
+                          <a:solidFill>
+                            <a:schemeClr val="lt1"/>
+                          </a:solidFill>
+                          <a:latin typeface="Segoe UI"/>
+                        </a:defRPr>
+                      </a:lvl6pPr>
+                      <a:lvl7pPr marL="2743200" algn="l" defTabSz="914400" rtl="0" eaLnBrk="1" latinLnBrk="0" hangingPunct="1">
+                        <a:defRPr sz="1800" b="1" kern="1200">
+                          <a:solidFill>
+                            <a:schemeClr val="lt1"/>
+                          </a:solidFill>
+                          <a:latin typeface="Segoe UI"/>
+                        </a:defRPr>
+                      </a:lvl7pPr>
+                      <a:lvl8pPr marL="3200400" algn="l" defTabSz="914400" rtl="0" eaLnBrk="1" latinLnBrk="0" hangingPunct="1">
+                        <a:defRPr sz="1800" b="1" kern="1200">
+                          <a:solidFill>
+                            <a:schemeClr val="lt1"/>
+                          </a:solidFill>
+                          <a:latin typeface="Segoe UI"/>
+                        </a:defRPr>
+                      </a:lvl8pPr>
+                      <a:lvl9pPr marL="3657600" algn="l" defTabSz="914400" rtl="0" eaLnBrk="1" latinLnBrk="0" hangingPunct="1">
+                        <a:defRPr sz="1800" b="1" kern="1200">
+                          <a:solidFill>
+                            <a:schemeClr val="lt1"/>
+                          </a:solidFill>
+                          <a:latin typeface="Segoe UI"/>
+                        </a:defRPr>
+                      </a:lvl9pPr>
+                    </a:lstStyle>
+                    <a:p>
+                      <a:pPr algn="ctr"/>
+                      <a:r>
+                        <a:rPr lang="en-US" dirty="0"/>
+                        <a:t>…</a:t>
+                      </a:r>
+                    </a:p>
+                  </a:txBody>
+                  <a:tcPr>
+                    <a:lnL w="12700" cmpd="sng">
+                      <a:solidFill>
+                        <a:sysClr val="window" lastClr="FFFFFF"/>
+                      </a:solidFill>
+                    </a:lnL>
+                    <a:lnR w="12700" cmpd="sng">
+                      <a:solidFill>
+                        <a:sysClr val="window" lastClr="FFFFFF"/>
+                      </a:solidFill>
+                    </a:lnR>
+                    <a:lnT w="12700" cmpd="sng">
+                      <a:solidFill>
+                        <a:sysClr val="window" lastClr="FFFFFF"/>
+                      </a:solidFill>
+                    </a:lnT>
+                    <a:lnB w="38100" cmpd="sng">
+                      <a:solidFill>
+                        <a:sysClr val="window" lastClr="FFFFFF"/>
+                      </a:solidFill>
+                    </a:lnB>
+                    <a:lnTlToBr w="12700" cmpd="sng">
+                      <a:noFill/>
+                      <a:prstDash val="solid"/>
+                    </a:lnTlToBr>
+                    <a:lnBlToTr w="12700" cmpd="sng">
+                      <a:noFill/>
+                      <a:prstDash val="solid"/>
+                    </a:lnBlToTr>
+                    <a:solidFill>
+                      <a:schemeClr val="accent1">
+                        <a:lumMod val="50000"/>
+                      </a:schemeClr>
+                    </a:solidFill>
+                  </a:tcPr>
+                </a:tc>
+                <a:tc>
+                  <a:txBody>
+                    <a:bodyPr/>
+                    <a:lstStyle>
+                      <a:lvl1pPr marL="0" algn="l" defTabSz="914400" rtl="0" eaLnBrk="1" latinLnBrk="0" hangingPunct="1">
+                        <a:defRPr sz="1800" b="1" kern="1200">
+                          <a:solidFill>
+                            <a:schemeClr val="lt1"/>
+                          </a:solidFill>
+                          <a:latin typeface="Segoe UI"/>
+                        </a:defRPr>
+                      </a:lvl1pPr>
+                      <a:lvl2pPr marL="457200" algn="l" defTabSz="914400" rtl="0" eaLnBrk="1" latinLnBrk="0" hangingPunct="1">
+                        <a:defRPr sz="1800" b="1" kern="1200">
+                          <a:solidFill>
+                            <a:schemeClr val="lt1"/>
+                          </a:solidFill>
+                          <a:latin typeface="Segoe UI"/>
+                        </a:defRPr>
+                      </a:lvl2pPr>
+                      <a:lvl3pPr marL="914400" algn="l" defTabSz="914400" rtl="0" eaLnBrk="1" latinLnBrk="0" hangingPunct="1">
+                        <a:defRPr sz="1800" b="1" kern="1200">
+                          <a:solidFill>
+                            <a:schemeClr val="lt1"/>
+                          </a:solidFill>
+                          <a:latin typeface="Segoe UI"/>
+                        </a:defRPr>
+                      </a:lvl3pPr>
+                      <a:lvl4pPr marL="1371600" algn="l" defTabSz="914400" rtl="0" eaLnBrk="1" latinLnBrk="0" hangingPunct="1">
+                        <a:defRPr sz="1800" b="1" kern="1200">
+                          <a:solidFill>
+                            <a:schemeClr val="lt1"/>
+                          </a:solidFill>
+                          <a:latin typeface="Segoe UI"/>
+                        </a:defRPr>
+                      </a:lvl4pPr>
+                      <a:lvl5pPr marL="1828800" algn="l" defTabSz="914400" rtl="0" eaLnBrk="1" latinLnBrk="0" hangingPunct="1">
+                        <a:defRPr sz="1800" b="1" kern="1200">
+                          <a:solidFill>
+                            <a:schemeClr val="lt1"/>
+                          </a:solidFill>
+                          <a:latin typeface="Segoe UI"/>
+                        </a:defRPr>
+                      </a:lvl5pPr>
+                      <a:lvl6pPr marL="2286000" algn="l" defTabSz="914400" rtl="0" eaLnBrk="1" latinLnBrk="0" hangingPunct="1">
+                        <a:defRPr sz="1800" b="1" kern="1200">
+                          <a:solidFill>
+                            <a:schemeClr val="lt1"/>
+                          </a:solidFill>
+                          <a:latin typeface="Segoe UI"/>
+                        </a:defRPr>
+                      </a:lvl6pPr>
+                      <a:lvl7pPr marL="2743200" algn="l" defTabSz="914400" rtl="0" eaLnBrk="1" latinLnBrk="0" hangingPunct="1">
+                        <a:defRPr sz="1800" b="1" kern="1200">
+                          <a:solidFill>
+                            <a:schemeClr val="lt1"/>
+                          </a:solidFill>
+                          <a:latin typeface="Segoe UI"/>
+                        </a:defRPr>
+                      </a:lvl7pPr>
+                      <a:lvl8pPr marL="3200400" algn="l" defTabSz="914400" rtl="0" eaLnBrk="1" latinLnBrk="0" hangingPunct="1">
+                        <a:defRPr sz="1800" b="1" kern="1200">
+                          <a:solidFill>
+                            <a:schemeClr val="lt1"/>
+                          </a:solidFill>
+                          <a:latin typeface="Segoe UI"/>
+                        </a:defRPr>
+                      </a:lvl8pPr>
+                      <a:lvl9pPr marL="3657600" algn="l" defTabSz="914400" rtl="0" eaLnBrk="1" latinLnBrk="0" hangingPunct="1">
+                        <a:defRPr sz="1800" b="1" kern="1200">
+                          <a:solidFill>
+                            <a:schemeClr val="lt1"/>
+                          </a:solidFill>
+                          <a:latin typeface="Segoe UI"/>
+                        </a:defRPr>
+                      </a:lvl9pPr>
+                    </a:lstStyle>
+                    <a:p>
+                      <a:pPr algn="ctr"/>
+                      <a:r>
+                        <a:rPr lang="en-US" dirty="0"/>
+                        <a:t>(1)</a:t>
+                      </a:r>
+                      <a:r>
+                        <a:rPr lang="el-GR" dirty="0"/>
+                        <a:t>λ</a:t>
+                      </a:r>
+                      <a:endParaRPr lang="en-US" baseline="-25000" dirty="0"/>
+                    </a:p>
+                  </a:txBody>
+                  <a:tcPr>
+                    <a:lnL w="12700" cmpd="sng">
+                      <a:solidFill>
+                        <a:sysClr val="window" lastClr="FFFFFF"/>
+                      </a:solidFill>
+                    </a:lnL>
+                    <a:lnR w="12700" cmpd="sng">
+                      <a:solidFill>
+                        <a:sysClr val="window" lastClr="FFFFFF"/>
+                      </a:solidFill>
+                    </a:lnR>
+                    <a:lnT w="12700" cmpd="sng">
+                      <a:solidFill>
+                        <a:sysClr val="window" lastClr="FFFFFF"/>
+                      </a:solidFill>
+                    </a:lnT>
+                    <a:lnB w="38100" cmpd="sng">
+                      <a:solidFill>
+                        <a:sysClr val="window" lastClr="FFFFFF"/>
+                      </a:solidFill>
+                    </a:lnB>
+                    <a:lnTlToBr w="12700" cmpd="sng">
+                      <a:noFill/>
+                      <a:prstDash val="solid"/>
+                    </a:lnTlToBr>
+                    <a:lnBlToTr w="12700" cmpd="sng">
+                      <a:noFill/>
+                      <a:prstDash val="solid"/>
+                    </a:lnBlToTr>
+                    <a:solidFill>
+                      <a:schemeClr val="accent1">
+                        <a:lumMod val="50000"/>
+                      </a:schemeClr>
+                    </a:solidFill>
+                  </a:tcPr>
+                </a:tc>
+                <a:extLst>
+                  <a:ext uri="{0D108BD9-81ED-4DB2-BD59-A6C34878D82A}">
+                    <a16:rowId xmlns:a16="http://schemas.microsoft.com/office/drawing/2014/main" val="842397295"/>
+                  </a:ext>
+                </a:extLst>
+              </a:tr>
+              <a:tr h="370840">
+                <a:tc>
+                  <a:txBody>
+                    <a:bodyPr/>
+                    <a:lstStyle>
+                      <a:lvl1pPr marL="0" algn="l" defTabSz="914400" rtl="0" eaLnBrk="1" latinLnBrk="0" hangingPunct="1">
+                        <a:defRPr sz="1800" b="1" kern="1200">
+                          <a:solidFill>
+                            <a:schemeClr val="lt1"/>
+                          </a:solidFill>
+                          <a:latin typeface="Segoe UI"/>
+                        </a:defRPr>
+                      </a:lvl1pPr>
+                      <a:lvl2pPr marL="457200" algn="l" defTabSz="914400" rtl="0" eaLnBrk="1" latinLnBrk="0" hangingPunct="1">
+                        <a:defRPr sz="1800" b="1" kern="1200">
+                          <a:solidFill>
+                            <a:schemeClr val="lt1"/>
+                          </a:solidFill>
+                          <a:latin typeface="Segoe UI"/>
+                        </a:defRPr>
+                      </a:lvl2pPr>
+                      <a:lvl3pPr marL="914400" algn="l" defTabSz="914400" rtl="0" eaLnBrk="1" latinLnBrk="0" hangingPunct="1">
+                        <a:defRPr sz="1800" b="1" kern="1200">
+                          <a:solidFill>
+                            <a:schemeClr val="lt1"/>
+                          </a:solidFill>
+                          <a:latin typeface="Segoe UI"/>
+                        </a:defRPr>
+                      </a:lvl3pPr>
+                      <a:lvl4pPr marL="1371600" algn="l" defTabSz="914400" rtl="0" eaLnBrk="1" latinLnBrk="0" hangingPunct="1">
+                        <a:defRPr sz="1800" b="1" kern="1200">
+                          <a:solidFill>
+                            <a:schemeClr val="lt1"/>
+                          </a:solidFill>
+                          <a:latin typeface="Segoe UI"/>
+                        </a:defRPr>
+                      </a:lvl4pPr>
+                      <a:lvl5pPr marL="1828800" algn="l" defTabSz="914400" rtl="0" eaLnBrk="1" latinLnBrk="0" hangingPunct="1">
+                        <a:defRPr sz="1800" b="1" kern="1200">
+                          <a:solidFill>
+                            <a:schemeClr val="lt1"/>
+                          </a:solidFill>
+                          <a:latin typeface="Segoe UI"/>
+                        </a:defRPr>
+                      </a:lvl5pPr>
+                      <a:lvl6pPr marL="2286000" algn="l" defTabSz="914400" rtl="0" eaLnBrk="1" latinLnBrk="0" hangingPunct="1">
+                        <a:defRPr sz="1800" b="1" kern="1200">
+                          <a:solidFill>
+                            <a:schemeClr val="lt1"/>
+                          </a:solidFill>
+                          <a:latin typeface="Segoe UI"/>
+                        </a:defRPr>
+                      </a:lvl6pPr>
+                      <a:lvl7pPr marL="2743200" algn="l" defTabSz="914400" rtl="0" eaLnBrk="1" latinLnBrk="0" hangingPunct="1">
+                        <a:defRPr sz="1800" b="1" kern="1200">
+                          <a:solidFill>
+                            <a:schemeClr val="lt1"/>
+                          </a:solidFill>
+                          <a:latin typeface="Segoe UI"/>
+                        </a:defRPr>
+                      </a:lvl7pPr>
+                      <a:lvl8pPr marL="3200400" algn="l" defTabSz="914400" rtl="0" eaLnBrk="1" latinLnBrk="0" hangingPunct="1">
+                        <a:defRPr sz="1800" b="1" kern="1200">
+                          <a:solidFill>
+                            <a:schemeClr val="lt1"/>
+                          </a:solidFill>
+                          <a:latin typeface="Segoe UI"/>
+                        </a:defRPr>
+                      </a:lvl8pPr>
+                      <a:lvl9pPr marL="3657600" algn="l" defTabSz="914400" rtl="0" eaLnBrk="1" latinLnBrk="0" hangingPunct="1">
+                        <a:defRPr sz="1800" b="1" kern="1200">
+                          <a:solidFill>
+                            <a:schemeClr val="lt1"/>
+                          </a:solidFill>
+                          <a:latin typeface="Segoe UI"/>
+                        </a:defRPr>
+                      </a:lvl9pPr>
+                    </a:lstStyle>
+                    <a:p>
+                      <a:pPr algn="l"/>
+                      <a:r>
+                        <a:rPr lang="en-US" dirty="0"/>
+                        <a:t>(1)</a:t>
+                      </a:r>
+                      <a:r>
+                        <a:rPr lang="el-GR" dirty="0"/>
+                        <a:t>λ</a:t>
+                      </a:r>
+                      <a:endParaRPr lang="en-US" baseline="-25000" dirty="0"/>
+                    </a:p>
+                  </a:txBody>
+                  <a:tcPr>
+                    <a:lnL w="12700" cmpd="sng">
+                      <a:solidFill>
+                        <a:sysClr val="window" lastClr="FFFFFF"/>
+                      </a:solidFill>
+                    </a:lnL>
+                    <a:lnR w="12700" cmpd="sng">
+                      <a:solidFill>
+                        <a:sysClr val="window" lastClr="FFFFFF"/>
+                      </a:solidFill>
+                    </a:lnR>
+                    <a:lnT w="38100" cmpd="sng">
+                      <a:solidFill>
+                        <a:sysClr val="window" lastClr="FFFFFF"/>
+                      </a:solidFill>
+                    </a:lnT>
+                    <a:lnB w="12700" cmpd="sng">
+                      <a:solidFill>
+                        <a:sysClr val="window" lastClr="FFFFFF"/>
+                      </a:solidFill>
+                    </a:lnB>
+                    <a:lnTlToBr w="12700" cmpd="sng">
+                      <a:noFill/>
+                      <a:prstDash val="solid"/>
+                    </a:lnTlToBr>
+                    <a:lnBlToTr w="12700" cmpd="sng">
+                      <a:noFill/>
+                      <a:prstDash val="solid"/>
+                    </a:lnBlToTr>
+                    <a:solidFill>
+                      <a:schemeClr val="accent1">
+                        <a:lumMod val="50000"/>
+                      </a:schemeClr>
+                    </a:solidFill>
+                  </a:tcPr>
+                </a:tc>
+                <a:tc>
+                  <a:txBody>
+                    <a:bodyPr/>
+                    <a:lstStyle>
+                      <a:lvl1pPr marL="0" algn="l" defTabSz="914400" rtl="0" eaLnBrk="1" latinLnBrk="0" hangingPunct="1">
+                        <a:defRPr sz="1800" kern="1200">
+                          <a:solidFill>
+                            <a:schemeClr val="dk1"/>
+                          </a:solidFill>
+                          <a:latin typeface="Segoe UI"/>
+                        </a:defRPr>
+                      </a:lvl1pPr>
+                      <a:lvl2pPr marL="457200" algn="l" defTabSz="914400" rtl="0" eaLnBrk="1" latinLnBrk="0" hangingPunct="1">
+                        <a:defRPr sz="1800" kern="1200">
+                          <a:solidFill>
+                            <a:schemeClr val="dk1"/>
+                          </a:solidFill>
+                          <a:latin typeface="Segoe UI"/>
+                        </a:defRPr>
+                      </a:lvl2pPr>
+                      <a:lvl3pPr marL="914400" algn="l" defTabSz="914400" rtl="0" eaLnBrk="1" latinLnBrk="0" hangingPunct="1">
+                        <a:defRPr sz="1800" kern="1200">
+                          <a:solidFill>
+                            <a:schemeClr val="dk1"/>
+                          </a:solidFill>
+                          <a:latin typeface="Segoe UI"/>
+                        </a:defRPr>
+                      </a:lvl3pPr>
+                      <a:lvl4pPr marL="1371600" algn="l" defTabSz="914400" rtl="0" eaLnBrk="1" latinLnBrk="0" hangingPunct="1">
+                        <a:defRPr sz="1800" kern="1200">
+                          <a:solidFill>
+                            <a:schemeClr val="dk1"/>
+                          </a:solidFill>
+                          <a:latin typeface="Segoe UI"/>
+                        </a:defRPr>
+                      </a:lvl4pPr>
+                      <a:lvl5pPr marL="1828800" algn="l" defTabSz="914400" rtl="0" eaLnBrk="1" latinLnBrk="0" hangingPunct="1">
+                        <a:defRPr sz="1800" kern="1200">
+                          <a:solidFill>
+                            <a:schemeClr val="dk1"/>
+                          </a:solidFill>
+                          <a:latin typeface="Segoe UI"/>
+                        </a:defRPr>
+                      </a:lvl5pPr>
+                      <a:lvl6pPr marL="2286000" algn="l" defTabSz="914400" rtl="0" eaLnBrk="1" latinLnBrk="0" hangingPunct="1">
+                        <a:defRPr sz="1800" kern="1200">
+                          <a:solidFill>
+                            <a:schemeClr val="dk1"/>
+                          </a:solidFill>
+                          <a:latin typeface="Segoe UI"/>
+                        </a:defRPr>
+                      </a:lvl6pPr>
+                      <a:lvl7pPr marL="2743200" algn="l" defTabSz="914400" rtl="0" eaLnBrk="1" latinLnBrk="0" hangingPunct="1">
+                        <a:defRPr sz="1800" kern="1200">
+                          <a:solidFill>
+                            <a:schemeClr val="dk1"/>
+                          </a:solidFill>
+                          <a:latin typeface="Segoe UI"/>
+                        </a:defRPr>
+                      </a:lvl7pPr>
+                      <a:lvl8pPr marL="3200400" algn="l" defTabSz="914400" rtl="0" eaLnBrk="1" latinLnBrk="0" hangingPunct="1">
+                        <a:defRPr sz="1800" kern="1200">
+                          <a:solidFill>
+                            <a:schemeClr val="dk1"/>
+                          </a:solidFill>
+                          <a:latin typeface="Segoe UI"/>
+                        </a:defRPr>
+                      </a:lvl8pPr>
+                      <a:lvl9pPr marL="3657600" algn="l" defTabSz="914400" rtl="0" eaLnBrk="1" latinLnBrk="0" hangingPunct="1">
+                        <a:defRPr sz="1800" kern="1200">
+                          <a:solidFill>
+                            <a:schemeClr val="dk1"/>
+                          </a:solidFill>
+                          <a:latin typeface="Segoe UI"/>
+                        </a:defRPr>
+                      </a:lvl9pPr>
+                    </a:lstStyle>
+                    <a:p>
+                      <a:pPr algn="ctr"/>
+                      <a:endParaRPr lang="en-US"/>
+                    </a:p>
+                  </a:txBody>
+                  <a:tcPr>
+                    <a:lnL w="12700" cmpd="sng">
+                      <a:solidFill>
+                        <a:sysClr val="window" lastClr="FFFFFF"/>
+                      </a:solidFill>
+                    </a:lnL>
+                    <a:lnR w="12700" cmpd="sng">
+                      <a:solidFill>
+                        <a:sysClr val="window" lastClr="FFFFFF"/>
+                      </a:solidFill>
+                    </a:lnR>
+                    <a:lnT w="38100" cmpd="sng">
+                      <a:solidFill>
+                        <a:sysClr val="window" lastClr="FFFFFF"/>
+                      </a:solidFill>
+                    </a:lnT>
+                    <a:lnB w="12700" cmpd="sng">
+                      <a:solidFill>
+                        <a:sysClr val="window" lastClr="FFFFFF"/>
+                      </a:solidFill>
+                    </a:lnB>
+                    <a:lnTlToBr w="12700" cmpd="sng">
+                      <a:noFill/>
+                      <a:prstDash val="solid"/>
+                    </a:lnTlToBr>
+                    <a:lnBlToTr w="12700" cmpd="sng">
+                      <a:noFill/>
+                      <a:prstDash val="solid"/>
+                    </a:lnBlToTr>
+                    <a:solidFill>
+                      <a:schemeClr val="accent1">
+                        <a:lumMod val="40000"/>
+                        <a:lumOff val="60000"/>
+                      </a:schemeClr>
+                    </a:solidFill>
+                  </a:tcPr>
+                </a:tc>
+                <a:tc>
+                  <a:txBody>
+                    <a:bodyPr/>
+                    <a:lstStyle>
+                      <a:lvl1pPr marL="0" algn="l" defTabSz="914400" rtl="0" eaLnBrk="1" latinLnBrk="0" hangingPunct="1">
+                        <a:defRPr sz="1800" kern="1200">
+                          <a:solidFill>
+                            <a:schemeClr val="dk1"/>
+                          </a:solidFill>
+                          <a:latin typeface="Segoe UI"/>
+                        </a:defRPr>
+                      </a:lvl1pPr>
+                      <a:lvl2pPr marL="457200" algn="l" defTabSz="914400" rtl="0" eaLnBrk="1" latinLnBrk="0" hangingPunct="1">
+                        <a:defRPr sz="1800" kern="1200">
+                          <a:solidFill>
+                            <a:schemeClr val="dk1"/>
+                          </a:solidFill>
+                          <a:latin typeface="Segoe UI"/>
+                        </a:defRPr>
+                      </a:lvl2pPr>
+                      <a:lvl3pPr marL="914400" algn="l" defTabSz="914400" rtl="0" eaLnBrk="1" latinLnBrk="0" hangingPunct="1">
+                        <a:defRPr sz="1800" kern="1200">
+                          <a:solidFill>
+                            <a:schemeClr val="dk1"/>
+                          </a:solidFill>
+                          <a:latin typeface="Segoe UI"/>
+                        </a:defRPr>
+                      </a:lvl3pPr>
+                      <a:lvl4pPr marL="1371600" algn="l" defTabSz="914400" rtl="0" eaLnBrk="1" latinLnBrk="0" hangingPunct="1">
+                        <a:defRPr sz="1800" kern="1200">
+                          <a:solidFill>
+                            <a:schemeClr val="dk1"/>
+                          </a:solidFill>
+                          <a:latin typeface="Segoe UI"/>
+                        </a:defRPr>
+                      </a:lvl4pPr>
+                      <a:lvl5pPr marL="1828800" algn="l" defTabSz="914400" rtl="0" eaLnBrk="1" latinLnBrk="0" hangingPunct="1">
+                        <a:defRPr sz="1800" kern="1200">
+                          <a:solidFill>
+                            <a:schemeClr val="dk1"/>
+                          </a:solidFill>
+                          <a:latin typeface="Segoe UI"/>
+                        </a:defRPr>
+                      </a:lvl5pPr>
+                      <a:lvl6pPr marL="2286000" algn="l" defTabSz="914400" rtl="0" eaLnBrk="1" latinLnBrk="0" hangingPunct="1">
+                        <a:defRPr sz="1800" kern="1200">
+                          <a:solidFill>
+                            <a:schemeClr val="dk1"/>
+                          </a:solidFill>
+                          <a:latin typeface="Segoe UI"/>
+                        </a:defRPr>
+                      </a:lvl6pPr>
+                      <a:lvl7pPr marL="2743200" algn="l" defTabSz="914400" rtl="0" eaLnBrk="1" latinLnBrk="0" hangingPunct="1">
+                        <a:defRPr sz="1800" kern="1200">
+                          <a:solidFill>
+                            <a:schemeClr val="dk1"/>
+                          </a:solidFill>
+                          <a:latin typeface="Segoe UI"/>
+                        </a:defRPr>
+                      </a:lvl7pPr>
+                      <a:lvl8pPr marL="3200400" algn="l" defTabSz="914400" rtl="0" eaLnBrk="1" latinLnBrk="0" hangingPunct="1">
+                        <a:defRPr sz="1800" kern="1200">
+                          <a:solidFill>
+                            <a:schemeClr val="dk1"/>
+                          </a:solidFill>
+                          <a:latin typeface="Segoe UI"/>
+                        </a:defRPr>
+                      </a:lvl8pPr>
+                      <a:lvl9pPr marL="3657600" algn="l" defTabSz="914400" rtl="0" eaLnBrk="1" latinLnBrk="0" hangingPunct="1">
+                        <a:defRPr sz="1800" kern="1200">
+                          <a:solidFill>
+                            <a:schemeClr val="dk1"/>
+                          </a:solidFill>
+                          <a:latin typeface="Segoe UI"/>
+                        </a:defRPr>
+                      </a:lvl9pPr>
+                    </a:lstStyle>
+                    <a:p>
+                      <a:pPr algn="ctr"/>
+                      <a:endParaRPr lang="en-US" dirty="0"/>
+                    </a:p>
+                  </a:txBody>
+                  <a:tcPr>
+                    <a:lnL w="12700" cmpd="sng">
+                      <a:solidFill>
+                        <a:sysClr val="window" lastClr="FFFFFF"/>
+                      </a:solidFill>
+                    </a:lnL>
+                    <a:lnR w="12700" cmpd="sng">
+                      <a:solidFill>
+                        <a:sysClr val="window" lastClr="FFFFFF"/>
+                      </a:solidFill>
+                    </a:lnR>
+                    <a:lnT w="38100" cmpd="sng">
+                      <a:solidFill>
+                        <a:sysClr val="window" lastClr="FFFFFF"/>
+                      </a:solidFill>
+                    </a:lnT>
+                    <a:lnB w="12700" cmpd="sng">
+                      <a:solidFill>
+                        <a:sysClr val="window" lastClr="FFFFFF"/>
+                      </a:solidFill>
+                    </a:lnB>
+                    <a:lnTlToBr w="12700" cmpd="sng">
+                      <a:noFill/>
+                      <a:prstDash val="solid"/>
+                    </a:lnTlToBr>
+                    <a:lnBlToTr w="12700" cmpd="sng">
+                      <a:noFill/>
+                      <a:prstDash val="solid"/>
+                    </a:lnBlToTr>
+                    <a:solidFill>
+                      <a:schemeClr val="accent1">
+                        <a:lumMod val="40000"/>
+                        <a:lumOff val="60000"/>
+                      </a:schemeClr>
+                    </a:solidFill>
+                  </a:tcPr>
+                </a:tc>
+                <a:tc>
+                  <a:txBody>
+                    <a:bodyPr/>
+                    <a:lstStyle>
+                      <a:lvl1pPr marL="0" algn="l" defTabSz="914400" rtl="0" eaLnBrk="1" latinLnBrk="0" hangingPunct="1">
+                        <a:defRPr sz="1800" kern="1200">
+                          <a:solidFill>
+                            <a:schemeClr val="dk1"/>
+                          </a:solidFill>
+                          <a:latin typeface="Segoe UI"/>
+                        </a:defRPr>
+                      </a:lvl1pPr>
+                      <a:lvl2pPr marL="457200" algn="l" defTabSz="914400" rtl="0" eaLnBrk="1" latinLnBrk="0" hangingPunct="1">
+                        <a:defRPr sz="1800" kern="1200">
+                          <a:solidFill>
+                            <a:schemeClr val="dk1"/>
+                          </a:solidFill>
+                          <a:latin typeface="Segoe UI"/>
+                        </a:defRPr>
+                      </a:lvl2pPr>
+                      <a:lvl3pPr marL="914400" algn="l" defTabSz="914400" rtl="0" eaLnBrk="1" latinLnBrk="0" hangingPunct="1">
+                        <a:defRPr sz="1800" kern="1200">
+                          <a:solidFill>
+                            <a:schemeClr val="dk1"/>
+                          </a:solidFill>
+                          <a:latin typeface="Segoe UI"/>
+                        </a:defRPr>
+                      </a:lvl3pPr>
+                      <a:lvl4pPr marL="1371600" algn="l" defTabSz="914400" rtl="0" eaLnBrk="1" latinLnBrk="0" hangingPunct="1">
+                        <a:defRPr sz="1800" kern="1200">
+                          <a:solidFill>
+                            <a:schemeClr val="dk1"/>
+                          </a:solidFill>
+                          <a:latin typeface="Segoe UI"/>
+                        </a:defRPr>
+                      </a:lvl4pPr>
+                      <a:lvl5pPr marL="1828800" algn="l" defTabSz="914400" rtl="0" eaLnBrk="1" latinLnBrk="0" hangingPunct="1">
+                        <a:defRPr sz="1800" kern="1200">
+                          <a:solidFill>
+                            <a:schemeClr val="dk1"/>
+                          </a:solidFill>
+                          <a:latin typeface="Segoe UI"/>
+                        </a:defRPr>
+                      </a:lvl5pPr>
+                      <a:lvl6pPr marL="2286000" algn="l" defTabSz="914400" rtl="0" eaLnBrk="1" latinLnBrk="0" hangingPunct="1">
+                        <a:defRPr sz="1800" kern="1200">
+                          <a:solidFill>
+                            <a:schemeClr val="dk1"/>
+                          </a:solidFill>
+                          <a:latin typeface="Segoe UI"/>
+                        </a:defRPr>
+                      </a:lvl6pPr>
+                      <a:lvl7pPr marL="2743200" algn="l" defTabSz="914400" rtl="0" eaLnBrk="1" latinLnBrk="0" hangingPunct="1">
+                        <a:defRPr sz="1800" kern="1200">
+                          <a:solidFill>
+                            <a:schemeClr val="dk1"/>
+                          </a:solidFill>
+                          <a:latin typeface="Segoe UI"/>
+                        </a:defRPr>
+                      </a:lvl7pPr>
+                      <a:lvl8pPr marL="3200400" algn="l" defTabSz="914400" rtl="0" eaLnBrk="1" latinLnBrk="0" hangingPunct="1">
+                        <a:defRPr sz="1800" kern="1200">
+                          <a:solidFill>
+                            <a:schemeClr val="dk1"/>
+                          </a:solidFill>
+                          <a:latin typeface="Segoe UI"/>
+                        </a:defRPr>
+                      </a:lvl8pPr>
+                      <a:lvl9pPr marL="3657600" algn="l" defTabSz="914400" rtl="0" eaLnBrk="1" latinLnBrk="0" hangingPunct="1">
+                        <a:defRPr sz="1800" kern="1200">
+                          <a:solidFill>
+                            <a:schemeClr val="dk1"/>
+                          </a:solidFill>
+                          <a:latin typeface="Segoe UI"/>
+                        </a:defRPr>
+                      </a:lvl9pPr>
+                    </a:lstStyle>
+                    <a:p>
+                      <a:pPr algn="ctr"/>
+                      <a:endParaRPr lang="en-US" dirty="0"/>
+                    </a:p>
+                  </a:txBody>
+                  <a:tcPr>
+                    <a:lnL w="12700" cmpd="sng">
+                      <a:solidFill>
+                        <a:sysClr val="window" lastClr="FFFFFF"/>
+                      </a:solidFill>
+                    </a:lnL>
+                    <a:lnR w="12700" cmpd="sng">
+                      <a:solidFill>
+                        <a:sysClr val="window" lastClr="FFFFFF"/>
+                      </a:solidFill>
+                    </a:lnR>
+                    <a:lnT w="38100" cmpd="sng">
+                      <a:solidFill>
+                        <a:sysClr val="window" lastClr="FFFFFF"/>
+                      </a:solidFill>
+                    </a:lnT>
+                    <a:lnB w="12700" cmpd="sng">
+                      <a:solidFill>
+                        <a:sysClr val="window" lastClr="FFFFFF"/>
+                      </a:solidFill>
+                    </a:lnB>
+                    <a:lnTlToBr w="12700" cmpd="sng">
+                      <a:noFill/>
+                      <a:prstDash val="solid"/>
+                    </a:lnTlToBr>
+                    <a:lnBlToTr w="12700" cmpd="sng">
+                      <a:noFill/>
+                      <a:prstDash val="solid"/>
+                    </a:lnBlToTr>
+                    <a:solidFill>
+                      <a:schemeClr val="accent1">
+                        <a:lumMod val="40000"/>
+                        <a:lumOff val="60000"/>
+                      </a:schemeClr>
+                    </a:solidFill>
+                  </a:tcPr>
+                </a:tc>
+                <a:extLst>
+                  <a:ext uri="{0D108BD9-81ED-4DB2-BD59-A6C34878D82A}">
+                    <a16:rowId xmlns:a16="http://schemas.microsoft.com/office/drawing/2014/main" val="361819280"/>
+                  </a:ext>
+                </a:extLst>
+              </a:tr>
+              <a:tr h="370840">
+                <a:tc>
+                  <a:txBody>
+                    <a:bodyPr/>
+                    <a:lstStyle>
+                      <a:lvl1pPr marL="0" algn="l" defTabSz="914400" rtl="0" eaLnBrk="1" latinLnBrk="0" hangingPunct="1">
+                        <a:defRPr sz="1800" b="1" kern="1200">
+                          <a:solidFill>
+                            <a:schemeClr val="lt1"/>
+                          </a:solidFill>
+                          <a:latin typeface="Segoe UI"/>
+                        </a:defRPr>
+                      </a:lvl1pPr>
+                      <a:lvl2pPr marL="457200" algn="l" defTabSz="914400" rtl="0" eaLnBrk="1" latinLnBrk="0" hangingPunct="1">
+                        <a:defRPr sz="1800" b="1" kern="1200">
+                          <a:solidFill>
+                            <a:schemeClr val="lt1"/>
+                          </a:solidFill>
+                          <a:latin typeface="Segoe UI"/>
+                        </a:defRPr>
+                      </a:lvl2pPr>
+                      <a:lvl3pPr marL="914400" algn="l" defTabSz="914400" rtl="0" eaLnBrk="1" latinLnBrk="0" hangingPunct="1">
+                        <a:defRPr sz="1800" b="1" kern="1200">
+                          <a:solidFill>
+                            <a:schemeClr val="lt1"/>
+                          </a:solidFill>
+                          <a:latin typeface="Segoe UI"/>
+                        </a:defRPr>
+                      </a:lvl3pPr>
+                      <a:lvl4pPr marL="1371600" algn="l" defTabSz="914400" rtl="0" eaLnBrk="1" latinLnBrk="0" hangingPunct="1">
+                        <a:defRPr sz="1800" b="1" kern="1200">
+                          <a:solidFill>
+                            <a:schemeClr val="lt1"/>
+                          </a:solidFill>
+                          <a:latin typeface="Segoe UI"/>
+                        </a:defRPr>
+                      </a:lvl4pPr>
+                      <a:lvl5pPr marL="1828800" algn="l" defTabSz="914400" rtl="0" eaLnBrk="1" latinLnBrk="0" hangingPunct="1">
+                        <a:defRPr sz="1800" b="1" kern="1200">
+                          <a:solidFill>
+                            <a:schemeClr val="lt1"/>
+                          </a:solidFill>
+                          <a:latin typeface="Segoe UI"/>
+                        </a:defRPr>
+                      </a:lvl5pPr>
+                      <a:lvl6pPr marL="2286000" algn="l" defTabSz="914400" rtl="0" eaLnBrk="1" latinLnBrk="0" hangingPunct="1">
+                        <a:defRPr sz="1800" b="1" kern="1200">
+                          <a:solidFill>
+                            <a:schemeClr val="lt1"/>
+                          </a:solidFill>
+                          <a:latin typeface="Segoe UI"/>
+                        </a:defRPr>
+                      </a:lvl6pPr>
+                      <a:lvl7pPr marL="2743200" algn="l" defTabSz="914400" rtl="0" eaLnBrk="1" latinLnBrk="0" hangingPunct="1">
+                        <a:defRPr sz="1800" b="1" kern="1200">
+                          <a:solidFill>
+                            <a:schemeClr val="lt1"/>
+                          </a:solidFill>
+                          <a:latin typeface="Segoe UI"/>
+                        </a:defRPr>
+                      </a:lvl7pPr>
+                      <a:lvl8pPr marL="3200400" algn="l" defTabSz="914400" rtl="0" eaLnBrk="1" latinLnBrk="0" hangingPunct="1">
+                        <a:defRPr sz="1800" b="1" kern="1200">
+                          <a:solidFill>
+                            <a:schemeClr val="lt1"/>
+                          </a:solidFill>
+                          <a:latin typeface="Segoe UI"/>
+                        </a:defRPr>
+                      </a:lvl8pPr>
+                      <a:lvl9pPr marL="3657600" algn="l" defTabSz="914400" rtl="0" eaLnBrk="1" latinLnBrk="0" hangingPunct="1">
+                        <a:defRPr sz="1800" b="1" kern="1200">
+                          <a:solidFill>
+                            <a:schemeClr val="lt1"/>
+                          </a:solidFill>
+                          <a:latin typeface="Segoe UI"/>
+                        </a:defRPr>
+                      </a:lvl9pPr>
+                    </a:lstStyle>
+                    <a:p>
+                      <a:pPr marL="0" marR="0" lvl="0" indent="0" algn="l" defTabSz="914400" rtl="0" eaLnBrk="1" fontAlgn="auto" latinLnBrk="0" hangingPunct="1">
+                        <a:lnSpc>
+                          <a:spcPct val="100000"/>
+                        </a:lnSpc>
+                        <a:spcBef>
+                          <a:spcPts val="0"/>
+                        </a:spcBef>
+                        <a:spcAft>
+                          <a:spcPts val="0"/>
+                        </a:spcAft>
+                        <a:buClrTx/>
+                        <a:buSzTx/>
+                        <a:buFontTx/>
+                        <a:buNone/>
+                        <a:tabLst/>
+                        <a:defRPr/>
+                      </a:pPr>
+                      <a:r>
+                        <a:rPr lang="en-US" dirty="0"/>
+                        <a:t>(0.95)</a:t>
+                      </a:r>
+                      <a:r>
+                        <a:rPr lang="el-GR" dirty="0"/>
+                        <a:t>λ</a:t>
+                      </a:r>
+                      <a:endParaRPr lang="en-US" baseline="-25000" dirty="0"/>
+                    </a:p>
+                  </a:txBody>
+                  <a:tcPr>
+                    <a:lnL w="12700" cmpd="sng">
+                      <a:solidFill>
+                        <a:sysClr val="window" lastClr="FFFFFF"/>
+                      </a:solidFill>
+                    </a:lnL>
+                    <a:lnR w="12700" cmpd="sng">
+                      <a:solidFill>
+                        <a:sysClr val="window" lastClr="FFFFFF"/>
+                      </a:solidFill>
+                    </a:lnR>
+                    <a:lnT w="12700" cmpd="sng">
+                      <a:solidFill>
+                        <a:sysClr val="window" lastClr="FFFFFF"/>
+                      </a:solidFill>
+                    </a:lnT>
+                    <a:lnB w="12700" cmpd="sng">
+                      <a:solidFill>
+                        <a:sysClr val="window" lastClr="FFFFFF"/>
+                      </a:solidFill>
+                    </a:lnB>
+                    <a:lnTlToBr w="12700" cmpd="sng">
+                      <a:noFill/>
+                      <a:prstDash val="solid"/>
+                    </a:lnTlToBr>
+                    <a:lnBlToTr w="12700" cmpd="sng">
+                      <a:noFill/>
+                      <a:prstDash val="solid"/>
+                    </a:lnBlToTr>
+                    <a:solidFill>
+                      <a:schemeClr val="accent1">
+                        <a:lumMod val="50000"/>
+                      </a:schemeClr>
+                    </a:solidFill>
+                  </a:tcPr>
+                </a:tc>
+                <a:tc>
+                  <a:txBody>
+                    <a:bodyPr/>
+                    <a:lstStyle>
+                      <a:lvl1pPr marL="0" algn="l" defTabSz="914400" rtl="0" eaLnBrk="1" latinLnBrk="0" hangingPunct="1">
+                        <a:defRPr sz="1800" kern="1200">
+                          <a:solidFill>
+                            <a:schemeClr val="dk1"/>
+                          </a:solidFill>
+                          <a:latin typeface="Segoe UI"/>
+                        </a:defRPr>
+                      </a:lvl1pPr>
+                      <a:lvl2pPr marL="457200" algn="l" defTabSz="914400" rtl="0" eaLnBrk="1" latinLnBrk="0" hangingPunct="1">
+                        <a:defRPr sz="1800" kern="1200">
+                          <a:solidFill>
+                            <a:schemeClr val="dk1"/>
+                          </a:solidFill>
+                          <a:latin typeface="Segoe UI"/>
+                        </a:defRPr>
+                      </a:lvl2pPr>
+                      <a:lvl3pPr marL="914400" algn="l" defTabSz="914400" rtl="0" eaLnBrk="1" latinLnBrk="0" hangingPunct="1">
+                        <a:defRPr sz="1800" kern="1200">
+                          <a:solidFill>
+                            <a:schemeClr val="dk1"/>
+                          </a:solidFill>
+                          <a:latin typeface="Segoe UI"/>
+                        </a:defRPr>
+                      </a:lvl3pPr>
+                      <a:lvl4pPr marL="1371600" algn="l" defTabSz="914400" rtl="0" eaLnBrk="1" latinLnBrk="0" hangingPunct="1">
+                        <a:defRPr sz="1800" kern="1200">
+                          <a:solidFill>
+                            <a:schemeClr val="dk1"/>
+                          </a:solidFill>
+                          <a:latin typeface="Segoe UI"/>
+                        </a:defRPr>
+                      </a:lvl4pPr>
+                      <a:lvl5pPr marL="1828800" algn="l" defTabSz="914400" rtl="0" eaLnBrk="1" latinLnBrk="0" hangingPunct="1">
+                        <a:defRPr sz="1800" kern="1200">
+                          <a:solidFill>
+                            <a:schemeClr val="dk1"/>
+                          </a:solidFill>
+                          <a:latin typeface="Segoe UI"/>
+                        </a:defRPr>
+                      </a:lvl5pPr>
+                      <a:lvl6pPr marL="2286000" algn="l" defTabSz="914400" rtl="0" eaLnBrk="1" latinLnBrk="0" hangingPunct="1">
+                        <a:defRPr sz="1800" kern="1200">
+                          <a:solidFill>
+                            <a:schemeClr val="dk1"/>
+                          </a:solidFill>
+                          <a:latin typeface="Segoe UI"/>
+                        </a:defRPr>
+                      </a:lvl6pPr>
+                      <a:lvl7pPr marL="2743200" algn="l" defTabSz="914400" rtl="0" eaLnBrk="1" latinLnBrk="0" hangingPunct="1">
+                        <a:defRPr sz="1800" kern="1200">
+                          <a:solidFill>
+                            <a:schemeClr val="dk1"/>
+                          </a:solidFill>
+                          <a:latin typeface="Segoe UI"/>
+                        </a:defRPr>
+                      </a:lvl7pPr>
+                      <a:lvl8pPr marL="3200400" algn="l" defTabSz="914400" rtl="0" eaLnBrk="1" latinLnBrk="0" hangingPunct="1">
+                        <a:defRPr sz="1800" kern="1200">
+                          <a:solidFill>
+                            <a:schemeClr val="dk1"/>
+                          </a:solidFill>
+                          <a:latin typeface="Segoe UI"/>
+                        </a:defRPr>
+                      </a:lvl8pPr>
+                      <a:lvl9pPr marL="3657600" algn="l" defTabSz="914400" rtl="0" eaLnBrk="1" latinLnBrk="0" hangingPunct="1">
+                        <a:defRPr sz="1800" kern="1200">
+                          <a:solidFill>
+                            <a:schemeClr val="dk1"/>
+                          </a:solidFill>
+                          <a:latin typeface="Segoe UI"/>
+                        </a:defRPr>
+                      </a:lvl9pPr>
+                    </a:lstStyle>
+                    <a:p>
+                      <a:pPr algn="ctr"/>
+                      <a:endParaRPr lang="en-US" dirty="0"/>
+                    </a:p>
+                  </a:txBody>
+                  <a:tcPr>
+                    <a:lnL w="12700" cmpd="sng">
+                      <a:solidFill>
+                        <a:sysClr val="window" lastClr="FFFFFF"/>
+                      </a:solidFill>
+                    </a:lnL>
+                    <a:lnR w="12700" cmpd="sng">
+                      <a:solidFill>
+                        <a:sysClr val="window" lastClr="FFFFFF"/>
+                      </a:solidFill>
+                    </a:lnR>
+                    <a:lnT w="12700" cmpd="sng">
+                      <a:solidFill>
+                        <a:sysClr val="window" lastClr="FFFFFF"/>
+                      </a:solidFill>
+                    </a:lnT>
+                    <a:lnB w="12700" cmpd="sng">
+                      <a:solidFill>
+                        <a:sysClr val="window" lastClr="FFFFFF"/>
+                      </a:solidFill>
+                    </a:lnB>
+                    <a:lnTlToBr w="12700" cmpd="sng">
+                      <a:noFill/>
+                      <a:prstDash val="solid"/>
+                    </a:lnTlToBr>
+                    <a:lnBlToTr w="12700" cmpd="sng">
+                      <a:noFill/>
+                      <a:prstDash val="solid"/>
+                    </a:lnBlToTr>
+                    <a:solidFill>
+                      <a:schemeClr val="accent1">
+                        <a:lumMod val="20000"/>
+                        <a:lumOff val="80000"/>
+                      </a:schemeClr>
+                    </a:solidFill>
+                  </a:tcPr>
+                </a:tc>
+                <a:tc>
+                  <a:txBody>
+                    <a:bodyPr/>
+                    <a:lstStyle>
+                      <a:lvl1pPr marL="0" algn="l" defTabSz="914400" rtl="0" eaLnBrk="1" latinLnBrk="0" hangingPunct="1">
+                        <a:defRPr sz="1800" kern="1200">
+                          <a:solidFill>
+                            <a:schemeClr val="dk1"/>
+                          </a:solidFill>
+                          <a:latin typeface="Segoe UI"/>
+                        </a:defRPr>
+                      </a:lvl1pPr>
+                      <a:lvl2pPr marL="457200" algn="l" defTabSz="914400" rtl="0" eaLnBrk="1" latinLnBrk="0" hangingPunct="1">
+                        <a:defRPr sz="1800" kern="1200">
+                          <a:solidFill>
+                            <a:schemeClr val="dk1"/>
+                          </a:solidFill>
+                          <a:latin typeface="Segoe UI"/>
+                        </a:defRPr>
+                      </a:lvl2pPr>
+                      <a:lvl3pPr marL="914400" algn="l" defTabSz="914400" rtl="0" eaLnBrk="1" latinLnBrk="0" hangingPunct="1">
+                        <a:defRPr sz="1800" kern="1200">
+                          <a:solidFill>
+                            <a:schemeClr val="dk1"/>
+                          </a:solidFill>
+                          <a:latin typeface="Segoe UI"/>
+                        </a:defRPr>
+                      </a:lvl3pPr>
+                      <a:lvl4pPr marL="1371600" algn="l" defTabSz="914400" rtl="0" eaLnBrk="1" latinLnBrk="0" hangingPunct="1">
+                        <a:defRPr sz="1800" kern="1200">
+                          <a:solidFill>
+                            <a:schemeClr val="dk1"/>
+                          </a:solidFill>
+                          <a:latin typeface="Segoe UI"/>
+                        </a:defRPr>
+                      </a:lvl4pPr>
+                      <a:lvl5pPr marL="1828800" algn="l" defTabSz="914400" rtl="0" eaLnBrk="1" latinLnBrk="0" hangingPunct="1">
+                        <a:defRPr sz="1800" kern="1200">
+                          <a:solidFill>
+                            <a:schemeClr val="dk1"/>
+                          </a:solidFill>
+                          <a:latin typeface="Segoe UI"/>
+                        </a:defRPr>
+                      </a:lvl5pPr>
+                      <a:lvl6pPr marL="2286000" algn="l" defTabSz="914400" rtl="0" eaLnBrk="1" latinLnBrk="0" hangingPunct="1">
+                        <a:defRPr sz="1800" kern="1200">
+                          <a:solidFill>
+                            <a:schemeClr val="dk1"/>
+                          </a:solidFill>
+                          <a:latin typeface="Segoe UI"/>
+                        </a:defRPr>
+                      </a:lvl6pPr>
+                      <a:lvl7pPr marL="2743200" algn="l" defTabSz="914400" rtl="0" eaLnBrk="1" latinLnBrk="0" hangingPunct="1">
+                        <a:defRPr sz="1800" kern="1200">
+                          <a:solidFill>
+                            <a:schemeClr val="dk1"/>
+                          </a:solidFill>
+                          <a:latin typeface="Segoe UI"/>
+                        </a:defRPr>
+                      </a:lvl7pPr>
+                      <a:lvl8pPr marL="3200400" algn="l" defTabSz="914400" rtl="0" eaLnBrk="1" latinLnBrk="0" hangingPunct="1">
+                        <a:defRPr sz="1800" kern="1200">
+                          <a:solidFill>
+                            <a:schemeClr val="dk1"/>
+                          </a:solidFill>
+                          <a:latin typeface="Segoe UI"/>
+                        </a:defRPr>
+                      </a:lvl8pPr>
+                      <a:lvl9pPr marL="3657600" algn="l" defTabSz="914400" rtl="0" eaLnBrk="1" latinLnBrk="0" hangingPunct="1">
+                        <a:defRPr sz="1800" kern="1200">
+                          <a:solidFill>
+                            <a:schemeClr val="dk1"/>
+                          </a:solidFill>
+                          <a:latin typeface="Segoe UI"/>
+                        </a:defRPr>
+                      </a:lvl9pPr>
+                    </a:lstStyle>
+                    <a:p>
+                      <a:pPr algn="ctr"/>
+                      <a:endParaRPr lang="en-US" dirty="0"/>
+                    </a:p>
+                  </a:txBody>
+                  <a:tcPr>
+                    <a:lnL w="12700" cmpd="sng">
+                      <a:solidFill>
+                        <a:sysClr val="window" lastClr="FFFFFF"/>
+                      </a:solidFill>
+                    </a:lnL>
+                    <a:lnR w="12700" cmpd="sng">
+                      <a:solidFill>
+                        <a:sysClr val="window" lastClr="FFFFFF"/>
+                      </a:solidFill>
+                    </a:lnR>
+                    <a:lnT w="12700" cmpd="sng">
+                      <a:solidFill>
+                        <a:sysClr val="window" lastClr="FFFFFF"/>
+                      </a:solidFill>
+                    </a:lnT>
+                    <a:lnB w="12700" cmpd="sng">
+                      <a:solidFill>
+                        <a:sysClr val="window" lastClr="FFFFFF"/>
+                      </a:solidFill>
+                    </a:lnB>
+                    <a:lnTlToBr w="12700" cmpd="sng">
+                      <a:noFill/>
+                      <a:prstDash val="solid"/>
+                    </a:lnTlToBr>
+                    <a:lnBlToTr w="12700" cmpd="sng">
+                      <a:noFill/>
+                      <a:prstDash val="solid"/>
+                    </a:lnBlToTr>
+                    <a:solidFill>
+                      <a:schemeClr val="accent1">
+                        <a:lumMod val="20000"/>
+                        <a:lumOff val="80000"/>
+                      </a:schemeClr>
+                    </a:solidFill>
+                  </a:tcPr>
+                </a:tc>
+                <a:tc>
+                  <a:txBody>
+                    <a:bodyPr/>
+                    <a:lstStyle>
+                      <a:lvl1pPr marL="0" algn="l" defTabSz="914400" rtl="0" eaLnBrk="1" latinLnBrk="0" hangingPunct="1">
+                        <a:defRPr sz="1800" kern="1200">
+                          <a:solidFill>
+                            <a:schemeClr val="dk1"/>
+                          </a:solidFill>
+                          <a:latin typeface="Segoe UI"/>
+                        </a:defRPr>
+                      </a:lvl1pPr>
+                      <a:lvl2pPr marL="457200" algn="l" defTabSz="914400" rtl="0" eaLnBrk="1" latinLnBrk="0" hangingPunct="1">
+                        <a:defRPr sz="1800" kern="1200">
+                          <a:solidFill>
+                            <a:schemeClr val="dk1"/>
+                          </a:solidFill>
+                          <a:latin typeface="Segoe UI"/>
+                        </a:defRPr>
+                      </a:lvl2pPr>
+                      <a:lvl3pPr marL="914400" algn="l" defTabSz="914400" rtl="0" eaLnBrk="1" latinLnBrk="0" hangingPunct="1">
+                        <a:defRPr sz="1800" kern="1200">
+                          <a:solidFill>
+                            <a:schemeClr val="dk1"/>
+                          </a:solidFill>
+                          <a:latin typeface="Segoe UI"/>
+                        </a:defRPr>
+                      </a:lvl3pPr>
+                      <a:lvl4pPr marL="1371600" algn="l" defTabSz="914400" rtl="0" eaLnBrk="1" latinLnBrk="0" hangingPunct="1">
+                        <a:defRPr sz="1800" kern="1200">
+                          <a:solidFill>
+                            <a:schemeClr val="dk1"/>
+                          </a:solidFill>
+                          <a:latin typeface="Segoe UI"/>
+                        </a:defRPr>
+                      </a:lvl4pPr>
+                      <a:lvl5pPr marL="1828800" algn="l" defTabSz="914400" rtl="0" eaLnBrk="1" latinLnBrk="0" hangingPunct="1">
+                        <a:defRPr sz="1800" kern="1200">
+                          <a:solidFill>
+                            <a:schemeClr val="dk1"/>
+                          </a:solidFill>
+                          <a:latin typeface="Segoe UI"/>
+                        </a:defRPr>
+                      </a:lvl5pPr>
+                      <a:lvl6pPr marL="2286000" algn="l" defTabSz="914400" rtl="0" eaLnBrk="1" latinLnBrk="0" hangingPunct="1">
+                        <a:defRPr sz="1800" kern="1200">
+                          <a:solidFill>
+                            <a:schemeClr val="dk1"/>
+                          </a:solidFill>
+                          <a:latin typeface="Segoe UI"/>
+                        </a:defRPr>
+                      </a:lvl6pPr>
+                      <a:lvl7pPr marL="2743200" algn="l" defTabSz="914400" rtl="0" eaLnBrk="1" latinLnBrk="0" hangingPunct="1">
+                        <a:defRPr sz="1800" kern="1200">
+                          <a:solidFill>
+                            <a:schemeClr val="dk1"/>
+                          </a:solidFill>
+                          <a:latin typeface="Segoe UI"/>
+                        </a:defRPr>
+                      </a:lvl7pPr>
+                      <a:lvl8pPr marL="3200400" algn="l" defTabSz="914400" rtl="0" eaLnBrk="1" latinLnBrk="0" hangingPunct="1">
+                        <a:defRPr sz="1800" kern="1200">
+                          <a:solidFill>
+                            <a:schemeClr val="dk1"/>
+                          </a:solidFill>
+                          <a:latin typeface="Segoe UI"/>
+                        </a:defRPr>
+                      </a:lvl8pPr>
+                      <a:lvl9pPr marL="3657600" algn="l" defTabSz="914400" rtl="0" eaLnBrk="1" latinLnBrk="0" hangingPunct="1">
+                        <a:defRPr sz="1800" kern="1200">
+                          <a:solidFill>
+                            <a:schemeClr val="dk1"/>
+                          </a:solidFill>
+                          <a:latin typeface="Segoe UI"/>
+                        </a:defRPr>
+                      </a:lvl9pPr>
+                    </a:lstStyle>
+                    <a:p>
+                      <a:pPr algn="ctr"/>
+                      <a:endParaRPr lang="en-US" dirty="0"/>
+                    </a:p>
+                  </a:txBody>
+                  <a:tcPr>
+                    <a:lnL w="12700" cmpd="sng">
+                      <a:solidFill>
+                        <a:sysClr val="window" lastClr="FFFFFF"/>
+                      </a:solidFill>
+                    </a:lnL>
+                    <a:lnR w="12700" cmpd="sng">
+                      <a:solidFill>
+                        <a:sysClr val="window" lastClr="FFFFFF"/>
+                      </a:solidFill>
+                    </a:lnR>
+                    <a:lnT w="12700" cmpd="sng">
+                      <a:solidFill>
+                        <a:sysClr val="window" lastClr="FFFFFF"/>
+                      </a:solidFill>
+                    </a:lnT>
+                    <a:lnB w="12700" cmpd="sng">
+                      <a:solidFill>
+                        <a:sysClr val="window" lastClr="FFFFFF"/>
+                      </a:solidFill>
+                    </a:lnB>
+                    <a:lnTlToBr w="12700" cmpd="sng">
+                      <a:noFill/>
+                      <a:prstDash val="solid"/>
+                    </a:lnTlToBr>
+                    <a:lnBlToTr w="12700" cmpd="sng">
+                      <a:noFill/>
+                      <a:prstDash val="solid"/>
+                    </a:lnBlToTr>
+                    <a:solidFill>
+                      <a:schemeClr val="accent1">
+                        <a:lumMod val="20000"/>
+                        <a:lumOff val="80000"/>
+                      </a:schemeClr>
+                    </a:solidFill>
+                  </a:tcPr>
+                </a:tc>
+                <a:extLst>
+                  <a:ext uri="{0D108BD9-81ED-4DB2-BD59-A6C34878D82A}">
+                    <a16:rowId xmlns:a16="http://schemas.microsoft.com/office/drawing/2014/main" val="2500643595"/>
+                  </a:ext>
+                </a:extLst>
+              </a:tr>
+              <a:tr h="370840">
+                <a:tc>
+                  <a:txBody>
+                    <a:bodyPr/>
+                    <a:lstStyle>
+                      <a:lvl1pPr marL="0" algn="l" defTabSz="914400" rtl="0" eaLnBrk="1" latinLnBrk="0" hangingPunct="1">
+                        <a:defRPr sz="1800" b="1" kern="1200">
+                          <a:solidFill>
+                            <a:schemeClr val="lt1"/>
+                          </a:solidFill>
+                          <a:latin typeface="Segoe UI"/>
+                        </a:defRPr>
+                      </a:lvl1pPr>
+                      <a:lvl2pPr marL="457200" algn="l" defTabSz="914400" rtl="0" eaLnBrk="1" latinLnBrk="0" hangingPunct="1">
+                        <a:defRPr sz="1800" b="1" kern="1200">
+                          <a:solidFill>
+                            <a:schemeClr val="lt1"/>
+                          </a:solidFill>
+                          <a:latin typeface="Segoe UI"/>
+                        </a:defRPr>
+                      </a:lvl2pPr>
+                      <a:lvl3pPr marL="914400" algn="l" defTabSz="914400" rtl="0" eaLnBrk="1" latinLnBrk="0" hangingPunct="1">
+                        <a:defRPr sz="1800" b="1" kern="1200">
+                          <a:solidFill>
+                            <a:schemeClr val="lt1"/>
+                          </a:solidFill>
+                          <a:latin typeface="Segoe UI"/>
+                        </a:defRPr>
+                      </a:lvl3pPr>
+                      <a:lvl4pPr marL="1371600" algn="l" defTabSz="914400" rtl="0" eaLnBrk="1" latinLnBrk="0" hangingPunct="1">
+                        <a:defRPr sz="1800" b="1" kern="1200">
+                          <a:solidFill>
+                            <a:schemeClr val="lt1"/>
+                          </a:solidFill>
+                          <a:latin typeface="Segoe UI"/>
+                        </a:defRPr>
+                      </a:lvl4pPr>
+                      <a:lvl5pPr marL="1828800" algn="l" defTabSz="914400" rtl="0" eaLnBrk="1" latinLnBrk="0" hangingPunct="1">
+                        <a:defRPr sz="1800" b="1" kern="1200">
+                          <a:solidFill>
+                            <a:schemeClr val="lt1"/>
+                          </a:solidFill>
+                          <a:latin typeface="Segoe UI"/>
+                        </a:defRPr>
+                      </a:lvl5pPr>
+                      <a:lvl6pPr marL="2286000" algn="l" defTabSz="914400" rtl="0" eaLnBrk="1" latinLnBrk="0" hangingPunct="1">
+                        <a:defRPr sz="1800" b="1" kern="1200">
+                          <a:solidFill>
+                            <a:schemeClr val="lt1"/>
+                          </a:solidFill>
+                          <a:latin typeface="Segoe UI"/>
+                        </a:defRPr>
+                      </a:lvl6pPr>
+                      <a:lvl7pPr marL="2743200" algn="l" defTabSz="914400" rtl="0" eaLnBrk="1" latinLnBrk="0" hangingPunct="1">
+                        <a:defRPr sz="1800" b="1" kern="1200">
+                          <a:solidFill>
+                            <a:schemeClr val="lt1"/>
+                          </a:solidFill>
+                          <a:latin typeface="Segoe UI"/>
+                        </a:defRPr>
+                      </a:lvl7pPr>
+                      <a:lvl8pPr marL="3200400" algn="l" defTabSz="914400" rtl="0" eaLnBrk="1" latinLnBrk="0" hangingPunct="1">
+                        <a:defRPr sz="1800" b="1" kern="1200">
+                          <a:solidFill>
+                            <a:schemeClr val="lt1"/>
+                          </a:solidFill>
+                          <a:latin typeface="Segoe UI"/>
+                        </a:defRPr>
+                      </a:lvl8pPr>
+                      <a:lvl9pPr marL="3657600" algn="l" defTabSz="914400" rtl="0" eaLnBrk="1" latinLnBrk="0" hangingPunct="1">
+                        <a:defRPr sz="1800" b="1" kern="1200">
+                          <a:solidFill>
+                            <a:schemeClr val="lt1"/>
+                          </a:solidFill>
+                          <a:latin typeface="Segoe UI"/>
+                        </a:defRPr>
+                      </a:lvl9pPr>
+                    </a:lstStyle>
+                    <a:p>
+                      <a:pPr algn="l"/>
+                      <a:r>
+                        <a:rPr lang="en-US" dirty="0"/>
+                        <a:t>…</a:t>
+                      </a:r>
+                    </a:p>
+                  </a:txBody>
+                  <a:tcPr>
+                    <a:lnL w="12700" cmpd="sng">
+                      <a:solidFill>
+                        <a:sysClr val="window" lastClr="FFFFFF"/>
+                      </a:solidFill>
+                    </a:lnL>
+                    <a:lnR w="12700" cmpd="sng">
+                      <a:solidFill>
+                        <a:sysClr val="window" lastClr="FFFFFF"/>
+                      </a:solidFill>
+                    </a:lnR>
+                    <a:lnT w="12700" cmpd="sng">
+                      <a:solidFill>
+                        <a:sysClr val="window" lastClr="FFFFFF"/>
+                      </a:solidFill>
+                    </a:lnT>
+                    <a:lnB w="12700" cmpd="sng">
+                      <a:solidFill>
+                        <a:sysClr val="window" lastClr="FFFFFF"/>
+                      </a:solidFill>
+                    </a:lnB>
+                    <a:lnTlToBr w="12700" cmpd="sng">
+                      <a:noFill/>
+                      <a:prstDash val="solid"/>
+                    </a:lnTlToBr>
+                    <a:lnBlToTr w="12700" cmpd="sng">
+                      <a:noFill/>
+                      <a:prstDash val="solid"/>
+                    </a:lnBlToTr>
+                    <a:solidFill>
+                      <a:schemeClr val="accent1">
+                        <a:lumMod val="50000"/>
+                      </a:schemeClr>
+                    </a:solidFill>
+                  </a:tcPr>
+                </a:tc>
+                <a:tc>
+                  <a:txBody>
+                    <a:bodyPr/>
+                    <a:lstStyle>
+                      <a:lvl1pPr marL="0" algn="l" defTabSz="914400" rtl="0" eaLnBrk="1" latinLnBrk="0" hangingPunct="1">
+                        <a:defRPr sz="1800" kern="1200">
+                          <a:solidFill>
+                            <a:schemeClr val="dk1"/>
+                          </a:solidFill>
+                          <a:latin typeface="Segoe UI"/>
+                        </a:defRPr>
+                      </a:lvl1pPr>
+                      <a:lvl2pPr marL="457200" algn="l" defTabSz="914400" rtl="0" eaLnBrk="1" latinLnBrk="0" hangingPunct="1">
+                        <a:defRPr sz="1800" kern="1200">
+                          <a:solidFill>
+                            <a:schemeClr val="dk1"/>
+                          </a:solidFill>
+                          <a:latin typeface="Segoe UI"/>
+                        </a:defRPr>
+                      </a:lvl2pPr>
+                      <a:lvl3pPr marL="914400" algn="l" defTabSz="914400" rtl="0" eaLnBrk="1" latinLnBrk="0" hangingPunct="1">
+                        <a:defRPr sz="1800" kern="1200">
+                          <a:solidFill>
+                            <a:schemeClr val="dk1"/>
+                          </a:solidFill>
+                          <a:latin typeface="Segoe UI"/>
+                        </a:defRPr>
+                      </a:lvl3pPr>
+                      <a:lvl4pPr marL="1371600" algn="l" defTabSz="914400" rtl="0" eaLnBrk="1" latinLnBrk="0" hangingPunct="1">
+                        <a:defRPr sz="1800" kern="1200">
+                          <a:solidFill>
+                            <a:schemeClr val="dk1"/>
+                          </a:solidFill>
+                          <a:latin typeface="Segoe UI"/>
+                        </a:defRPr>
+                      </a:lvl4pPr>
+                      <a:lvl5pPr marL="1828800" algn="l" defTabSz="914400" rtl="0" eaLnBrk="1" latinLnBrk="0" hangingPunct="1">
+                        <a:defRPr sz="1800" kern="1200">
+                          <a:solidFill>
+                            <a:schemeClr val="dk1"/>
+                          </a:solidFill>
+                          <a:latin typeface="Segoe UI"/>
+                        </a:defRPr>
+                      </a:lvl5pPr>
+                      <a:lvl6pPr marL="2286000" algn="l" defTabSz="914400" rtl="0" eaLnBrk="1" latinLnBrk="0" hangingPunct="1">
+                        <a:defRPr sz="1800" kern="1200">
+                          <a:solidFill>
+                            <a:schemeClr val="dk1"/>
+                          </a:solidFill>
+                          <a:latin typeface="Segoe UI"/>
+                        </a:defRPr>
+                      </a:lvl6pPr>
+                      <a:lvl7pPr marL="2743200" algn="l" defTabSz="914400" rtl="0" eaLnBrk="1" latinLnBrk="0" hangingPunct="1">
+                        <a:defRPr sz="1800" kern="1200">
+                          <a:solidFill>
+                            <a:schemeClr val="dk1"/>
+                          </a:solidFill>
+                          <a:latin typeface="Segoe UI"/>
+                        </a:defRPr>
+                      </a:lvl7pPr>
+                      <a:lvl8pPr marL="3200400" algn="l" defTabSz="914400" rtl="0" eaLnBrk="1" latinLnBrk="0" hangingPunct="1">
+                        <a:defRPr sz="1800" kern="1200">
+                          <a:solidFill>
+                            <a:schemeClr val="dk1"/>
+                          </a:solidFill>
+                          <a:latin typeface="Segoe UI"/>
+                        </a:defRPr>
+                      </a:lvl8pPr>
+                      <a:lvl9pPr marL="3657600" algn="l" defTabSz="914400" rtl="0" eaLnBrk="1" latinLnBrk="0" hangingPunct="1">
+                        <a:defRPr sz="1800" kern="1200">
+                          <a:solidFill>
+                            <a:schemeClr val="dk1"/>
+                          </a:solidFill>
+                          <a:latin typeface="Segoe UI"/>
+                        </a:defRPr>
+                      </a:lvl9pPr>
+                    </a:lstStyle>
+                    <a:p>
+                      <a:pPr algn="ctr"/>
+                      <a:endParaRPr lang="en-US" dirty="0"/>
+                    </a:p>
+                  </a:txBody>
+                  <a:tcPr>
+                    <a:lnL w="12700" cmpd="sng">
+                      <a:solidFill>
+                        <a:sysClr val="window" lastClr="FFFFFF"/>
+                      </a:solidFill>
+                    </a:lnL>
+                    <a:lnR w="12700" cmpd="sng">
+                      <a:solidFill>
+                        <a:sysClr val="window" lastClr="FFFFFF"/>
+                      </a:solidFill>
+                    </a:lnR>
+                    <a:lnT w="12700" cmpd="sng">
+                      <a:solidFill>
+                        <a:sysClr val="window" lastClr="FFFFFF"/>
+                      </a:solidFill>
+                    </a:lnT>
+                    <a:lnB w="12700" cmpd="sng">
+                      <a:solidFill>
+                        <a:sysClr val="window" lastClr="FFFFFF"/>
+                      </a:solidFill>
+                    </a:lnB>
+                    <a:lnTlToBr w="12700" cmpd="sng">
+                      <a:noFill/>
+                      <a:prstDash val="solid"/>
+                    </a:lnTlToBr>
+                    <a:lnBlToTr w="12700" cmpd="sng">
+                      <a:noFill/>
+                      <a:prstDash val="solid"/>
+                    </a:lnBlToTr>
+                    <a:solidFill>
+                      <a:schemeClr val="accent1">
+                        <a:lumMod val="40000"/>
+                        <a:lumOff val="60000"/>
+                      </a:schemeClr>
+                    </a:solidFill>
+                  </a:tcPr>
+                </a:tc>
+                <a:tc>
+                  <a:txBody>
+                    <a:bodyPr/>
+                    <a:lstStyle>
+                      <a:lvl1pPr marL="0" algn="l" defTabSz="914400" rtl="0" eaLnBrk="1" latinLnBrk="0" hangingPunct="1">
+                        <a:defRPr sz="1800" kern="1200">
+                          <a:solidFill>
+                            <a:schemeClr val="dk1"/>
+                          </a:solidFill>
+                          <a:latin typeface="Segoe UI"/>
+                        </a:defRPr>
+                      </a:lvl1pPr>
+                      <a:lvl2pPr marL="457200" algn="l" defTabSz="914400" rtl="0" eaLnBrk="1" latinLnBrk="0" hangingPunct="1">
+                        <a:defRPr sz="1800" kern="1200">
+                          <a:solidFill>
+                            <a:schemeClr val="dk1"/>
+                          </a:solidFill>
+                          <a:latin typeface="Segoe UI"/>
+                        </a:defRPr>
+                      </a:lvl2pPr>
+                      <a:lvl3pPr marL="914400" algn="l" defTabSz="914400" rtl="0" eaLnBrk="1" latinLnBrk="0" hangingPunct="1">
+                        <a:defRPr sz="1800" kern="1200">
+                          <a:solidFill>
+                            <a:schemeClr val="dk1"/>
+                          </a:solidFill>
+                          <a:latin typeface="Segoe UI"/>
+                        </a:defRPr>
+                      </a:lvl3pPr>
+                      <a:lvl4pPr marL="1371600" algn="l" defTabSz="914400" rtl="0" eaLnBrk="1" latinLnBrk="0" hangingPunct="1">
+                        <a:defRPr sz="1800" kern="1200">
+                          <a:solidFill>
+                            <a:schemeClr val="dk1"/>
+                          </a:solidFill>
+                          <a:latin typeface="Segoe UI"/>
+                        </a:defRPr>
+                      </a:lvl4pPr>
+                      <a:lvl5pPr marL="1828800" algn="l" defTabSz="914400" rtl="0" eaLnBrk="1" latinLnBrk="0" hangingPunct="1">
+                        <a:defRPr sz="1800" kern="1200">
+                          <a:solidFill>
+                            <a:schemeClr val="dk1"/>
+                          </a:solidFill>
+                          <a:latin typeface="Segoe UI"/>
+                        </a:defRPr>
+                      </a:lvl5pPr>
+                      <a:lvl6pPr marL="2286000" algn="l" defTabSz="914400" rtl="0" eaLnBrk="1" latinLnBrk="0" hangingPunct="1">
+                        <a:defRPr sz="1800" kern="1200">
+                          <a:solidFill>
+                            <a:schemeClr val="dk1"/>
+                          </a:solidFill>
+                          <a:latin typeface="Segoe UI"/>
+                        </a:defRPr>
+                      </a:lvl6pPr>
+                      <a:lvl7pPr marL="2743200" algn="l" defTabSz="914400" rtl="0" eaLnBrk="1" latinLnBrk="0" hangingPunct="1">
+                        <a:defRPr sz="1800" kern="1200">
+                          <a:solidFill>
+                            <a:schemeClr val="dk1"/>
+                          </a:solidFill>
+                          <a:latin typeface="Segoe UI"/>
+                        </a:defRPr>
+                      </a:lvl7pPr>
+                      <a:lvl8pPr marL="3200400" algn="l" defTabSz="914400" rtl="0" eaLnBrk="1" latinLnBrk="0" hangingPunct="1">
+                        <a:defRPr sz="1800" kern="1200">
+                          <a:solidFill>
+                            <a:schemeClr val="dk1"/>
+                          </a:solidFill>
+                          <a:latin typeface="Segoe UI"/>
+                        </a:defRPr>
+                      </a:lvl8pPr>
+                      <a:lvl9pPr marL="3657600" algn="l" defTabSz="914400" rtl="0" eaLnBrk="1" latinLnBrk="0" hangingPunct="1">
+                        <a:defRPr sz="1800" kern="1200">
+                          <a:solidFill>
+                            <a:schemeClr val="dk1"/>
+                          </a:solidFill>
+                          <a:latin typeface="Segoe UI"/>
+                        </a:defRPr>
+                      </a:lvl9pPr>
+                    </a:lstStyle>
+                    <a:p>
+                      <a:pPr algn="ctr"/>
+                      <a:endParaRPr lang="en-US" dirty="0"/>
+                    </a:p>
+                  </a:txBody>
+                  <a:tcPr>
+                    <a:lnL w="12700" cmpd="sng">
+                      <a:solidFill>
+                        <a:sysClr val="window" lastClr="FFFFFF"/>
+                      </a:solidFill>
+                    </a:lnL>
+                    <a:lnR w="12700" cmpd="sng">
+                      <a:solidFill>
+                        <a:sysClr val="window" lastClr="FFFFFF"/>
+                      </a:solidFill>
+                    </a:lnR>
+                    <a:lnT w="12700" cmpd="sng">
+                      <a:solidFill>
+                        <a:sysClr val="window" lastClr="FFFFFF"/>
+                      </a:solidFill>
+                    </a:lnT>
+                    <a:lnB w="12700" cmpd="sng">
+                      <a:solidFill>
+                        <a:sysClr val="window" lastClr="FFFFFF"/>
+                      </a:solidFill>
+                    </a:lnB>
+                    <a:lnTlToBr w="12700" cmpd="sng">
+                      <a:noFill/>
+                      <a:prstDash val="solid"/>
+                    </a:lnTlToBr>
+                    <a:lnBlToTr w="12700" cmpd="sng">
+                      <a:noFill/>
+                      <a:prstDash val="solid"/>
+                    </a:lnBlToTr>
+                    <a:solidFill>
+                      <a:schemeClr val="accent1">
+                        <a:lumMod val="40000"/>
+                        <a:lumOff val="60000"/>
+                      </a:schemeClr>
+                    </a:solidFill>
+                  </a:tcPr>
+                </a:tc>
+                <a:tc>
+                  <a:txBody>
+                    <a:bodyPr/>
+                    <a:lstStyle>
+                      <a:lvl1pPr marL="0" algn="l" defTabSz="914400" rtl="0" eaLnBrk="1" latinLnBrk="0" hangingPunct="1">
+                        <a:defRPr sz="1800" kern="1200">
+                          <a:solidFill>
+                            <a:schemeClr val="dk1"/>
+                          </a:solidFill>
+                          <a:latin typeface="Segoe UI"/>
+                        </a:defRPr>
+                      </a:lvl1pPr>
+                      <a:lvl2pPr marL="457200" algn="l" defTabSz="914400" rtl="0" eaLnBrk="1" latinLnBrk="0" hangingPunct="1">
+                        <a:defRPr sz="1800" kern="1200">
+                          <a:solidFill>
+                            <a:schemeClr val="dk1"/>
+                          </a:solidFill>
+                          <a:latin typeface="Segoe UI"/>
+                        </a:defRPr>
+                      </a:lvl2pPr>
+                      <a:lvl3pPr marL="914400" algn="l" defTabSz="914400" rtl="0" eaLnBrk="1" latinLnBrk="0" hangingPunct="1">
+                        <a:defRPr sz="1800" kern="1200">
+                          <a:solidFill>
+                            <a:schemeClr val="dk1"/>
+                          </a:solidFill>
+                          <a:latin typeface="Segoe UI"/>
+                        </a:defRPr>
+                      </a:lvl3pPr>
+                      <a:lvl4pPr marL="1371600" algn="l" defTabSz="914400" rtl="0" eaLnBrk="1" latinLnBrk="0" hangingPunct="1">
+                        <a:defRPr sz="1800" kern="1200">
+                          <a:solidFill>
+                            <a:schemeClr val="dk1"/>
+                          </a:solidFill>
+                          <a:latin typeface="Segoe UI"/>
+                        </a:defRPr>
+                      </a:lvl4pPr>
+                      <a:lvl5pPr marL="1828800" algn="l" defTabSz="914400" rtl="0" eaLnBrk="1" latinLnBrk="0" hangingPunct="1">
+                        <a:defRPr sz="1800" kern="1200">
+                          <a:solidFill>
+                            <a:schemeClr val="dk1"/>
+                          </a:solidFill>
+                          <a:latin typeface="Segoe UI"/>
+                        </a:defRPr>
+                      </a:lvl5pPr>
+                      <a:lvl6pPr marL="2286000" algn="l" defTabSz="914400" rtl="0" eaLnBrk="1" latinLnBrk="0" hangingPunct="1">
+                        <a:defRPr sz="1800" kern="1200">
+                          <a:solidFill>
+                            <a:schemeClr val="dk1"/>
+                          </a:solidFill>
+                          <a:latin typeface="Segoe UI"/>
+                        </a:defRPr>
+                      </a:lvl6pPr>
+                      <a:lvl7pPr marL="2743200" algn="l" defTabSz="914400" rtl="0" eaLnBrk="1" latinLnBrk="0" hangingPunct="1">
+                        <a:defRPr sz="1800" kern="1200">
+                          <a:solidFill>
+                            <a:schemeClr val="dk1"/>
+                          </a:solidFill>
+                          <a:latin typeface="Segoe UI"/>
+                        </a:defRPr>
+                      </a:lvl7pPr>
+                      <a:lvl8pPr marL="3200400" algn="l" defTabSz="914400" rtl="0" eaLnBrk="1" latinLnBrk="0" hangingPunct="1">
+                        <a:defRPr sz="1800" kern="1200">
+                          <a:solidFill>
+                            <a:schemeClr val="dk1"/>
+                          </a:solidFill>
+                          <a:latin typeface="Segoe UI"/>
+                        </a:defRPr>
+                      </a:lvl8pPr>
+                      <a:lvl9pPr marL="3657600" algn="l" defTabSz="914400" rtl="0" eaLnBrk="1" latinLnBrk="0" hangingPunct="1">
+                        <a:defRPr sz="1800" kern="1200">
+                          <a:solidFill>
+                            <a:schemeClr val="dk1"/>
+                          </a:solidFill>
+                          <a:latin typeface="Segoe UI"/>
+                        </a:defRPr>
+                      </a:lvl9pPr>
+                    </a:lstStyle>
+                    <a:p>
+                      <a:pPr algn="ctr"/>
+                      <a:endParaRPr lang="en-US" dirty="0"/>
+                    </a:p>
+                  </a:txBody>
+                  <a:tcPr>
+                    <a:lnL w="12700" cmpd="sng">
+                      <a:solidFill>
+                        <a:sysClr val="window" lastClr="FFFFFF"/>
+                      </a:solidFill>
+                    </a:lnL>
+                    <a:lnR w="12700" cmpd="sng">
+                      <a:solidFill>
+                        <a:sysClr val="window" lastClr="FFFFFF"/>
+                      </a:solidFill>
+                    </a:lnR>
+                    <a:lnT w="12700" cmpd="sng">
+                      <a:solidFill>
+                        <a:sysClr val="window" lastClr="FFFFFF"/>
+                      </a:solidFill>
+                    </a:lnT>
+                    <a:lnB w="12700" cmpd="sng">
+                      <a:solidFill>
+                        <a:sysClr val="window" lastClr="FFFFFF"/>
+                      </a:solidFill>
+                    </a:lnB>
+                    <a:lnTlToBr w="12700" cmpd="sng">
+                      <a:noFill/>
+                      <a:prstDash val="solid"/>
+                    </a:lnTlToBr>
+                    <a:lnBlToTr w="12700" cmpd="sng">
+                      <a:noFill/>
+                      <a:prstDash val="solid"/>
+                    </a:lnBlToTr>
+                    <a:solidFill>
+                      <a:schemeClr val="accent1">
+                        <a:lumMod val="40000"/>
+                        <a:lumOff val="60000"/>
+                      </a:schemeClr>
+                    </a:solidFill>
+                  </a:tcPr>
+                </a:tc>
+                <a:extLst>
+                  <a:ext uri="{0D108BD9-81ED-4DB2-BD59-A6C34878D82A}">
+                    <a16:rowId xmlns:a16="http://schemas.microsoft.com/office/drawing/2014/main" val="3534683378"/>
+                  </a:ext>
+                </a:extLst>
+              </a:tr>
+              <a:tr h="370840">
+                <a:tc>
+                  <a:txBody>
+                    <a:bodyPr/>
+                    <a:lstStyle>
+                      <a:lvl1pPr marL="0" algn="l" defTabSz="914400" rtl="0" eaLnBrk="1" latinLnBrk="0" hangingPunct="1">
+                        <a:defRPr sz="1800" b="1" kern="1200">
+                          <a:solidFill>
+                            <a:schemeClr val="lt1"/>
+                          </a:solidFill>
+                          <a:latin typeface="Segoe UI"/>
+                        </a:defRPr>
+                      </a:lvl1pPr>
+                      <a:lvl2pPr marL="457200" algn="l" defTabSz="914400" rtl="0" eaLnBrk="1" latinLnBrk="0" hangingPunct="1">
+                        <a:defRPr sz="1800" b="1" kern="1200">
+                          <a:solidFill>
+                            <a:schemeClr val="lt1"/>
+                          </a:solidFill>
+                          <a:latin typeface="Segoe UI"/>
+                        </a:defRPr>
+                      </a:lvl2pPr>
+                      <a:lvl3pPr marL="914400" algn="l" defTabSz="914400" rtl="0" eaLnBrk="1" latinLnBrk="0" hangingPunct="1">
+                        <a:defRPr sz="1800" b="1" kern="1200">
+                          <a:solidFill>
+                            <a:schemeClr val="lt1"/>
+                          </a:solidFill>
+                          <a:latin typeface="Segoe UI"/>
+                        </a:defRPr>
+                      </a:lvl3pPr>
+                      <a:lvl4pPr marL="1371600" algn="l" defTabSz="914400" rtl="0" eaLnBrk="1" latinLnBrk="0" hangingPunct="1">
+                        <a:defRPr sz="1800" b="1" kern="1200">
+                          <a:solidFill>
+                            <a:schemeClr val="lt1"/>
+                          </a:solidFill>
+                          <a:latin typeface="Segoe UI"/>
+                        </a:defRPr>
+                      </a:lvl4pPr>
+                      <a:lvl5pPr marL="1828800" algn="l" defTabSz="914400" rtl="0" eaLnBrk="1" latinLnBrk="0" hangingPunct="1">
+                        <a:defRPr sz="1800" b="1" kern="1200">
+                          <a:solidFill>
+                            <a:schemeClr val="lt1"/>
+                          </a:solidFill>
+                          <a:latin typeface="Segoe UI"/>
+                        </a:defRPr>
+                      </a:lvl5pPr>
+                      <a:lvl6pPr marL="2286000" algn="l" defTabSz="914400" rtl="0" eaLnBrk="1" latinLnBrk="0" hangingPunct="1">
+                        <a:defRPr sz="1800" b="1" kern="1200">
+                          <a:solidFill>
+                            <a:schemeClr val="lt1"/>
+                          </a:solidFill>
+                          <a:latin typeface="Segoe UI"/>
+                        </a:defRPr>
+                      </a:lvl6pPr>
+                      <a:lvl7pPr marL="2743200" algn="l" defTabSz="914400" rtl="0" eaLnBrk="1" latinLnBrk="0" hangingPunct="1">
+                        <a:defRPr sz="1800" b="1" kern="1200">
+                          <a:solidFill>
+                            <a:schemeClr val="lt1"/>
+                          </a:solidFill>
+                          <a:latin typeface="Segoe UI"/>
+                        </a:defRPr>
+                      </a:lvl7pPr>
+                      <a:lvl8pPr marL="3200400" algn="l" defTabSz="914400" rtl="0" eaLnBrk="1" latinLnBrk="0" hangingPunct="1">
+                        <a:defRPr sz="1800" b="1" kern="1200">
+                          <a:solidFill>
+                            <a:schemeClr val="lt1"/>
+                          </a:solidFill>
+                          <a:latin typeface="Segoe UI"/>
+                        </a:defRPr>
+                      </a:lvl8pPr>
+                      <a:lvl9pPr marL="3657600" algn="l" defTabSz="914400" rtl="0" eaLnBrk="1" latinLnBrk="0" hangingPunct="1">
+                        <a:defRPr sz="1800" b="1" kern="1200">
+                          <a:solidFill>
+                            <a:schemeClr val="lt1"/>
+                          </a:solidFill>
+                          <a:latin typeface="Segoe UI"/>
+                        </a:defRPr>
+                      </a:lvl9pPr>
+                    </a:lstStyle>
+                    <a:p>
+                      <a:pPr marL="0" marR="0" lvl="0" indent="0" algn="l" defTabSz="914400" rtl="0" eaLnBrk="1" fontAlgn="auto" latinLnBrk="0" hangingPunct="1">
+                        <a:lnSpc>
+                          <a:spcPct val="100000"/>
+                        </a:lnSpc>
+                        <a:spcBef>
+                          <a:spcPts val="0"/>
+                        </a:spcBef>
+                        <a:spcAft>
+                          <a:spcPts val="0"/>
+                        </a:spcAft>
+                        <a:buClrTx/>
+                        <a:buSzTx/>
+                        <a:buFontTx/>
+                        <a:buNone/>
+                        <a:tabLst/>
+                        <a:defRPr/>
+                      </a:pPr>
+                      <a:r>
+                        <a:rPr lang="en-US" dirty="0"/>
+                        <a:t>(0.05)</a:t>
+                      </a:r>
+                      <a:r>
+                        <a:rPr lang="el-GR" dirty="0"/>
+                        <a:t>λ</a:t>
+                      </a:r>
+                      <a:endParaRPr lang="en-US" baseline="-25000" dirty="0"/>
+                    </a:p>
+                  </a:txBody>
+                  <a:tcPr>
+                    <a:lnL w="12700" cmpd="sng">
+                      <a:solidFill>
+                        <a:sysClr val="window" lastClr="FFFFFF"/>
+                      </a:solidFill>
+                    </a:lnL>
+                    <a:lnR w="12700" cmpd="sng">
+                      <a:solidFill>
+                        <a:sysClr val="window" lastClr="FFFFFF"/>
+                      </a:solidFill>
+                    </a:lnR>
+                    <a:lnT w="12700" cmpd="sng">
+                      <a:solidFill>
+                        <a:sysClr val="window" lastClr="FFFFFF"/>
+                      </a:solidFill>
+                    </a:lnT>
+                    <a:lnB w="12700" cmpd="sng">
+                      <a:solidFill>
+                        <a:sysClr val="window" lastClr="FFFFFF"/>
+                      </a:solidFill>
+                    </a:lnB>
+                    <a:lnTlToBr w="12700" cmpd="sng">
+                      <a:noFill/>
+                      <a:prstDash val="solid"/>
+                    </a:lnTlToBr>
+                    <a:lnBlToTr w="12700" cmpd="sng">
+                      <a:noFill/>
+                      <a:prstDash val="solid"/>
+                    </a:lnBlToTr>
+                    <a:solidFill>
+                      <a:schemeClr val="accent1">
+                        <a:lumMod val="50000"/>
+                      </a:schemeClr>
+                    </a:solidFill>
+                  </a:tcPr>
+                </a:tc>
+                <a:tc>
+                  <a:txBody>
+                    <a:bodyPr/>
+                    <a:lstStyle>
+                      <a:lvl1pPr marL="0" algn="l" defTabSz="914400" rtl="0" eaLnBrk="1" latinLnBrk="0" hangingPunct="1">
+                        <a:defRPr sz="1800" kern="1200">
+                          <a:solidFill>
+                            <a:schemeClr val="dk1"/>
+                          </a:solidFill>
+                          <a:latin typeface="Segoe UI"/>
+                        </a:defRPr>
+                      </a:lvl1pPr>
+                      <a:lvl2pPr marL="457200" algn="l" defTabSz="914400" rtl="0" eaLnBrk="1" latinLnBrk="0" hangingPunct="1">
+                        <a:defRPr sz="1800" kern="1200">
+                          <a:solidFill>
+                            <a:schemeClr val="dk1"/>
+                          </a:solidFill>
+                          <a:latin typeface="Segoe UI"/>
+                        </a:defRPr>
+                      </a:lvl2pPr>
+                      <a:lvl3pPr marL="914400" algn="l" defTabSz="914400" rtl="0" eaLnBrk="1" latinLnBrk="0" hangingPunct="1">
+                        <a:defRPr sz="1800" kern="1200">
+                          <a:solidFill>
+                            <a:schemeClr val="dk1"/>
+                          </a:solidFill>
+                          <a:latin typeface="Segoe UI"/>
+                        </a:defRPr>
+                      </a:lvl3pPr>
+                      <a:lvl4pPr marL="1371600" algn="l" defTabSz="914400" rtl="0" eaLnBrk="1" latinLnBrk="0" hangingPunct="1">
+                        <a:defRPr sz="1800" kern="1200">
+                          <a:solidFill>
+                            <a:schemeClr val="dk1"/>
+                          </a:solidFill>
+                          <a:latin typeface="Segoe UI"/>
+                        </a:defRPr>
+                      </a:lvl4pPr>
+                      <a:lvl5pPr marL="1828800" algn="l" defTabSz="914400" rtl="0" eaLnBrk="1" latinLnBrk="0" hangingPunct="1">
+                        <a:defRPr sz="1800" kern="1200">
+                          <a:solidFill>
+                            <a:schemeClr val="dk1"/>
+                          </a:solidFill>
+                          <a:latin typeface="Segoe UI"/>
+                        </a:defRPr>
+                      </a:lvl5pPr>
+                      <a:lvl6pPr marL="2286000" algn="l" defTabSz="914400" rtl="0" eaLnBrk="1" latinLnBrk="0" hangingPunct="1">
+                        <a:defRPr sz="1800" kern="1200">
+                          <a:solidFill>
+                            <a:schemeClr val="dk1"/>
+                          </a:solidFill>
+                          <a:latin typeface="Segoe UI"/>
+                        </a:defRPr>
+                      </a:lvl6pPr>
+                      <a:lvl7pPr marL="2743200" algn="l" defTabSz="914400" rtl="0" eaLnBrk="1" latinLnBrk="0" hangingPunct="1">
+                        <a:defRPr sz="1800" kern="1200">
+                          <a:solidFill>
+                            <a:schemeClr val="dk1"/>
+                          </a:solidFill>
+                          <a:latin typeface="Segoe UI"/>
+                        </a:defRPr>
+                      </a:lvl7pPr>
+                      <a:lvl8pPr marL="3200400" algn="l" defTabSz="914400" rtl="0" eaLnBrk="1" latinLnBrk="0" hangingPunct="1">
+                        <a:defRPr sz="1800" kern="1200">
+                          <a:solidFill>
+                            <a:schemeClr val="dk1"/>
+                          </a:solidFill>
+                          <a:latin typeface="Segoe UI"/>
+                        </a:defRPr>
+                      </a:lvl8pPr>
+                      <a:lvl9pPr marL="3657600" algn="l" defTabSz="914400" rtl="0" eaLnBrk="1" latinLnBrk="0" hangingPunct="1">
+                        <a:defRPr sz="1800" kern="1200">
+                          <a:solidFill>
+                            <a:schemeClr val="dk1"/>
+                          </a:solidFill>
+                          <a:latin typeface="Segoe UI"/>
+                        </a:defRPr>
+                      </a:lvl9pPr>
+                    </a:lstStyle>
+                    <a:p>
+                      <a:pPr algn="ctr"/>
+                      <a:endParaRPr lang="en-US" dirty="0"/>
+                    </a:p>
+                  </a:txBody>
+                  <a:tcPr>
+                    <a:lnL w="12700" cmpd="sng">
+                      <a:solidFill>
+                        <a:sysClr val="window" lastClr="FFFFFF"/>
+                      </a:solidFill>
+                    </a:lnL>
+                    <a:lnR w="12700" cmpd="sng">
+                      <a:solidFill>
+                        <a:sysClr val="window" lastClr="FFFFFF"/>
+                      </a:solidFill>
+                    </a:lnR>
+                    <a:lnT w="12700" cmpd="sng">
+                      <a:solidFill>
+                        <a:sysClr val="window" lastClr="FFFFFF"/>
+                      </a:solidFill>
+                    </a:lnT>
+                    <a:lnB w="12700" cmpd="sng">
+                      <a:solidFill>
+                        <a:sysClr val="window" lastClr="FFFFFF"/>
+                      </a:solidFill>
+                    </a:lnB>
+                    <a:lnTlToBr w="12700" cmpd="sng">
+                      <a:noFill/>
+                      <a:prstDash val="solid"/>
+                    </a:lnTlToBr>
+                    <a:lnBlToTr w="12700" cmpd="sng">
+                      <a:noFill/>
+                      <a:prstDash val="solid"/>
+                    </a:lnBlToTr>
+                    <a:solidFill>
+                      <a:schemeClr val="accent1">
+                        <a:lumMod val="20000"/>
+                        <a:lumOff val="80000"/>
+                      </a:schemeClr>
+                    </a:solidFill>
+                  </a:tcPr>
+                </a:tc>
+                <a:tc>
+                  <a:txBody>
+                    <a:bodyPr/>
+                    <a:lstStyle>
+                      <a:lvl1pPr marL="0" algn="l" defTabSz="914400" rtl="0" eaLnBrk="1" latinLnBrk="0" hangingPunct="1">
+                        <a:defRPr sz="1800" kern="1200">
+                          <a:solidFill>
+                            <a:schemeClr val="dk1"/>
+                          </a:solidFill>
+                          <a:latin typeface="Segoe UI"/>
+                        </a:defRPr>
+                      </a:lvl1pPr>
+                      <a:lvl2pPr marL="457200" algn="l" defTabSz="914400" rtl="0" eaLnBrk="1" latinLnBrk="0" hangingPunct="1">
+                        <a:defRPr sz="1800" kern="1200">
+                          <a:solidFill>
+                            <a:schemeClr val="dk1"/>
+                          </a:solidFill>
+                          <a:latin typeface="Segoe UI"/>
+                        </a:defRPr>
+                      </a:lvl2pPr>
+                      <a:lvl3pPr marL="914400" algn="l" defTabSz="914400" rtl="0" eaLnBrk="1" latinLnBrk="0" hangingPunct="1">
+                        <a:defRPr sz="1800" kern="1200">
+                          <a:solidFill>
+                            <a:schemeClr val="dk1"/>
+                          </a:solidFill>
+                          <a:latin typeface="Segoe UI"/>
+                        </a:defRPr>
+                      </a:lvl3pPr>
+                      <a:lvl4pPr marL="1371600" algn="l" defTabSz="914400" rtl="0" eaLnBrk="1" latinLnBrk="0" hangingPunct="1">
+                        <a:defRPr sz="1800" kern="1200">
+                          <a:solidFill>
+                            <a:schemeClr val="dk1"/>
+                          </a:solidFill>
+                          <a:latin typeface="Segoe UI"/>
+                        </a:defRPr>
+                      </a:lvl4pPr>
+                      <a:lvl5pPr marL="1828800" algn="l" defTabSz="914400" rtl="0" eaLnBrk="1" latinLnBrk="0" hangingPunct="1">
+                        <a:defRPr sz="1800" kern="1200">
+                          <a:solidFill>
+                            <a:schemeClr val="dk1"/>
+                          </a:solidFill>
+                          <a:latin typeface="Segoe UI"/>
+                        </a:defRPr>
+                      </a:lvl5pPr>
+                      <a:lvl6pPr marL="2286000" algn="l" defTabSz="914400" rtl="0" eaLnBrk="1" latinLnBrk="0" hangingPunct="1">
+                        <a:defRPr sz="1800" kern="1200">
+                          <a:solidFill>
+                            <a:schemeClr val="dk1"/>
+                          </a:solidFill>
+                          <a:latin typeface="Segoe UI"/>
+                        </a:defRPr>
+                      </a:lvl6pPr>
+                      <a:lvl7pPr marL="2743200" algn="l" defTabSz="914400" rtl="0" eaLnBrk="1" latinLnBrk="0" hangingPunct="1">
+                        <a:defRPr sz="1800" kern="1200">
+                          <a:solidFill>
+                            <a:schemeClr val="dk1"/>
+                          </a:solidFill>
+                          <a:latin typeface="Segoe UI"/>
+                        </a:defRPr>
+                      </a:lvl7pPr>
+                      <a:lvl8pPr marL="3200400" algn="l" defTabSz="914400" rtl="0" eaLnBrk="1" latinLnBrk="0" hangingPunct="1">
+                        <a:defRPr sz="1800" kern="1200">
+                          <a:solidFill>
+                            <a:schemeClr val="dk1"/>
+                          </a:solidFill>
+                          <a:latin typeface="Segoe UI"/>
+                        </a:defRPr>
+                      </a:lvl8pPr>
+                      <a:lvl9pPr marL="3657600" algn="l" defTabSz="914400" rtl="0" eaLnBrk="1" latinLnBrk="0" hangingPunct="1">
+                        <a:defRPr sz="1800" kern="1200">
+                          <a:solidFill>
+                            <a:schemeClr val="dk1"/>
+                          </a:solidFill>
+                          <a:latin typeface="Segoe UI"/>
+                        </a:defRPr>
+                      </a:lvl9pPr>
+                    </a:lstStyle>
+                    <a:p>
+                      <a:pPr algn="ctr"/>
+                      <a:endParaRPr lang="en-US" dirty="0"/>
+                    </a:p>
+                  </a:txBody>
+                  <a:tcPr>
+                    <a:lnL w="12700" cmpd="sng">
+                      <a:solidFill>
+                        <a:sysClr val="window" lastClr="FFFFFF"/>
+                      </a:solidFill>
+                    </a:lnL>
+                    <a:lnR w="12700" cmpd="sng">
+                      <a:solidFill>
+                        <a:sysClr val="window" lastClr="FFFFFF"/>
+                      </a:solidFill>
+                    </a:lnR>
+                    <a:lnT w="12700" cmpd="sng">
+                      <a:solidFill>
+                        <a:sysClr val="window" lastClr="FFFFFF"/>
+                      </a:solidFill>
+                    </a:lnT>
+                    <a:lnB w="12700" cmpd="sng">
+                      <a:solidFill>
+                        <a:sysClr val="window" lastClr="FFFFFF"/>
+                      </a:solidFill>
+                    </a:lnB>
+                    <a:lnTlToBr w="12700" cmpd="sng">
+                      <a:noFill/>
+                      <a:prstDash val="solid"/>
+                    </a:lnTlToBr>
+                    <a:lnBlToTr w="12700" cmpd="sng">
+                      <a:noFill/>
+                      <a:prstDash val="solid"/>
+                    </a:lnBlToTr>
+                    <a:solidFill>
+                      <a:schemeClr val="accent1">
+                        <a:lumMod val="20000"/>
+                        <a:lumOff val="80000"/>
+                      </a:schemeClr>
+                    </a:solidFill>
+                  </a:tcPr>
+                </a:tc>
+                <a:tc>
+                  <a:txBody>
+                    <a:bodyPr/>
+                    <a:lstStyle>
+                      <a:lvl1pPr marL="0" algn="l" defTabSz="914400" rtl="0" eaLnBrk="1" latinLnBrk="0" hangingPunct="1">
+                        <a:defRPr sz="1800" kern="1200">
+                          <a:solidFill>
+                            <a:schemeClr val="dk1"/>
+                          </a:solidFill>
+                          <a:latin typeface="Segoe UI"/>
+                        </a:defRPr>
+                      </a:lvl1pPr>
+                      <a:lvl2pPr marL="457200" algn="l" defTabSz="914400" rtl="0" eaLnBrk="1" latinLnBrk="0" hangingPunct="1">
+                        <a:defRPr sz="1800" kern="1200">
+                          <a:solidFill>
+                            <a:schemeClr val="dk1"/>
+                          </a:solidFill>
+                          <a:latin typeface="Segoe UI"/>
+                        </a:defRPr>
+                      </a:lvl2pPr>
+                      <a:lvl3pPr marL="914400" algn="l" defTabSz="914400" rtl="0" eaLnBrk="1" latinLnBrk="0" hangingPunct="1">
+                        <a:defRPr sz="1800" kern="1200">
+                          <a:solidFill>
+                            <a:schemeClr val="dk1"/>
+                          </a:solidFill>
+                          <a:latin typeface="Segoe UI"/>
+                        </a:defRPr>
+                      </a:lvl3pPr>
+                      <a:lvl4pPr marL="1371600" algn="l" defTabSz="914400" rtl="0" eaLnBrk="1" latinLnBrk="0" hangingPunct="1">
+                        <a:defRPr sz="1800" kern="1200">
+                          <a:solidFill>
+                            <a:schemeClr val="dk1"/>
+                          </a:solidFill>
+                          <a:latin typeface="Segoe UI"/>
+                        </a:defRPr>
+                      </a:lvl4pPr>
+                      <a:lvl5pPr marL="1828800" algn="l" defTabSz="914400" rtl="0" eaLnBrk="1" latinLnBrk="0" hangingPunct="1">
+                        <a:defRPr sz="1800" kern="1200">
+                          <a:solidFill>
+                            <a:schemeClr val="dk1"/>
+                          </a:solidFill>
+                          <a:latin typeface="Segoe UI"/>
+                        </a:defRPr>
+                      </a:lvl5pPr>
+                      <a:lvl6pPr marL="2286000" algn="l" defTabSz="914400" rtl="0" eaLnBrk="1" latinLnBrk="0" hangingPunct="1">
+                        <a:defRPr sz="1800" kern="1200">
+                          <a:solidFill>
+                            <a:schemeClr val="dk1"/>
+                          </a:solidFill>
+                          <a:latin typeface="Segoe UI"/>
+                        </a:defRPr>
+                      </a:lvl6pPr>
+                      <a:lvl7pPr marL="2743200" algn="l" defTabSz="914400" rtl="0" eaLnBrk="1" latinLnBrk="0" hangingPunct="1">
+                        <a:defRPr sz="1800" kern="1200">
+                          <a:solidFill>
+                            <a:schemeClr val="dk1"/>
+                          </a:solidFill>
+                          <a:latin typeface="Segoe UI"/>
+                        </a:defRPr>
+                      </a:lvl7pPr>
+                      <a:lvl8pPr marL="3200400" algn="l" defTabSz="914400" rtl="0" eaLnBrk="1" latinLnBrk="0" hangingPunct="1">
+                        <a:defRPr sz="1800" kern="1200">
+                          <a:solidFill>
+                            <a:schemeClr val="dk1"/>
+                          </a:solidFill>
+                          <a:latin typeface="Segoe UI"/>
+                        </a:defRPr>
+                      </a:lvl8pPr>
+                      <a:lvl9pPr marL="3657600" algn="l" defTabSz="914400" rtl="0" eaLnBrk="1" latinLnBrk="0" hangingPunct="1">
+                        <a:defRPr sz="1800" kern="1200">
+                          <a:solidFill>
+                            <a:schemeClr val="dk1"/>
+                          </a:solidFill>
+                          <a:latin typeface="Segoe UI"/>
+                        </a:defRPr>
+                      </a:lvl9pPr>
+                    </a:lstStyle>
+                    <a:p>
+                      <a:pPr algn="ctr"/>
+                      <a:endParaRPr lang="en-US" dirty="0"/>
+                    </a:p>
+                  </a:txBody>
+                  <a:tcPr>
+                    <a:lnL w="12700" cmpd="sng">
+                      <a:solidFill>
+                        <a:sysClr val="window" lastClr="FFFFFF"/>
+                      </a:solidFill>
+                    </a:lnL>
+                    <a:lnR w="12700" cmpd="sng">
+                      <a:solidFill>
+                        <a:sysClr val="window" lastClr="FFFFFF"/>
+                      </a:solidFill>
+                    </a:lnR>
+                    <a:lnT w="12700" cmpd="sng">
+                      <a:solidFill>
+                        <a:sysClr val="window" lastClr="FFFFFF"/>
+                      </a:solidFill>
+                    </a:lnT>
+                    <a:lnB w="12700" cmpd="sng">
+                      <a:solidFill>
+                        <a:sysClr val="window" lastClr="FFFFFF"/>
+                      </a:solidFill>
+                    </a:lnB>
+                    <a:lnTlToBr w="12700" cmpd="sng">
+                      <a:noFill/>
+                      <a:prstDash val="solid"/>
+                    </a:lnTlToBr>
+                    <a:lnBlToTr w="12700" cmpd="sng">
+                      <a:noFill/>
+                      <a:prstDash val="solid"/>
+                    </a:lnBlToTr>
+                    <a:solidFill>
+                      <a:schemeClr val="accent1">
+                        <a:lumMod val="20000"/>
+                        <a:lumOff val="80000"/>
+                      </a:schemeClr>
+                    </a:solidFill>
+                  </a:tcPr>
+                </a:tc>
+                <a:extLst>
+                  <a:ext uri="{0D108BD9-81ED-4DB2-BD59-A6C34878D82A}">
+                    <a16:rowId xmlns:a16="http://schemas.microsoft.com/office/drawing/2014/main" val="3600432382"/>
+                  </a:ext>
+                </a:extLst>
+              </a:tr>
+              <a:tr h="370840">
+                <a:tc>
+                  <a:txBody>
+                    <a:bodyPr/>
+                    <a:lstStyle>
+                      <a:lvl1pPr marL="0" algn="l" defTabSz="914400" rtl="0" eaLnBrk="1" latinLnBrk="0" hangingPunct="1">
+                        <a:defRPr sz="1800" b="1" kern="1200">
+                          <a:solidFill>
+                            <a:schemeClr val="lt1"/>
+                          </a:solidFill>
+                          <a:latin typeface="Segoe UI"/>
+                        </a:defRPr>
+                      </a:lvl1pPr>
+                      <a:lvl2pPr marL="457200" algn="l" defTabSz="914400" rtl="0" eaLnBrk="1" latinLnBrk="0" hangingPunct="1">
+                        <a:defRPr sz="1800" b="1" kern="1200">
+                          <a:solidFill>
+                            <a:schemeClr val="lt1"/>
+                          </a:solidFill>
+                          <a:latin typeface="Segoe UI"/>
+                        </a:defRPr>
+                      </a:lvl2pPr>
+                      <a:lvl3pPr marL="914400" algn="l" defTabSz="914400" rtl="0" eaLnBrk="1" latinLnBrk="0" hangingPunct="1">
+                        <a:defRPr sz="1800" b="1" kern="1200">
+                          <a:solidFill>
+                            <a:schemeClr val="lt1"/>
+                          </a:solidFill>
+                          <a:latin typeface="Segoe UI"/>
+                        </a:defRPr>
+                      </a:lvl3pPr>
+                      <a:lvl4pPr marL="1371600" algn="l" defTabSz="914400" rtl="0" eaLnBrk="1" latinLnBrk="0" hangingPunct="1">
+                        <a:defRPr sz="1800" b="1" kern="1200">
+                          <a:solidFill>
+                            <a:schemeClr val="lt1"/>
+                          </a:solidFill>
+                          <a:latin typeface="Segoe UI"/>
+                        </a:defRPr>
+                      </a:lvl4pPr>
+                      <a:lvl5pPr marL="1828800" algn="l" defTabSz="914400" rtl="0" eaLnBrk="1" latinLnBrk="0" hangingPunct="1">
+                        <a:defRPr sz="1800" b="1" kern="1200">
+                          <a:solidFill>
+                            <a:schemeClr val="lt1"/>
+                          </a:solidFill>
+                          <a:latin typeface="Segoe UI"/>
+                        </a:defRPr>
+                      </a:lvl5pPr>
+                      <a:lvl6pPr marL="2286000" algn="l" defTabSz="914400" rtl="0" eaLnBrk="1" latinLnBrk="0" hangingPunct="1">
+                        <a:defRPr sz="1800" b="1" kern="1200">
+                          <a:solidFill>
+                            <a:schemeClr val="lt1"/>
+                          </a:solidFill>
+                          <a:latin typeface="Segoe UI"/>
+                        </a:defRPr>
+                      </a:lvl6pPr>
+                      <a:lvl7pPr marL="2743200" algn="l" defTabSz="914400" rtl="0" eaLnBrk="1" latinLnBrk="0" hangingPunct="1">
+                        <a:defRPr sz="1800" b="1" kern="1200">
+                          <a:solidFill>
+                            <a:schemeClr val="lt1"/>
+                          </a:solidFill>
+                          <a:latin typeface="Segoe UI"/>
+                        </a:defRPr>
+                      </a:lvl7pPr>
+                      <a:lvl8pPr marL="3200400" algn="l" defTabSz="914400" rtl="0" eaLnBrk="1" latinLnBrk="0" hangingPunct="1">
+                        <a:defRPr sz="1800" b="1" kern="1200">
+                          <a:solidFill>
+                            <a:schemeClr val="lt1"/>
+                          </a:solidFill>
+                          <a:latin typeface="Segoe UI"/>
+                        </a:defRPr>
+                      </a:lvl8pPr>
+                      <a:lvl9pPr marL="3657600" algn="l" defTabSz="914400" rtl="0" eaLnBrk="1" latinLnBrk="0" hangingPunct="1">
+                        <a:defRPr sz="1800" b="1" kern="1200">
+                          <a:solidFill>
+                            <a:schemeClr val="lt1"/>
+                          </a:solidFill>
+                          <a:latin typeface="Segoe UI"/>
+                        </a:defRPr>
+                      </a:lvl9pPr>
+                    </a:lstStyle>
+                    <a:p>
+                      <a:pPr algn="l"/>
+                      <a:r>
+                        <a:rPr lang="en-US" dirty="0"/>
+                        <a:t>(0)</a:t>
+                      </a:r>
+                      <a:r>
+                        <a:rPr lang="el-GR" dirty="0"/>
+                        <a:t>λ</a:t>
+                      </a:r>
+                      <a:endParaRPr lang="en-US" baseline="-25000" dirty="0"/>
+                    </a:p>
+                  </a:txBody>
+                  <a:tcPr>
+                    <a:lnL w="12700" cmpd="sng">
+                      <a:solidFill>
+                        <a:sysClr val="window" lastClr="FFFFFF"/>
+                      </a:solidFill>
+                    </a:lnL>
+                    <a:lnR w="12700" cmpd="sng">
+                      <a:solidFill>
+                        <a:sysClr val="window" lastClr="FFFFFF"/>
+                      </a:solidFill>
+                    </a:lnR>
+                    <a:lnT w="12700" cmpd="sng">
+                      <a:solidFill>
+                        <a:sysClr val="window" lastClr="FFFFFF"/>
+                      </a:solidFill>
+                    </a:lnT>
+                    <a:lnB w="12700" cmpd="sng">
+                      <a:solidFill>
+                        <a:sysClr val="window" lastClr="FFFFFF"/>
+                      </a:solidFill>
+                    </a:lnB>
+                    <a:lnTlToBr w="12700" cmpd="sng">
+                      <a:noFill/>
+                      <a:prstDash val="solid"/>
+                    </a:lnTlToBr>
+                    <a:lnBlToTr w="12700" cmpd="sng">
+                      <a:noFill/>
+                      <a:prstDash val="solid"/>
+                    </a:lnBlToTr>
+                    <a:solidFill>
+                      <a:schemeClr val="accent1">
+                        <a:lumMod val="50000"/>
+                      </a:schemeClr>
+                    </a:solidFill>
+                  </a:tcPr>
+                </a:tc>
+                <a:tc>
+                  <a:txBody>
+                    <a:bodyPr/>
+                    <a:lstStyle>
+                      <a:lvl1pPr marL="0" algn="l" defTabSz="914400" rtl="0" eaLnBrk="1" latinLnBrk="0" hangingPunct="1">
+                        <a:defRPr sz="1800" kern="1200">
+                          <a:solidFill>
+                            <a:schemeClr val="dk1"/>
+                          </a:solidFill>
+                          <a:latin typeface="Segoe UI"/>
+                        </a:defRPr>
+                      </a:lvl1pPr>
+                      <a:lvl2pPr marL="457200" algn="l" defTabSz="914400" rtl="0" eaLnBrk="1" latinLnBrk="0" hangingPunct="1">
+                        <a:defRPr sz="1800" kern="1200">
+                          <a:solidFill>
+                            <a:schemeClr val="dk1"/>
+                          </a:solidFill>
+                          <a:latin typeface="Segoe UI"/>
+                        </a:defRPr>
+                      </a:lvl2pPr>
+                      <a:lvl3pPr marL="914400" algn="l" defTabSz="914400" rtl="0" eaLnBrk="1" latinLnBrk="0" hangingPunct="1">
+                        <a:defRPr sz="1800" kern="1200">
+                          <a:solidFill>
+                            <a:schemeClr val="dk1"/>
+                          </a:solidFill>
+                          <a:latin typeface="Segoe UI"/>
+                        </a:defRPr>
+                      </a:lvl3pPr>
+                      <a:lvl4pPr marL="1371600" algn="l" defTabSz="914400" rtl="0" eaLnBrk="1" latinLnBrk="0" hangingPunct="1">
+                        <a:defRPr sz="1800" kern="1200">
+                          <a:solidFill>
+                            <a:schemeClr val="dk1"/>
+                          </a:solidFill>
+                          <a:latin typeface="Segoe UI"/>
+                        </a:defRPr>
+                      </a:lvl4pPr>
+                      <a:lvl5pPr marL="1828800" algn="l" defTabSz="914400" rtl="0" eaLnBrk="1" latinLnBrk="0" hangingPunct="1">
+                        <a:defRPr sz="1800" kern="1200">
+                          <a:solidFill>
+                            <a:schemeClr val="dk1"/>
+                          </a:solidFill>
+                          <a:latin typeface="Segoe UI"/>
+                        </a:defRPr>
+                      </a:lvl5pPr>
+                      <a:lvl6pPr marL="2286000" algn="l" defTabSz="914400" rtl="0" eaLnBrk="1" latinLnBrk="0" hangingPunct="1">
+                        <a:defRPr sz="1800" kern="1200">
+                          <a:solidFill>
+                            <a:schemeClr val="dk1"/>
+                          </a:solidFill>
+                          <a:latin typeface="Segoe UI"/>
+                        </a:defRPr>
+                      </a:lvl6pPr>
+                      <a:lvl7pPr marL="2743200" algn="l" defTabSz="914400" rtl="0" eaLnBrk="1" latinLnBrk="0" hangingPunct="1">
+                        <a:defRPr sz="1800" kern="1200">
+                          <a:solidFill>
+                            <a:schemeClr val="dk1"/>
+                          </a:solidFill>
+                          <a:latin typeface="Segoe UI"/>
+                        </a:defRPr>
+                      </a:lvl7pPr>
+                      <a:lvl8pPr marL="3200400" algn="l" defTabSz="914400" rtl="0" eaLnBrk="1" latinLnBrk="0" hangingPunct="1">
+                        <a:defRPr sz="1800" kern="1200">
+                          <a:solidFill>
+                            <a:schemeClr val="dk1"/>
+                          </a:solidFill>
+                          <a:latin typeface="Segoe UI"/>
+                        </a:defRPr>
+                      </a:lvl8pPr>
+                      <a:lvl9pPr marL="3657600" algn="l" defTabSz="914400" rtl="0" eaLnBrk="1" latinLnBrk="0" hangingPunct="1">
+                        <a:defRPr sz="1800" kern="1200">
+                          <a:solidFill>
+                            <a:schemeClr val="dk1"/>
+                          </a:solidFill>
+                          <a:latin typeface="Segoe UI"/>
+                        </a:defRPr>
+                      </a:lvl9pPr>
+                    </a:lstStyle>
+                    <a:p>
+                      <a:pPr algn="ctr"/>
+                      <a:endParaRPr lang="en-US" dirty="0"/>
+                    </a:p>
+                  </a:txBody>
+                  <a:tcPr>
+                    <a:lnL w="12700" cmpd="sng">
+                      <a:solidFill>
+                        <a:sysClr val="window" lastClr="FFFFFF"/>
+                      </a:solidFill>
+                    </a:lnL>
+                    <a:lnR w="12700" cmpd="sng">
+                      <a:solidFill>
+                        <a:sysClr val="window" lastClr="FFFFFF"/>
+                      </a:solidFill>
+                    </a:lnR>
+                    <a:lnT w="12700" cmpd="sng">
+                      <a:solidFill>
+                        <a:sysClr val="window" lastClr="FFFFFF"/>
+                      </a:solidFill>
+                    </a:lnT>
+                    <a:lnB w="12700" cmpd="sng">
+                      <a:solidFill>
+                        <a:sysClr val="window" lastClr="FFFFFF"/>
+                      </a:solidFill>
+                    </a:lnB>
+                    <a:lnTlToBr w="12700" cmpd="sng">
+                      <a:noFill/>
+                      <a:prstDash val="solid"/>
+                    </a:lnTlToBr>
+                    <a:lnBlToTr w="12700" cmpd="sng">
+                      <a:noFill/>
+                      <a:prstDash val="solid"/>
+                    </a:lnBlToTr>
+                    <a:solidFill>
+                      <a:schemeClr val="accent1">
+                        <a:lumMod val="40000"/>
+                        <a:lumOff val="60000"/>
+                      </a:schemeClr>
+                    </a:solidFill>
+                  </a:tcPr>
+                </a:tc>
+                <a:tc>
+                  <a:txBody>
+                    <a:bodyPr/>
+                    <a:lstStyle>
+                      <a:lvl1pPr marL="0" algn="l" defTabSz="914400" rtl="0" eaLnBrk="1" latinLnBrk="0" hangingPunct="1">
+                        <a:defRPr sz="1800" kern="1200">
+                          <a:solidFill>
+                            <a:schemeClr val="dk1"/>
+                          </a:solidFill>
+                          <a:latin typeface="Segoe UI"/>
+                        </a:defRPr>
+                      </a:lvl1pPr>
+                      <a:lvl2pPr marL="457200" algn="l" defTabSz="914400" rtl="0" eaLnBrk="1" latinLnBrk="0" hangingPunct="1">
+                        <a:defRPr sz="1800" kern="1200">
+                          <a:solidFill>
+                            <a:schemeClr val="dk1"/>
+                          </a:solidFill>
+                          <a:latin typeface="Segoe UI"/>
+                        </a:defRPr>
+                      </a:lvl2pPr>
+                      <a:lvl3pPr marL="914400" algn="l" defTabSz="914400" rtl="0" eaLnBrk="1" latinLnBrk="0" hangingPunct="1">
+                        <a:defRPr sz="1800" kern="1200">
+                          <a:solidFill>
+                            <a:schemeClr val="dk1"/>
+                          </a:solidFill>
+                          <a:latin typeface="Segoe UI"/>
+                        </a:defRPr>
+                      </a:lvl3pPr>
+                      <a:lvl4pPr marL="1371600" algn="l" defTabSz="914400" rtl="0" eaLnBrk="1" latinLnBrk="0" hangingPunct="1">
+                        <a:defRPr sz="1800" kern="1200">
+                          <a:solidFill>
+                            <a:schemeClr val="dk1"/>
+                          </a:solidFill>
+                          <a:latin typeface="Segoe UI"/>
+                        </a:defRPr>
+                      </a:lvl4pPr>
+                      <a:lvl5pPr marL="1828800" algn="l" defTabSz="914400" rtl="0" eaLnBrk="1" latinLnBrk="0" hangingPunct="1">
+                        <a:defRPr sz="1800" kern="1200">
+                          <a:solidFill>
+                            <a:schemeClr val="dk1"/>
+                          </a:solidFill>
+                          <a:latin typeface="Segoe UI"/>
+                        </a:defRPr>
+                      </a:lvl5pPr>
+                      <a:lvl6pPr marL="2286000" algn="l" defTabSz="914400" rtl="0" eaLnBrk="1" latinLnBrk="0" hangingPunct="1">
+                        <a:defRPr sz="1800" kern="1200">
+                          <a:solidFill>
+                            <a:schemeClr val="dk1"/>
+                          </a:solidFill>
+                          <a:latin typeface="Segoe UI"/>
+                        </a:defRPr>
+                      </a:lvl6pPr>
+                      <a:lvl7pPr marL="2743200" algn="l" defTabSz="914400" rtl="0" eaLnBrk="1" latinLnBrk="0" hangingPunct="1">
+                        <a:defRPr sz="1800" kern="1200">
+                          <a:solidFill>
+                            <a:schemeClr val="dk1"/>
+                          </a:solidFill>
+                          <a:latin typeface="Segoe UI"/>
+                        </a:defRPr>
+                      </a:lvl7pPr>
+                      <a:lvl8pPr marL="3200400" algn="l" defTabSz="914400" rtl="0" eaLnBrk="1" latinLnBrk="0" hangingPunct="1">
+                        <a:defRPr sz="1800" kern="1200">
+                          <a:solidFill>
+                            <a:schemeClr val="dk1"/>
+                          </a:solidFill>
+                          <a:latin typeface="Segoe UI"/>
+                        </a:defRPr>
+                      </a:lvl8pPr>
+                      <a:lvl9pPr marL="3657600" algn="l" defTabSz="914400" rtl="0" eaLnBrk="1" latinLnBrk="0" hangingPunct="1">
+                        <a:defRPr sz="1800" kern="1200">
+                          <a:solidFill>
+                            <a:schemeClr val="dk1"/>
+                          </a:solidFill>
+                          <a:latin typeface="Segoe UI"/>
+                        </a:defRPr>
+                      </a:lvl9pPr>
+                    </a:lstStyle>
+                    <a:p>
+                      <a:pPr algn="ctr"/>
+                      <a:endParaRPr lang="en-US" dirty="0"/>
+                    </a:p>
+                  </a:txBody>
+                  <a:tcPr>
+                    <a:lnL w="12700" cmpd="sng">
+                      <a:solidFill>
+                        <a:sysClr val="window" lastClr="FFFFFF"/>
+                      </a:solidFill>
+                    </a:lnL>
+                    <a:lnR w="12700" cmpd="sng">
+                      <a:solidFill>
+                        <a:sysClr val="window" lastClr="FFFFFF"/>
+                      </a:solidFill>
+                    </a:lnR>
+                    <a:lnT w="12700" cmpd="sng">
+                      <a:solidFill>
+                        <a:sysClr val="window" lastClr="FFFFFF"/>
+                      </a:solidFill>
+                    </a:lnT>
+                    <a:lnB w="12700" cmpd="sng">
+                      <a:solidFill>
+                        <a:sysClr val="window" lastClr="FFFFFF"/>
+                      </a:solidFill>
+                    </a:lnB>
+                    <a:lnTlToBr w="12700" cmpd="sng">
+                      <a:noFill/>
+                      <a:prstDash val="solid"/>
+                    </a:lnTlToBr>
+                    <a:lnBlToTr w="12700" cmpd="sng">
+                      <a:noFill/>
+                      <a:prstDash val="solid"/>
+                    </a:lnBlToTr>
+                    <a:solidFill>
+                      <a:schemeClr val="accent1">
+                        <a:lumMod val="40000"/>
+                        <a:lumOff val="60000"/>
+                      </a:schemeClr>
+                    </a:solidFill>
+                  </a:tcPr>
+                </a:tc>
+                <a:tc>
+                  <a:txBody>
+                    <a:bodyPr/>
+                    <a:lstStyle>
+                      <a:lvl1pPr marL="0" algn="l" defTabSz="914400" rtl="0" eaLnBrk="1" latinLnBrk="0" hangingPunct="1">
+                        <a:defRPr sz="1800" kern="1200">
+                          <a:solidFill>
+                            <a:schemeClr val="dk1"/>
+                          </a:solidFill>
+                          <a:latin typeface="Segoe UI"/>
+                        </a:defRPr>
+                      </a:lvl1pPr>
+                      <a:lvl2pPr marL="457200" algn="l" defTabSz="914400" rtl="0" eaLnBrk="1" latinLnBrk="0" hangingPunct="1">
+                        <a:defRPr sz="1800" kern="1200">
+                          <a:solidFill>
+                            <a:schemeClr val="dk1"/>
+                          </a:solidFill>
+                          <a:latin typeface="Segoe UI"/>
+                        </a:defRPr>
+                      </a:lvl2pPr>
+                      <a:lvl3pPr marL="914400" algn="l" defTabSz="914400" rtl="0" eaLnBrk="1" latinLnBrk="0" hangingPunct="1">
+                        <a:defRPr sz="1800" kern="1200">
+                          <a:solidFill>
+                            <a:schemeClr val="dk1"/>
+                          </a:solidFill>
+                          <a:latin typeface="Segoe UI"/>
+                        </a:defRPr>
+                      </a:lvl3pPr>
+                      <a:lvl4pPr marL="1371600" algn="l" defTabSz="914400" rtl="0" eaLnBrk="1" latinLnBrk="0" hangingPunct="1">
+                        <a:defRPr sz="1800" kern="1200">
+                          <a:solidFill>
+                            <a:schemeClr val="dk1"/>
+                          </a:solidFill>
+                          <a:latin typeface="Segoe UI"/>
+                        </a:defRPr>
+                      </a:lvl4pPr>
+                      <a:lvl5pPr marL="1828800" algn="l" defTabSz="914400" rtl="0" eaLnBrk="1" latinLnBrk="0" hangingPunct="1">
+                        <a:defRPr sz="1800" kern="1200">
+                          <a:solidFill>
+                            <a:schemeClr val="dk1"/>
+                          </a:solidFill>
+                          <a:latin typeface="Segoe UI"/>
+                        </a:defRPr>
+                      </a:lvl5pPr>
+                      <a:lvl6pPr marL="2286000" algn="l" defTabSz="914400" rtl="0" eaLnBrk="1" latinLnBrk="0" hangingPunct="1">
+                        <a:defRPr sz="1800" kern="1200">
+                          <a:solidFill>
+                            <a:schemeClr val="dk1"/>
+                          </a:solidFill>
+                          <a:latin typeface="Segoe UI"/>
+                        </a:defRPr>
+                      </a:lvl6pPr>
+                      <a:lvl7pPr marL="2743200" algn="l" defTabSz="914400" rtl="0" eaLnBrk="1" latinLnBrk="0" hangingPunct="1">
+                        <a:defRPr sz="1800" kern="1200">
+                          <a:solidFill>
+                            <a:schemeClr val="dk1"/>
+                          </a:solidFill>
+                          <a:latin typeface="Segoe UI"/>
+                        </a:defRPr>
+                      </a:lvl7pPr>
+                      <a:lvl8pPr marL="3200400" algn="l" defTabSz="914400" rtl="0" eaLnBrk="1" latinLnBrk="0" hangingPunct="1">
+                        <a:defRPr sz="1800" kern="1200">
+                          <a:solidFill>
+                            <a:schemeClr val="dk1"/>
+                          </a:solidFill>
+                          <a:latin typeface="Segoe UI"/>
+                        </a:defRPr>
+                      </a:lvl8pPr>
+                      <a:lvl9pPr marL="3657600" algn="l" defTabSz="914400" rtl="0" eaLnBrk="1" latinLnBrk="0" hangingPunct="1">
+                        <a:defRPr sz="1800" kern="1200">
+                          <a:solidFill>
+                            <a:schemeClr val="dk1"/>
+                          </a:solidFill>
+                          <a:latin typeface="Segoe UI"/>
+                        </a:defRPr>
+                      </a:lvl9pPr>
+                    </a:lstStyle>
+                    <a:p>
+                      <a:pPr algn="ctr"/>
+                      <a:endParaRPr lang="en-US" dirty="0"/>
+                    </a:p>
+                  </a:txBody>
+                  <a:tcPr>
+                    <a:lnL w="12700" cmpd="sng">
+                      <a:solidFill>
+                        <a:sysClr val="window" lastClr="FFFFFF"/>
+                      </a:solidFill>
+                    </a:lnL>
+                    <a:lnR w="12700" cmpd="sng">
+                      <a:solidFill>
+                        <a:sysClr val="window" lastClr="FFFFFF"/>
+                      </a:solidFill>
+                    </a:lnR>
+                    <a:lnT w="12700" cmpd="sng">
+                      <a:solidFill>
+                        <a:sysClr val="window" lastClr="FFFFFF"/>
+                      </a:solidFill>
+                    </a:lnT>
+                    <a:lnB w="12700" cmpd="sng">
+                      <a:solidFill>
+                        <a:sysClr val="window" lastClr="FFFFFF"/>
+                      </a:solidFill>
+                    </a:lnB>
+                    <a:lnTlToBr w="12700" cmpd="sng">
+                      <a:noFill/>
+                      <a:prstDash val="solid"/>
+                    </a:lnTlToBr>
+                    <a:lnBlToTr w="12700" cmpd="sng">
+                      <a:noFill/>
+                      <a:prstDash val="solid"/>
+                    </a:lnBlToTr>
+                    <a:solidFill>
+                      <a:schemeClr val="accent1">
+                        <a:lumMod val="40000"/>
+                        <a:lumOff val="60000"/>
+                      </a:schemeClr>
+                    </a:solidFill>
+                  </a:tcPr>
+                </a:tc>
+                <a:extLst>
+                  <a:ext uri="{0D108BD9-81ED-4DB2-BD59-A6C34878D82A}">
+                    <a16:rowId xmlns:a16="http://schemas.microsoft.com/office/drawing/2014/main" val="68335261"/>
+                  </a:ext>
+                </a:extLst>
+              </a:tr>
+            </a:tbl>
+          </a:graphicData>
+        </a:graphic>
+      </p:graphicFrame>
+      <p:sp>
+        <p:nvSpPr>
+          <p:cNvPr id="17" name="Rectangle 16">
+            <a:extLst>
+              <a:ext uri="{FF2B5EF4-FFF2-40B4-BE49-F238E27FC236}">
+                <a16:creationId xmlns:a16="http://schemas.microsoft.com/office/drawing/2014/main" id="{4F890522-B78C-4514-897C-59DB842693F1}"/>
+              </a:ext>
+            </a:extLst>
+          </p:cNvPr>
+          <p:cNvSpPr/>
+          <p:nvPr/>
+        </p:nvSpPr>
+        <p:spPr>
+          <a:xfrm>
+            <a:off x="181968" y="2788108"/>
+            <a:ext cx="2499017" cy="1323439"/>
+          </a:xfrm>
+          <a:prstGeom prst="rect">
+            <a:avLst/>
+          </a:prstGeom>
+          <a:noFill/>
+        </p:spPr>
+        <p:txBody>
+          <a:bodyPr wrap="none" lIns="91440" tIns="45720" rIns="91440" bIns="45720">
+            <a:spAutoFit/>
+          </a:bodyPr>
+          <a:lstStyle/>
+          <a:p>
+            <a:pPr algn="ctr"/>
+            <a:r>
+              <a:rPr lang="en-US" sz="4000" b="1" dirty="0">
+                <a:ln w="0"/>
+                <a:solidFill>
+                  <a:schemeClr val="accent1">
+                    <a:lumMod val="50000"/>
+                  </a:schemeClr>
+                </a:solidFill>
+                <a:latin typeface="Raleway"/>
+              </a:rPr>
+              <a:t>400</a:t>
+            </a:r>
+          </a:p>
+          <a:p>
+            <a:pPr algn="ctr"/>
+            <a:r>
+              <a:rPr lang="en-US" sz="4000" b="1" dirty="0">
+                <a:ln w="0"/>
+                <a:solidFill>
+                  <a:schemeClr val="accent1">
+                    <a:lumMod val="50000"/>
+                  </a:schemeClr>
+                </a:solidFill>
+                <a:latin typeface="Raleway"/>
+              </a:rPr>
+              <a:t>Iterations</a:t>
+            </a:r>
+          </a:p>
+        </p:txBody>
+      </p:sp>
+      <p:sp>
+        <p:nvSpPr>
+          <p:cNvPr id="18" name="TextBox 17">
+            <a:extLst>
+              <a:ext uri="{FF2B5EF4-FFF2-40B4-BE49-F238E27FC236}">
+                <a16:creationId xmlns:a16="http://schemas.microsoft.com/office/drawing/2014/main" id="{305830E1-A5A7-46C5-9969-2283A3861500}"/>
+              </a:ext>
+            </a:extLst>
+          </p:cNvPr>
+          <p:cNvSpPr txBox="1"/>
+          <p:nvPr/>
+        </p:nvSpPr>
+        <p:spPr>
+          <a:xfrm>
+            <a:off x="56660" y="1395163"/>
+            <a:ext cx="1741182" cy="369332"/>
+          </a:xfrm>
+          <a:prstGeom prst="rect">
+            <a:avLst/>
+          </a:prstGeom>
+          <a:noFill/>
+        </p:spPr>
+        <p:txBody>
+          <a:bodyPr wrap="none" rtlCol="0">
+            <a:spAutoFit/>
+          </a:bodyPr>
+          <a:lstStyle/>
+          <a:p>
+            <a:r>
+              <a:rPr lang="en-US" dirty="0">
+                <a:solidFill>
+                  <a:prstClr val="black"/>
+                </a:solidFill>
+                <a:latin typeface="Raleway"/>
+              </a:rPr>
+              <a:t>20 steps of </a:t>
+            </a:r>
+            <a:r>
+              <a:rPr lang="el-GR" i="1" dirty="0">
+                <a:solidFill>
+                  <a:prstClr val="black"/>
+                </a:solidFill>
+                <a:latin typeface="Raleway"/>
+              </a:rPr>
+              <a:t>λ</a:t>
+            </a:r>
+            <a:r>
+              <a:rPr lang="en-US" i="1" baseline="-25000" dirty="0">
+                <a:solidFill>
+                  <a:prstClr val="black"/>
+                </a:solidFill>
+                <a:latin typeface="Raleway"/>
+              </a:rPr>
+              <a:t>2</a:t>
+            </a:r>
+            <a:r>
+              <a:rPr lang="en-US" dirty="0">
+                <a:solidFill>
+                  <a:prstClr val="black"/>
+                </a:solidFill>
+                <a:latin typeface="Raleway"/>
+              </a:rPr>
+              <a:t> </a:t>
+            </a:r>
+          </a:p>
+        </p:txBody>
+      </p:sp>
+      <p:sp>
+        <p:nvSpPr>
+          <p:cNvPr id="19" name="Left Brace 18">
+            <a:extLst>
+              <a:ext uri="{FF2B5EF4-FFF2-40B4-BE49-F238E27FC236}">
+                <a16:creationId xmlns:a16="http://schemas.microsoft.com/office/drawing/2014/main" id="{32582079-4C2D-414C-9BB0-D8555BF2893C}"/>
+              </a:ext>
+            </a:extLst>
+          </p:cNvPr>
+          <p:cNvSpPr/>
+          <p:nvPr/>
+        </p:nvSpPr>
+        <p:spPr>
+          <a:xfrm rot="5400000">
+            <a:off x="685351" y="458220"/>
+            <a:ext cx="274256" cy="3176270"/>
+          </a:xfrm>
+          <a:prstGeom prst="leftBrace">
+            <a:avLst/>
+          </a:prstGeom>
+          <a:noFill/>
+          <a:ln w="38100" cap="flat" cmpd="sng" algn="ctr">
+            <a:solidFill>
+              <a:schemeClr val="accent1"/>
+            </a:solidFill>
+            <a:prstDash val="solid"/>
+            <a:miter lim="800000"/>
+          </a:ln>
+          <a:effectLst/>
+        </p:spPr>
+        <p:txBody>
+          <a:bodyPr rtlCol="0" anchor="ctr"/>
+          <a:lstStyle/>
+          <a:p>
+            <a:pPr marL="0" marR="0" lvl="0" indent="0" algn="ctr" defTabSz="914400" eaLnBrk="1" fontAlgn="auto" latinLnBrk="0" hangingPunct="1">
+              <a:lnSpc>
+                <a:spcPct val="100000"/>
+              </a:lnSpc>
+              <a:spcBef>
+                <a:spcPts val="0"/>
+              </a:spcBef>
+              <a:spcAft>
+                <a:spcPts val="0"/>
+              </a:spcAft>
+              <a:buClrTx/>
+              <a:buSzTx/>
+              <a:buFontTx/>
+              <a:buNone/>
+              <a:tabLst/>
+              <a:defRPr/>
+            </a:pPr>
+            <a:endParaRPr kumimoji="0" lang="en-US" sz="1800" b="0" i="0" u="none" strike="noStrike" kern="0" cap="none" spc="0" normalizeH="0" baseline="0" noProof="0">
+              <a:ln>
+                <a:noFill/>
+              </a:ln>
+              <a:solidFill>
+                <a:prstClr val="black"/>
+              </a:solidFill>
+              <a:effectLst/>
+              <a:uLnTx/>
+              <a:uFillTx/>
+              <a:latin typeface="Raleway"/>
+            </a:endParaRPr>
+          </a:p>
+        </p:txBody>
+      </p:sp>
+      <p:sp>
+        <p:nvSpPr>
+          <p:cNvPr id="20" name="TextBox 19">
+            <a:extLst>
+              <a:ext uri="{FF2B5EF4-FFF2-40B4-BE49-F238E27FC236}">
+                <a16:creationId xmlns:a16="http://schemas.microsoft.com/office/drawing/2014/main" id="{5B80E5E6-5823-43E5-9C49-DFD70D265E29}"/>
+              </a:ext>
+            </a:extLst>
+          </p:cNvPr>
+          <p:cNvSpPr txBox="1"/>
+          <p:nvPr/>
+        </p:nvSpPr>
+        <p:spPr>
+          <a:xfrm rot="16200000">
+            <a:off x="-2328294" y="3146689"/>
+            <a:ext cx="1718740" cy="369332"/>
+          </a:xfrm>
+          <a:prstGeom prst="rect">
+            <a:avLst/>
+          </a:prstGeom>
+          <a:noFill/>
+        </p:spPr>
+        <p:txBody>
+          <a:bodyPr wrap="none" rtlCol="0">
+            <a:spAutoFit/>
+          </a:bodyPr>
+          <a:lstStyle/>
+          <a:p>
+            <a:r>
+              <a:rPr lang="en-US" dirty="0">
+                <a:solidFill>
+                  <a:prstClr val="black"/>
+                </a:solidFill>
+                <a:latin typeface="Raleway"/>
+              </a:rPr>
+              <a:t>20 steps of</a:t>
+            </a:r>
+            <a:r>
+              <a:rPr lang="el-GR" i="1" dirty="0">
+                <a:solidFill>
+                  <a:prstClr val="black"/>
+                </a:solidFill>
+                <a:latin typeface="Raleway"/>
+              </a:rPr>
+              <a:t> λ</a:t>
+            </a:r>
+            <a:r>
+              <a:rPr lang="en-US" i="1" baseline="-25000" dirty="0">
+                <a:solidFill>
+                  <a:prstClr val="black"/>
+                </a:solidFill>
+                <a:latin typeface="Raleway"/>
+              </a:rPr>
+              <a:t>1</a:t>
+            </a:r>
+            <a:r>
+              <a:rPr lang="en-US" i="1" dirty="0">
+                <a:solidFill>
+                  <a:prstClr val="black"/>
+                </a:solidFill>
+                <a:latin typeface="Raleway"/>
+              </a:rPr>
+              <a:t> </a:t>
+            </a:r>
+          </a:p>
+        </p:txBody>
+      </p:sp>
+      <p:sp>
+        <p:nvSpPr>
+          <p:cNvPr id="21" name="Left Brace 20">
+            <a:extLst>
+              <a:ext uri="{FF2B5EF4-FFF2-40B4-BE49-F238E27FC236}">
+                <a16:creationId xmlns:a16="http://schemas.microsoft.com/office/drawing/2014/main" id="{AA4F248B-4F85-407F-B459-4D0BDE982F08}"/>
+              </a:ext>
+            </a:extLst>
+          </p:cNvPr>
+          <p:cNvSpPr/>
+          <p:nvPr/>
+        </p:nvSpPr>
+        <p:spPr>
+          <a:xfrm>
+            <a:off x="-1110001" y="2218835"/>
+            <a:ext cx="297209" cy="2225040"/>
+          </a:xfrm>
+          <a:prstGeom prst="leftBrace">
+            <a:avLst/>
+          </a:prstGeom>
+          <a:noFill/>
+          <a:ln w="38100" cap="flat" cmpd="sng" algn="ctr">
+            <a:solidFill>
+              <a:schemeClr val="accent1"/>
+            </a:solidFill>
+            <a:prstDash val="solid"/>
+            <a:miter lim="800000"/>
+          </a:ln>
+          <a:effectLst/>
+        </p:spPr>
+        <p:txBody>
+          <a:bodyPr rtlCol="0" anchor="ctr"/>
+          <a:lstStyle/>
+          <a:p>
+            <a:pPr marL="0" marR="0" lvl="0" indent="0" algn="ctr" defTabSz="914400" eaLnBrk="1" fontAlgn="auto" latinLnBrk="0" hangingPunct="1">
+              <a:lnSpc>
+                <a:spcPct val="100000"/>
+              </a:lnSpc>
+              <a:spcBef>
+                <a:spcPts val="0"/>
+              </a:spcBef>
+              <a:spcAft>
+                <a:spcPts val="0"/>
+              </a:spcAft>
+              <a:buClrTx/>
+              <a:buSzTx/>
+              <a:buFontTx/>
+              <a:buNone/>
+              <a:tabLst/>
+              <a:defRPr/>
+            </a:pPr>
+            <a:endParaRPr kumimoji="0" lang="en-US" sz="1800" b="0" i="0" u="none" strike="noStrike" kern="0" cap="none" spc="0" normalizeH="0" baseline="0" noProof="0">
+              <a:ln>
+                <a:noFill/>
+              </a:ln>
+              <a:solidFill>
+                <a:prstClr val="black"/>
+              </a:solidFill>
+              <a:effectLst/>
+              <a:uLnTx/>
+              <a:uFillTx/>
+              <a:latin typeface="Raleway"/>
+            </a:endParaRPr>
           </a:p>
         </p:txBody>
       </p:sp>

--- a/img/parEBEN_graphics.pptx
+++ b/img/parEBEN_graphics.pptx
@@ -7,7 +7,8 @@
   <p:sldIdLst>
     <p:sldId id="257" r:id="rId2"/>
     <p:sldId id="258" r:id="rId3"/>
-    <p:sldId id="259" r:id="rId4"/>
+    <p:sldId id="260" r:id="rId4"/>
+    <p:sldId id="259" r:id="rId5"/>
   </p:sldIdLst>
   <p:sldSz cx="12192000" cy="6858000"/>
   <p:notesSz cx="6858000" cy="9144000"/>
@@ -261,7 +262,7 @@
           <a:p>
             <a:fld id="{53F1C5C1-91BB-4D0D-95FD-19F0E5A4700D}" type="datetimeFigureOut">
               <a:rPr lang="en-US" smtClean="0"/>
-              <a:t>2/6/2020</a:t>
+              <a:t>3/26/2020</a:t>
             </a:fld>
             <a:endParaRPr lang="en-US"/>
           </a:p>
@@ -459,7 +460,7 @@
           <a:p>
             <a:fld id="{53F1C5C1-91BB-4D0D-95FD-19F0E5A4700D}" type="datetimeFigureOut">
               <a:rPr lang="en-US" smtClean="0"/>
-              <a:t>2/6/2020</a:t>
+              <a:t>3/26/2020</a:t>
             </a:fld>
             <a:endParaRPr lang="en-US"/>
           </a:p>
@@ -667,7 +668,7 @@
           <a:p>
             <a:fld id="{53F1C5C1-91BB-4D0D-95FD-19F0E5A4700D}" type="datetimeFigureOut">
               <a:rPr lang="en-US" smtClean="0"/>
-              <a:t>2/6/2020</a:t>
+              <a:t>3/26/2020</a:t>
             </a:fld>
             <a:endParaRPr lang="en-US"/>
           </a:p>
@@ -865,7 +866,7 @@
           <a:p>
             <a:fld id="{53F1C5C1-91BB-4D0D-95FD-19F0E5A4700D}" type="datetimeFigureOut">
               <a:rPr lang="en-US" smtClean="0"/>
-              <a:t>2/6/2020</a:t>
+              <a:t>3/26/2020</a:t>
             </a:fld>
             <a:endParaRPr lang="en-US"/>
           </a:p>
@@ -1140,7 +1141,7 @@
           <a:p>
             <a:fld id="{53F1C5C1-91BB-4D0D-95FD-19F0E5A4700D}" type="datetimeFigureOut">
               <a:rPr lang="en-US" smtClean="0"/>
-              <a:t>2/6/2020</a:t>
+              <a:t>3/26/2020</a:t>
             </a:fld>
             <a:endParaRPr lang="en-US"/>
           </a:p>
@@ -1405,7 +1406,7 @@
           <a:p>
             <a:fld id="{53F1C5C1-91BB-4D0D-95FD-19F0E5A4700D}" type="datetimeFigureOut">
               <a:rPr lang="en-US" smtClean="0"/>
-              <a:t>2/6/2020</a:t>
+              <a:t>3/26/2020</a:t>
             </a:fld>
             <a:endParaRPr lang="en-US"/>
           </a:p>
@@ -1817,7 +1818,7 @@
           <a:p>
             <a:fld id="{53F1C5C1-91BB-4D0D-95FD-19F0E5A4700D}" type="datetimeFigureOut">
               <a:rPr lang="en-US" smtClean="0"/>
-              <a:t>2/6/2020</a:t>
+              <a:t>3/26/2020</a:t>
             </a:fld>
             <a:endParaRPr lang="en-US"/>
           </a:p>
@@ -1958,7 +1959,7 @@
           <a:p>
             <a:fld id="{53F1C5C1-91BB-4D0D-95FD-19F0E5A4700D}" type="datetimeFigureOut">
               <a:rPr lang="en-US" smtClean="0"/>
-              <a:t>2/6/2020</a:t>
+              <a:t>3/26/2020</a:t>
             </a:fld>
             <a:endParaRPr lang="en-US"/>
           </a:p>
@@ -2071,7 +2072,7 @@
           <a:p>
             <a:fld id="{53F1C5C1-91BB-4D0D-95FD-19F0E5A4700D}" type="datetimeFigureOut">
               <a:rPr lang="en-US" smtClean="0"/>
-              <a:t>2/6/2020</a:t>
+              <a:t>3/26/2020</a:t>
             </a:fld>
             <a:endParaRPr lang="en-US"/>
           </a:p>
@@ -2382,7 +2383,7 @@
           <a:p>
             <a:fld id="{53F1C5C1-91BB-4D0D-95FD-19F0E5A4700D}" type="datetimeFigureOut">
               <a:rPr lang="en-US" smtClean="0"/>
-              <a:t>2/6/2020</a:t>
+              <a:t>3/26/2020</a:t>
             </a:fld>
             <a:endParaRPr lang="en-US"/>
           </a:p>
@@ -2670,7 +2671,7 @@
           <a:p>
             <a:fld id="{53F1C5C1-91BB-4D0D-95FD-19F0E5A4700D}" type="datetimeFigureOut">
               <a:rPr lang="en-US" smtClean="0"/>
-              <a:t>2/6/2020</a:t>
+              <a:t>3/26/2020</a:t>
             </a:fld>
             <a:endParaRPr lang="en-US"/>
           </a:p>
@@ -2911,7 +2912,7 @@
           <a:p>
             <a:fld id="{53F1C5C1-91BB-4D0D-95FD-19F0E5A4700D}" type="datetimeFigureOut">
               <a:rPr lang="en-US" smtClean="0"/>
-              <a:t>2/6/2020</a:t>
+              <a:t>3/26/2020</a:t>
             </a:fld>
             <a:endParaRPr lang="en-US"/>
           </a:p>
@@ -7733,6 +7734,3558 @@
           <a:chExt cx="0" cy="0"/>
         </a:xfrm>
       </p:grpSpPr>
+      <p:graphicFrame>
+        <p:nvGraphicFramePr>
+          <p:cNvPr id="4" name="Table 3">
+            <a:extLst>
+              <a:ext uri="{FF2B5EF4-FFF2-40B4-BE49-F238E27FC236}">
+                <a16:creationId xmlns:a16="http://schemas.microsoft.com/office/drawing/2014/main" id="{06F50FDF-5A48-4580-8B4E-70EAC9D69E55}"/>
+              </a:ext>
+            </a:extLst>
+          </p:cNvPr>
+          <p:cNvGraphicFramePr>
+            <a:graphicFrameLocks noGrp="1"/>
+          </p:cNvGraphicFramePr>
+          <p:nvPr>
+            <p:extLst>
+              <p:ext uri="{D42A27DB-BD31-4B8C-83A1-F6EECF244321}">
+                <p14:modId xmlns:p14="http://schemas.microsoft.com/office/powerpoint/2010/main" val="3669382537"/>
+              </p:ext>
+            </p:extLst>
+          </p:nvPr>
+        </p:nvGraphicFramePr>
+        <p:xfrm>
+          <a:off x="1303939" y="2543970"/>
+          <a:ext cx="3447732" cy="2225040"/>
+        </p:xfrm>
+        <a:graphic>
+          <a:graphicData uri="http://schemas.openxmlformats.org/drawingml/2006/table">
+            <a:tbl>
+              <a:tblPr firstRow="1" firstCol="1" bandRow="1"/>
+              <a:tblGrid>
+                <a:gridCol w="975042">
+                  <a:extLst>
+                    <a:ext uri="{9D8B030D-6E8A-4147-A177-3AD203B41FA5}">
+                      <a16:colId xmlns:a16="http://schemas.microsoft.com/office/drawing/2014/main" val="692215564"/>
+                    </a:ext>
+                  </a:extLst>
+                </a:gridCol>
+                <a:gridCol w="703580">
+                  <a:extLst>
+                    <a:ext uri="{9D8B030D-6E8A-4147-A177-3AD203B41FA5}">
+                      <a16:colId xmlns:a16="http://schemas.microsoft.com/office/drawing/2014/main" val="2745094234"/>
+                    </a:ext>
+                  </a:extLst>
+                </a:gridCol>
+                <a:gridCol w="454343">
+                  <a:extLst>
+                    <a:ext uri="{9D8B030D-6E8A-4147-A177-3AD203B41FA5}">
+                      <a16:colId xmlns:a16="http://schemas.microsoft.com/office/drawing/2014/main" val="2925381175"/>
+                    </a:ext>
+                  </a:extLst>
+                </a:gridCol>
+                <a:gridCol w="1314767">
+                  <a:extLst>
+                    <a:ext uri="{9D8B030D-6E8A-4147-A177-3AD203B41FA5}">
+                      <a16:colId xmlns:a16="http://schemas.microsoft.com/office/drawing/2014/main" val="3764812946"/>
+                    </a:ext>
+                  </a:extLst>
+                </a:gridCol>
+              </a:tblGrid>
+              <a:tr h="370840">
+                <a:tc>
+                  <a:txBody>
+                    <a:bodyPr/>
+                    <a:lstStyle>
+                      <a:lvl1pPr marL="0" algn="l" defTabSz="914400" rtl="0" eaLnBrk="1" latinLnBrk="0" hangingPunct="1">
+                        <a:defRPr sz="1800" b="1" kern="1200">
+                          <a:solidFill>
+                            <a:schemeClr val="lt1"/>
+                          </a:solidFill>
+                          <a:latin typeface="Segoe UI"/>
+                        </a:defRPr>
+                      </a:lvl1pPr>
+                      <a:lvl2pPr marL="457200" algn="l" defTabSz="914400" rtl="0" eaLnBrk="1" latinLnBrk="0" hangingPunct="1">
+                        <a:defRPr sz="1800" b="1" kern="1200">
+                          <a:solidFill>
+                            <a:schemeClr val="lt1"/>
+                          </a:solidFill>
+                          <a:latin typeface="Segoe UI"/>
+                        </a:defRPr>
+                      </a:lvl2pPr>
+                      <a:lvl3pPr marL="914400" algn="l" defTabSz="914400" rtl="0" eaLnBrk="1" latinLnBrk="0" hangingPunct="1">
+                        <a:defRPr sz="1800" b="1" kern="1200">
+                          <a:solidFill>
+                            <a:schemeClr val="lt1"/>
+                          </a:solidFill>
+                          <a:latin typeface="Segoe UI"/>
+                        </a:defRPr>
+                      </a:lvl3pPr>
+                      <a:lvl4pPr marL="1371600" algn="l" defTabSz="914400" rtl="0" eaLnBrk="1" latinLnBrk="0" hangingPunct="1">
+                        <a:defRPr sz="1800" b="1" kern="1200">
+                          <a:solidFill>
+                            <a:schemeClr val="lt1"/>
+                          </a:solidFill>
+                          <a:latin typeface="Segoe UI"/>
+                        </a:defRPr>
+                      </a:lvl4pPr>
+                      <a:lvl5pPr marL="1828800" algn="l" defTabSz="914400" rtl="0" eaLnBrk="1" latinLnBrk="0" hangingPunct="1">
+                        <a:defRPr sz="1800" b="1" kern="1200">
+                          <a:solidFill>
+                            <a:schemeClr val="lt1"/>
+                          </a:solidFill>
+                          <a:latin typeface="Segoe UI"/>
+                        </a:defRPr>
+                      </a:lvl5pPr>
+                      <a:lvl6pPr marL="2286000" algn="l" defTabSz="914400" rtl="0" eaLnBrk="1" latinLnBrk="0" hangingPunct="1">
+                        <a:defRPr sz="1800" b="1" kern="1200">
+                          <a:solidFill>
+                            <a:schemeClr val="lt1"/>
+                          </a:solidFill>
+                          <a:latin typeface="Segoe UI"/>
+                        </a:defRPr>
+                      </a:lvl6pPr>
+                      <a:lvl7pPr marL="2743200" algn="l" defTabSz="914400" rtl="0" eaLnBrk="1" latinLnBrk="0" hangingPunct="1">
+                        <a:defRPr sz="1800" b="1" kern="1200">
+                          <a:solidFill>
+                            <a:schemeClr val="lt1"/>
+                          </a:solidFill>
+                          <a:latin typeface="Segoe UI"/>
+                        </a:defRPr>
+                      </a:lvl7pPr>
+                      <a:lvl8pPr marL="3200400" algn="l" defTabSz="914400" rtl="0" eaLnBrk="1" latinLnBrk="0" hangingPunct="1">
+                        <a:defRPr sz="1800" b="1" kern="1200">
+                          <a:solidFill>
+                            <a:schemeClr val="lt1"/>
+                          </a:solidFill>
+                          <a:latin typeface="Segoe UI"/>
+                        </a:defRPr>
+                      </a:lvl8pPr>
+                      <a:lvl9pPr marL="3657600" algn="l" defTabSz="914400" rtl="0" eaLnBrk="1" latinLnBrk="0" hangingPunct="1">
+                        <a:defRPr sz="1800" b="1" kern="1200">
+                          <a:solidFill>
+                            <a:schemeClr val="lt1"/>
+                          </a:solidFill>
+                          <a:latin typeface="Segoe UI"/>
+                        </a:defRPr>
+                      </a:lvl9pPr>
+                    </a:lstStyle>
+                    <a:p>
+                      <a:pPr algn="ctr"/>
+                      <a:endParaRPr lang="en-US" dirty="0"/>
+                    </a:p>
+                  </a:txBody>
+                  <a:tcPr>
+                    <a:lnL w="12700" cmpd="sng">
+                      <a:solidFill>
+                        <a:sysClr val="window" lastClr="FFFFFF"/>
+                      </a:solidFill>
+                    </a:lnL>
+                    <a:lnR w="12700" cmpd="sng">
+                      <a:solidFill>
+                        <a:sysClr val="window" lastClr="FFFFFF"/>
+                      </a:solidFill>
+                    </a:lnR>
+                    <a:lnT w="12700" cmpd="sng">
+                      <a:solidFill>
+                        <a:sysClr val="window" lastClr="FFFFFF"/>
+                      </a:solidFill>
+                    </a:lnT>
+                    <a:lnB w="38100" cmpd="sng">
+                      <a:solidFill>
+                        <a:sysClr val="window" lastClr="FFFFFF"/>
+                      </a:solidFill>
+                    </a:lnB>
+                    <a:lnTlToBr w="12700" cmpd="sng">
+                      <a:noFill/>
+                      <a:prstDash val="solid"/>
+                    </a:lnTlToBr>
+                    <a:lnBlToTr w="12700" cmpd="sng">
+                      <a:noFill/>
+                      <a:prstDash val="solid"/>
+                    </a:lnBlToTr>
+                    <a:solidFill>
+                      <a:schemeClr val="tx1"/>
+                    </a:solidFill>
+                  </a:tcPr>
+                </a:tc>
+                <a:tc>
+                  <a:txBody>
+                    <a:bodyPr/>
+                    <a:lstStyle>
+                      <a:lvl1pPr marL="0" algn="l" defTabSz="914400" rtl="0" eaLnBrk="1" latinLnBrk="0" hangingPunct="1">
+                        <a:defRPr sz="1800" b="1" kern="1200">
+                          <a:solidFill>
+                            <a:schemeClr val="lt1"/>
+                          </a:solidFill>
+                          <a:latin typeface="Segoe UI"/>
+                        </a:defRPr>
+                      </a:lvl1pPr>
+                      <a:lvl2pPr marL="457200" algn="l" defTabSz="914400" rtl="0" eaLnBrk="1" latinLnBrk="0" hangingPunct="1">
+                        <a:defRPr sz="1800" b="1" kern="1200">
+                          <a:solidFill>
+                            <a:schemeClr val="lt1"/>
+                          </a:solidFill>
+                          <a:latin typeface="Segoe UI"/>
+                        </a:defRPr>
+                      </a:lvl2pPr>
+                      <a:lvl3pPr marL="914400" algn="l" defTabSz="914400" rtl="0" eaLnBrk="1" latinLnBrk="0" hangingPunct="1">
+                        <a:defRPr sz="1800" b="1" kern="1200">
+                          <a:solidFill>
+                            <a:schemeClr val="lt1"/>
+                          </a:solidFill>
+                          <a:latin typeface="Segoe UI"/>
+                        </a:defRPr>
+                      </a:lvl3pPr>
+                      <a:lvl4pPr marL="1371600" algn="l" defTabSz="914400" rtl="0" eaLnBrk="1" latinLnBrk="0" hangingPunct="1">
+                        <a:defRPr sz="1800" b="1" kern="1200">
+                          <a:solidFill>
+                            <a:schemeClr val="lt1"/>
+                          </a:solidFill>
+                          <a:latin typeface="Segoe UI"/>
+                        </a:defRPr>
+                      </a:lvl4pPr>
+                      <a:lvl5pPr marL="1828800" algn="l" defTabSz="914400" rtl="0" eaLnBrk="1" latinLnBrk="0" hangingPunct="1">
+                        <a:defRPr sz="1800" b="1" kern="1200">
+                          <a:solidFill>
+                            <a:schemeClr val="lt1"/>
+                          </a:solidFill>
+                          <a:latin typeface="Segoe UI"/>
+                        </a:defRPr>
+                      </a:lvl5pPr>
+                      <a:lvl6pPr marL="2286000" algn="l" defTabSz="914400" rtl="0" eaLnBrk="1" latinLnBrk="0" hangingPunct="1">
+                        <a:defRPr sz="1800" b="1" kern="1200">
+                          <a:solidFill>
+                            <a:schemeClr val="lt1"/>
+                          </a:solidFill>
+                          <a:latin typeface="Segoe UI"/>
+                        </a:defRPr>
+                      </a:lvl6pPr>
+                      <a:lvl7pPr marL="2743200" algn="l" defTabSz="914400" rtl="0" eaLnBrk="1" latinLnBrk="0" hangingPunct="1">
+                        <a:defRPr sz="1800" b="1" kern="1200">
+                          <a:solidFill>
+                            <a:schemeClr val="lt1"/>
+                          </a:solidFill>
+                          <a:latin typeface="Segoe UI"/>
+                        </a:defRPr>
+                      </a:lvl7pPr>
+                      <a:lvl8pPr marL="3200400" algn="l" defTabSz="914400" rtl="0" eaLnBrk="1" latinLnBrk="0" hangingPunct="1">
+                        <a:defRPr sz="1800" b="1" kern="1200">
+                          <a:solidFill>
+                            <a:schemeClr val="lt1"/>
+                          </a:solidFill>
+                          <a:latin typeface="Segoe UI"/>
+                        </a:defRPr>
+                      </a:lvl8pPr>
+                      <a:lvl9pPr marL="3657600" algn="l" defTabSz="914400" rtl="0" eaLnBrk="1" latinLnBrk="0" hangingPunct="1">
+                        <a:defRPr sz="1800" b="1" kern="1200">
+                          <a:solidFill>
+                            <a:schemeClr val="lt1"/>
+                          </a:solidFill>
+                          <a:latin typeface="Segoe UI"/>
+                        </a:defRPr>
+                      </a:lvl9pPr>
+                    </a:lstStyle>
+                    <a:p>
+                      <a:pPr algn="ctr"/>
+                      <a:r>
+                        <a:rPr lang="en-US" dirty="0"/>
+                        <a:t>(0)</a:t>
+                      </a:r>
+                      <a:r>
+                        <a:rPr lang="el-GR" dirty="0"/>
+                        <a:t>λ</a:t>
+                      </a:r>
+                      <a:endParaRPr lang="en-US" baseline="-25000" dirty="0"/>
+                    </a:p>
+                  </a:txBody>
+                  <a:tcPr>
+                    <a:lnL w="12700" cmpd="sng">
+                      <a:solidFill>
+                        <a:sysClr val="window" lastClr="FFFFFF"/>
+                      </a:solidFill>
+                    </a:lnL>
+                    <a:lnR w="12700" cmpd="sng">
+                      <a:solidFill>
+                        <a:sysClr val="window" lastClr="FFFFFF"/>
+                      </a:solidFill>
+                    </a:lnR>
+                    <a:lnT w="12700" cmpd="sng">
+                      <a:solidFill>
+                        <a:sysClr val="window" lastClr="FFFFFF"/>
+                      </a:solidFill>
+                    </a:lnT>
+                    <a:lnB w="38100" cmpd="sng">
+                      <a:solidFill>
+                        <a:sysClr val="window" lastClr="FFFFFF"/>
+                      </a:solidFill>
+                    </a:lnB>
+                    <a:lnTlToBr w="12700" cmpd="sng">
+                      <a:noFill/>
+                      <a:prstDash val="solid"/>
+                    </a:lnTlToBr>
+                    <a:lnBlToTr w="12700" cmpd="sng">
+                      <a:noFill/>
+                      <a:prstDash val="solid"/>
+                    </a:lnBlToTr>
+                    <a:solidFill>
+                      <a:schemeClr val="tx1"/>
+                    </a:solidFill>
+                  </a:tcPr>
+                </a:tc>
+                <a:tc>
+                  <a:txBody>
+                    <a:bodyPr/>
+                    <a:lstStyle>
+                      <a:lvl1pPr marL="0" algn="l" defTabSz="914400" rtl="0" eaLnBrk="1" latinLnBrk="0" hangingPunct="1">
+                        <a:defRPr sz="1800" b="1" kern="1200">
+                          <a:solidFill>
+                            <a:schemeClr val="lt1"/>
+                          </a:solidFill>
+                          <a:latin typeface="Segoe UI"/>
+                        </a:defRPr>
+                      </a:lvl1pPr>
+                      <a:lvl2pPr marL="457200" algn="l" defTabSz="914400" rtl="0" eaLnBrk="1" latinLnBrk="0" hangingPunct="1">
+                        <a:defRPr sz="1800" b="1" kern="1200">
+                          <a:solidFill>
+                            <a:schemeClr val="lt1"/>
+                          </a:solidFill>
+                          <a:latin typeface="Segoe UI"/>
+                        </a:defRPr>
+                      </a:lvl2pPr>
+                      <a:lvl3pPr marL="914400" algn="l" defTabSz="914400" rtl="0" eaLnBrk="1" latinLnBrk="0" hangingPunct="1">
+                        <a:defRPr sz="1800" b="1" kern="1200">
+                          <a:solidFill>
+                            <a:schemeClr val="lt1"/>
+                          </a:solidFill>
+                          <a:latin typeface="Segoe UI"/>
+                        </a:defRPr>
+                      </a:lvl3pPr>
+                      <a:lvl4pPr marL="1371600" algn="l" defTabSz="914400" rtl="0" eaLnBrk="1" latinLnBrk="0" hangingPunct="1">
+                        <a:defRPr sz="1800" b="1" kern="1200">
+                          <a:solidFill>
+                            <a:schemeClr val="lt1"/>
+                          </a:solidFill>
+                          <a:latin typeface="Segoe UI"/>
+                        </a:defRPr>
+                      </a:lvl4pPr>
+                      <a:lvl5pPr marL="1828800" algn="l" defTabSz="914400" rtl="0" eaLnBrk="1" latinLnBrk="0" hangingPunct="1">
+                        <a:defRPr sz="1800" b="1" kern="1200">
+                          <a:solidFill>
+                            <a:schemeClr val="lt1"/>
+                          </a:solidFill>
+                          <a:latin typeface="Segoe UI"/>
+                        </a:defRPr>
+                      </a:lvl5pPr>
+                      <a:lvl6pPr marL="2286000" algn="l" defTabSz="914400" rtl="0" eaLnBrk="1" latinLnBrk="0" hangingPunct="1">
+                        <a:defRPr sz="1800" b="1" kern="1200">
+                          <a:solidFill>
+                            <a:schemeClr val="lt1"/>
+                          </a:solidFill>
+                          <a:latin typeface="Segoe UI"/>
+                        </a:defRPr>
+                      </a:lvl6pPr>
+                      <a:lvl7pPr marL="2743200" algn="l" defTabSz="914400" rtl="0" eaLnBrk="1" latinLnBrk="0" hangingPunct="1">
+                        <a:defRPr sz="1800" b="1" kern="1200">
+                          <a:solidFill>
+                            <a:schemeClr val="lt1"/>
+                          </a:solidFill>
+                          <a:latin typeface="Segoe UI"/>
+                        </a:defRPr>
+                      </a:lvl7pPr>
+                      <a:lvl8pPr marL="3200400" algn="l" defTabSz="914400" rtl="0" eaLnBrk="1" latinLnBrk="0" hangingPunct="1">
+                        <a:defRPr sz="1800" b="1" kern="1200">
+                          <a:solidFill>
+                            <a:schemeClr val="lt1"/>
+                          </a:solidFill>
+                          <a:latin typeface="Segoe UI"/>
+                        </a:defRPr>
+                      </a:lvl8pPr>
+                      <a:lvl9pPr marL="3657600" algn="l" defTabSz="914400" rtl="0" eaLnBrk="1" latinLnBrk="0" hangingPunct="1">
+                        <a:defRPr sz="1800" b="1" kern="1200">
+                          <a:solidFill>
+                            <a:schemeClr val="lt1"/>
+                          </a:solidFill>
+                          <a:latin typeface="Segoe UI"/>
+                        </a:defRPr>
+                      </a:lvl9pPr>
+                    </a:lstStyle>
+                    <a:p>
+                      <a:pPr algn="ctr"/>
+                      <a:r>
+                        <a:rPr lang="en-US" dirty="0"/>
+                        <a:t>…</a:t>
+                      </a:r>
+                    </a:p>
+                  </a:txBody>
+                  <a:tcPr>
+                    <a:lnL w="12700" cmpd="sng">
+                      <a:solidFill>
+                        <a:sysClr val="window" lastClr="FFFFFF"/>
+                      </a:solidFill>
+                    </a:lnL>
+                    <a:lnR w="12700" cmpd="sng">
+                      <a:solidFill>
+                        <a:sysClr val="window" lastClr="FFFFFF"/>
+                      </a:solidFill>
+                    </a:lnR>
+                    <a:lnT w="12700" cmpd="sng">
+                      <a:solidFill>
+                        <a:sysClr val="window" lastClr="FFFFFF"/>
+                      </a:solidFill>
+                    </a:lnT>
+                    <a:lnB w="38100" cmpd="sng">
+                      <a:solidFill>
+                        <a:sysClr val="window" lastClr="FFFFFF"/>
+                      </a:solidFill>
+                    </a:lnB>
+                    <a:lnTlToBr w="12700" cmpd="sng">
+                      <a:noFill/>
+                      <a:prstDash val="solid"/>
+                    </a:lnTlToBr>
+                    <a:lnBlToTr w="12700" cmpd="sng">
+                      <a:noFill/>
+                      <a:prstDash val="solid"/>
+                    </a:lnBlToTr>
+                    <a:solidFill>
+                      <a:schemeClr val="tx1"/>
+                    </a:solidFill>
+                  </a:tcPr>
+                </a:tc>
+                <a:tc>
+                  <a:txBody>
+                    <a:bodyPr/>
+                    <a:lstStyle>
+                      <a:lvl1pPr marL="0" algn="l" defTabSz="914400" rtl="0" eaLnBrk="1" latinLnBrk="0" hangingPunct="1">
+                        <a:defRPr sz="1800" b="1" kern="1200">
+                          <a:solidFill>
+                            <a:schemeClr val="lt1"/>
+                          </a:solidFill>
+                          <a:latin typeface="Segoe UI"/>
+                        </a:defRPr>
+                      </a:lvl1pPr>
+                      <a:lvl2pPr marL="457200" algn="l" defTabSz="914400" rtl="0" eaLnBrk="1" latinLnBrk="0" hangingPunct="1">
+                        <a:defRPr sz="1800" b="1" kern="1200">
+                          <a:solidFill>
+                            <a:schemeClr val="lt1"/>
+                          </a:solidFill>
+                          <a:latin typeface="Segoe UI"/>
+                        </a:defRPr>
+                      </a:lvl2pPr>
+                      <a:lvl3pPr marL="914400" algn="l" defTabSz="914400" rtl="0" eaLnBrk="1" latinLnBrk="0" hangingPunct="1">
+                        <a:defRPr sz="1800" b="1" kern="1200">
+                          <a:solidFill>
+                            <a:schemeClr val="lt1"/>
+                          </a:solidFill>
+                          <a:latin typeface="Segoe UI"/>
+                        </a:defRPr>
+                      </a:lvl3pPr>
+                      <a:lvl4pPr marL="1371600" algn="l" defTabSz="914400" rtl="0" eaLnBrk="1" latinLnBrk="0" hangingPunct="1">
+                        <a:defRPr sz="1800" b="1" kern="1200">
+                          <a:solidFill>
+                            <a:schemeClr val="lt1"/>
+                          </a:solidFill>
+                          <a:latin typeface="Segoe UI"/>
+                        </a:defRPr>
+                      </a:lvl4pPr>
+                      <a:lvl5pPr marL="1828800" algn="l" defTabSz="914400" rtl="0" eaLnBrk="1" latinLnBrk="0" hangingPunct="1">
+                        <a:defRPr sz="1800" b="1" kern="1200">
+                          <a:solidFill>
+                            <a:schemeClr val="lt1"/>
+                          </a:solidFill>
+                          <a:latin typeface="Segoe UI"/>
+                        </a:defRPr>
+                      </a:lvl5pPr>
+                      <a:lvl6pPr marL="2286000" algn="l" defTabSz="914400" rtl="0" eaLnBrk="1" latinLnBrk="0" hangingPunct="1">
+                        <a:defRPr sz="1800" b="1" kern="1200">
+                          <a:solidFill>
+                            <a:schemeClr val="lt1"/>
+                          </a:solidFill>
+                          <a:latin typeface="Segoe UI"/>
+                        </a:defRPr>
+                      </a:lvl6pPr>
+                      <a:lvl7pPr marL="2743200" algn="l" defTabSz="914400" rtl="0" eaLnBrk="1" latinLnBrk="0" hangingPunct="1">
+                        <a:defRPr sz="1800" b="1" kern="1200">
+                          <a:solidFill>
+                            <a:schemeClr val="lt1"/>
+                          </a:solidFill>
+                          <a:latin typeface="Segoe UI"/>
+                        </a:defRPr>
+                      </a:lvl7pPr>
+                      <a:lvl8pPr marL="3200400" algn="l" defTabSz="914400" rtl="0" eaLnBrk="1" latinLnBrk="0" hangingPunct="1">
+                        <a:defRPr sz="1800" b="1" kern="1200">
+                          <a:solidFill>
+                            <a:schemeClr val="lt1"/>
+                          </a:solidFill>
+                          <a:latin typeface="Segoe UI"/>
+                        </a:defRPr>
+                      </a:lvl8pPr>
+                      <a:lvl9pPr marL="3657600" algn="l" defTabSz="914400" rtl="0" eaLnBrk="1" latinLnBrk="0" hangingPunct="1">
+                        <a:defRPr sz="1800" b="1" kern="1200">
+                          <a:solidFill>
+                            <a:schemeClr val="lt1"/>
+                          </a:solidFill>
+                          <a:latin typeface="Segoe UI"/>
+                        </a:defRPr>
+                      </a:lvl9pPr>
+                    </a:lstStyle>
+                    <a:p>
+                      <a:pPr algn="ctr"/>
+                      <a:r>
+                        <a:rPr lang="en-US" dirty="0"/>
+                        <a:t>(1)</a:t>
+                      </a:r>
+                      <a:r>
+                        <a:rPr lang="el-GR" dirty="0"/>
+                        <a:t>λ</a:t>
+                      </a:r>
+                      <a:endParaRPr lang="en-US" baseline="-25000" dirty="0"/>
+                    </a:p>
+                  </a:txBody>
+                  <a:tcPr>
+                    <a:lnL w="12700" cmpd="sng">
+                      <a:solidFill>
+                        <a:sysClr val="window" lastClr="FFFFFF"/>
+                      </a:solidFill>
+                    </a:lnL>
+                    <a:lnR w="12700" cmpd="sng">
+                      <a:solidFill>
+                        <a:sysClr val="window" lastClr="FFFFFF"/>
+                      </a:solidFill>
+                    </a:lnR>
+                    <a:lnT w="12700" cmpd="sng">
+                      <a:solidFill>
+                        <a:sysClr val="window" lastClr="FFFFFF"/>
+                      </a:solidFill>
+                    </a:lnT>
+                    <a:lnB w="38100" cmpd="sng">
+                      <a:solidFill>
+                        <a:sysClr val="window" lastClr="FFFFFF"/>
+                      </a:solidFill>
+                    </a:lnB>
+                    <a:lnTlToBr w="12700" cmpd="sng">
+                      <a:noFill/>
+                      <a:prstDash val="solid"/>
+                    </a:lnTlToBr>
+                    <a:lnBlToTr w="12700" cmpd="sng">
+                      <a:noFill/>
+                      <a:prstDash val="solid"/>
+                    </a:lnBlToTr>
+                    <a:solidFill>
+                      <a:schemeClr val="tx1"/>
+                    </a:solidFill>
+                  </a:tcPr>
+                </a:tc>
+                <a:extLst>
+                  <a:ext uri="{0D108BD9-81ED-4DB2-BD59-A6C34878D82A}">
+                    <a16:rowId xmlns:a16="http://schemas.microsoft.com/office/drawing/2014/main" val="842397295"/>
+                  </a:ext>
+                </a:extLst>
+              </a:tr>
+              <a:tr h="370840">
+                <a:tc>
+                  <a:txBody>
+                    <a:bodyPr/>
+                    <a:lstStyle>
+                      <a:lvl1pPr marL="0" algn="l" defTabSz="914400" rtl="0" eaLnBrk="1" latinLnBrk="0" hangingPunct="1">
+                        <a:defRPr sz="1800" b="1" kern="1200">
+                          <a:solidFill>
+                            <a:schemeClr val="lt1"/>
+                          </a:solidFill>
+                          <a:latin typeface="Segoe UI"/>
+                        </a:defRPr>
+                      </a:lvl1pPr>
+                      <a:lvl2pPr marL="457200" algn="l" defTabSz="914400" rtl="0" eaLnBrk="1" latinLnBrk="0" hangingPunct="1">
+                        <a:defRPr sz="1800" b="1" kern="1200">
+                          <a:solidFill>
+                            <a:schemeClr val="lt1"/>
+                          </a:solidFill>
+                          <a:latin typeface="Segoe UI"/>
+                        </a:defRPr>
+                      </a:lvl2pPr>
+                      <a:lvl3pPr marL="914400" algn="l" defTabSz="914400" rtl="0" eaLnBrk="1" latinLnBrk="0" hangingPunct="1">
+                        <a:defRPr sz="1800" b="1" kern="1200">
+                          <a:solidFill>
+                            <a:schemeClr val="lt1"/>
+                          </a:solidFill>
+                          <a:latin typeface="Segoe UI"/>
+                        </a:defRPr>
+                      </a:lvl3pPr>
+                      <a:lvl4pPr marL="1371600" algn="l" defTabSz="914400" rtl="0" eaLnBrk="1" latinLnBrk="0" hangingPunct="1">
+                        <a:defRPr sz="1800" b="1" kern="1200">
+                          <a:solidFill>
+                            <a:schemeClr val="lt1"/>
+                          </a:solidFill>
+                          <a:latin typeface="Segoe UI"/>
+                        </a:defRPr>
+                      </a:lvl4pPr>
+                      <a:lvl5pPr marL="1828800" algn="l" defTabSz="914400" rtl="0" eaLnBrk="1" latinLnBrk="0" hangingPunct="1">
+                        <a:defRPr sz="1800" b="1" kern="1200">
+                          <a:solidFill>
+                            <a:schemeClr val="lt1"/>
+                          </a:solidFill>
+                          <a:latin typeface="Segoe UI"/>
+                        </a:defRPr>
+                      </a:lvl5pPr>
+                      <a:lvl6pPr marL="2286000" algn="l" defTabSz="914400" rtl="0" eaLnBrk="1" latinLnBrk="0" hangingPunct="1">
+                        <a:defRPr sz="1800" b="1" kern="1200">
+                          <a:solidFill>
+                            <a:schemeClr val="lt1"/>
+                          </a:solidFill>
+                          <a:latin typeface="Segoe UI"/>
+                        </a:defRPr>
+                      </a:lvl6pPr>
+                      <a:lvl7pPr marL="2743200" algn="l" defTabSz="914400" rtl="0" eaLnBrk="1" latinLnBrk="0" hangingPunct="1">
+                        <a:defRPr sz="1800" b="1" kern="1200">
+                          <a:solidFill>
+                            <a:schemeClr val="lt1"/>
+                          </a:solidFill>
+                          <a:latin typeface="Segoe UI"/>
+                        </a:defRPr>
+                      </a:lvl7pPr>
+                      <a:lvl8pPr marL="3200400" algn="l" defTabSz="914400" rtl="0" eaLnBrk="1" latinLnBrk="0" hangingPunct="1">
+                        <a:defRPr sz="1800" b="1" kern="1200">
+                          <a:solidFill>
+                            <a:schemeClr val="lt1"/>
+                          </a:solidFill>
+                          <a:latin typeface="Segoe UI"/>
+                        </a:defRPr>
+                      </a:lvl8pPr>
+                      <a:lvl9pPr marL="3657600" algn="l" defTabSz="914400" rtl="0" eaLnBrk="1" latinLnBrk="0" hangingPunct="1">
+                        <a:defRPr sz="1800" b="1" kern="1200">
+                          <a:solidFill>
+                            <a:schemeClr val="lt1"/>
+                          </a:solidFill>
+                          <a:latin typeface="Segoe UI"/>
+                        </a:defRPr>
+                      </a:lvl9pPr>
+                    </a:lstStyle>
+                    <a:p>
+                      <a:pPr algn="l"/>
+                      <a:r>
+                        <a:rPr lang="en-US" dirty="0"/>
+                        <a:t>(1)</a:t>
+                      </a:r>
+                      <a:r>
+                        <a:rPr lang="el-GR" dirty="0"/>
+                        <a:t>λ</a:t>
+                      </a:r>
+                      <a:endParaRPr lang="en-US" baseline="-25000" dirty="0"/>
+                    </a:p>
+                  </a:txBody>
+                  <a:tcPr>
+                    <a:lnL w="12700" cmpd="sng">
+                      <a:solidFill>
+                        <a:sysClr val="window" lastClr="FFFFFF"/>
+                      </a:solidFill>
+                    </a:lnL>
+                    <a:lnR w="12700" cmpd="sng">
+                      <a:solidFill>
+                        <a:sysClr val="window" lastClr="FFFFFF"/>
+                      </a:solidFill>
+                    </a:lnR>
+                    <a:lnT w="38100" cmpd="sng">
+                      <a:solidFill>
+                        <a:sysClr val="window" lastClr="FFFFFF"/>
+                      </a:solidFill>
+                    </a:lnT>
+                    <a:lnB w="12700" cmpd="sng">
+                      <a:solidFill>
+                        <a:sysClr val="window" lastClr="FFFFFF"/>
+                      </a:solidFill>
+                    </a:lnB>
+                    <a:lnTlToBr w="12700" cmpd="sng">
+                      <a:noFill/>
+                      <a:prstDash val="solid"/>
+                    </a:lnTlToBr>
+                    <a:lnBlToTr w="12700" cmpd="sng">
+                      <a:noFill/>
+                      <a:prstDash val="solid"/>
+                    </a:lnBlToTr>
+                    <a:solidFill>
+                      <a:schemeClr val="tx1"/>
+                    </a:solidFill>
+                  </a:tcPr>
+                </a:tc>
+                <a:tc>
+                  <a:txBody>
+                    <a:bodyPr/>
+                    <a:lstStyle>
+                      <a:lvl1pPr marL="0" algn="l" defTabSz="914400" rtl="0" eaLnBrk="1" latinLnBrk="0" hangingPunct="1">
+                        <a:defRPr sz="1800" kern="1200">
+                          <a:solidFill>
+                            <a:schemeClr val="dk1"/>
+                          </a:solidFill>
+                          <a:latin typeface="Segoe UI"/>
+                        </a:defRPr>
+                      </a:lvl1pPr>
+                      <a:lvl2pPr marL="457200" algn="l" defTabSz="914400" rtl="0" eaLnBrk="1" latinLnBrk="0" hangingPunct="1">
+                        <a:defRPr sz="1800" kern="1200">
+                          <a:solidFill>
+                            <a:schemeClr val="dk1"/>
+                          </a:solidFill>
+                          <a:latin typeface="Segoe UI"/>
+                        </a:defRPr>
+                      </a:lvl2pPr>
+                      <a:lvl3pPr marL="914400" algn="l" defTabSz="914400" rtl="0" eaLnBrk="1" latinLnBrk="0" hangingPunct="1">
+                        <a:defRPr sz="1800" kern="1200">
+                          <a:solidFill>
+                            <a:schemeClr val="dk1"/>
+                          </a:solidFill>
+                          <a:latin typeface="Segoe UI"/>
+                        </a:defRPr>
+                      </a:lvl3pPr>
+                      <a:lvl4pPr marL="1371600" algn="l" defTabSz="914400" rtl="0" eaLnBrk="1" latinLnBrk="0" hangingPunct="1">
+                        <a:defRPr sz="1800" kern="1200">
+                          <a:solidFill>
+                            <a:schemeClr val="dk1"/>
+                          </a:solidFill>
+                          <a:latin typeface="Segoe UI"/>
+                        </a:defRPr>
+                      </a:lvl4pPr>
+                      <a:lvl5pPr marL="1828800" algn="l" defTabSz="914400" rtl="0" eaLnBrk="1" latinLnBrk="0" hangingPunct="1">
+                        <a:defRPr sz="1800" kern="1200">
+                          <a:solidFill>
+                            <a:schemeClr val="dk1"/>
+                          </a:solidFill>
+                          <a:latin typeface="Segoe UI"/>
+                        </a:defRPr>
+                      </a:lvl5pPr>
+                      <a:lvl6pPr marL="2286000" algn="l" defTabSz="914400" rtl="0" eaLnBrk="1" latinLnBrk="0" hangingPunct="1">
+                        <a:defRPr sz="1800" kern="1200">
+                          <a:solidFill>
+                            <a:schemeClr val="dk1"/>
+                          </a:solidFill>
+                          <a:latin typeface="Segoe UI"/>
+                        </a:defRPr>
+                      </a:lvl6pPr>
+                      <a:lvl7pPr marL="2743200" algn="l" defTabSz="914400" rtl="0" eaLnBrk="1" latinLnBrk="0" hangingPunct="1">
+                        <a:defRPr sz="1800" kern="1200">
+                          <a:solidFill>
+                            <a:schemeClr val="dk1"/>
+                          </a:solidFill>
+                          <a:latin typeface="Segoe UI"/>
+                        </a:defRPr>
+                      </a:lvl7pPr>
+                      <a:lvl8pPr marL="3200400" algn="l" defTabSz="914400" rtl="0" eaLnBrk="1" latinLnBrk="0" hangingPunct="1">
+                        <a:defRPr sz="1800" kern="1200">
+                          <a:solidFill>
+                            <a:schemeClr val="dk1"/>
+                          </a:solidFill>
+                          <a:latin typeface="Segoe UI"/>
+                        </a:defRPr>
+                      </a:lvl8pPr>
+                      <a:lvl9pPr marL="3657600" algn="l" defTabSz="914400" rtl="0" eaLnBrk="1" latinLnBrk="0" hangingPunct="1">
+                        <a:defRPr sz="1800" kern="1200">
+                          <a:solidFill>
+                            <a:schemeClr val="dk1"/>
+                          </a:solidFill>
+                          <a:latin typeface="Segoe UI"/>
+                        </a:defRPr>
+                      </a:lvl9pPr>
+                    </a:lstStyle>
+                    <a:p>
+                      <a:pPr algn="ctr"/>
+                      <a:endParaRPr lang="en-US" dirty="0"/>
+                    </a:p>
+                  </a:txBody>
+                  <a:tcPr>
+                    <a:lnL w="12700" cmpd="sng">
+                      <a:solidFill>
+                        <a:sysClr val="window" lastClr="FFFFFF"/>
+                      </a:solidFill>
+                    </a:lnL>
+                    <a:lnR w="12700" cmpd="sng">
+                      <a:solidFill>
+                        <a:sysClr val="window" lastClr="FFFFFF"/>
+                      </a:solidFill>
+                    </a:lnR>
+                    <a:lnT w="38100" cmpd="sng">
+                      <a:solidFill>
+                        <a:sysClr val="window" lastClr="FFFFFF"/>
+                      </a:solidFill>
+                    </a:lnT>
+                    <a:lnB w="12700" cmpd="sng">
+                      <a:noFill/>
+                    </a:lnB>
+                    <a:lnTlToBr w="12700" cmpd="sng">
+                      <a:noFill/>
+                      <a:prstDash val="solid"/>
+                    </a:lnTlToBr>
+                    <a:lnBlToTr w="12700" cmpd="sng">
+                      <a:noFill/>
+                      <a:prstDash val="solid"/>
+                    </a:lnBlToTr>
+                    <a:solidFill>
+                      <a:schemeClr val="bg1">
+                        <a:lumMod val="75000"/>
+                      </a:schemeClr>
+                    </a:solidFill>
+                  </a:tcPr>
+                </a:tc>
+                <a:tc>
+                  <a:txBody>
+                    <a:bodyPr/>
+                    <a:lstStyle>
+                      <a:lvl1pPr marL="0" algn="l" defTabSz="914400" rtl="0" eaLnBrk="1" latinLnBrk="0" hangingPunct="1">
+                        <a:defRPr sz="1800" kern="1200">
+                          <a:solidFill>
+                            <a:schemeClr val="dk1"/>
+                          </a:solidFill>
+                          <a:latin typeface="Segoe UI"/>
+                        </a:defRPr>
+                      </a:lvl1pPr>
+                      <a:lvl2pPr marL="457200" algn="l" defTabSz="914400" rtl="0" eaLnBrk="1" latinLnBrk="0" hangingPunct="1">
+                        <a:defRPr sz="1800" kern="1200">
+                          <a:solidFill>
+                            <a:schemeClr val="dk1"/>
+                          </a:solidFill>
+                          <a:latin typeface="Segoe UI"/>
+                        </a:defRPr>
+                      </a:lvl2pPr>
+                      <a:lvl3pPr marL="914400" algn="l" defTabSz="914400" rtl="0" eaLnBrk="1" latinLnBrk="0" hangingPunct="1">
+                        <a:defRPr sz="1800" kern="1200">
+                          <a:solidFill>
+                            <a:schemeClr val="dk1"/>
+                          </a:solidFill>
+                          <a:latin typeface="Segoe UI"/>
+                        </a:defRPr>
+                      </a:lvl3pPr>
+                      <a:lvl4pPr marL="1371600" algn="l" defTabSz="914400" rtl="0" eaLnBrk="1" latinLnBrk="0" hangingPunct="1">
+                        <a:defRPr sz="1800" kern="1200">
+                          <a:solidFill>
+                            <a:schemeClr val="dk1"/>
+                          </a:solidFill>
+                          <a:latin typeface="Segoe UI"/>
+                        </a:defRPr>
+                      </a:lvl4pPr>
+                      <a:lvl5pPr marL="1828800" algn="l" defTabSz="914400" rtl="0" eaLnBrk="1" latinLnBrk="0" hangingPunct="1">
+                        <a:defRPr sz="1800" kern="1200">
+                          <a:solidFill>
+                            <a:schemeClr val="dk1"/>
+                          </a:solidFill>
+                          <a:latin typeface="Segoe UI"/>
+                        </a:defRPr>
+                      </a:lvl5pPr>
+                      <a:lvl6pPr marL="2286000" algn="l" defTabSz="914400" rtl="0" eaLnBrk="1" latinLnBrk="0" hangingPunct="1">
+                        <a:defRPr sz="1800" kern="1200">
+                          <a:solidFill>
+                            <a:schemeClr val="dk1"/>
+                          </a:solidFill>
+                          <a:latin typeface="Segoe UI"/>
+                        </a:defRPr>
+                      </a:lvl6pPr>
+                      <a:lvl7pPr marL="2743200" algn="l" defTabSz="914400" rtl="0" eaLnBrk="1" latinLnBrk="0" hangingPunct="1">
+                        <a:defRPr sz="1800" kern="1200">
+                          <a:solidFill>
+                            <a:schemeClr val="dk1"/>
+                          </a:solidFill>
+                          <a:latin typeface="Segoe UI"/>
+                        </a:defRPr>
+                      </a:lvl7pPr>
+                      <a:lvl8pPr marL="3200400" algn="l" defTabSz="914400" rtl="0" eaLnBrk="1" latinLnBrk="0" hangingPunct="1">
+                        <a:defRPr sz="1800" kern="1200">
+                          <a:solidFill>
+                            <a:schemeClr val="dk1"/>
+                          </a:solidFill>
+                          <a:latin typeface="Segoe UI"/>
+                        </a:defRPr>
+                      </a:lvl8pPr>
+                      <a:lvl9pPr marL="3657600" algn="l" defTabSz="914400" rtl="0" eaLnBrk="1" latinLnBrk="0" hangingPunct="1">
+                        <a:defRPr sz="1800" kern="1200">
+                          <a:solidFill>
+                            <a:schemeClr val="dk1"/>
+                          </a:solidFill>
+                          <a:latin typeface="Segoe UI"/>
+                        </a:defRPr>
+                      </a:lvl9pPr>
+                    </a:lstStyle>
+                    <a:p>
+                      <a:pPr algn="ctr"/>
+                      <a:endParaRPr lang="en-US" dirty="0"/>
+                    </a:p>
+                  </a:txBody>
+                  <a:tcPr>
+                    <a:lnL w="12700" cmpd="sng">
+                      <a:solidFill>
+                        <a:sysClr val="window" lastClr="FFFFFF"/>
+                      </a:solidFill>
+                    </a:lnL>
+                    <a:lnR w="12700" cmpd="sng">
+                      <a:solidFill>
+                        <a:sysClr val="window" lastClr="FFFFFF"/>
+                      </a:solidFill>
+                    </a:lnR>
+                    <a:lnT w="38100" cmpd="sng">
+                      <a:solidFill>
+                        <a:sysClr val="window" lastClr="FFFFFF"/>
+                      </a:solidFill>
+                    </a:lnT>
+                    <a:lnB w="12700" cmpd="sng">
+                      <a:noFill/>
+                    </a:lnB>
+                    <a:lnTlToBr w="12700" cmpd="sng">
+                      <a:noFill/>
+                      <a:prstDash val="solid"/>
+                    </a:lnTlToBr>
+                    <a:lnBlToTr w="12700" cmpd="sng">
+                      <a:noFill/>
+                      <a:prstDash val="solid"/>
+                    </a:lnBlToTr>
+                    <a:solidFill>
+                      <a:schemeClr val="bg1">
+                        <a:lumMod val="75000"/>
+                      </a:schemeClr>
+                    </a:solidFill>
+                  </a:tcPr>
+                </a:tc>
+                <a:tc>
+                  <a:txBody>
+                    <a:bodyPr/>
+                    <a:lstStyle>
+                      <a:lvl1pPr marL="0" algn="l" defTabSz="914400" rtl="0" eaLnBrk="1" latinLnBrk="0" hangingPunct="1">
+                        <a:defRPr sz="1800" kern="1200">
+                          <a:solidFill>
+                            <a:schemeClr val="dk1"/>
+                          </a:solidFill>
+                          <a:latin typeface="Segoe UI"/>
+                        </a:defRPr>
+                      </a:lvl1pPr>
+                      <a:lvl2pPr marL="457200" algn="l" defTabSz="914400" rtl="0" eaLnBrk="1" latinLnBrk="0" hangingPunct="1">
+                        <a:defRPr sz="1800" kern="1200">
+                          <a:solidFill>
+                            <a:schemeClr val="dk1"/>
+                          </a:solidFill>
+                          <a:latin typeface="Segoe UI"/>
+                        </a:defRPr>
+                      </a:lvl2pPr>
+                      <a:lvl3pPr marL="914400" algn="l" defTabSz="914400" rtl="0" eaLnBrk="1" latinLnBrk="0" hangingPunct="1">
+                        <a:defRPr sz="1800" kern="1200">
+                          <a:solidFill>
+                            <a:schemeClr val="dk1"/>
+                          </a:solidFill>
+                          <a:latin typeface="Segoe UI"/>
+                        </a:defRPr>
+                      </a:lvl3pPr>
+                      <a:lvl4pPr marL="1371600" algn="l" defTabSz="914400" rtl="0" eaLnBrk="1" latinLnBrk="0" hangingPunct="1">
+                        <a:defRPr sz="1800" kern="1200">
+                          <a:solidFill>
+                            <a:schemeClr val="dk1"/>
+                          </a:solidFill>
+                          <a:latin typeface="Segoe UI"/>
+                        </a:defRPr>
+                      </a:lvl4pPr>
+                      <a:lvl5pPr marL="1828800" algn="l" defTabSz="914400" rtl="0" eaLnBrk="1" latinLnBrk="0" hangingPunct="1">
+                        <a:defRPr sz="1800" kern="1200">
+                          <a:solidFill>
+                            <a:schemeClr val="dk1"/>
+                          </a:solidFill>
+                          <a:latin typeface="Segoe UI"/>
+                        </a:defRPr>
+                      </a:lvl5pPr>
+                      <a:lvl6pPr marL="2286000" algn="l" defTabSz="914400" rtl="0" eaLnBrk="1" latinLnBrk="0" hangingPunct="1">
+                        <a:defRPr sz="1800" kern="1200">
+                          <a:solidFill>
+                            <a:schemeClr val="dk1"/>
+                          </a:solidFill>
+                          <a:latin typeface="Segoe UI"/>
+                        </a:defRPr>
+                      </a:lvl6pPr>
+                      <a:lvl7pPr marL="2743200" algn="l" defTabSz="914400" rtl="0" eaLnBrk="1" latinLnBrk="0" hangingPunct="1">
+                        <a:defRPr sz="1800" kern="1200">
+                          <a:solidFill>
+                            <a:schemeClr val="dk1"/>
+                          </a:solidFill>
+                          <a:latin typeface="Segoe UI"/>
+                        </a:defRPr>
+                      </a:lvl7pPr>
+                      <a:lvl8pPr marL="3200400" algn="l" defTabSz="914400" rtl="0" eaLnBrk="1" latinLnBrk="0" hangingPunct="1">
+                        <a:defRPr sz="1800" kern="1200">
+                          <a:solidFill>
+                            <a:schemeClr val="dk1"/>
+                          </a:solidFill>
+                          <a:latin typeface="Segoe UI"/>
+                        </a:defRPr>
+                      </a:lvl8pPr>
+                      <a:lvl9pPr marL="3657600" algn="l" defTabSz="914400" rtl="0" eaLnBrk="1" latinLnBrk="0" hangingPunct="1">
+                        <a:defRPr sz="1800" kern="1200">
+                          <a:solidFill>
+                            <a:schemeClr val="dk1"/>
+                          </a:solidFill>
+                          <a:latin typeface="Segoe UI"/>
+                        </a:defRPr>
+                      </a:lvl9pPr>
+                    </a:lstStyle>
+                    <a:p>
+                      <a:pPr algn="ctr"/>
+                      <a:endParaRPr lang="en-US" dirty="0"/>
+                    </a:p>
+                  </a:txBody>
+                  <a:tcPr>
+                    <a:lnL w="12700" cmpd="sng">
+                      <a:solidFill>
+                        <a:sysClr val="window" lastClr="FFFFFF"/>
+                      </a:solidFill>
+                    </a:lnL>
+                    <a:lnR w="12700" cmpd="sng">
+                      <a:solidFill>
+                        <a:sysClr val="window" lastClr="FFFFFF"/>
+                      </a:solidFill>
+                    </a:lnR>
+                    <a:lnT w="38100" cmpd="sng">
+                      <a:solidFill>
+                        <a:sysClr val="window" lastClr="FFFFFF"/>
+                      </a:solidFill>
+                    </a:lnT>
+                    <a:lnB w="12700" cmpd="sng">
+                      <a:noFill/>
+                    </a:lnB>
+                    <a:lnTlToBr w="12700" cmpd="sng">
+                      <a:noFill/>
+                      <a:prstDash val="solid"/>
+                    </a:lnTlToBr>
+                    <a:lnBlToTr w="12700" cmpd="sng">
+                      <a:noFill/>
+                      <a:prstDash val="solid"/>
+                    </a:lnBlToTr>
+                    <a:solidFill>
+                      <a:schemeClr val="bg1">
+                        <a:lumMod val="75000"/>
+                      </a:schemeClr>
+                    </a:solidFill>
+                  </a:tcPr>
+                </a:tc>
+                <a:extLst>
+                  <a:ext uri="{0D108BD9-81ED-4DB2-BD59-A6C34878D82A}">
+                    <a16:rowId xmlns:a16="http://schemas.microsoft.com/office/drawing/2014/main" val="361819280"/>
+                  </a:ext>
+                </a:extLst>
+              </a:tr>
+              <a:tr h="370840">
+                <a:tc>
+                  <a:txBody>
+                    <a:bodyPr/>
+                    <a:lstStyle>
+                      <a:lvl1pPr marL="0" algn="l" defTabSz="914400" rtl="0" eaLnBrk="1" latinLnBrk="0" hangingPunct="1">
+                        <a:defRPr sz="1800" b="1" kern="1200">
+                          <a:solidFill>
+                            <a:schemeClr val="lt1"/>
+                          </a:solidFill>
+                          <a:latin typeface="Segoe UI"/>
+                        </a:defRPr>
+                      </a:lvl1pPr>
+                      <a:lvl2pPr marL="457200" algn="l" defTabSz="914400" rtl="0" eaLnBrk="1" latinLnBrk="0" hangingPunct="1">
+                        <a:defRPr sz="1800" b="1" kern="1200">
+                          <a:solidFill>
+                            <a:schemeClr val="lt1"/>
+                          </a:solidFill>
+                          <a:latin typeface="Segoe UI"/>
+                        </a:defRPr>
+                      </a:lvl2pPr>
+                      <a:lvl3pPr marL="914400" algn="l" defTabSz="914400" rtl="0" eaLnBrk="1" latinLnBrk="0" hangingPunct="1">
+                        <a:defRPr sz="1800" b="1" kern="1200">
+                          <a:solidFill>
+                            <a:schemeClr val="lt1"/>
+                          </a:solidFill>
+                          <a:latin typeface="Segoe UI"/>
+                        </a:defRPr>
+                      </a:lvl3pPr>
+                      <a:lvl4pPr marL="1371600" algn="l" defTabSz="914400" rtl="0" eaLnBrk="1" latinLnBrk="0" hangingPunct="1">
+                        <a:defRPr sz="1800" b="1" kern="1200">
+                          <a:solidFill>
+                            <a:schemeClr val="lt1"/>
+                          </a:solidFill>
+                          <a:latin typeface="Segoe UI"/>
+                        </a:defRPr>
+                      </a:lvl4pPr>
+                      <a:lvl5pPr marL="1828800" algn="l" defTabSz="914400" rtl="0" eaLnBrk="1" latinLnBrk="0" hangingPunct="1">
+                        <a:defRPr sz="1800" b="1" kern="1200">
+                          <a:solidFill>
+                            <a:schemeClr val="lt1"/>
+                          </a:solidFill>
+                          <a:latin typeface="Segoe UI"/>
+                        </a:defRPr>
+                      </a:lvl5pPr>
+                      <a:lvl6pPr marL="2286000" algn="l" defTabSz="914400" rtl="0" eaLnBrk="1" latinLnBrk="0" hangingPunct="1">
+                        <a:defRPr sz="1800" b="1" kern="1200">
+                          <a:solidFill>
+                            <a:schemeClr val="lt1"/>
+                          </a:solidFill>
+                          <a:latin typeface="Segoe UI"/>
+                        </a:defRPr>
+                      </a:lvl6pPr>
+                      <a:lvl7pPr marL="2743200" algn="l" defTabSz="914400" rtl="0" eaLnBrk="1" latinLnBrk="0" hangingPunct="1">
+                        <a:defRPr sz="1800" b="1" kern="1200">
+                          <a:solidFill>
+                            <a:schemeClr val="lt1"/>
+                          </a:solidFill>
+                          <a:latin typeface="Segoe UI"/>
+                        </a:defRPr>
+                      </a:lvl7pPr>
+                      <a:lvl8pPr marL="3200400" algn="l" defTabSz="914400" rtl="0" eaLnBrk="1" latinLnBrk="0" hangingPunct="1">
+                        <a:defRPr sz="1800" b="1" kern="1200">
+                          <a:solidFill>
+                            <a:schemeClr val="lt1"/>
+                          </a:solidFill>
+                          <a:latin typeface="Segoe UI"/>
+                        </a:defRPr>
+                      </a:lvl8pPr>
+                      <a:lvl9pPr marL="3657600" algn="l" defTabSz="914400" rtl="0" eaLnBrk="1" latinLnBrk="0" hangingPunct="1">
+                        <a:defRPr sz="1800" b="1" kern="1200">
+                          <a:solidFill>
+                            <a:schemeClr val="lt1"/>
+                          </a:solidFill>
+                          <a:latin typeface="Segoe UI"/>
+                        </a:defRPr>
+                      </a:lvl9pPr>
+                    </a:lstStyle>
+                    <a:p>
+                      <a:pPr marL="0" marR="0" lvl="0" indent="0" algn="l" defTabSz="914400" rtl="0" eaLnBrk="1" fontAlgn="auto" latinLnBrk="0" hangingPunct="1">
+                        <a:lnSpc>
+                          <a:spcPct val="100000"/>
+                        </a:lnSpc>
+                        <a:spcBef>
+                          <a:spcPts val="0"/>
+                        </a:spcBef>
+                        <a:spcAft>
+                          <a:spcPts val="0"/>
+                        </a:spcAft>
+                        <a:buClrTx/>
+                        <a:buSzTx/>
+                        <a:buFontTx/>
+                        <a:buNone/>
+                        <a:tabLst/>
+                        <a:defRPr/>
+                      </a:pPr>
+                      <a:r>
+                        <a:rPr lang="en-US" dirty="0"/>
+                        <a:t>(0.95)</a:t>
+                      </a:r>
+                      <a:r>
+                        <a:rPr lang="el-GR" dirty="0"/>
+                        <a:t>λ</a:t>
+                      </a:r>
+                      <a:endParaRPr lang="en-US" baseline="-25000" dirty="0"/>
+                    </a:p>
+                  </a:txBody>
+                  <a:tcPr>
+                    <a:lnL w="12700" cmpd="sng">
+                      <a:solidFill>
+                        <a:sysClr val="window" lastClr="FFFFFF"/>
+                      </a:solidFill>
+                    </a:lnL>
+                    <a:lnR w="12700" cmpd="sng">
+                      <a:noFill/>
+                    </a:lnR>
+                    <a:lnT w="12700" cmpd="sng">
+                      <a:solidFill>
+                        <a:sysClr val="window" lastClr="FFFFFF"/>
+                      </a:solidFill>
+                    </a:lnT>
+                    <a:lnB w="12700" cmpd="sng">
+                      <a:solidFill>
+                        <a:sysClr val="window" lastClr="FFFFFF"/>
+                      </a:solidFill>
+                    </a:lnB>
+                    <a:lnTlToBr w="12700" cmpd="sng">
+                      <a:noFill/>
+                      <a:prstDash val="solid"/>
+                    </a:lnTlToBr>
+                    <a:lnBlToTr w="12700" cmpd="sng">
+                      <a:noFill/>
+                      <a:prstDash val="solid"/>
+                    </a:lnBlToTr>
+                    <a:solidFill>
+                      <a:schemeClr val="tx1"/>
+                    </a:solidFill>
+                  </a:tcPr>
+                </a:tc>
+                <a:tc>
+                  <a:txBody>
+                    <a:bodyPr/>
+                    <a:lstStyle>
+                      <a:lvl1pPr marL="0" algn="l" defTabSz="914400" rtl="0" eaLnBrk="1" latinLnBrk="0" hangingPunct="1">
+                        <a:defRPr sz="1800" kern="1200">
+                          <a:solidFill>
+                            <a:schemeClr val="dk1"/>
+                          </a:solidFill>
+                          <a:latin typeface="Segoe UI"/>
+                        </a:defRPr>
+                      </a:lvl1pPr>
+                      <a:lvl2pPr marL="457200" algn="l" defTabSz="914400" rtl="0" eaLnBrk="1" latinLnBrk="0" hangingPunct="1">
+                        <a:defRPr sz="1800" kern="1200">
+                          <a:solidFill>
+                            <a:schemeClr val="dk1"/>
+                          </a:solidFill>
+                          <a:latin typeface="Segoe UI"/>
+                        </a:defRPr>
+                      </a:lvl2pPr>
+                      <a:lvl3pPr marL="914400" algn="l" defTabSz="914400" rtl="0" eaLnBrk="1" latinLnBrk="0" hangingPunct="1">
+                        <a:defRPr sz="1800" kern="1200">
+                          <a:solidFill>
+                            <a:schemeClr val="dk1"/>
+                          </a:solidFill>
+                          <a:latin typeface="Segoe UI"/>
+                        </a:defRPr>
+                      </a:lvl3pPr>
+                      <a:lvl4pPr marL="1371600" algn="l" defTabSz="914400" rtl="0" eaLnBrk="1" latinLnBrk="0" hangingPunct="1">
+                        <a:defRPr sz="1800" kern="1200">
+                          <a:solidFill>
+                            <a:schemeClr val="dk1"/>
+                          </a:solidFill>
+                          <a:latin typeface="Segoe UI"/>
+                        </a:defRPr>
+                      </a:lvl4pPr>
+                      <a:lvl5pPr marL="1828800" algn="l" defTabSz="914400" rtl="0" eaLnBrk="1" latinLnBrk="0" hangingPunct="1">
+                        <a:defRPr sz="1800" kern="1200">
+                          <a:solidFill>
+                            <a:schemeClr val="dk1"/>
+                          </a:solidFill>
+                          <a:latin typeface="Segoe UI"/>
+                        </a:defRPr>
+                      </a:lvl5pPr>
+                      <a:lvl6pPr marL="2286000" algn="l" defTabSz="914400" rtl="0" eaLnBrk="1" latinLnBrk="0" hangingPunct="1">
+                        <a:defRPr sz="1800" kern="1200">
+                          <a:solidFill>
+                            <a:schemeClr val="dk1"/>
+                          </a:solidFill>
+                          <a:latin typeface="Segoe UI"/>
+                        </a:defRPr>
+                      </a:lvl6pPr>
+                      <a:lvl7pPr marL="2743200" algn="l" defTabSz="914400" rtl="0" eaLnBrk="1" latinLnBrk="0" hangingPunct="1">
+                        <a:defRPr sz="1800" kern="1200">
+                          <a:solidFill>
+                            <a:schemeClr val="dk1"/>
+                          </a:solidFill>
+                          <a:latin typeface="Segoe UI"/>
+                        </a:defRPr>
+                      </a:lvl7pPr>
+                      <a:lvl8pPr marL="3200400" algn="l" defTabSz="914400" rtl="0" eaLnBrk="1" latinLnBrk="0" hangingPunct="1">
+                        <a:defRPr sz="1800" kern="1200">
+                          <a:solidFill>
+                            <a:schemeClr val="dk1"/>
+                          </a:solidFill>
+                          <a:latin typeface="Segoe UI"/>
+                        </a:defRPr>
+                      </a:lvl8pPr>
+                      <a:lvl9pPr marL="3657600" algn="l" defTabSz="914400" rtl="0" eaLnBrk="1" latinLnBrk="0" hangingPunct="1">
+                        <a:defRPr sz="1800" kern="1200">
+                          <a:solidFill>
+                            <a:schemeClr val="dk1"/>
+                          </a:solidFill>
+                          <a:latin typeface="Segoe UI"/>
+                        </a:defRPr>
+                      </a:lvl9pPr>
+                    </a:lstStyle>
+                    <a:p>
+                      <a:pPr algn="ctr"/>
+                      <a:endParaRPr lang="en-US" dirty="0"/>
+                    </a:p>
+                  </a:txBody>
+                  <a:tcPr>
+                    <a:lnL w="12700" cmpd="sng">
+                      <a:noFill/>
+                    </a:lnL>
+                    <a:lnR w="12700" cmpd="sng">
+                      <a:noFill/>
+                    </a:lnR>
+                    <a:lnT w="12700" cmpd="sng">
+                      <a:noFill/>
+                    </a:lnT>
+                    <a:lnB w="12700" cmpd="sng">
+                      <a:noFill/>
+                    </a:lnB>
+                    <a:lnTlToBr w="12700" cmpd="sng">
+                      <a:noFill/>
+                      <a:prstDash val="solid"/>
+                    </a:lnTlToBr>
+                    <a:lnBlToTr w="12700" cmpd="sng">
+                      <a:noFill/>
+                      <a:prstDash val="solid"/>
+                    </a:lnBlToTr>
+                    <a:solidFill>
+                      <a:schemeClr val="bg1">
+                        <a:lumMod val="95000"/>
+                      </a:schemeClr>
+                    </a:solidFill>
+                  </a:tcPr>
+                </a:tc>
+                <a:tc>
+                  <a:txBody>
+                    <a:bodyPr/>
+                    <a:lstStyle>
+                      <a:lvl1pPr marL="0" algn="l" defTabSz="914400" rtl="0" eaLnBrk="1" latinLnBrk="0" hangingPunct="1">
+                        <a:defRPr sz="1800" kern="1200">
+                          <a:solidFill>
+                            <a:schemeClr val="dk1"/>
+                          </a:solidFill>
+                          <a:latin typeface="Segoe UI"/>
+                        </a:defRPr>
+                      </a:lvl1pPr>
+                      <a:lvl2pPr marL="457200" algn="l" defTabSz="914400" rtl="0" eaLnBrk="1" latinLnBrk="0" hangingPunct="1">
+                        <a:defRPr sz="1800" kern="1200">
+                          <a:solidFill>
+                            <a:schemeClr val="dk1"/>
+                          </a:solidFill>
+                          <a:latin typeface="Segoe UI"/>
+                        </a:defRPr>
+                      </a:lvl2pPr>
+                      <a:lvl3pPr marL="914400" algn="l" defTabSz="914400" rtl="0" eaLnBrk="1" latinLnBrk="0" hangingPunct="1">
+                        <a:defRPr sz="1800" kern="1200">
+                          <a:solidFill>
+                            <a:schemeClr val="dk1"/>
+                          </a:solidFill>
+                          <a:latin typeface="Segoe UI"/>
+                        </a:defRPr>
+                      </a:lvl3pPr>
+                      <a:lvl4pPr marL="1371600" algn="l" defTabSz="914400" rtl="0" eaLnBrk="1" latinLnBrk="0" hangingPunct="1">
+                        <a:defRPr sz="1800" kern="1200">
+                          <a:solidFill>
+                            <a:schemeClr val="dk1"/>
+                          </a:solidFill>
+                          <a:latin typeface="Segoe UI"/>
+                        </a:defRPr>
+                      </a:lvl4pPr>
+                      <a:lvl5pPr marL="1828800" algn="l" defTabSz="914400" rtl="0" eaLnBrk="1" latinLnBrk="0" hangingPunct="1">
+                        <a:defRPr sz="1800" kern="1200">
+                          <a:solidFill>
+                            <a:schemeClr val="dk1"/>
+                          </a:solidFill>
+                          <a:latin typeface="Segoe UI"/>
+                        </a:defRPr>
+                      </a:lvl5pPr>
+                      <a:lvl6pPr marL="2286000" algn="l" defTabSz="914400" rtl="0" eaLnBrk="1" latinLnBrk="0" hangingPunct="1">
+                        <a:defRPr sz="1800" kern="1200">
+                          <a:solidFill>
+                            <a:schemeClr val="dk1"/>
+                          </a:solidFill>
+                          <a:latin typeface="Segoe UI"/>
+                        </a:defRPr>
+                      </a:lvl6pPr>
+                      <a:lvl7pPr marL="2743200" algn="l" defTabSz="914400" rtl="0" eaLnBrk="1" latinLnBrk="0" hangingPunct="1">
+                        <a:defRPr sz="1800" kern="1200">
+                          <a:solidFill>
+                            <a:schemeClr val="dk1"/>
+                          </a:solidFill>
+                          <a:latin typeface="Segoe UI"/>
+                        </a:defRPr>
+                      </a:lvl7pPr>
+                      <a:lvl8pPr marL="3200400" algn="l" defTabSz="914400" rtl="0" eaLnBrk="1" latinLnBrk="0" hangingPunct="1">
+                        <a:defRPr sz="1800" kern="1200">
+                          <a:solidFill>
+                            <a:schemeClr val="dk1"/>
+                          </a:solidFill>
+                          <a:latin typeface="Segoe UI"/>
+                        </a:defRPr>
+                      </a:lvl8pPr>
+                      <a:lvl9pPr marL="3657600" algn="l" defTabSz="914400" rtl="0" eaLnBrk="1" latinLnBrk="0" hangingPunct="1">
+                        <a:defRPr sz="1800" kern="1200">
+                          <a:solidFill>
+                            <a:schemeClr val="dk1"/>
+                          </a:solidFill>
+                          <a:latin typeface="Segoe UI"/>
+                        </a:defRPr>
+                      </a:lvl9pPr>
+                    </a:lstStyle>
+                    <a:p>
+                      <a:pPr algn="ctr"/>
+                      <a:endParaRPr lang="en-US" dirty="0"/>
+                    </a:p>
+                  </a:txBody>
+                  <a:tcPr>
+                    <a:lnL w="12700" cmpd="sng">
+                      <a:noFill/>
+                    </a:lnL>
+                    <a:lnR w="12700" cmpd="sng">
+                      <a:noFill/>
+                    </a:lnR>
+                    <a:lnT w="12700" cmpd="sng">
+                      <a:noFill/>
+                    </a:lnT>
+                    <a:lnB w="12700" cmpd="sng">
+                      <a:noFill/>
+                    </a:lnB>
+                    <a:lnTlToBr w="12700" cmpd="sng">
+                      <a:noFill/>
+                      <a:prstDash val="solid"/>
+                    </a:lnTlToBr>
+                    <a:lnBlToTr w="12700" cmpd="sng">
+                      <a:noFill/>
+                      <a:prstDash val="solid"/>
+                    </a:lnBlToTr>
+                    <a:solidFill>
+                      <a:schemeClr val="bg1">
+                        <a:lumMod val="95000"/>
+                      </a:schemeClr>
+                    </a:solidFill>
+                  </a:tcPr>
+                </a:tc>
+                <a:tc>
+                  <a:txBody>
+                    <a:bodyPr/>
+                    <a:lstStyle>
+                      <a:lvl1pPr marL="0" algn="l" defTabSz="914400" rtl="0" eaLnBrk="1" latinLnBrk="0" hangingPunct="1">
+                        <a:defRPr sz="1800" kern="1200">
+                          <a:solidFill>
+                            <a:schemeClr val="dk1"/>
+                          </a:solidFill>
+                          <a:latin typeface="Segoe UI"/>
+                        </a:defRPr>
+                      </a:lvl1pPr>
+                      <a:lvl2pPr marL="457200" algn="l" defTabSz="914400" rtl="0" eaLnBrk="1" latinLnBrk="0" hangingPunct="1">
+                        <a:defRPr sz="1800" kern="1200">
+                          <a:solidFill>
+                            <a:schemeClr val="dk1"/>
+                          </a:solidFill>
+                          <a:latin typeface="Segoe UI"/>
+                        </a:defRPr>
+                      </a:lvl2pPr>
+                      <a:lvl3pPr marL="914400" algn="l" defTabSz="914400" rtl="0" eaLnBrk="1" latinLnBrk="0" hangingPunct="1">
+                        <a:defRPr sz="1800" kern="1200">
+                          <a:solidFill>
+                            <a:schemeClr val="dk1"/>
+                          </a:solidFill>
+                          <a:latin typeface="Segoe UI"/>
+                        </a:defRPr>
+                      </a:lvl3pPr>
+                      <a:lvl4pPr marL="1371600" algn="l" defTabSz="914400" rtl="0" eaLnBrk="1" latinLnBrk="0" hangingPunct="1">
+                        <a:defRPr sz="1800" kern="1200">
+                          <a:solidFill>
+                            <a:schemeClr val="dk1"/>
+                          </a:solidFill>
+                          <a:latin typeface="Segoe UI"/>
+                        </a:defRPr>
+                      </a:lvl4pPr>
+                      <a:lvl5pPr marL="1828800" algn="l" defTabSz="914400" rtl="0" eaLnBrk="1" latinLnBrk="0" hangingPunct="1">
+                        <a:defRPr sz="1800" kern="1200">
+                          <a:solidFill>
+                            <a:schemeClr val="dk1"/>
+                          </a:solidFill>
+                          <a:latin typeface="Segoe UI"/>
+                        </a:defRPr>
+                      </a:lvl5pPr>
+                      <a:lvl6pPr marL="2286000" algn="l" defTabSz="914400" rtl="0" eaLnBrk="1" latinLnBrk="0" hangingPunct="1">
+                        <a:defRPr sz="1800" kern="1200">
+                          <a:solidFill>
+                            <a:schemeClr val="dk1"/>
+                          </a:solidFill>
+                          <a:latin typeface="Segoe UI"/>
+                        </a:defRPr>
+                      </a:lvl6pPr>
+                      <a:lvl7pPr marL="2743200" algn="l" defTabSz="914400" rtl="0" eaLnBrk="1" latinLnBrk="0" hangingPunct="1">
+                        <a:defRPr sz="1800" kern="1200">
+                          <a:solidFill>
+                            <a:schemeClr val="dk1"/>
+                          </a:solidFill>
+                          <a:latin typeface="Segoe UI"/>
+                        </a:defRPr>
+                      </a:lvl7pPr>
+                      <a:lvl8pPr marL="3200400" algn="l" defTabSz="914400" rtl="0" eaLnBrk="1" latinLnBrk="0" hangingPunct="1">
+                        <a:defRPr sz="1800" kern="1200">
+                          <a:solidFill>
+                            <a:schemeClr val="dk1"/>
+                          </a:solidFill>
+                          <a:latin typeface="Segoe UI"/>
+                        </a:defRPr>
+                      </a:lvl8pPr>
+                      <a:lvl9pPr marL="3657600" algn="l" defTabSz="914400" rtl="0" eaLnBrk="1" latinLnBrk="0" hangingPunct="1">
+                        <a:defRPr sz="1800" kern="1200">
+                          <a:solidFill>
+                            <a:schemeClr val="dk1"/>
+                          </a:solidFill>
+                          <a:latin typeface="Segoe UI"/>
+                        </a:defRPr>
+                      </a:lvl9pPr>
+                    </a:lstStyle>
+                    <a:p>
+                      <a:pPr algn="ctr"/>
+                      <a:endParaRPr lang="en-US" dirty="0"/>
+                    </a:p>
+                  </a:txBody>
+                  <a:tcPr>
+                    <a:lnL w="12700" cmpd="sng">
+                      <a:noFill/>
+                    </a:lnL>
+                    <a:lnR w="12700" cmpd="sng">
+                      <a:noFill/>
+                    </a:lnR>
+                    <a:lnT w="12700" cmpd="sng">
+                      <a:noFill/>
+                    </a:lnT>
+                    <a:lnB w="12700" cmpd="sng">
+                      <a:noFill/>
+                    </a:lnB>
+                    <a:lnTlToBr w="12700" cmpd="sng">
+                      <a:noFill/>
+                      <a:prstDash val="solid"/>
+                    </a:lnTlToBr>
+                    <a:lnBlToTr w="12700" cmpd="sng">
+                      <a:noFill/>
+                      <a:prstDash val="solid"/>
+                    </a:lnBlToTr>
+                    <a:solidFill>
+                      <a:schemeClr val="bg1">
+                        <a:lumMod val="95000"/>
+                      </a:schemeClr>
+                    </a:solidFill>
+                  </a:tcPr>
+                </a:tc>
+                <a:extLst>
+                  <a:ext uri="{0D108BD9-81ED-4DB2-BD59-A6C34878D82A}">
+                    <a16:rowId xmlns:a16="http://schemas.microsoft.com/office/drawing/2014/main" val="2500643595"/>
+                  </a:ext>
+                </a:extLst>
+              </a:tr>
+              <a:tr h="370840">
+                <a:tc>
+                  <a:txBody>
+                    <a:bodyPr/>
+                    <a:lstStyle>
+                      <a:lvl1pPr marL="0" algn="l" defTabSz="914400" rtl="0" eaLnBrk="1" latinLnBrk="0" hangingPunct="1">
+                        <a:defRPr sz="1800" b="1" kern="1200">
+                          <a:solidFill>
+                            <a:schemeClr val="lt1"/>
+                          </a:solidFill>
+                          <a:latin typeface="Segoe UI"/>
+                        </a:defRPr>
+                      </a:lvl1pPr>
+                      <a:lvl2pPr marL="457200" algn="l" defTabSz="914400" rtl="0" eaLnBrk="1" latinLnBrk="0" hangingPunct="1">
+                        <a:defRPr sz="1800" b="1" kern="1200">
+                          <a:solidFill>
+                            <a:schemeClr val="lt1"/>
+                          </a:solidFill>
+                          <a:latin typeface="Segoe UI"/>
+                        </a:defRPr>
+                      </a:lvl2pPr>
+                      <a:lvl3pPr marL="914400" algn="l" defTabSz="914400" rtl="0" eaLnBrk="1" latinLnBrk="0" hangingPunct="1">
+                        <a:defRPr sz="1800" b="1" kern="1200">
+                          <a:solidFill>
+                            <a:schemeClr val="lt1"/>
+                          </a:solidFill>
+                          <a:latin typeface="Segoe UI"/>
+                        </a:defRPr>
+                      </a:lvl3pPr>
+                      <a:lvl4pPr marL="1371600" algn="l" defTabSz="914400" rtl="0" eaLnBrk="1" latinLnBrk="0" hangingPunct="1">
+                        <a:defRPr sz="1800" b="1" kern="1200">
+                          <a:solidFill>
+                            <a:schemeClr val="lt1"/>
+                          </a:solidFill>
+                          <a:latin typeface="Segoe UI"/>
+                        </a:defRPr>
+                      </a:lvl4pPr>
+                      <a:lvl5pPr marL="1828800" algn="l" defTabSz="914400" rtl="0" eaLnBrk="1" latinLnBrk="0" hangingPunct="1">
+                        <a:defRPr sz="1800" b="1" kern="1200">
+                          <a:solidFill>
+                            <a:schemeClr val="lt1"/>
+                          </a:solidFill>
+                          <a:latin typeface="Segoe UI"/>
+                        </a:defRPr>
+                      </a:lvl5pPr>
+                      <a:lvl6pPr marL="2286000" algn="l" defTabSz="914400" rtl="0" eaLnBrk="1" latinLnBrk="0" hangingPunct="1">
+                        <a:defRPr sz="1800" b="1" kern="1200">
+                          <a:solidFill>
+                            <a:schemeClr val="lt1"/>
+                          </a:solidFill>
+                          <a:latin typeface="Segoe UI"/>
+                        </a:defRPr>
+                      </a:lvl6pPr>
+                      <a:lvl7pPr marL="2743200" algn="l" defTabSz="914400" rtl="0" eaLnBrk="1" latinLnBrk="0" hangingPunct="1">
+                        <a:defRPr sz="1800" b="1" kern="1200">
+                          <a:solidFill>
+                            <a:schemeClr val="lt1"/>
+                          </a:solidFill>
+                          <a:latin typeface="Segoe UI"/>
+                        </a:defRPr>
+                      </a:lvl7pPr>
+                      <a:lvl8pPr marL="3200400" algn="l" defTabSz="914400" rtl="0" eaLnBrk="1" latinLnBrk="0" hangingPunct="1">
+                        <a:defRPr sz="1800" b="1" kern="1200">
+                          <a:solidFill>
+                            <a:schemeClr val="lt1"/>
+                          </a:solidFill>
+                          <a:latin typeface="Segoe UI"/>
+                        </a:defRPr>
+                      </a:lvl8pPr>
+                      <a:lvl9pPr marL="3657600" algn="l" defTabSz="914400" rtl="0" eaLnBrk="1" latinLnBrk="0" hangingPunct="1">
+                        <a:defRPr sz="1800" b="1" kern="1200">
+                          <a:solidFill>
+                            <a:schemeClr val="lt1"/>
+                          </a:solidFill>
+                          <a:latin typeface="Segoe UI"/>
+                        </a:defRPr>
+                      </a:lvl9pPr>
+                    </a:lstStyle>
+                    <a:p>
+                      <a:pPr algn="l"/>
+                      <a:r>
+                        <a:rPr lang="en-US" dirty="0"/>
+                        <a:t>…</a:t>
+                      </a:r>
+                    </a:p>
+                  </a:txBody>
+                  <a:tcPr>
+                    <a:lnL w="12700" cmpd="sng">
+                      <a:solidFill>
+                        <a:sysClr val="window" lastClr="FFFFFF"/>
+                      </a:solidFill>
+                    </a:lnL>
+                    <a:lnR w="12700" cmpd="sng">
+                      <a:solidFill>
+                        <a:sysClr val="window" lastClr="FFFFFF"/>
+                      </a:solidFill>
+                    </a:lnR>
+                    <a:lnT w="12700" cmpd="sng">
+                      <a:solidFill>
+                        <a:sysClr val="window" lastClr="FFFFFF"/>
+                      </a:solidFill>
+                    </a:lnT>
+                    <a:lnB w="12700" cmpd="sng">
+                      <a:solidFill>
+                        <a:sysClr val="window" lastClr="FFFFFF"/>
+                      </a:solidFill>
+                    </a:lnB>
+                    <a:lnTlToBr w="12700" cmpd="sng">
+                      <a:noFill/>
+                      <a:prstDash val="solid"/>
+                    </a:lnTlToBr>
+                    <a:lnBlToTr w="12700" cmpd="sng">
+                      <a:noFill/>
+                      <a:prstDash val="solid"/>
+                    </a:lnBlToTr>
+                    <a:solidFill>
+                      <a:schemeClr val="tx1"/>
+                    </a:solidFill>
+                  </a:tcPr>
+                </a:tc>
+                <a:tc>
+                  <a:txBody>
+                    <a:bodyPr/>
+                    <a:lstStyle>
+                      <a:lvl1pPr marL="0" algn="l" defTabSz="914400" rtl="0" eaLnBrk="1" latinLnBrk="0" hangingPunct="1">
+                        <a:defRPr sz="1800" kern="1200">
+                          <a:solidFill>
+                            <a:schemeClr val="dk1"/>
+                          </a:solidFill>
+                          <a:latin typeface="Segoe UI"/>
+                        </a:defRPr>
+                      </a:lvl1pPr>
+                      <a:lvl2pPr marL="457200" algn="l" defTabSz="914400" rtl="0" eaLnBrk="1" latinLnBrk="0" hangingPunct="1">
+                        <a:defRPr sz="1800" kern="1200">
+                          <a:solidFill>
+                            <a:schemeClr val="dk1"/>
+                          </a:solidFill>
+                          <a:latin typeface="Segoe UI"/>
+                        </a:defRPr>
+                      </a:lvl2pPr>
+                      <a:lvl3pPr marL="914400" algn="l" defTabSz="914400" rtl="0" eaLnBrk="1" latinLnBrk="0" hangingPunct="1">
+                        <a:defRPr sz="1800" kern="1200">
+                          <a:solidFill>
+                            <a:schemeClr val="dk1"/>
+                          </a:solidFill>
+                          <a:latin typeface="Segoe UI"/>
+                        </a:defRPr>
+                      </a:lvl3pPr>
+                      <a:lvl4pPr marL="1371600" algn="l" defTabSz="914400" rtl="0" eaLnBrk="1" latinLnBrk="0" hangingPunct="1">
+                        <a:defRPr sz="1800" kern="1200">
+                          <a:solidFill>
+                            <a:schemeClr val="dk1"/>
+                          </a:solidFill>
+                          <a:latin typeface="Segoe UI"/>
+                        </a:defRPr>
+                      </a:lvl4pPr>
+                      <a:lvl5pPr marL="1828800" algn="l" defTabSz="914400" rtl="0" eaLnBrk="1" latinLnBrk="0" hangingPunct="1">
+                        <a:defRPr sz="1800" kern="1200">
+                          <a:solidFill>
+                            <a:schemeClr val="dk1"/>
+                          </a:solidFill>
+                          <a:latin typeface="Segoe UI"/>
+                        </a:defRPr>
+                      </a:lvl5pPr>
+                      <a:lvl6pPr marL="2286000" algn="l" defTabSz="914400" rtl="0" eaLnBrk="1" latinLnBrk="0" hangingPunct="1">
+                        <a:defRPr sz="1800" kern="1200">
+                          <a:solidFill>
+                            <a:schemeClr val="dk1"/>
+                          </a:solidFill>
+                          <a:latin typeface="Segoe UI"/>
+                        </a:defRPr>
+                      </a:lvl6pPr>
+                      <a:lvl7pPr marL="2743200" algn="l" defTabSz="914400" rtl="0" eaLnBrk="1" latinLnBrk="0" hangingPunct="1">
+                        <a:defRPr sz="1800" kern="1200">
+                          <a:solidFill>
+                            <a:schemeClr val="dk1"/>
+                          </a:solidFill>
+                          <a:latin typeface="Segoe UI"/>
+                        </a:defRPr>
+                      </a:lvl7pPr>
+                      <a:lvl8pPr marL="3200400" algn="l" defTabSz="914400" rtl="0" eaLnBrk="1" latinLnBrk="0" hangingPunct="1">
+                        <a:defRPr sz="1800" kern="1200">
+                          <a:solidFill>
+                            <a:schemeClr val="dk1"/>
+                          </a:solidFill>
+                          <a:latin typeface="Segoe UI"/>
+                        </a:defRPr>
+                      </a:lvl8pPr>
+                      <a:lvl9pPr marL="3657600" algn="l" defTabSz="914400" rtl="0" eaLnBrk="1" latinLnBrk="0" hangingPunct="1">
+                        <a:defRPr sz="1800" kern="1200">
+                          <a:solidFill>
+                            <a:schemeClr val="dk1"/>
+                          </a:solidFill>
+                          <a:latin typeface="Segoe UI"/>
+                        </a:defRPr>
+                      </a:lvl9pPr>
+                    </a:lstStyle>
+                    <a:p>
+                      <a:pPr algn="ctr"/>
+                      <a:endParaRPr lang="en-US" dirty="0"/>
+                    </a:p>
+                  </a:txBody>
+                  <a:tcPr>
+                    <a:lnL w="12700" cmpd="sng">
+                      <a:solidFill>
+                        <a:sysClr val="window" lastClr="FFFFFF"/>
+                      </a:solidFill>
+                    </a:lnL>
+                    <a:lnR w="12700" cmpd="sng">
+                      <a:solidFill>
+                        <a:sysClr val="window" lastClr="FFFFFF"/>
+                      </a:solidFill>
+                    </a:lnR>
+                    <a:lnT w="12700" cmpd="sng">
+                      <a:noFill/>
+                    </a:lnT>
+                    <a:lnB w="12700" cmpd="sng">
+                      <a:solidFill>
+                        <a:sysClr val="window" lastClr="FFFFFF"/>
+                      </a:solidFill>
+                    </a:lnB>
+                    <a:lnTlToBr w="12700" cmpd="sng">
+                      <a:noFill/>
+                      <a:prstDash val="solid"/>
+                    </a:lnTlToBr>
+                    <a:lnBlToTr w="12700" cmpd="sng">
+                      <a:noFill/>
+                      <a:prstDash val="solid"/>
+                    </a:lnBlToTr>
+                    <a:solidFill>
+                      <a:schemeClr val="bg1">
+                        <a:lumMod val="75000"/>
+                      </a:schemeClr>
+                    </a:solidFill>
+                  </a:tcPr>
+                </a:tc>
+                <a:tc>
+                  <a:txBody>
+                    <a:bodyPr/>
+                    <a:lstStyle>
+                      <a:lvl1pPr marL="0" algn="l" defTabSz="914400" rtl="0" eaLnBrk="1" latinLnBrk="0" hangingPunct="1">
+                        <a:defRPr sz="1800" kern="1200">
+                          <a:solidFill>
+                            <a:schemeClr val="dk1"/>
+                          </a:solidFill>
+                          <a:latin typeface="Segoe UI"/>
+                        </a:defRPr>
+                      </a:lvl1pPr>
+                      <a:lvl2pPr marL="457200" algn="l" defTabSz="914400" rtl="0" eaLnBrk="1" latinLnBrk="0" hangingPunct="1">
+                        <a:defRPr sz="1800" kern="1200">
+                          <a:solidFill>
+                            <a:schemeClr val="dk1"/>
+                          </a:solidFill>
+                          <a:latin typeface="Segoe UI"/>
+                        </a:defRPr>
+                      </a:lvl2pPr>
+                      <a:lvl3pPr marL="914400" algn="l" defTabSz="914400" rtl="0" eaLnBrk="1" latinLnBrk="0" hangingPunct="1">
+                        <a:defRPr sz="1800" kern="1200">
+                          <a:solidFill>
+                            <a:schemeClr val="dk1"/>
+                          </a:solidFill>
+                          <a:latin typeface="Segoe UI"/>
+                        </a:defRPr>
+                      </a:lvl3pPr>
+                      <a:lvl4pPr marL="1371600" algn="l" defTabSz="914400" rtl="0" eaLnBrk="1" latinLnBrk="0" hangingPunct="1">
+                        <a:defRPr sz="1800" kern="1200">
+                          <a:solidFill>
+                            <a:schemeClr val="dk1"/>
+                          </a:solidFill>
+                          <a:latin typeface="Segoe UI"/>
+                        </a:defRPr>
+                      </a:lvl4pPr>
+                      <a:lvl5pPr marL="1828800" algn="l" defTabSz="914400" rtl="0" eaLnBrk="1" latinLnBrk="0" hangingPunct="1">
+                        <a:defRPr sz="1800" kern="1200">
+                          <a:solidFill>
+                            <a:schemeClr val="dk1"/>
+                          </a:solidFill>
+                          <a:latin typeface="Segoe UI"/>
+                        </a:defRPr>
+                      </a:lvl5pPr>
+                      <a:lvl6pPr marL="2286000" algn="l" defTabSz="914400" rtl="0" eaLnBrk="1" latinLnBrk="0" hangingPunct="1">
+                        <a:defRPr sz="1800" kern="1200">
+                          <a:solidFill>
+                            <a:schemeClr val="dk1"/>
+                          </a:solidFill>
+                          <a:latin typeface="Segoe UI"/>
+                        </a:defRPr>
+                      </a:lvl6pPr>
+                      <a:lvl7pPr marL="2743200" algn="l" defTabSz="914400" rtl="0" eaLnBrk="1" latinLnBrk="0" hangingPunct="1">
+                        <a:defRPr sz="1800" kern="1200">
+                          <a:solidFill>
+                            <a:schemeClr val="dk1"/>
+                          </a:solidFill>
+                          <a:latin typeface="Segoe UI"/>
+                        </a:defRPr>
+                      </a:lvl7pPr>
+                      <a:lvl8pPr marL="3200400" algn="l" defTabSz="914400" rtl="0" eaLnBrk="1" latinLnBrk="0" hangingPunct="1">
+                        <a:defRPr sz="1800" kern="1200">
+                          <a:solidFill>
+                            <a:schemeClr val="dk1"/>
+                          </a:solidFill>
+                          <a:latin typeface="Segoe UI"/>
+                        </a:defRPr>
+                      </a:lvl8pPr>
+                      <a:lvl9pPr marL="3657600" algn="l" defTabSz="914400" rtl="0" eaLnBrk="1" latinLnBrk="0" hangingPunct="1">
+                        <a:defRPr sz="1800" kern="1200">
+                          <a:solidFill>
+                            <a:schemeClr val="dk1"/>
+                          </a:solidFill>
+                          <a:latin typeface="Segoe UI"/>
+                        </a:defRPr>
+                      </a:lvl9pPr>
+                    </a:lstStyle>
+                    <a:p>
+                      <a:pPr algn="ctr"/>
+                      <a:endParaRPr lang="en-US" dirty="0"/>
+                    </a:p>
+                  </a:txBody>
+                  <a:tcPr>
+                    <a:lnL w="12700" cmpd="sng">
+                      <a:solidFill>
+                        <a:sysClr val="window" lastClr="FFFFFF"/>
+                      </a:solidFill>
+                    </a:lnL>
+                    <a:lnR w="12700" cmpd="sng">
+                      <a:solidFill>
+                        <a:sysClr val="window" lastClr="FFFFFF"/>
+                      </a:solidFill>
+                    </a:lnR>
+                    <a:lnT w="12700" cmpd="sng">
+                      <a:noFill/>
+                    </a:lnT>
+                    <a:lnB w="12700" cmpd="sng">
+                      <a:solidFill>
+                        <a:sysClr val="window" lastClr="FFFFFF"/>
+                      </a:solidFill>
+                    </a:lnB>
+                    <a:lnTlToBr w="12700" cmpd="sng">
+                      <a:noFill/>
+                      <a:prstDash val="solid"/>
+                    </a:lnTlToBr>
+                    <a:lnBlToTr w="12700" cmpd="sng">
+                      <a:noFill/>
+                      <a:prstDash val="solid"/>
+                    </a:lnBlToTr>
+                    <a:solidFill>
+                      <a:schemeClr val="bg1">
+                        <a:lumMod val="75000"/>
+                      </a:schemeClr>
+                    </a:solidFill>
+                  </a:tcPr>
+                </a:tc>
+                <a:tc>
+                  <a:txBody>
+                    <a:bodyPr/>
+                    <a:lstStyle>
+                      <a:lvl1pPr marL="0" algn="l" defTabSz="914400" rtl="0" eaLnBrk="1" latinLnBrk="0" hangingPunct="1">
+                        <a:defRPr sz="1800" kern="1200">
+                          <a:solidFill>
+                            <a:schemeClr val="dk1"/>
+                          </a:solidFill>
+                          <a:latin typeface="Segoe UI"/>
+                        </a:defRPr>
+                      </a:lvl1pPr>
+                      <a:lvl2pPr marL="457200" algn="l" defTabSz="914400" rtl="0" eaLnBrk="1" latinLnBrk="0" hangingPunct="1">
+                        <a:defRPr sz="1800" kern="1200">
+                          <a:solidFill>
+                            <a:schemeClr val="dk1"/>
+                          </a:solidFill>
+                          <a:latin typeface="Segoe UI"/>
+                        </a:defRPr>
+                      </a:lvl2pPr>
+                      <a:lvl3pPr marL="914400" algn="l" defTabSz="914400" rtl="0" eaLnBrk="1" latinLnBrk="0" hangingPunct="1">
+                        <a:defRPr sz="1800" kern="1200">
+                          <a:solidFill>
+                            <a:schemeClr val="dk1"/>
+                          </a:solidFill>
+                          <a:latin typeface="Segoe UI"/>
+                        </a:defRPr>
+                      </a:lvl3pPr>
+                      <a:lvl4pPr marL="1371600" algn="l" defTabSz="914400" rtl="0" eaLnBrk="1" latinLnBrk="0" hangingPunct="1">
+                        <a:defRPr sz="1800" kern="1200">
+                          <a:solidFill>
+                            <a:schemeClr val="dk1"/>
+                          </a:solidFill>
+                          <a:latin typeface="Segoe UI"/>
+                        </a:defRPr>
+                      </a:lvl4pPr>
+                      <a:lvl5pPr marL="1828800" algn="l" defTabSz="914400" rtl="0" eaLnBrk="1" latinLnBrk="0" hangingPunct="1">
+                        <a:defRPr sz="1800" kern="1200">
+                          <a:solidFill>
+                            <a:schemeClr val="dk1"/>
+                          </a:solidFill>
+                          <a:latin typeface="Segoe UI"/>
+                        </a:defRPr>
+                      </a:lvl5pPr>
+                      <a:lvl6pPr marL="2286000" algn="l" defTabSz="914400" rtl="0" eaLnBrk="1" latinLnBrk="0" hangingPunct="1">
+                        <a:defRPr sz="1800" kern="1200">
+                          <a:solidFill>
+                            <a:schemeClr val="dk1"/>
+                          </a:solidFill>
+                          <a:latin typeface="Segoe UI"/>
+                        </a:defRPr>
+                      </a:lvl6pPr>
+                      <a:lvl7pPr marL="2743200" algn="l" defTabSz="914400" rtl="0" eaLnBrk="1" latinLnBrk="0" hangingPunct="1">
+                        <a:defRPr sz="1800" kern="1200">
+                          <a:solidFill>
+                            <a:schemeClr val="dk1"/>
+                          </a:solidFill>
+                          <a:latin typeface="Segoe UI"/>
+                        </a:defRPr>
+                      </a:lvl7pPr>
+                      <a:lvl8pPr marL="3200400" algn="l" defTabSz="914400" rtl="0" eaLnBrk="1" latinLnBrk="0" hangingPunct="1">
+                        <a:defRPr sz="1800" kern="1200">
+                          <a:solidFill>
+                            <a:schemeClr val="dk1"/>
+                          </a:solidFill>
+                          <a:latin typeface="Segoe UI"/>
+                        </a:defRPr>
+                      </a:lvl8pPr>
+                      <a:lvl9pPr marL="3657600" algn="l" defTabSz="914400" rtl="0" eaLnBrk="1" latinLnBrk="0" hangingPunct="1">
+                        <a:defRPr sz="1800" kern="1200">
+                          <a:solidFill>
+                            <a:schemeClr val="dk1"/>
+                          </a:solidFill>
+                          <a:latin typeface="Segoe UI"/>
+                        </a:defRPr>
+                      </a:lvl9pPr>
+                    </a:lstStyle>
+                    <a:p>
+                      <a:pPr algn="ctr"/>
+                      <a:endParaRPr lang="en-US" dirty="0"/>
+                    </a:p>
+                  </a:txBody>
+                  <a:tcPr>
+                    <a:lnL w="12700" cmpd="sng">
+                      <a:solidFill>
+                        <a:sysClr val="window" lastClr="FFFFFF"/>
+                      </a:solidFill>
+                    </a:lnL>
+                    <a:lnR w="12700" cmpd="sng">
+                      <a:solidFill>
+                        <a:sysClr val="window" lastClr="FFFFFF"/>
+                      </a:solidFill>
+                    </a:lnR>
+                    <a:lnT w="12700" cmpd="sng">
+                      <a:noFill/>
+                    </a:lnT>
+                    <a:lnB w="12700" cmpd="sng">
+                      <a:solidFill>
+                        <a:sysClr val="window" lastClr="FFFFFF"/>
+                      </a:solidFill>
+                    </a:lnB>
+                    <a:lnTlToBr w="12700" cmpd="sng">
+                      <a:noFill/>
+                      <a:prstDash val="solid"/>
+                    </a:lnTlToBr>
+                    <a:lnBlToTr w="12700" cmpd="sng">
+                      <a:noFill/>
+                      <a:prstDash val="solid"/>
+                    </a:lnBlToTr>
+                    <a:solidFill>
+                      <a:schemeClr val="bg1">
+                        <a:lumMod val="75000"/>
+                      </a:schemeClr>
+                    </a:solidFill>
+                  </a:tcPr>
+                </a:tc>
+                <a:extLst>
+                  <a:ext uri="{0D108BD9-81ED-4DB2-BD59-A6C34878D82A}">
+                    <a16:rowId xmlns:a16="http://schemas.microsoft.com/office/drawing/2014/main" val="3534683378"/>
+                  </a:ext>
+                </a:extLst>
+              </a:tr>
+              <a:tr h="370840">
+                <a:tc>
+                  <a:txBody>
+                    <a:bodyPr/>
+                    <a:lstStyle>
+                      <a:lvl1pPr marL="0" algn="l" defTabSz="914400" rtl="0" eaLnBrk="1" latinLnBrk="0" hangingPunct="1">
+                        <a:defRPr sz="1800" b="1" kern="1200">
+                          <a:solidFill>
+                            <a:schemeClr val="lt1"/>
+                          </a:solidFill>
+                          <a:latin typeface="Segoe UI"/>
+                        </a:defRPr>
+                      </a:lvl1pPr>
+                      <a:lvl2pPr marL="457200" algn="l" defTabSz="914400" rtl="0" eaLnBrk="1" latinLnBrk="0" hangingPunct="1">
+                        <a:defRPr sz="1800" b="1" kern="1200">
+                          <a:solidFill>
+                            <a:schemeClr val="lt1"/>
+                          </a:solidFill>
+                          <a:latin typeface="Segoe UI"/>
+                        </a:defRPr>
+                      </a:lvl2pPr>
+                      <a:lvl3pPr marL="914400" algn="l" defTabSz="914400" rtl="0" eaLnBrk="1" latinLnBrk="0" hangingPunct="1">
+                        <a:defRPr sz="1800" b="1" kern="1200">
+                          <a:solidFill>
+                            <a:schemeClr val="lt1"/>
+                          </a:solidFill>
+                          <a:latin typeface="Segoe UI"/>
+                        </a:defRPr>
+                      </a:lvl3pPr>
+                      <a:lvl4pPr marL="1371600" algn="l" defTabSz="914400" rtl="0" eaLnBrk="1" latinLnBrk="0" hangingPunct="1">
+                        <a:defRPr sz="1800" b="1" kern="1200">
+                          <a:solidFill>
+                            <a:schemeClr val="lt1"/>
+                          </a:solidFill>
+                          <a:latin typeface="Segoe UI"/>
+                        </a:defRPr>
+                      </a:lvl4pPr>
+                      <a:lvl5pPr marL="1828800" algn="l" defTabSz="914400" rtl="0" eaLnBrk="1" latinLnBrk="0" hangingPunct="1">
+                        <a:defRPr sz="1800" b="1" kern="1200">
+                          <a:solidFill>
+                            <a:schemeClr val="lt1"/>
+                          </a:solidFill>
+                          <a:latin typeface="Segoe UI"/>
+                        </a:defRPr>
+                      </a:lvl5pPr>
+                      <a:lvl6pPr marL="2286000" algn="l" defTabSz="914400" rtl="0" eaLnBrk="1" latinLnBrk="0" hangingPunct="1">
+                        <a:defRPr sz="1800" b="1" kern="1200">
+                          <a:solidFill>
+                            <a:schemeClr val="lt1"/>
+                          </a:solidFill>
+                          <a:latin typeface="Segoe UI"/>
+                        </a:defRPr>
+                      </a:lvl6pPr>
+                      <a:lvl7pPr marL="2743200" algn="l" defTabSz="914400" rtl="0" eaLnBrk="1" latinLnBrk="0" hangingPunct="1">
+                        <a:defRPr sz="1800" b="1" kern="1200">
+                          <a:solidFill>
+                            <a:schemeClr val="lt1"/>
+                          </a:solidFill>
+                          <a:latin typeface="Segoe UI"/>
+                        </a:defRPr>
+                      </a:lvl7pPr>
+                      <a:lvl8pPr marL="3200400" algn="l" defTabSz="914400" rtl="0" eaLnBrk="1" latinLnBrk="0" hangingPunct="1">
+                        <a:defRPr sz="1800" b="1" kern="1200">
+                          <a:solidFill>
+                            <a:schemeClr val="lt1"/>
+                          </a:solidFill>
+                          <a:latin typeface="Segoe UI"/>
+                        </a:defRPr>
+                      </a:lvl8pPr>
+                      <a:lvl9pPr marL="3657600" algn="l" defTabSz="914400" rtl="0" eaLnBrk="1" latinLnBrk="0" hangingPunct="1">
+                        <a:defRPr sz="1800" b="1" kern="1200">
+                          <a:solidFill>
+                            <a:schemeClr val="lt1"/>
+                          </a:solidFill>
+                          <a:latin typeface="Segoe UI"/>
+                        </a:defRPr>
+                      </a:lvl9pPr>
+                    </a:lstStyle>
+                    <a:p>
+                      <a:pPr marL="0" marR="0" lvl="0" indent="0" algn="l" defTabSz="914400" rtl="0" eaLnBrk="1" fontAlgn="auto" latinLnBrk="0" hangingPunct="1">
+                        <a:lnSpc>
+                          <a:spcPct val="100000"/>
+                        </a:lnSpc>
+                        <a:spcBef>
+                          <a:spcPts val="0"/>
+                        </a:spcBef>
+                        <a:spcAft>
+                          <a:spcPts val="0"/>
+                        </a:spcAft>
+                        <a:buClrTx/>
+                        <a:buSzTx/>
+                        <a:buFontTx/>
+                        <a:buNone/>
+                        <a:tabLst/>
+                        <a:defRPr/>
+                      </a:pPr>
+                      <a:r>
+                        <a:rPr lang="en-US" dirty="0"/>
+                        <a:t>(0.05)</a:t>
+                      </a:r>
+                      <a:r>
+                        <a:rPr lang="el-GR" dirty="0"/>
+                        <a:t>λ</a:t>
+                      </a:r>
+                      <a:endParaRPr lang="en-US" baseline="-25000" dirty="0"/>
+                    </a:p>
+                  </a:txBody>
+                  <a:tcPr>
+                    <a:lnL w="12700" cmpd="sng">
+                      <a:solidFill>
+                        <a:sysClr val="window" lastClr="FFFFFF"/>
+                      </a:solidFill>
+                    </a:lnL>
+                    <a:lnR w="12700" cmpd="sng">
+                      <a:solidFill>
+                        <a:sysClr val="window" lastClr="FFFFFF"/>
+                      </a:solidFill>
+                    </a:lnR>
+                    <a:lnT w="12700" cmpd="sng">
+                      <a:solidFill>
+                        <a:sysClr val="window" lastClr="FFFFFF"/>
+                      </a:solidFill>
+                    </a:lnT>
+                    <a:lnB w="12700" cmpd="sng">
+                      <a:solidFill>
+                        <a:sysClr val="window" lastClr="FFFFFF"/>
+                      </a:solidFill>
+                    </a:lnB>
+                    <a:lnTlToBr w="12700" cmpd="sng">
+                      <a:noFill/>
+                      <a:prstDash val="solid"/>
+                    </a:lnTlToBr>
+                    <a:lnBlToTr w="12700" cmpd="sng">
+                      <a:noFill/>
+                      <a:prstDash val="solid"/>
+                    </a:lnBlToTr>
+                    <a:solidFill>
+                      <a:schemeClr val="tx1"/>
+                    </a:solidFill>
+                  </a:tcPr>
+                </a:tc>
+                <a:tc>
+                  <a:txBody>
+                    <a:bodyPr/>
+                    <a:lstStyle>
+                      <a:lvl1pPr marL="0" algn="l" defTabSz="914400" rtl="0" eaLnBrk="1" latinLnBrk="0" hangingPunct="1">
+                        <a:defRPr sz="1800" kern="1200">
+                          <a:solidFill>
+                            <a:schemeClr val="dk1"/>
+                          </a:solidFill>
+                          <a:latin typeface="Segoe UI"/>
+                        </a:defRPr>
+                      </a:lvl1pPr>
+                      <a:lvl2pPr marL="457200" algn="l" defTabSz="914400" rtl="0" eaLnBrk="1" latinLnBrk="0" hangingPunct="1">
+                        <a:defRPr sz="1800" kern="1200">
+                          <a:solidFill>
+                            <a:schemeClr val="dk1"/>
+                          </a:solidFill>
+                          <a:latin typeface="Segoe UI"/>
+                        </a:defRPr>
+                      </a:lvl2pPr>
+                      <a:lvl3pPr marL="914400" algn="l" defTabSz="914400" rtl="0" eaLnBrk="1" latinLnBrk="0" hangingPunct="1">
+                        <a:defRPr sz="1800" kern="1200">
+                          <a:solidFill>
+                            <a:schemeClr val="dk1"/>
+                          </a:solidFill>
+                          <a:latin typeface="Segoe UI"/>
+                        </a:defRPr>
+                      </a:lvl3pPr>
+                      <a:lvl4pPr marL="1371600" algn="l" defTabSz="914400" rtl="0" eaLnBrk="1" latinLnBrk="0" hangingPunct="1">
+                        <a:defRPr sz="1800" kern="1200">
+                          <a:solidFill>
+                            <a:schemeClr val="dk1"/>
+                          </a:solidFill>
+                          <a:latin typeface="Segoe UI"/>
+                        </a:defRPr>
+                      </a:lvl4pPr>
+                      <a:lvl5pPr marL="1828800" algn="l" defTabSz="914400" rtl="0" eaLnBrk="1" latinLnBrk="0" hangingPunct="1">
+                        <a:defRPr sz="1800" kern="1200">
+                          <a:solidFill>
+                            <a:schemeClr val="dk1"/>
+                          </a:solidFill>
+                          <a:latin typeface="Segoe UI"/>
+                        </a:defRPr>
+                      </a:lvl5pPr>
+                      <a:lvl6pPr marL="2286000" algn="l" defTabSz="914400" rtl="0" eaLnBrk="1" latinLnBrk="0" hangingPunct="1">
+                        <a:defRPr sz="1800" kern="1200">
+                          <a:solidFill>
+                            <a:schemeClr val="dk1"/>
+                          </a:solidFill>
+                          <a:latin typeface="Segoe UI"/>
+                        </a:defRPr>
+                      </a:lvl6pPr>
+                      <a:lvl7pPr marL="2743200" algn="l" defTabSz="914400" rtl="0" eaLnBrk="1" latinLnBrk="0" hangingPunct="1">
+                        <a:defRPr sz="1800" kern="1200">
+                          <a:solidFill>
+                            <a:schemeClr val="dk1"/>
+                          </a:solidFill>
+                          <a:latin typeface="Segoe UI"/>
+                        </a:defRPr>
+                      </a:lvl7pPr>
+                      <a:lvl8pPr marL="3200400" algn="l" defTabSz="914400" rtl="0" eaLnBrk="1" latinLnBrk="0" hangingPunct="1">
+                        <a:defRPr sz="1800" kern="1200">
+                          <a:solidFill>
+                            <a:schemeClr val="dk1"/>
+                          </a:solidFill>
+                          <a:latin typeface="Segoe UI"/>
+                        </a:defRPr>
+                      </a:lvl8pPr>
+                      <a:lvl9pPr marL="3657600" algn="l" defTabSz="914400" rtl="0" eaLnBrk="1" latinLnBrk="0" hangingPunct="1">
+                        <a:defRPr sz="1800" kern="1200">
+                          <a:solidFill>
+                            <a:schemeClr val="dk1"/>
+                          </a:solidFill>
+                          <a:latin typeface="Segoe UI"/>
+                        </a:defRPr>
+                      </a:lvl9pPr>
+                    </a:lstStyle>
+                    <a:p>
+                      <a:pPr algn="ctr"/>
+                      <a:endParaRPr lang="en-US" dirty="0"/>
+                    </a:p>
+                  </a:txBody>
+                  <a:tcPr>
+                    <a:lnL w="12700" cmpd="sng">
+                      <a:solidFill>
+                        <a:sysClr val="window" lastClr="FFFFFF"/>
+                      </a:solidFill>
+                    </a:lnL>
+                    <a:lnR w="12700" cmpd="sng">
+                      <a:solidFill>
+                        <a:sysClr val="window" lastClr="FFFFFF"/>
+                      </a:solidFill>
+                    </a:lnR>
+                    <a:lnT w="12700" cmpd="sng">
+                      <a:solidFill>
+                        <a:sysClr val="window" lastClr="FFFFFF"/>
+                      </a:solidFill>
+                    </a:lnT>
+                    <a:lnB w="12700" cmpd="sng">
+                      <a:solidFill>
+                        <a:sysClr val="window" lastClr="FFFFFF"/>
+                      </a:solidFill>
+                    </a:lnB>
+                    <a:lnTlToBr w="12700" cmpd="sng">
+                      <a:noFill/>
+                      <a:prstDash val="solid"/>
+                    </a:lnTlToBr>
+                    <a:lnBlToTr w="12700" cmpd="sng">
+                      <a:noFill/>
+                      <a:prstDash val="solid"/>
+                    </a:lnBlToTr>
+                    <a:solidFill>
+                      <a:schemeClr val="bg1">
+                        <a:lumMod val="95000"/>
+                      </a:schemeClr>
+                    </a:solidFill>
+                  </a:tcPr>
+                </a:tc>
+                <a:tc>
+                  <a:txBody>
+                    <a:bodyPr/>
+                    <a:lstStyle>
+                      <a:lvl1pPr marL="0" algn="l" defTabSz="914400" rtl="0" eaLnBrk="1" latinLnBrk="0" hangingPunct="1">
+                        <a:defRPr sz="1800" kern="1200">
+                          <a:solidFill>
+                            <a:schemeClr val="dk1"/>
+                          </a:solidFill>
+                          <a:latin typeface="Segoe UI"/>
+                        </a:defRPr>
+                      </a:lvl1pPr>
+                      <a:lvl2pPr marL="457200" algn="l" defTabSz="914400" rtl="0" eaLnBrk="1" latinLnBrk="0" hangingPunct="1">
+                        <a:defRPr sz="1800" kern="1200">
+                          <a:solidFill>
+                            <a:schemeClr val="dk1"/>
+                          </a:solidFill>
+                          <a:latin typeface="Segoe UI"/>
+                        </a:defRPr>
+                      </a:lvl2pPr>
+                      <a:lvl3pPr marL="914400" algn="l" defTabSz="914400" rtl="0" eaLnBrk="1" latinLnBrk="0" hangingPunct="1">
+                        <a:defRPr sz="1800" kern="1200">
+                          <a:solidFill>
+                            <a:schemeClr val="dk1"/>
+                          </a:solidFill>
+                          <a:latin typeface="Segoe UI"/>
+                        </a:defRPr>
+                      </a:lvl3pPr>
+                      <a:lvl4pPr marL="1371600" algn="l" defTabSz="914400" rtl="0" eaLnBrk="1" latinLnBrk="0" hangingPunct="1">
+                        <a:defRPr sz="1800" kern="1200">
+                          <a:solidFill>
+                            <a:schemeClr val="dk1"/>
+                          </a:solidFill>
+                          <a:latin typeface="Segoe UI"/>
+                        </a:defRPr>
+                      </a:lvl4pPr>
+                      <a:lvl5pPr marL="1828800" algn="l" defTabSz="914400" rtl="0" eaLnBrk="1" latinLnBrk="0" hangingPunct="1">
+                        <a:defRPr sz="1800" kern="1200">
+                          <a:solidFill>
+                            <a:schemeClr val="dk1"/>
+                          </a:solidFill>
+                          <a:latin typeface="Segoe UI"/>
+                        </a:defRPr>
+                      </a:lvl5pPr>
+                      <a:lvl6pPr marL="2286000" algn="l" defTabSz="914400" rtl="0" eaLnBrk="1" latinLnBrk="0" hangingPunct="1">
+                        <a:defRPr sz="1800" kern="1200">
+                          <a:solidFill>
+                            <a:schemeClr val="dk1"/>
+                          </a:solidFill>
+                          <a:latin typeface="Segoe UI"/>
+                        </a:defRPr>
+                      </a:lvl6pPr>
+                      <a:lvl7pPr marL="2743200" algn="l" defTabSz="914400" rtl="0" eaLnBrk="1" latinLnBrk="0" hangingPunct="1">
+                        <a:defRPr sz="1800" kern="1200">
+                          <a:solidFill>
+                            <a:schemeClr val="dk1"/>
+                          </a:solidFill>
+                          <a:latin typeface="Segoe UI"/>
+                        </a:defRPr>
+                      </a:lvl7pPr>
+                      <a:lvl8pPr marL="3200400" algn="l" defTabSz="914400" rtl="0" eaLnBrk="1" latinLnBrk="0" hangingPunct="1">
+                        <a:defRPr sz="1800" kern="1200">
+                          <a:solidFill>
+                            <a:schemeClr val="dk1"/>
+                          </a:solidFill>
+                          <a:latin typeface="Segoe UI"/>
+                        </a:defRPr>
+                      </a:lvl8pPr>
+                      <a:lvl9pPr marL="3657600" algn="l" defTabSz="914400" rtl="0" eaLnBrk="1" latinLnBrk="0" hangingPunct="1">
+                        <a:defRPr sz="1800" kern="1200">
+                          <a:solidFill>
+                            <a:schemeClr val="dk1"/>
+                          </a:solidFill>
+                          <a:latin typeface="Segoe UI"/>
+                        </a:defRPr>
+                      </a:lvl9pPr>
+                    </a:lstStyle>
+                    <a:p>
+                      <a:pPr algn="ctr"/>
+                      <a:endParaRPr lang="en-US" dirty="0"/>
+                    </a:p>
+                  </a:txBody>
+                  <a:tcPr>
+                    <a:lnL w="12700" cmpd="sng">
+                      <a:solidFill>
+                        <a:sysClr val="window" lastClr="FFFFFF"/>
+                      </a:solidFill>
+                    </a:lnL>
+                    <a:lnR w="12700" cmpd="sng">
+                      <a:solidFill>
+                        <a:sysClr val="window" lastClr="FFFFFF"/>
+                      </a:solidFill>
+                    </a:lnR>
+                    <a:lnT w="12700" cmpd="sng">
+                      <a:solidFill>
+                        <a:sysClr val="window" lastClr="FFFFFF"/>
+                      </a:solidFill>
+                    </a:lnT>
+                    <a:lnB w="12700" cmpd="sng">
+                      <a:solidFill>
+                        <a:sysClr val="window" lastClr="FFFFFF"/>
+                      </a:solidFill>
+                    </a:lnB>
+                    <a:lnTlToBr w="12700" cmpd="sng">
+                      <a:noFill/>
+                      <a:prstDash val="solid"/>
+                    </a:lnTlToBr>
+                    <a:lnBlToTr w="12700" cmpd="sng">
+                      <a:noFill/>
+                      <a:prstDash val="solid"/>
+                    </a:lnBlToTr>
+                    <a:solidFill>
+                      <a:schemeClr val="bg1">
+                        <a:lumMod val="95000"/>
+                      </a:schemeClr>
+                    </a:solidFill>
+                  </a:tcPr>
+                </a:tc>
+                <a:tc>
+                  <a:txBody>
+                    <a:bodyPr/>
+                    <a:lstStyle>
+                      <a:lvl1pPr marL="0" algn="l" defTabSz="914400" rtl="0" eaLnBrk="1" latinLnBrk="0" hangingPunct="1">
+                        <a:defRPr sz="1800" kern="1200">
+                          <a:solidFill>
+                            <a:schemeClr val="dk1"/>
+                          </a:solidFill>
+                          <a:latin typeface="Segoe UI"/>
+                        </a:defRPr>
+                      </a:lvl1pPr>
+                      <a:lvl2pPr marL="457200" algn="l" defTabSz="914400" rtl="0" eaLnBrk="1" latinLnBrk="0" hangingPunct="1">
+                        <a:defRPr sz="1800" kern="1200">
+                          <a:solidFill>
+                            <a:schemeClr val="dk1"/>
+                          </a:solidFill>
+                          <a:latin typeface="Segoe UI"/>
+                        </a:defRPr>
+                      </a:lvl2pPr>
+                      <a:lvl3pPr marL="914400" algn="l" defTabSz="914400" rtl="0" eaLnBrk="1" latinLnBrk="0" hangingPunct="1">
+                        <a:defRPr sz="1800" kern="1200">
+                          <a:solidFill>
+                            <a:schemeClr val="dk1"/>
+                          </a:solidFill>
+                          <a:latin typeface="Segoe UI"/>
+                        </a:defRPr>
+                      </a:lvl3pPr>
+                      <a:lvl4pPr marL="1371600" algn="l" defTabSz="914400" rtl="0" eaLnBrk="1" latinLnBrk="0" hangingPunct="1">
+                        <a:defRPr sz="1800" kern="1200">
+                          <a:solidFill>
+                            <a:schemeClr val="dk1"/>
+                          </a:solidFill>
+                          <a:latin typeface="Segoe UI"/>
+                        </a:defRPr>
+                      </a:lvl4pPr>
+                      <a:lvl5pPr marL="1828800" algn="l" defTabSz="914400" rtl="0" eaLnBrk="1" latinLnBrk="0" hangingPunct="1">
+                        <a:defRPr sz="1800" kern="1200">
+                          <a:solidFill>
+                            <a:schemeClr val="dk1"/>
+                          </a:solidFill>
+                          <a:latin typeface="Segoe UI"/>
+                        </a:defRPr>
+                      </a:lvl5pPr>
+                      <a:lvl6pPr marL="2286000" algn="l" defTabSz="914400" rtl="0" eaLnBrk="1" latinLnBrk="0" hangingPunct="1">
+                        <a:defRPr sz="1800" kern="1200">
+                          <a:solidFill>
+                            <a:schemeClr val="dk1"/>
+                          </a:solidFill>
+                          <a:latin typeface="Segoe UI"/>
+                        </a:defRPr>
+                      </a:lvl6pPr>
+                      <a:lvl7pPr marL="2743200" algn="l" defTabSz="914400" rtl="0" eaLnBrk="1" latinLnBrk="0" hangingPunct="1">
+                        <a:defRPr sz="1800" kern="1200">
+                          <a:solidFill>
+                            <a:schemeClr val="dk1"/>
+                          </a:solidFill>
+                          <a:latin typeface="Segoe UI"/>
+                        </a:defRPr>
+                      </a:lvl7pPr>
+                      <a:lvl8pPr marL="3200400" algn="l" defTabSz="914400" rtl="0" eaLnBrk="1" latinLnBrk="0" hangingPunct="1">
+                        <a:defRPr sz="1800" kern="1200">
+                          <a:solidFill>
+                            <a:schemeClr val="dk1"/>
+                          </a:solidFill>
+                          <a:latin typeface="Segoe UI"/>
+                        </a:defRPr>
+                      </a:lvl8pPr>
+                      <a:lvl9pPr marL="3657600" algn="l" defTabSz="914400" rtl="0" eaLnBrk="1" latinLnBrk="0" hangingPunct="1">
+                        <a:defRPr sz="1800" kern="1200">
+                          <a:solidFill>
+                            <a:schemeClr val="dk1"/>
+                          </a:solidFill>
+                          <a:latin typeface="Segoe UI"/>
+                        </a:defRPr>
+                      </a:lvl9pPr>
+                    </a:lstStyle>
+                    <a:p>
+                      <a:pPr algn="ctr"/>
+                      <a:endParaRPr lang="en-US" dirty="0"/>
+                    </a:p>
+                  </a:txBody>
+                  <a:tcPr>
+                    <a:lnL w="12700" cmpd="sng">
+                      <a:solidFill>
+                        <a:sysClr val="window" lastClr="FFFFFF"/>
+                      </a:solidFill>
+                    </a:lnL>
+                    <a:lnR w="12700" cmpd="sng">
+                      <a:solidFill>
+                        <a:sysClr val="window" lastClr="FFFFFF"/>
+                      </a:solidFill>
+                    </a:lnR>
+                    <a:lnT w="12700" cmpd="sng">
+                      <a:solidFill>
+                        <a:sysClr val="window" lastClr="FFFFFF"/>
+                      </a:solidFill>
+                    </a:lnT>
+                    <a:lnB w="12700" cmpd="sng">
+                      <a:solidFill>
+                        <a:sysClr val="window" lastClr="FFFFFF"/>
+                      </a:solidFill>
+                    </a:lnB>
+                    <a:lnTlToBr w="12700" cmpd="sng">
+                      <a:noFill/>
+                      <a:prstDash val="solid"/>
+                    </a:lnTlToBr>
+                    <a:lnBlToTr w="12700" cmpd="sng">
+                      <a:noFill/>
+                      <a:prstDash val="solid"/>
+                    </a:lnBlToTr>
+                    <a:solidFill>
+                      <a:schemeClr val="bg1">
+                        <a:lumMod val="95000"/>
+                      </a:schemeClr>
+                    </a:solidFill>
+                  </a:tcPr>
+                </a:tc>
+                <a:extLst>
+                  <a:ext uri="{0D108BD9-81ED-4DB2-BD59-A6C34878D82A}">
+                    <a16:rowId xmlns:a16="http://schemas.microsoft.com/office/drawing/2014/main" val="3600432382"/>
+                  </a:ext>
+                </a:extLst>
+              </a:tr>
+              <a:tr h="370840">
+                <a:tc>
+                  <a:txBody>
+                    <a:bodyPr/>
+                    <a:lstStyle>
+                      <a:lvl1pPr marL="0" algn="l" defTabSz="914400" rtl="0" eaLnBrk="1" latinLnBrk="0" hangingPunct="1">
+                        <a:defRPr sz="1800" b="1" kern="1200">
+                          <a:solidFill>
+                            <a:schemeClr val="lt1"/>
+                          </a:solidFill>
+                          <a:latin typeface="Segoe UI"/>
+                        </a:defRPr>
+                      </a:lvl1pPr>
+                      <a:lvl2pPr marL="457200" algn="l" defTabSz="914400" rtl="0" eaLnBrk="1" latinLnBrk="0" hangingPunct="1">
+                        <a:defRPr sz="1800" b="1" kern="1200">
+                          <a:solidFill>
+                            <a:schemeClr val="lt1"/>
+                          </a:solidFill>
+                          <a:latin typeface="Segoe UI"/>
+                        </a:defRPr>
+                      </a:lvl2pPr>
+                      <a:lvl3pPr marL="914400" algn="l" defTabSz="914400" rtl="0" eaLnBrk="1" latinLnBrk="0" hangingPunct="1">
+                        <a:defRPr sz="1800" b="1" kern="1200">
+                          <a:solidFill>
+                            <a:schemeClr val="lt1"/>
+                          </a:solidFill>
+                          <a:latin typeface="Segoe UI"/>
+                        </a:defRPr>
+                      </a:lvl3pPr>
+                      <a:lvl4pPr marL="1371600" algn="l" defTabSz="914400" rtl="0" eaLnBrk="1" latinLnBrk="0" hangingPunct="1">
+                        <a:defRPr sz="1800" b="1" kern="1200">
+                          <a:solidFill>
+                            <a:schemeClr val="lt1"/>
+                          </a:solidFill>
+                          <a:latin typeface="Segoe UI"/>
+                        </a:defRPr>
+                      </a:lvl4pPr>
+                      <a:lvl5pPr marL="1828800" algn="l" defTabSz="914400" rtl="0" eaLnBrk="1" latinLnBrk="0" hangingPunct="1">
+                        <a:defRPr sz="1800" b="1" kern="1200">
+                          <a:solidFill>
+                            <a:schemeClr val="lt1"/>
+                          </a:solidFill>
+                          <a:latin typeface="Segoe UI"/>
+                        </a:defRPr>
+                      </a:lvl5pPr>
+                      <a:lvl6pPr marL="2286000" algn="l" defTabSz="914400" rtl="0" eaLnBrk="1" latinLnBrk="0" hangingPunct="1">
+                        <a:defRPr sz="1800" b="1" kern="1200">
+                          <a:solidFill>
+                            <a:schemeClr val="lt1"/>
+                          </a:solidFill>
+                          <a:latin typeface="Segoe UI"/>
+                        </a:defRPr>
+                      </a:lvl6pPr>
+                      <a:lvl7pPr marL="2743200" algn="l" defTabSz="914400" rtl="0" eaLnBrk="1" latinLnBrk="0" hangingPunct="1">
+                        <a:defRPr sz="1800" b="1" kern="1200">
+                          <a:solidFill>
+                            <a:schemeClr val="lt1"/>
+                          </a:solidFill>
+                          <a:latin typeface="Segoe UI"/>
+                        </a:defRPr>
+                      </a:lvl7pPr>
+                      <a:lvl8pPr marL="3200400" algn="l" defTabSz="914400" rtl="0" eaLnBrk="1" latinLnBrk="0" hangingPunct="1">
+                        <a:defRPr sz="1800" b="1" kern="1200">
+                          <a:solidFill>
+                            <a:schemeClr val="lt1"/>
+                          </a:solidFill>
+                          <a:latin typeface="Segoe UI"/>
+                        </a:defRPr>
+                      </a:lvl8pPr>
+                      <a:lvl9pPr marL="3657600" algn="l" defTabSz="914400" rtl="0" eaLnBrk="1" latinLnBrk="0" hangingPunct="1">
+                        <a:defRPr sz="1800" b="1" kern="1200">
+                          <a:solidFill>
+                            <a:schemeClr val="lt1"/>
+                          </a:solidFill>
+                          <a:latin typeface="Segoe UI"/>
+                        </a:defRPr>
+                      </a:lvl9pPr>
+                    </a:lstStyle>
+                    <a:p>
+                      <a:pPr algn="l"/>
+                      <a:r>
+                        <a:rPr lang="en-US" dirty="0"/>
+                        <a:t>(0)</a:t>
+                      </a:r>
+                      <a:r>
+                        <a:rPr lang="el-GR" dirty="0"/>
+                        <a:t>λ</a:t>
+                      </a:r>
+                      <a:endParaRPr lang="en-US" baseline="-25000" dirty="0"/>
+                    </a:p>
+                  </a:txBody>
+                  <a:tcPr>
+                    <a:lnL w="12700" cmpd="sng">
+                      <a:solidFill>
+                        <a:sysClr val="window" lastClr="FFFFFF"/>
+                      </a:solidFill>
+                    </a:lnL>
+                    <a:lnR w="12700" cmpd="sng">
+                      <a:solidFill>
+                        <a:sysClr val="window" lastClr="FFFFFF"/>
+                      </a:solidFill>
+                    </a:lnR>
+                    <a:lnT w="12700" cmpd="sng">
+                      <a:solidFill>
+                        <a:sysClr val="window" lastClr="FFFFFF"/>
+                      </a:solidFill>
+                    </a:lnT>
+                    <a:lnB w="12700" cmpd="sng">
+                      <a:solidFill>
+                        <a:sysClr val="window" lastClr="FFFFFF"/>
+                      </a:solidFill>
+                    </a:lnB>
+                    <a:lnTlToBr w="12700" cmpd="sng">
+                      <a:noFill/>
+                      <a:prstDash val="solid"/>
+                    </a:lnTlToBr>
+                    <a:lnBlToTr w="12700" cmpd="sng">
+                      <a:noFill/>
+                      <a:prstDash val="solid"/>
+                    </a:lnBlToTr>
+                    <a:solidFill>
+                      <a:schemeClr val="tx1"/>
+                    </a:solidFill>
+                  </a:tcPr>
+                </a:tc>
+                <a:tc>
+                  <a:txBody>
+                    <a:bodyPr/>
+                    <a:lstStyle>
+                      <a:lvl1pPr marL="0" algn="l" defTabSz="914400" rtl="0" eaLnBrk="1" latinLnBrk="0" hangingPunct="1">
+                        <a:defRPr sz="1800" kern="1200">
+                          <a:solidFill>
+                            <a:schemeClr val="dk1"/>
+                          </a:solidFill>
+                          <a:latin typeface="Segoe UI"/>
+                        </a:defRPr>
+                      </a:lvl1pPr>
+                      <a:lvl2pPr marL="457200" algn="l" defTabSz="914400" rtl="0" eaLnBrk="1" latinLnBrk="0" hangingPunct="1">
+                        <a:defRPr sz="1800" kern="1200">
+                          <a:solidFill>
+                            <a:schemeClr val="dk1"/>
+                          </a:solidFill>
+                          <a:latin typeface="Segoe UI"/>
+                        </a:defRPr>
+                      </a:lvl2pPr>
+                      <a:lvl3pPr marL="914400" algn="l" defTabSz="914400" rtl="0" eaLnBrk="1" latinLnBrk="0" hangingPunct="1">
+                        <a:defRPr sz="1800" kern="1200">
+                          <a:solidFill>
+                            <a:schemeClr val="dk1"/>
+                          </a:solidFill>
+                          <a:latin typeface="Segoe UI"/>
+                        </a:defRPr>
+                      </a:lvl3pPr>
+                      <a:lvl4pPr marL="1371600" algn="l" defTabSz="914400" rtl="0" eaLnBrk="1" latinLnBrk="0" hangingPunct="1">
+                        <a:defRPr sz="1800" kern="1200">
+                          <a:solidFill>
+                            <a:schemeClr val="dk1"/>
+                          </a:solidFill>
+                          <a:latin typeface="Segoe UI"/>
+                        </a:defRPr>
+                      </a:lvl4pPr>
+                      <a:lvl5pPr marL="1828800" algn="l" defTabSz="914400" rtl="0" eaLnBrk="1" latinLnBrk="0" hangingPunct="1">
+                        <a:defRPr sz="1800" kern="1200">
+                          <a:solidFill>
+                            <a:schemeClr val="dk1"/>
+                          </a:solidFill>
+                          <a:latin typeface="Segoe UI"/>
+                        </a:defRPr>
+                      </a:lvl5pPr>
+                      <a:lvl6pPr marL="2286000" algn="l" defTabSz="914400" rtl="0" eaLnBrk="1" latinLnBrk="0" hangingPunct="1">
+                        <a:defRPr sz="1800" kern="1200">
+                          <a:solidFill>
+                            <a:schemeClr val="dk1"/>
+                          </a:solidFill>
+                          <a:latin typeface="Segoe UI"/>
+                        </a:defRPr>
+                      </a:lvl6pPr>
+                      <a:lvl7pPr marL="2743200" algn="l" defTabSz="914400" rtl="0" eaLnBrk="1" latinLnBrk="0" hangingPunct="1">
+                        <a:defRPr sz="1800" kern="1200">
+                          <a:solidFill>
+                            <a:schemeClr val="dk1"/>
+                          </a:solidFill>
+                          <a:latin typeface="Segoe UI"/>
+                        </a:defRPr>
+                      </a:lvl7pPr>
+                      <a:lvl8pPr marL="3200400" algn="l" defTabSz="914400" rtl="0" eaLnBrk="1" latinLnBrk="0" hangingPunct="1">
+                        <a:defRPr sz="1800" kern="1200">
+                          <a:solidFill>
+                            <a:schemeClr val="dk1"/>
+                          </a:solidFill>
+                          <a:latin typeface="Segoe UI"/>
+                        </a:defRPr>
+                      </a:lvl8pPr>
+                      <a:lvl9pPr marL="3657600" algn="l" defTabSz="914400" rtl="0" eaLnBrk="1" latinLnBrk="0" hangingPunct="1">
+                        <a:defRPr sz="1800" kern="1200">
+                          <a:solidFill>
+                            <a:schemeClr val="dk1"/>
+                          </a:solidFill>
+                          <a:latin typeface="Segoe UI"/>
+                        </a:defRPr>
+                      </a:lvl9pPr>
+                    </a:lstStyle>
+                    <a:p>
+                      <a:pPr algn="ctr"/>
+                      <a:endParaRPr lang="en-US" dirty="0"/>
+                    </a:p>
+                  </a:txBody>
+                  <a:tcPr>
+                    <a:lnL w="12700" cmpd="sng">
+                      <a:solidFill>
+                        <a:sysClr val="window" lastClr="FFFFFF"/>
+                      </a:solidFill>
+                    </a:lnL>
+                    <a:lnR w="12700" cmpd="sng">
+                      <a:solidFill>
+                        <a:sysClr val="window" lastClr="FFFFFF"/>
+                      </a:solidFill>
+                    </a:lnR>
+                    <a:lnT w="12700" cmpd="sng">
+                      <a:solidFill>
+                        <a:sysClr val="window" lastClr="FFFFFF"/>
+                      </a:solidFill>
+                    </a:lnT>
+                    <a:lnB w="12700" cmpd="sng">
+                      <a:solidFill>
+                        <a:sysClr val="window" lastClr="FFFFFF"/>
+                      </a:solidFill>
+                    </a:lnB>
+                    <a:lnTlToBr w="12700" cmpd="sng">
+                      <a:noFill/>
+                      <a:prstDash val="solid"/>
+                    </a:lnTlToBr>
+                    <a:lnBlToTr w="12700" cmpd="sng">
+                      <a:noFill/>
+                      <a:prstDash val="solid"/>
+                    </a:lnBlToTr>
+                    <a:solidFill>
+                      <a:schemeClr val="bg1">
+                        <a:lumMod val="75000"/>
+                      </a:schemeClr>
+                    </a:solidFill>
+                  </a:tcPr>
+                </a:tc>
+                <a:tc>
+                  <a:txBody>
+                    <a:bodyPr/>
+                    <a:lstStyle>
+                      <a:lvl1pPr marL="0" algn="l" defTabSz="914400" rtl="0" eaLnBrk="1" latinLnBrk="0" hangingPunct="1">
+                        <a:defRPr sz="1800" kern="1200">
+                          <a:solidFill>
+                            <a:schemeClr val="dk1"/>
+                          </a:solidFill>
+                          <a:latin typeface="Segoe UI"/>
+                        </a:defRPr>
+                      </a:lvl1pPr>
+                      <a:lvl2pPr marL="457200" algn="l" defTabSz="914400" rtl="0" eaLnBrk="1" latinLnBrk="0" hangingPunct="1">
+                        <a:defRPr sz="1800" kern="1200">
+                          <a:solidFill>
+                            <a:schemeClr val="dk1"/>
+                          </a:solidFill>
+                          <a:latin typeface="Segoe UI"/>
+                        </a:defRPr>
+                      </a:lvl2pPr>
+                      <a:lvl3pPr marL="914400" algn="l" defTabSz="914400" rtl="0" eaLnBrk="1" latinLnBrk="0" hangingPunct="1">
+                        <a:defRPr sz="1800" kern="1200">
+                          <a:solidFill>
+                            <a:schemeClr val="dk1"/>
+                          </a:solidFill>
+                          <a:latin typeface="Segoe UI"/>
+                        </a:defRPr>
+                      </a:lvl3pPr>
+                      <a:lvl4pPr marL="1371600" algn="l" defTabSz="914400" rtl="0" eaLnBrk="1" latinLnBrk="0" hangingPunct="1">
+                        <a:defRPr sz="1800" kern="1200">
+                          <a:solidFill>
+                            <a:schemeClr val="dk1"/>
+                          </a:solidFill>
+                          <a:latin typeface="Segoe UI"/>
+                        </a:defRPr>
+                      </a:lvl4pPr>
+                      <a:lvl5pPr marL="1828800" algn="l" defTabSz="914400" rtl="0" eaLnBrk="1" latinLnBrk="0" hangingPunct="1">
+                        <a:defRPr sz="1800" kern="1200">
+                          <a:solidFill>
+                            <a:schemeClr val="dk1"/>
+                          </a:solidFill>
+                          <a:latin typeface="Segoe UI"/>
+                        </a:defRPr>
+                      </a:lvl5pPr>
+                      <a:lvl6pPr marL="2286000" algn="l" defTabSz="914400" rtl="0" eaLnBrk="1" latinLnBrk="0" hangingPunct="1">
+                        <a:defRPr sz="1800" kern="1200">
+                          <a:solidFill>
+                            <a:schemeClr val="dk1"/>
+                          </a:solidFill>
+                          <a:latin typeface="Segoe UI"/>
+                        </a:defRPr>
+                      </a:lvl6pPr>
+                      <a:lvl7pPr marL="2743200" algn="l" defTabSz="914400" rtl="0" eaLnBrk="1" latinLnBrk="0" hangingPunct="1">
+                        <a:defRPr sz="1800" kern="1200">
+                          <a:solidFill>
+                            <a:schemeClr val="dk1"/>
+                          </a:solidFill>
+                          <a:latin typeface="Segoe UI"/>
+                        </a:defRPr>
+                      </a:lvl7pPr>
+                      <a:lvl8pPr marL="3200400" algn="l" defTabSz="914400" rtl="0" eaLnBrk="1" latinLnBrk="0" hangingPunct="1">
+                        <a:defRPr sz="1800" kern="1200">
+                          <a:solidFill>
+                            <a:schemeClr val="dk1"/>
+                          </a:solidFill>
+                          <a:latin typeface="Segoe UI"/>
+                        </a:defRPr>
+                      </a:lvl8pPr>
+                      <a:lvl9pPr marL="3657600" algn="l" defTabSz="914400" rtl="0" eaLnBrk="1" latinLnBrk="0" hangingPunct="1">
+                        <a:defRPr sz="1800" kern="1200">
+                          <a:solidFill>
+                            <a:schemeClr val="dk1"/>
+                          </a:solidFill>
+                          <a:latin typeface="Segoe UI"/>
+                        </a:defRPr>
+                      </a:lvl9pPr>
+                    </a:lstStyle>
+                    <a:p>
+                      <a:pPr algn="ctr"/>
+                      <a:endParaRPr lang="en-US" dirty="0"/>
+                    </a:p>
+                  </a:txBody>
+                  <a:tcPr>
+                    <a:lnL w="12700" cmpd="sng">
+                      <a:solidFill>
+                        <a:sysClr val="window" lastClr="FFFFFF"/>
+                      </a:solidFill>
+                    </a:lnL>
+                    <a:lnR w="12700" cmpd="sng">
+                      <a:solidFill>
+                        <a:sysClr val="window" lastClr="FFFFFF"/>
+                      </a:solidFill>
+                    </a:lnR>
+                    <a:lnT w="12700" cmpd="sng">
+                      <a:solidFill>
+                        <a:sysClr val="window" lastClr="FFFFFF"/>
+                      </a:solidFill>
+                    </a:lnT>
+                    <a:lnB w="12700" cmpd="sng">
+                      <a:solidFill>
+                        <a:sysClr val="window" lastClr="FFFFFF"/>
+                      </a:solidFill>
+                    </a:lnB>
+                    <a:lnTlToBr w="12700" cmpd="sng">
+                      <a:noFill/>
+                      <a:prstDash val="solid"/>
+                    </a:lnTlToBr>
+                    <a:lnBlToTr w="12700" cmpd="sng">
+                      <a:noFill/>
+                      <a:prstDash val="solid"/>
+                    </a:lnBlToTr>
+                    <a:solidFill>
+                      <a:schemeClr val="bg1">
+                        <a:lumMod val="75000"/>
+                      </a:schemeClr>
+                    </a:solidFill>
+                  </a:tcPr>
+                </a:tc>
+                <a:tc>
+                  <a:txBody>
+                    <a:bodyPr/>
+                    <a:lstStyle>
+                      <a:lvl1pPr marL="0" algn="l" defTabSz="914400" rtl="0" eaLnBrk="1" latinLnBrk="0" hangingPunct="1">
+                        <a:defRPr sz="1800" kern="1200">
+                          <a:solidFill>
+                            <a:schemeClr val="dk1"/>
+                          </a:solidFill>
+                          <a:latin typeface="Segoe UI"/>
+                        </a:defRPr>
+                      </a:lvl1pPr>
+                      <a:lvl2pPr marL="457200" algn="l" defTabSz="914400" rtl="0" eaLnBrk="1" latinLnBrk="0" hangingPunct="1">
+                        <a:defRPr sz="1800" kern="1200">
+                          <a:solidFill>
+                            <a:schemeClr val="dk1"/>
+                          </a:solidFill>
+                          <a:latin typeface="Segoe UI"/>
+                        </a:defRPr>
+                      </a:lvl2pPr>
+                      <a:lvl3pPr marL="914400" algn="l" defTabSz="914400" rtl="0" eaLnBrk="1" latinLnBrk="0" hangingPunct="1">
+                        <a:defRPr sz="1800" kern="1200">
+                          <a:solidFill>
+                            <a:schemeClr val="dk1"/>
+                          </a:solidFill>
+                          <a:latin typeface="Segoe UI"/>
+                        </a:defRPr>
+                      </a:lvl3pPr>
+                      <a:lvl4pPr marL="1371600" algn="l" defTabSz="914400" rtl="0" eaLnBrk="1" latinLnBrk="0" hangingPunct="1">
+                        <a:defRPr sz="1800" kern="1200">
+                          <a:solidFill>
+                            <a:schemeClr val="dk1"/>
+                          </a:solidFill>
+                          <a:latin typeface="Segoe UI"/>
+                        </a:defRPr>
+                      </a:lvl4pPr>
+                      <a:lvl5pPr marL="1828800" algn="l" defTabSz="914400" rtl="0" eaLnBrk="1" latinLnBrk="0" hangingPunct="1">
+                        <a:defRPr sz="1800" kern="1200">
+                          <a:solidFill>
+                            <a:schemeClr val="dk1"/>
+                          </a:solidFill>
+                          <a:latin typeface="Segoe UI"/>
+                        </a:defRPr>
+                      </a:lvl5pPr>
+                      <a:lvl6pPr marL="2286000" algn="l" defTabSz="914400" rtl="0" eaLnBrk="1" latinLnBrk="0" hangingPunct="1">
+                        <a:defRPr sz="1800" kern="1200">
+                          <a:solidFill>
+                            <a:schemeClr val="dk1"/>
+                          </a:solidFill>
+                          <a:latin typeface="Segoe UI"/>
+                        </a:defRPr>
+                      </a:lvl6pPr>
+                      <a:lvl7pPr marL="2743200" algn="l" defTabSz="914400" rtl="0" eaLnBrk="1" latinLnBrk="0" hangingPunct="1">
+                        <a:defRPr sz="1800" kern="1200">
+                          <a:solidFill>
+                            <a:schemeClr val="dk1"/>
+                          </a:solidFill>
+                          <a:latin typeface="Segoe UI"/>
+                        </a:defRPr>
+                      </a:lvl7pPr>
+                      <a:lvl8pPr marL="3200400" algn="l" defTabSz="914400" rtl="0" eaLnBrk="1" latinLnBrk="0" hangingPunct="1">
+                        <a:defRPr sz="1800" kern="1200">
+                          <a:solidFill>
+                            <a:schemeClr val="dk1"/>
+                          </a:solidFill>
+                          <a:latin typeface="Segoe UI"/>
+                        </a:defRPr>
+                      </a:lvl8pPr>
+                      <a:lvl9pPr marL="3657600" algn="l" defTabSz="914400" rtl="0" eaLnBrk="1" latinLnBrk="0" hangingPunct="1">
+                        <a:defRPr sz="1800" kern="1200">
+                          <a:solidFill>
+                            <a:schemeClr val="dk1"/>
+                          </a:solidFill>
+                          <a:latin typeface="Segoe UI"/>
+                        </a:defRPr>
+                      </a:lvl9pPr>
+                    </a:lstStyle>
+                    <a:p>
+                      <a:pPr algn="ctr"/>
+                      <a:endParaRPr lang="en-US" dirty="0"/>
+                    </a:p>
+                  </a:txBody>
+                  <a:tcPr>
+                    <a:lnL w="12700" cmpd="sng">
+                      <a:solidFill>
+                        <a:sysClr val="window" lastClr="FFFFFF"/>
+                      </a:solidFill>
+                    </a:lnL>
+                    <a:lnR w="12700" cmpd="sng">
+                      <a:solidFill>
+                        <a:sysClr val="window" lastClr="FFFFFF"/>
+                      </a:solidFill>
+                    </a:lnR>
+                    <a:lnT w="12700" cmpd="sng">
+                      <a:solidFill>
+                        <a:sysClr val="window" lastClr="FFFFFF"/>
+                      </a:solidFill>
+                    </a:lnT>
+                    <a:lnB w="12700" cmpd="sng">
+                      <a:solidFill>
+                        <a:sysClr val="window" lastClr="FFFFFF"/>
+                      </a:solidFill>
+                    </a:lnB>
+                    <a:lnTlToBr w="12700" cmpd="sng">
+                      <a:noFill/>
+                      <a:prstDash val="solid"/>
+                    </a:lnTlToBr>
+                    <a:lnBlToTr w="12700" cmpd="sng">
+                      <a:noFill/>
+                      <a:prstDash val="solid"/>
+                    </a:lnBlToTr>
+                    <a:solidFill>
+                      <a:schemeClr val="bg1">
+                        <a:lumMod val="75000"/>
+                      </a:schemeClr>
+                    </a:solidFill>
+                  </a:tcPr>
+                </a:tc>
+                <a:extLst>
+                  <a:ext uri="{0D108BD9-81ED-4DB2-BD59-A6C34878D82A}">
+                    <a16:rowId xmlns:a16="http://schemas.microsoft.com/office/drawing/2014/main" val="68335261"/>
+                  </a:ext>
+                </a:extLst>
+              </a:tr>
+            </a:tbl>
+          </a:graphicData>
+        </a:graphic>
+      </p:graphicFrame>
+      <p:sp>
+        <p:nvSpPr>
+          <p:cNvPr id="5" name="Rectangle 4">
+            <a:extLst>
+              <a:ext uri="{FF2B5EF4-FFF2-40B4-BE49-F238E27FC236}">
+                <a16:creationId xmlns:a16="http://schemas.microsoft.com/office/drawing/2014/main" id="{ADF20542-9BE2-4F91-9451-C849E80F569D}"/>
+              </a:ext>
+            </a:extLst>
+          </p:cNvPr>
+          <p:cNvSpPr/>
+          <p:nvPr/>
+        </p:nvSpPr>
+        <p:spPr>
+          <a:xfrm>
+            <a:off x="2298699" y="3104303"/>
+            <a:ext cx="2499017" cy="1323439"/>
+          </a:xfrm>
+          <a:prstGeom prst="rect">
+            <a:avLst/>
+          </a:prstGeom>
+          <a:noFill/>
+        </p:spPr>
+        <p:txBody>
+          <a:bodyPr wrap="none" lIns="91440" tIns="45720" rIns="91440" bIns="45720">
+            <a:spAutoFit/>
+          </a:bodyPr>
+          <a:lstStyle/>
+          <a:p>
+            <a:pPr algn="ctr"/>
+            <a:r>
+              <a:rPr lang="en-US" sz="4000" b="1" dirty="0">
+                <a:ln w="0"/>
+                <a:latin typeface="Raleway"/>
+              </a:rPr>
+              <a:t>400</a:t>
+            </a:r>
+          </a:p>
+          <a:p>
+            <a:pPr algn="ctr"/>
+            <a:r>
+              <a:rPr lang="en-US" sz="4000" b="1" dirty="0">
+                <a:ln w="0"/>
+                <a:latin typeface="Raleway"/>
+              </a:rPr>
+              <a:t>Iterations</a:t>
+            </a:r>
+          </a:p>
+        </p:txBody>
+      </p:sp>
+      <p:sp>
+        <p:nvSpPr>
+          <p:cNvPr id="6" name="TextBox 5">
+            <a:extLst>
+              <a:ext uri="{FF2B5EF4-FFF2-40B4-BE49-F238E27FC236}">
+                <a16:creationId xmlns:a16="http://schemas.microsoft.com/office/drawing/2014/main" id="{BA072C50-FD2A-4DFA-954F-C8AC6E662215}"/>
+              </a:ext>
+            </a:extLst>
+          </p:cNvPr>
+          <p:cNvSpPr txBox="1"/>
+          <p:nvPr/>
+        </p:nvSpPr>
+        <p:spPr>
+          <a:xfrm>
+            <a:off x="2173391" y="1711358"/>
+            <a:ext cx="1741182" cy="369332"/>
+          </a:xfrm>
+          <a:prstGeom prst="rect">
+            <a:avLst/>
+          </a:prstGeom>
+          <a:noFill/>
+        </p:spPr>
+        <p:txBody>
+          <a:bodyPr wrap="none" rtlCol="0">
+            <a:spAutoFit/>
+          </a:bodyPr>
+          <a:lstStyle/>
+          <a:p>
+            <a:r>
+              <a:rPr lang="en-US" dirty="0">
+                <a:solidFill>
+                  <a:prstClr val="black"/>
+                </a:solidFill>
+                <a:latin typeface="Raleway"/>
+              </a:rPr>
+              <a:t>20 steps of </a:t>
+            </a:r>
+            <a:r>
+              <a:rPr lang="el-GR" i="1" dirty="0">
+                <a:solidFill>
+                  <a:prstClr val="black"/>
+                </a:solidFill>
+                <a:latin typeface="Raleway"/>
+              </a:rPr>
+              <a:t>λ</a:t>
+            </a:r>
+            <a:r>
+              <a:rPr lang="en-US" i="1" baseline="-25000" dirty="0">
+                <a:solidFill>
+                  <a:prstClr val="black"/>
+                </a:solidFill>
+                <a:latin typeface="Raleway"/>
+              </a:rPr>
+              <a:t>2</a:t>
+            </a:r>
+            <a:r>
+              <a:rPr lang="en-US" dirty="0">
+                <a:solidFill>
+                  <a:prstClr val="black"/>
+                </a:solidFill>
+                <a:latin typeface="Raleway"/>
+              </a:rPr>
+              <a:t> </a:t>
+            </a:r>
+          </a:p>
+        </p:txBody>
+      </p:sp>
+      <p:sp>
+        <p:nvSpPr>
+          <p:cNvPr id="7" name="Left Brace 6">
+            <a:extLst>
+              <a:ext uri="{FF2B5EF4-FFF2-40B4-BE49-F238E27FC236}">
+                <a16:creationId xmlns:a16="http://schemas.microsoft.com/office/drawing/2014/main" id="{F9F6410A-7446-482B-88F6-01E92E719DF7}"/>
+              </a:ext>
+            </a:extLst>
+          </p:cNvPr>
+          <p:cNvSpPr/>
+          <p:nvPr/>
+        </p:nvSpPr>
+        <p:spPr>
+          <a:xfrm rot="5400000">
+            <a:off x="2802082" y="774415"/>
+            <a:ext cx="274256" cy="3176270"/>
+          </a:xfrm>
+          <a:prstGeom prst="leftBrace">
+            <a:avLst/>
+          </a:prstGeom>
+          <a:noFill/>
+          <a:ln w="38100" cap="flat" cmpd="sng" algn="ctr">
+            <a:solidFill>
+              <a:schemeClr val="tx1">
+                <a:lumMod val="65000"/>
+                <a:lumOff val="35000"/>
+              </a:schemeClr>
+            </a:solidFill>
+            <a:prstDash val="solid"/>
+            <a:miter lim="800000"/>
+          </a:ln>
+          <a:effectLst/>
+        </p:spPr>
+        <p:txBody>
+          <a:bodyPr rtlCol="0" anchor="ctr"/>
+          <a:lstStyle/>
+          <a:p>
+            <a:pPr marL="0" marR="0" lvl="0" indent="0" algn="ctr" defTabSz="914400" eaLnBrk="1" fontAlgn="auto" latinLnBrk="0" hangingPunct="1">
+              <a:lnSpc>
+                <a:spcPct val="100000"/>
+              </a:lnSpc>
+              <a:spcBef>
+                <a:spcPts val="0"/>
+              </a:spcBef>
+              <a:spcAft>
+                <a:spcPts val="0"/>
+              </a:spcAft>
+              <a:buClrTx/>
+              <a:buSzTx/>
+              <a:buFontTx/>
+              <a:buNone/>
+              <a:tabLst/>
+              <a:defRPr/>
+            </a:pPr>
+            <a:endParaRPr kumimoji="0" lang="en-US" sz="1800" b="0" i="0" u="none" strike="noStrike" kern="0" cap="none" spc="0" normalizeH="0" baseline="0" noProof="0">
+              <a:ln>
+                <a:noFill/>
+              </a:ln>
+              <a:solidFill>
+                <a:prstClr val="black"/>
+              </a:solidFill>
+              <a:effectLst/>
+              <a:uLnTx/>
+              <a:uFillTx/>
+              <a:latin typeface="Raleway"/>
+            </a:endParaRPr>
+          </a:p>
+        </p:txBody>
+      </p:sp>
+      <p:sp>
+        <p:nvSpPr>
+          <p:cNvPr id="8" name="TextBox 7">
+            <a:extLst>
+              <a:ext uri="{FF2B5EF4-FFF2-40B4-BE49-F238E27FC236}">
+                <a16:creationId xmlns:a16="http://schemas.microsoft.com/office/drawing/2014/main" id="{C51CEC18-2692-4C1D-9C17-5E7B33DC3841}"/>
+              </a:ext>
+            </a:extLst>
+          </p:cNvPr>
+          <p:cNvSpPr txBox="1"/>
+          <p:nvPr/>
+        </p:nvSpPr>
+        <p:spPr>
+          <a:xfrm rot="16200000">
+            <a:off x="-211563" y="3462884"/>
+            <a:ext cx="1718740" cy="369332"/>
+          </a:xfrm>
+          <a:prstGeom prst="rect">
+            <a:avLst/>
+          </a:prstGeom>
+          <a:noFill/>
+        </p:spPr>
+        <p:txBody>
+          <a:bodyPr wrap="none" rtlCol="0">
+            <a:spAutoFit/>
+          </a:bodyPr>
+          <a:lstStyle/>
+          <a:p>
+            <a:r>
+              <a:rPr lang="en-US" dirty="0">
+                <a:solidFill>
+                  <a:prstClr val="black"/>
+                </a:solidFill>
+                <a:latin typeface="Raleway"/>
+              </a:rPr>
+              <a:t>20 steps of</a:t>
+            </a:r>
+            <a:r>
+              <a:rPr lang="el-GR" i="1" dirty="0">
+                <a:solidFill>
+                  <a:prstClr val="black"/>
+                </a:solidFill>
+                <a:latin typeface="Raleway"/>
+              </a:rPr>
+              <a:t> λ</a:t>
+            </a:r>
+            <a:r>
+              <a:rPr lang="en-US" i="1" baseline="-25000" dirty="0">
+                <a:solidFill>
+                  <a:prstClr val="black"/>
+                </a:solidFill>
+                <a:latin typeface="Raleway"/>
+              </a:rPr>
+              <a:t>1</a:t>
+            </a:r>
+            <a:r>
+              <a:rPr lang="en-US" i="1" dirty="0">
+                <a:solidFill>
+                  <a:prstClr val="black"/>
+                </a:solidFill>
+                <a:latin typeface="Raleway"/>
+              </a:rPr>
+              <a:t> </a:t>
+            </a:r>
+          </a:p>
+        </p:txBody>
+      </p:sp>
+      <p:sp>
+        <p:nvSpPr>
+          <p:cNvPr id="9" name="Left Brace 8">
+            <a:extLst>
+              <a:ext uri="{FF2B5EF4-FFF2-40B4-BE49-F238E27FC236}">
+                <a16:creationId xmlns:a16="http://schemas.microsoft.com/office/drawing/2014/main" id="{057A629C-375E-4191-8B1E-93658CF9DBE6}"/>
+              </a:ext>
+            </a:extLst>
+          </p:cNvPr>
+          <p:cNvSpPr/>
+          <p:nvPr/>
+        </p:nvSpPr>
+        <p:spPr>
+          <a:xfrm>
+            <a:off x="1006730" y="2535030"/>
+            <a:ext cx="297209" cy="2225040"/>
+          </a:xfrm>
+          <a:prstGeom prst="leftBrace">
+            <a:avLst/>
+          </a:prstGeom>
+          <a:noFill/>
+          <a:ln w="38100" cap="flat" cmpd="sng" algn="ctr">
+            <a:solidFill>
+              <a:schemeClr val="tx1">
+                <a:lumMod val="65000"/>
+                <a:lumOff val="35000"/>
+              </a:schemeClr>
+            </a:solidFill>
+            <a:prstDash val="solid"/>
+            <a:miter lim="800000"/>
+          </a:ln>
+          <a:effectLst/>
+        </p:spPr>
+        <p:txBody>
+          <a:bodyPr rtlCol="0" anchor="ctr"/>
+          <a:lstStyle/>
+          <a:p>
+            <a:pPr marL="0" marR="0" lvl="0" indent="0" algn="ctr" defTabSz="914400" eaLnBrk="1" fontAlgn="auto" latinLnBrk="0" hangingPunct="1">
+              <a:lnSpc>
+                <a:spcPct val="100000"/>
+              </a:lnSpc>
+              <a:spcBef>
+                <a:spcPts val="0"/>
+              </a:spcBef>
+              <a:spcAft>
+                <a:spcPts val="0"/>
+              </a:spcAft>
+              <a:buClrTx/>
+              <a:buSzTx/>
+              <a:buFontTx/>
+              <a:buNone/>
+              <a:tabLst/>
+              <a:defRPr/>
+            </a:pPr>
+            <a:endParaRPr kumimoji="0" lang="en-US" sz="1800" b="0" i="0" u="none" strike="noStrike" kern="0" cap="none" spc="0" normalizeH="0" baseline="0" noProof="0">
+              <a:ln>
+                <a:noFill/>
+              </a:ln>
+              <a:solidFill>
+                <a:prstClr val="black"/>
+              </a:solidFill>
+              <a:effectLst/>
+              <a:uLnTx/>
+              <a:uFillTx/>
+              <a:latin typeface="Raleway"/>
+            </a:endParaRPr>
+          </a:p>
+        </p:txBody>
+      </p:sp>
+      <p:pic>
+        <p:nvPicPr>
+          <p:cNvPr id="10" name="Graphic 9" descr="Arrow: Straight">
+            <a:extLst>
+              <a:ext uri="{FF2B5EF4-FFF2-40B4-BE49-F238E27FC236}">
+                <a16:creationId xmlns:a16="http://schemas.microsoft.com/office/drawing/2014/main" id="{0F97A3A5-795A-446E-B989-15FCDB3177C1}"/>
+              </a:ext>
+            </a:extLst>
+          </p:cNvPr>
+          <p:cNvPicPr>
+            <a:picLocks noChangeAspect="1"/>
+          </p:cNvPicPr>
+          <p:nvPr/>
+        </p:nvPicPr>
+        <p:blipFill>
+          <a:blip r:embed="rId2">
+            <a:extLst>
+              <a:ext uri="{28A0092B-C50C-407E-A947-70E740481C1C}">
+                <a14:useLocalDpi xmlns:a14="http://schemas.microsoft.com/office/drawing/2010/main" val="0"/>
+              </a:ext>
+              <a:ext uri="{96DAC541-7B7A-43D3-8B79-37D633B846F1}">
+                <asvg:svgBlip xmlns:asvg="http://schemas.microsoft.com/office/drawing/2016/SVG/main" r:embed="rId3"/>
+              </a:ext>
+            </a:extLst>
+          </a:blip>
+          <a:stretch>
+            <a:fillRect/>
+          </a:stretch>
+        </p:blipFill>
+        <p:spPr>
+          <a:xfrm rot="10800000">
+            <a:off x="4732512" y="3205467"/>
+            <a:ext cx="914400" cy="914400"/>
+          </a:xfrm>
+          <a:prstGeom prst="rect">
+            <a:avLst/>
+          </a:prstGeom>
+        </p:spPr>
+      </p:pic>
+      <p:sp>
+        <p:nvSpPr>
+          <p:cNvPr id="11" name="Rectangle 10">
+            <a:extLst>
+              <a:ext uri="{FF2B5EF4-FFF2-40B4-BE49-F238E27FC236}">
+                <a16:creationId xmlns:a16="http://schemas.microsoft.com/office/drawing/2014/main" id="{A404E992-CDC7-430A-8A3E-0DAFC89CB904}"/>
+              </a:ext>
+            </a:extLst>
+          </p:cNvPr>
+          <p:cNvSpPr/>
+          <p:nvPr/>
+        </p:nvSpPr>
+        <p:spPr>
+          <a:xfrm>
+            <a:off x="5581707" y="2625439"/>
+            <a:ext cx="2888931" cy="2062103"/>
+          </a:xfrm>
+          <a:prstGeom prst="rect">
+            <a:avLst/>
+          </a:prstGeom>
+          <a:noFill/>
+        </p:spPr>
+        <p:txBody>
+          <a:bodyPr wrap="none" lIns="91440" tIns="45720" rIns="91440" bIns="45720">
+            <a:spAutoFit/>
+          </a:bodyPr>
+          <a:lstStyle/>
+          <a:p>
+            <a:pPr algn="ctr"/>
+            <a:r>
+              <a:rPr lang="en-US" sz="3200" b="1" dirty="0">
+                <a:ln w="0"/>
+                <a:latin typeface="Raleway"/>
+              </a:rPr>
+              <a:t>Generate and </a:t>
+            </a:r>
+          </a:p>
+          <a:p>
+            <a:pPr algn="ctr"/>
+            <a:r>
+              <a:rPr lang="en-US" sz="3200" b="1" dirty="0">
+                <a:ln w="0"/>
+                <a:latin typeface="Raleway"/>
+              </a:rPr>
+              <a:t>Compare 400</a:t>
+            </a:r>
+          </a:p>
+          <a:p>
+            <a:pPr algn="ctr"/>
+            <a:r>
+              <a:rPr lang="en-US" sz="3200" b="1" dirty="0">
+                <a:ln w="0"/>
+                <a:latin typeface="Raleway"/>
+              </a:rPr>
+              <a:t>Prediction</a:t>
+            </a:r>
+          </a:p>
+          <a:p>
+            <a:pPr algn="ctr"/>
+            <a:r>
+              <a:rPr lang="en-US" sz="3200" b="1" dirty="0">
+                <a:ln w="0"/>
+                <a:latin typeface="Raleway"/>
+              </a:rPr>
+              <a:t>Error Values</a:t>
+            </a:r>
+          </a:p>
+        </p:txBody>
+      </p:sp>
+      <p:pic>
+        <p:nvPicPr>
+          <p:cNvPr id="12" name="Graphic 11" descr="Stopwatch">
+            <a:extLst>
+              <a:ext uri="{FF2B5EF4-FFF2-40B4-BE49-F238E27FC236}">
+                <a16:creationId xmlns:a16="http://schemas.microsoft.com/office/drawing/2014/main" id="{BC9F90CA-75DE-4BDE-9257-B25F34706CA4}"/>
+              </a:ext>
+            </a:extLst>
+          </p:cNvPr>
+          <p:cNvPicPr>
+            <a:picLocks noChangeAspect="1"/>
+          </p:cNvPicPr>
+          <p:nvPr/>
+        </p:nvPicPr>
+        <p:blipFill>
+          <a:blip r:embed="rId4">
+            <a:extLst>
+              <a:ext uri="{28A0092B-C50C-407E-A947-70E740481C1C}">
+                <a14:useLocalDpi xmlns:a14="http://schemas.microsoft.com/office/drawing/2010/main" val="0"/>
+              </a:ext>
+              <a:ext uri="{96DAC541-7B7A-43D3-8B79-37D633B846F1}">
+                <asvg:svgBlip xmlns:asvg="http://schemas.microsoft.com/office/drawing/2016/SVG/main" r:embed="rId5"/>
+              </a:ext>
+            </a:extLst>
+          </a:blip>
+          <a:stretch>
+            <a:fillRect/>
+          </a:stretch>
+        </p:blipFill>
+        <p:spPr>
+          <a:xfrm>
+            <a:off x="9507639" y="2403387"/>
+            <a:ext cx="1828800" cy="1828800"/>
+          </a:xfrm>
+          <a:prstGeom prst="rect">
+            <a:avLst/>
+          </a:prstGeom>
+        </p:spPr>
+      </p:pic>
+      <p:sp>
+        <p:nvSpPr>
+          <p:cNvPr id="13" name="Rectangle 12">
+            <a:extLst>
+              <a:ext uri="{FF2B5EF4-FFF2-40B4-BE49-F238E27FC236}">
+                <a16:creationId xmlns:a16="http://schemas.microsoft.com/office/drawing/2014/main" id="{E8890F66-AE9D-4AB6-AE6B-716E883B24CD}"/>
+              </a:ext>
+            </a:extLst>
+          </p:cNvPr>
+          <p:cNvSpPr/>
+          <p:nvPr/>
+        </p:nvSpPr>
+        <p:spPr>
+          <a:xfrm>
+            <a:off x="9553852" y="4138868"/>
+            <a:ext cx="1736373" cy="830997"/>
+          </a:xfrm>
+          <a:prstGeom prst="rect">
+            <a:avLst/>
+          </a:prstGeom>
+          <a:noFill/>
+        </p:spPr>
+        <p:txBody>
+          <a:bodyPr wrap="none" lIns="91440" tIns="45720" rIns="91440" bIns="45720">
+            <a:spAutoFit/>
+          </a:bodyPr>
+          <a:lstStyle/>
+          <a:p>
+            <a:pPr algn="ctr"/>
+            <a:r>
+              <a:rPr lang="en-US" sz="2400" b="1" dirty="0">
+                <a:ln w="0"/>
+                <a:latin typeface="Raleway"/>
+              </a:rPr>
+              <a:t>Time</a:t>
+            </a:r>
+          </a:p>
+          <a:p>
+            <a:pPr algn="ctr"/>
+            <a:r>
+              <a:rPr lang="en-US" sz="2400" b="1" dirty="0">
+                <a:ln w="0"/>
+                <a:latin typeface="Raleway"/>
+              </a:rPr>
+              <a:t>Bottleneck</a:t>
+            </a:r>
+          </a:p>
+        </p:txBody>
+      </p:sp>
+      <p:pic>
+        <p:nvPicPr>
+          <p:cNvPr id="14" name="Graphic 13" descr="Pause">
+            <a:extLst>
+              <a:ext uri="{FF2B5EF4-FFF2-40B4-BE49-F238E27FC236}">
+                <a16:creationId xmlns:a16="http://schemas.microsoft.com/office/drawing/2014/main" id="{1AEF6427-5945-4875-8F7C-F964B28A7448}"/>
+              </a:ext>
+            </a:extLst>
+          </p:cNvPr>
+          <p:cNvPicPr>
+            <a:picLocks noChangeAspect="1"/>
+          </p:cNvPicPr>
+          <p:nvPr/>
+        </p:nvPicPr>
+        <p:blipFill>
+          <a:blip r:embed="rId6">
+            <a:extLst>
+              <a:ext uri="{28A0092B-C50C-407E-A947-70E740481C1C}">
+                <a14:useLocalDpi xmlns:a14="http://schemas.microsoft.com/office/drawing/2010/main" val="0"/>
+              </a:ext>
+              <a:ext uri="{96DAC541-7B7A-43D3-8B79-37D633B846F1}">
+                <asvg:svgBlip xmlns:asvg="http://schemas.microsoft.com/office/drawing/2016/SVG/main" r:embed="rId7"/>
+              </a:ext>
+            </a:extLst>
+          </a:blip>
+          <a:stretch>
+            <a:fillRect/>
+          </a:stretch>
+        </p:blipFill>
+        <p:spPr>
+          <a:xfrm rot="5400000">
+            <a:off x="8531938" y="3190350"/>
+            <a:ext cx="914400" cy="914400"/>
+          </a:xfrm>
+          <a:prstGeom prst="rect">
+            <a:avLst/>
+          </a:prstGeom>
+        </p:spPr>
+      </p:pic>
+    </p:spTree>
+    <p:extLst>
+      <p:ext uri="{BB962C8B-B14F-4D97-AF65-F5344CB8AC3E}">
+        <p14:creationId xmlns:p14="http://schemas.microsoft.com/office/powerpoint/2010/main" val="2873722160"/>
+      </p:ext>
+    </p:extLst>
+  </p:cSld>
+  <p:clrMapOvr>
+    <a:masterClrMapping/>
+  </p:clrMapOvr>
+</p:sld>
+</file>
+
+<file path=ppt/slides/slide4.xml><?xml version="1.0" encoding="utf-8"?>
+<p:sld xmlns:a="http://schemas.openxmlformats.org/drawingml/2006/main" xmlns:r="http://schemas.openxmlformats.org/officeDocument/2006/relationships" xmlns:p="http://schemas.openxmlformats.org/presentationml/2006/main">
+  <p:cSld>
+    <p:spTree>
+      <p:nvGrpSpPr>
+        <p:cNvPr id="1" name=""/>
+        <p:cNvGrpSpPr/>
+        <p:nvPr/>
+      </p:nvGrpSpPr>
+      <p:grpSpPr>
+        <a:xfrm>
+          <a:off x="0" y="0"/>
+          <a:ext cx="0" cy="0"/>
+          <a:chOff x="0" y="0"/>
+          <a:chExt cx="0" cy="0"/>
+        </a:xfrm>
+      </p:grpSpPr>
       <p:pic>
         <p:nvPicPr>
           <p:cNvPr id="10" name="Graphic 9" descr="Arrow: Straight">
